--- a/SE2018春-G17-实现阶段PPT.pptx
+++ b/SE2018春-G17-实现阶段PPT.pptx
@@ -17,9 +17,9 @@
     <p:sldId id="406" r:id="rId8"/>
     <p:sldId id="408" r:id="rId9"/>
     <p:sldId id="416" r:id="rId10"/>
-    <p:sldId id="269" r:id="rId11"/>
-    <p:sldId id="273" r:id="rId12"/>
-    <p:sldId id="274" r:id="rId13"/>
+    <p:sldId id="422" r:id="rId11"/>
+    <p:sldId id="421" r:id="rId12"/>
+    <p:sldId id="269" r:id="rId13"/>
     <p:sldId id="418" r:id="rId14"/>
     <p:sldId id="419" r:id="rId15"/>
     <p:sldId id="420" r:id="rId16"/>
@@ -228,7 +228,7 @@
           <a:p>
             <a:fld id="{D2A48B96-639E-45A3-A0BA-2464DFDB1FAA}" type="datetimeFigureOut">
               <a:rPr lang="zh-CN" altLang="en-US" smtClean="0"/>
-              <a:t>2018/6/6</a:t>
+              <a:t>2018/6/7</a:t>
             </a:fld>
             <a:endParaRPr lang="zh-CN" altLang="en-US"/>
           </a:p>
@@ -1024,7 +1024,7 @@
           <a:p>
             <a:fld id="{D997B5FA-0921-464F-AAE1-844C04324D75}" type="datetimeFigureOut">
               <a:rPr lang="zh-CN" altLang="en-US" smtClean="0"/>
-              <a:t>2018/6/6</a:t>
+              <a:t>2018/6/7</a:t>
             </a:fld>
             <a:endParaRPr lang="zh-CN" altLang="en-US"/>
           </a:p>
@@ -1187,7 +1187,7 @@
           <a:p>
             <a:fld id="{D997B5FA-0921-464F-AAE1-844C04324D75}" type="datetimeFigureOut">
               <a:rPr lang="zh-CN" altLang="en-US" smtClean="0"/>
-              <a:t>2018/6/6</a:t>
+              <a:t>2018/6/7</a:t>
             </a:fld>
             <a:endParaRPr lang="zh-CN" altLang="en-US"/>
           </a:p>
@@ -1360,7 +1360,7 @@
           <a:p>
             <a:fld id="{D997B5FA-0921-464F-AAE1-844C04324D75}" type="datetimeFigureOut">
               <a:rPr lang="zh-CN" altLang="en-US" smtClean="0"/>
-              <a:t>2018/6/6</a:t>
+              <a:t>2018/6/7</a:t>
             </a:fld>
             <a:endParaRPr lang="zh-CN" altLang="en-US"/>
           </a:p>
@@ -1559,7 +1559,7 @@
           <a:p>
             <a:fld id="{D997B5FA-0921-464F-AAE1-844C04324D75}" type="datetimeFigureOut">
               <a:rPr lang="zh-CN" altLang="en-US" smtClean="0"/>
-              <a:t>2018/6/6</a:t>
+              <a:t>2018/6/7</a:t>
             </a:fld>
             <a:endParaRPr lang="zh-CN" altLang="en-US"/>
           </a:p>
@@ -1799,7 +1799,7 @@
           <a:p>
             <a:fld id="{D997B5FA-0921-464F-AAE1-844C04324D75}" type="datetimeFigureOut">
               <a:rPr lang="zh-CN" altLang="en-US" smtClean="0"/>
-              <a:t>2018/6/6</a:t>
+              <a:t>2018/6/7</a:t>
             </a:fld>
             <a:endParaRPr lang="zh-CN" altLang="en-US"/>
           </a:p>
@@ -2023,7 +2023,7 @@
           <a:p>
             <a:fld id="{D997B5FA-0921-464F-AAE1-844C04324D75}" type="datetimeFigureOut">
               <a:rPr lang="zh-CN" altLang="en-US" smtClean="0"/>
-              <a:t>2018/6/6</a:t>
+              <a:t>2018/6/7</a:t>
             </a:fld>
             <a:endParaRPr lang="zh-CN" altLang="en-US"/>
           </a:p>
@@ -2382,7 +2382,7 @@
           <a:p>
             <a:fld id="{D997B5FA-0921-464F-AAE1-844C04324D75}" type="datetimeFigureOut">
               <a:rPr lang="zh-CN" altLang="en-US" smtClean="0"/>
-              <a:t>2018/6/6</a:t>
+              <a:t>2018/6/7</a:t>
             </a:fld>
             <a:endParaRPr lang="zh-CN" altLang="en-US"/>
           </a:p>
@@ -2494,7 +2494,7 @@
           <a:p>
             <a:fld id="{D997B5FA-0921-464F-AAE1-844C04324D75}" type="datetimeFigureOut">
               <a:rPr lang="zh-CN" altLang="en-US" smtClean="0"/>
-              <a:t>2018/6/6</a:t>
+              <a:t>2018/6/7</a:t>
             </a:fld>
             <a:endParaRPr lang="zh-CN" altLang="en-US"/>
           </a:p>
@@ -2584,7 +2584,7 @@
           <a:p>
             <a:fld id="{D997B5FA-0921-464F-AAE1-844C04324D75}" type="datetimeFigureOut">
               <a:rPr lang="zh-CN" altLang="en-US" smtClean="0"/>
-              <a:t>2018/6/6</a:t>
+              <a:t>2018/6/7</a:t>
             </a:fld>
             <a:endParaRPr lang="zh-CN" altLang="en-US"/>
           </a:p>
@@ -2854,7 +2854,7 @@
           <a:p>
             <a:fld id="{D997B5FA-0921-464F-AAE1-844C04324D75}" type="datetimeFigureOut">
               <a:rPr lang="zh-CN" altLang="en-US" smtClean="0"/>
-              <a:t>2018/6/6</a:t>
+              <a:t>2018/6/7</a:t>
             </a:fld>
             <a:endParaRPr lang="zh-CN" altLang="en-US"/>
           </a:p>
@@ -3101,7 +3101,7 @@
           <a:p>
             <a:fld id="{D997B5FA-0921-464F-AAE1-844C04324D75}" type="datetimeFigureOut">
               <a:rPr lang="zh-CN" altLang="en-US" smtClean="0"/>
-              <a:t>2018/6/6</a:t>
+              <a:t>2018/6/7</a:t>
             </a:fld>
             <a:endParaRPr lang="zh-CN" altLang="en-US"/>
           </a:p>
@@ -3307,7 +3307,7 @@
           <a:p>
             <a:fld id="{D997B5FA-0921-464F-AAE1-844C04324D75}" type="datetimeFigureOut">
               <a:rPr lang="zh-CN" altLang="en-US" smtClean="0"/>
-              <a:t>2018/6/6</a:t>
+              <a:t>2018/6/7</a:t>
             </a:fld>
             <a:endParaRPr lang="zh-CN" altLang="en-US"/>
           </a:p>
@@ -5544,9 +5544,10 @@
           <a:p>
             <a:pPr algn="ctr"/>
             <a:r>
-              <a:rPr lang="en-US" sz="2400" dirty="0"/>
-              <a:t>3</a:t>
+              <a:rPr lang="en-US" altLang="zh-Hans" sz="2400" dirty="0"/>
+              <a:t>2</a:t>
             </a:r>
+            <a:endParaRPr lang="en-US" sz="2400" dirty="0"/>
           </a:p>
         </p:txBody>
       </p:sp>
@@ -5580,7 +5581,27 @@
                 <a:latin typeface="微软雅黑" panose="020B0503020204020204" pitchFamily="34" charset="-122"/>
                 <a:ea typeface="微软雅黑" panose="020B0503020204020204" pitchFamily="34" charset="-122"/>
               </a:rPr>
-              <a:t>详细设计说明书</a:t>
+              <a:t>测试计划</a:t>
+            </a:r>
+            <a:r>
+              <a:rPr lang="en-US" altLang="zh-Hans" sz="2665" dirty="0">
+                <a:solidFill>
+                  <a:srgbClr val="183A5D"/>
+                </a:solidFill>
+                <a:latin typeface="微软雅黑" panose="020B0503020204020204" pitchFamily="34" charset="-122"/>
+                <a:ea typeface="微软雅黑" panose="020B0503020204020204" pitchFamily="34" charset="-122"/>
+              </a:rPr>
+              <a:t>—</a:t>
+            </a:r>
+            <a:r>
+              <a:rPr lang="zh-Hans" altLang="en-US" sz="2665" dirty="0">
+                <a:solidFill>
+                  <a:srgbClr val="183A5D"/>
+                </a:solidFill>
+                <a:latin typeface="微软雅黑" panose="020B0503020204020204" pitchFamily="34" charset="-122"/>
+                <a:ea typeface="微软雅黑" panose="020B0503020204020204" pitchFamily="34" charset="-122"/>
+              </a:rPr>
+              <a:t>集成测试用例</a:t>
             </a:r>
             <a:endParaRPr lang="zh-CN" sz="2665" dirty="0">
               <a:solidFill>
@@ -5592,37 +5613,96 @@
           </a:p>
         </p:txBody>
       </p:sp>
-      <p:pic>
-        <p:nvPicPr>
-          <p:cNvPr id="12" name="图片 11">
+      <p:sp>
+        <p:nvSpPr>
+          <p:cNvPr id="5" name="文本框 4">
             <a:extLst>
               <a:ext uri="{FF2B5EF4-FFF2-40B4-BE49-F238E27FC236}">
-                <a16:creationId xmlns:a16="http://schemas.microsoft.com/office/drawing/2014/main" id="{2CC784C0-1EFB-BE4C-8578-FF0C3F627222}"/>
+                <a16:creationId xmlns:a16="http://schemas.microsoft.com/office/drawing/2014/main" id="{57C6A9D9-49DE-464A-85CA-542D02B35F68}"/>
               </a:ext>
             </a:extLst>
           </p:cNvPr>
-          <p:cNvPicPr>
-            <a:picLocks noChangeAspect="1"/>
-          </p:cNvPicPr>
+          <p:cNvSpPr txBox="1"/>
           <p:nvPr/>
-        </p:nvPicPr>
-        <p:blipFill>
-          <a:blip r:embed="rId2"/>
-          <a:stretch>
-            <a:fillRect/>
-          </a:stretch>
-        </p:blipFill>
+        </p:nvSpPr>
         <p:spPr>
           <a:xfrm>
-            <a:off x="4707033" y="159821"/>
-            <a:ext cx="7484967" cy="6506474"/>
+            <a:off x="1410159" y="1211855"/>
+            <a:ext cx="10054355" cy="1477328"/>
           </a:xfrm>
           <a:prstGeom prst="rect">
             <a:avLst/>
           </a:prstGeom>
+          <a:noFill/>
         </p:spPr>
-      </p:pic>
+        <p:txBody>
+          <a:bodyPr wrap="none" rtlCol="0">
+            <a:spAutoFit/>
+          </a:bodyPr>
+          <a:lstStyle/>
+          <a:p>
+            <a:r>
+              <a:rPr kumimoji="1" lang="en-US" altLang="zh-Hans" dirty="0"/>
+              <a:t>1.</a:t>
+            </a:r>
+            <a:r>
+              <a:rPr kumimoji="1" lang="zh-Hans" altLang="en-US" dirty="0"/>
+              <a:t>在问酒页面与历史界面相互切换</a:t>
+            </a:r>
+            <a:endParaRPr kumimoji="1" lang="en-US" altLang="zh-Hans" dirty="0"/>
+          </a:p>
+          <a:p>
+            <a:r>
+              <a:rPr kumimoji="1" lang="en-US" altLang="zh-Hans" dirty="0"/>
+              <a:t>2.</a:t>
+            </a:r>
+            <a:r>
+              <a:rPr kumimoji="1" lang="zh-Hans" altLang="en-US" dirty="0"/>
+              <a:t>调用相机并进行拍照，调用裁剪进行识别，再点击相关酒条目，调到葡萄酒信息</a:t>
+            </a:r>
+            <a:endParaRPr kumimoji="1" lang="en-US" altLang="zh-Hans" dirty="0"/>
+          </a:p>
+          <a:p>
+            <a:r>
+              <a:rPr kumimoji="1" lang="en-US" altLang="zh-Hans" dirty="0"/>
+              <a:t>3.</a:t>
+            </a:r>
+            <a:r>
+              <a:rPr kumimoji="1" lang="zh-Hans" altLang="en-US" dirty="0"/>
+              <a:t>调用图库，选取图片，调用裁剪进行识别，再点击相关酒条目，调到葡萄酒信息</a:t>
+            </a:r>
+            <a:endParaRPr kumimoji="1" lang="en-US" altLang="zh-Hans" dirty="0"/>
+          </a:p>
+          <a:p>
+            <a:r>
+              <a:rPr kumimoji="1" lang="en-US" altLang="zh-Hans" dirty="0"/>
+              <a:t>4.</a:t>
+            </a:r>
+            <a:r>
+              <a:rPr kumimoji="1" lang="zh-Hans" altLang="en-US" dirty="0"/>
+              <a:t>在葡萄酒页面点击标记按钮，进行标记，并返回主界面，切换到历史记录中发现存在标记过的酒</a:t>
+            </a:r>
+            <a:endParaRPr kumimoji="1" lang="en-US" altLang="zh-Hans" dirty="0"/>
+          </a:p>
+          <a:p>
+            <a:r>
+              <a:rPr kumimoji="1" lang="en-US" altLang="zh-Hans" dirty="0"/>
+              <a:t>5.</a:t>
+            </a:r>
+            <a:r>
+              <a:rPr kumimoji="1" lang="zh-Hans" altLang="en-US" dirty="0"/>
+              <a:t>通过历史记录进入到该酒相关的酒界面。</a:t>
+            </a:r>
+            <a:endParaRPr kumimoji="1" lang="zh-CN" altLang="en-US" dirty="0"/>
+          </a:p>
+        </p:txBody>
+      </p:sp>
     </p:spTree>
+    <p:extLst>
+      <p:ext uri="{BB962C8B-B14F-4D97-AF65-F5344CB8AC3E}">
+        <p14:creationId xmlns:p14="http://schemas.microsoft.com/office/powerpoint/2010/main" val="3572369045"/>
+      </p:ext>
+    </p:extLst>
   </p:cSld>
   <p:clrMapOvr>
     <a:masterClrMapping/>
@@ -5740,9 +5820,9 @@
             <a:pPr algn="ctr"/>
             <a:r>
               <a:rPr lang="en-US" altLang="zh-Hans" sz="2400" dirty="0"/>
-              <a:t>3</a:t>
+              <a:t>2</a:t>
             </a:r>
-            <a:endParaRPr lang="en-US" altLang="zh-CN" sz="2400" dirty="0"/>
+            <a:endParaRPr lang="en-US" sz="2400" dirty="0"/>
           </a:p>
         </p:txBody>
       </p:sp>
@@ -5754,7 +5834,7 @@
         </p:nvSpPr>
         <p:spPr>
           <a:xfrm>
-            <a:off x="2228057" y="191566"/>
+            <a:off x="2207741" y="159821"/>
             <a:ext cx="6051597" cy="501650"/>
           </a:xfrm>
           <a:prstGeom prst="rect">
@@ -5776,9 +5856,29 @@
                 <a:latin typeface="微软雅黑" panose="020B0503020204020204" pitchFamily="34" charset="-122"/>
                 <a:ea typeface="微软雅黑" panose="020B0503020204020204" pitchFamily="34" charset="-122"/>
               </a:rPr>
-              <a:t>详细设计说明书</a:t>
+              <a:t>测试计划</a:t>
             </a:r>
-            <a:endParaRPr lang="zh-CN" altLang="en-US" sz="2665" dirty="0">
+            <a:r>
+              <a:rPr lang="en-US" altLang="zh-Hans" sz="2665" dirty="0">
+                <a:solidFill>
+                  <a:srgbClr val="183A5D"/>
+                </a:solidFill>
+                <a:latin typeface="微软雅黑" panose="020B0503020204020204" pitchFamily="34" charset="-122"/>
+                <a:ea typeface="微软雅黑" panose="020B0503020204020204" pitchFamily="34" charset="-122"/>
+              </a:rPr>
+              <a:t>—</a:t>
+            </a:r>
+            <a:r>
+              <a:rPr lang="zh-Hans" altLang="en-US" sz="2665" dirty="0">
+                <a:solidFill>
+                  <a:srgbClr val="183A5D"/>
+                </a:solidFill>
+                <a:latin typeface="微软雅黑" panose="020B0503020204020204" pitchFamily="34" charset="-122"/>
+                <a:ea typeface="微软雅黑" panose="020B0503020204020204" pitchFamily="34" charset="-122"/>
+              </a:rPr>
+              <a:t>系统测试</a:t>
+            </a:r>
+            <a:endParaRPr lang="zh-CN" sz="2665" dirty="0">
               <a:solidFill>
                 <a:srgbClr val="183A5D"/>
               </a:solidFill>
@@ -5790,7 +5890,13 @@
       </p:sp>
       <p:pic>
         <p:nvPicPr>
-          <p:cNvPr id="7" name="图片 6"/>
+          <p:cNvPr id="5" name="图片 4">
+            <a:extLst>
+              <a:ext uri="{FF2B5EF4-FFF2-40B4-BE49-F238E27FC236}">
+                <a16:creationId xmlns:a16="http://schemas.microsoft.com/office/drawing/2014/main" id="{B285DC9A-C33C-2544-95DE-4C359750F935}"/>
+              </a:ext>
+            </a:extLst>
+          </p:cNvPr>
           <p:cNvPicPr>
             <a:picLocks noChangeAspect="1"/>
           </p:cNvPicPr>
@@ -5804,8 +5910,8 @@
         </p:blipFill>
         <p:spPr>
           <a:xfrm>
-            <a:off x="738505" y="1383030"/>
-            <a:ext cx="5285105" cy="4091940"/>
+            <a:off x="442128" y="983714"/>
+            <a:ext cx="5270500" cy="2819400"/>
           </a:xfrm>
           <a:prstGeom prst="rect">
             <a:avLst/>
@@ -5814,22 +5920,106 @@
       </p:pic>
       <p:pic>
         <p:nvPicPr>
-          <p:cNvPr id="8" name="图片 7"/>
+          <p:cNvPr id="7" name="图片 6">
+            <a:extLst>
+              <a:ext uri="{FF2B5EF4-FFF2-40B4-BE49-F238E27FC236}">
+                <a16:creationId xmlns:a16="http://schemas.microsoft.com/office/drawing/2014/main" id="{24B94751-2D44-7E47-819A-18793DDD896A}"/>
+              </a:ext>
+            </a:extLst>
+          </p:cNvPr>
           <p:cNvPicPr>
             <a:picLocks noChangeAspect="1"/>
           </p:cNvPicPr>
           <p:nvPr/>
         </p:nvPicPr>
         <p:blipFill>
-          <a:blip r:embed="rId3"/>
+          <a:blip r:embed="rId3">
+            <a:extLst>
+              <a:ext uri="{28A0092B-C50C-407E-A947-70E740481C1C}">
+                <a14:useLocalDpi xmlns:a14="http://schemas.microsoft.com/office/drawing/2010/main" val="0"/>
+              </a:ext>
+            </a:extLst>
+          </a:blip>
           <a:stretch>
             <a:fillRect/>
           </a:stretch>
         </p:blipFill>
         <p:spPr>
           <a:xfrm>
-            <a:off x="6680200" y="1560830"/>
-            <a:ext cx="4518660" cy="3914775"/>
+            <a:off x="6270051" y="983714"/>
+            <a:ext cx="5270500" cy="2819400"/>
+          </a:xfrm>
+          <a:prstGeom prst="rect">
+            <a:avLst/>
+          </a:prstGeom>
+        </p:spPr>
+      </p:pic>
+      <p:pic>
+        <p:nvPicPr>
+          <p:cNvPr id="10" name="图片 9">
+            <a:extLst>
+              <a:ext uri="{FF2B5EF4-FFF2-40B4-BE49-F238E27FC236}">
+                <a16:creationId xmlns:a16="http://schemas.microsoft.com/office/drawing/2014/main" id="{4494453C-4D73-5644-A793-C17C17472DB3}"/>
+              </a:ext>
+            </a:extLst>
+          </p:cNvPr>
+          <p:cNvPicPr>
+            <a:picLocks noChangeAspect="1"/>
+          </p:cNvPicPr>
+          <p:nvPr/>
+        </p:nvPicPr>
+        <p:blipFill>
+          <a:blip r:embed="rId4">
+            <a:extLst>
+              <a:ext uri="{28A0092B-C50C-407E-A947-70E740481C1C}">
+                <a14:useLocalDpi xmlns:a14="http://schemas.microsoft.com/office/drawing/2010/main" val="0"/>
+              </a:ext>
+            </a:extLst>
+          </a:blip>
+          <a:stretch>
+            <a:fillRect/>
+          </a:stretch>
+        </p:blipFill>
+        <p:spPr>
+          <a:xfrm>
+            <a:off x="481069" y="3852230"/>
+            <a:ext cx="5270500" cy="2819400"/>
+          </a:xfrm>
+          <a:prstGeom prst="rect">
+            <a:avLst/>
+          </a:prstGeom>
+        </p:spPr>
+      </p:pic>
+      <p:pic>
+        <p:nvPicPr>
+          <p:cNvPr id="12" name="图片 11">
+            <a:extLst>
+              <a:ext uri="{FF2B5EF4-FFF2-40B4-BE49-F238E27FC236}">
+                <a16:creationId xmlns:a16="http://schemas.microsoft.com/office/drawing/2014/main" id="{CAF83924-241E-7E42-A285-2AF9CE1AA8DF}"/>
+              </a:ext>
+            </a:extLst>
+          </p:cNvPr>
+          <p:cNvPicPr>
+            <a:picLocks noChangeAspect="1"/>
+          </p:cNvPicPr>
+          <p:nvPr/>
+        </p:nvPicPr>
+        <p:blipFill>
+          <a:blip r:embed="rId5">
+            <a:extLst>
+              <a:ext uri="{28A0092B-C50C-407E-A947-70E740481C1C}">
+                <a14:useLocalDpi xmlns:a14="http://schemas.microsoft.com/office/drawing/2010/main" val="0"/>
+              </a:ext>
+            </a:extLst>
+          </a:blip>
+          <a:stretch>
+            <a:fillRect/>
+          </a:stretch>
+        </p:blipFill>
+        <p:spPr>
+          <a:xfrm>
+            <a:off x="6270051" y="3852230"/>
+            <a:ext cx="5270500" cy="2819400"/>
           </a:xfrm>
           <a:prstGeom prst="rect">
             <a:avLst/>
@@ -5837,6 +6027,11 @@
         </p:spPr>
       </p:pic>
     </p:spTree>
+    <p:extLst>
+      <p:ext uri="{BB962C8B-B14F-4D97-AF65-F5344CB8AC3E}">
+        <p14:creationId xmlns:p14="http://schemas.microsoft.com/office/powerpoint/2010/main" val="1042300340"/>
+      </p:ext>
+    </p:extLst>
   </p:cSld>
   <p:clrMapOvr>
     <a:masterClrMapping/>
@@ -5953,10 +6148,9 @@
           <a:p>
             <a:pPr algn="ctr"/>
             <a:r>
-              <a:rPr lang="en-US" altLang="zh-Hans" sz="2400" dirty="0"/>
+              <a:rPr lang="en-US" sz="2400" dirty="0"/>
               <a:t>3</a:t>
             </a:r>
-            <a:endParaRPr lang="en-US" altLang="zh-CN" sz="2400" dirty="0"/>
           </a:p>
         </p:txBody>
       </p:sp>
@@ -5968,7 +6162,7 @@
         </p:nvSpPr>
         <p:spPr>
           <a:xfrm>
-            <a:off x="2228057" y="191566"/>
+            <a:off x="2207741" y="159821"/>
             <a:ext cx="6051597" cy="501650"/>
           </a:xfrm>
           <a:prstGeom prst="rect">
@@ -5992,7 +6186,7 @@
               </a:rPr>
               <a:t>详细设计说明书</a:t>
             </a:r>
-            <a:endParaRPr lang="zh-CN" altLang="en-US" sz="2665" dirty="0">
+            <a:endParaRPr lang="zh-CN" sz="2665" dirty="0">
               <a:solidFill>
                 <a:srgbClr val="183A5D"/>
               </a:solidFill>
@@ -6004,7 +6198,13 @@
       </p:sp>
       <p:pic>
         <p:nvPicPr>
-          <p:cNvPr id="5" name="图片 4"/>
+          <p:cNvPr id="12" name="图片 11">
+            <a:extLst>
+              <a:ext uri="{FF2B5EF4-FFF2-40B4-BE49-F238E27FC236}">
+                <a16:creationId xmlns:a16="http://schemas.microsoft.com/office/drawing/2014/main" id="{2CC784C0-1EFB-BE4C-8578-FF0C3F627222}"/>
+              </a:ext>
+            </a:extLst>
+          </p:cNvPr>
           <p:cNvPicPr>
             <a:picLocks noChangeAspect="1"/>
           </p:cNvPicPr>
@@ -6018,8 +6218,8 @@
         </p:blipFill>
         <p:spPr>
           <a:xfrm>
-            <a:off x="2526030" y="693420"/>
-            <a:ext cx="6263005" cy="5621655"/>
+            <a:off x="4707033" y="159821"/>
+            <a:ext cx="7484967" cy="6506474"/>
           </a:xfrm>
           <a:prstGeom prst="rect">
             <a:avLst/>
@@ -6596,10 +6796,10 @@
       </p:sp>
       <p:pic>
         <p:nvPicPr>
-          <p:cNvPr id="7" name="图片 6">
+          <p:cNvPr id="5" name="图片 4">
             <a:extLst>
               <a:ext uri="{FF2B5EF4-FFF2-40B4-BE49-F238E27FC236}">
-                <a16:creationId xmlns:a16="http://schemas.microsoft.com/office/drawing/2014/main" id="{32AB560F-5B2E-B54D-9039-FC9B1F7F60ED}"/>
+                <a16:creationId xmlns:a16="http://schemas.microsoft.com/office/drawing/2014/main" id="{BCD93534-E1F5-7048-BE6C-ADCB704E6735}"/>
               </a:ext>
             </a:extLst>
           </p:cNvPr>
@@ -6616,8 +6816,8 @@
         </p:blipFill>
         <p:spPr>
           <a:xfrm>
-            <a:off x="4236245" y="68881"/>
-            <a:ext cx="6776218" cy="6858000"/>
+            <a:off x="4453203" y="1171"/>
+            <a:ext cx="6590654" cy="6858000"/>
           </a:xfrm>
           <a:prstGeom prst="rect">
             <a:avLst/>
@@ -18172,11 +18372,11 @@
   <p:clrMapOvr>
     <a:masterClrMapping/>
   </p:clrMapOvr>
-  <mc:AlternateContent xmlns:mc="http://schemas.openxmlformats.org/markup-compatibility/2006">
-    <mc:Choice xmlns:p14="http://schemas.microsoft.com/office/powerpoint/2010/main" Requires="p14">
+  <mc:AlternateContent xmlns:mc="http://schemas.openxmlformats.org/markup-compatibility/2006" xmlns:p14="http://schemas.microsoft.com/office/powerpoint/2010/main">
+    <mc:Choice Requires="p14">
       <p:transition spd="slow" p14:dur="2000" advClick="0" advTm="0"/>
     </mc:Choice>
-    <mc:Fallback>
+    <mc:Fallback xmlns="">
       <p:transition spd="slow" advClick="0" advTm="0"/>
     </mc:Fallback>
   </mc:AlternateContent>
@@ -20837,7 +21037,7 @@
                 <a:latin typeface="微软雅黑" panose="020B0503020204020204" pitchFamily="34" charset="-122"/>
                 <a:ea typeface="微软雅黑" panose="020B0503020204020204" pitchFamily="34" charset="-122"/>
               </a:rPr>
-              <a:t>集成测试用例</a:t>
+              <a:t>单元测试用例</a:t>
             </a:r>
             <a:endParaRPr lang="zh-CN" sz="2665" dirty="0">
               <a:solidFill>
@@ -20864,13 +21064,13 @@
           <p:nvPr>
             <p:extLst>
               <p:ext uri="{D42A27DB-BD31-4B8C-83A1-F6EECF244321}">
-                <p14:modId xmlns:p14="http://schemas.microsoft.com/office/powerpoint/2010/main" val="1263334713"/>
+                <p14:modId xmlns:p14="http://schemas.microsoft.com/office/powerpoint/2010/main" val="4087081991"/>
               </p:ext>
             </p:extLst>
           </p:nvPr>
         </p:nvGraphicFramePr>
         <p:xfrm>
-          <a:off x="1358537" y="779837"/>
+          <a:off x="1847184" y="1110342"/>
           <a:ext cx="9222377" cy="5620964"/>
         </p:xfrm>
         <a:graphic>
@@ -21063,6 +21263,15 @@
                           <a:spcPts val="0"/>
                         </a:spcAft>
                       </a:pPr>
+                      <a:r>
+                        <a:rPr lang="zh-Hans" altLang="en-US" sz="2400" kern="100" dirty="0">
+                          <a:effectLst/>
+                          <a:latin typeface="Calibri" panose="020F0502020204030204" pitchFamily="34" charset="0"/>
+                          <a:ea typeface="宋体" panose="02010600030101010101" pitchFamily="2" charset="-122"/>
+                          <a:cs typeface="Times New Roman" panose="02020603050405020304" pitchFamily="18" charset="0"/>
+                        </a:rPr>
+                        <a:t>识别结果转详细页面</a:t>
+                      </a:r>
                       <a:endParaRPr lang="zh-CN" sz="2400" kern="100" dirty="0">
                         <a:effectLst/>
                         <a:latin typeface="Calibri" panose="020F0502020204030204" pitchFamily="34" charset="0"/>
@@ -21099,7 +21308,7 @@
                           <a:ea typeface="宋体" panose="02010600030101010101" pitchFamily="2" charset="-122"/>
                           <a:cs typeface="Times New Roman" panose="02020603050405020304" pitchFamily="18" charset="0"/>
                         </a:rPr>
-                        <a:t>   </a:t>
+                        <a:t>   点击不同的选项</a:t>
                       </a:r>
                       <a:endParaRPr lang="zh-CN" sz="2400" kern="100" dirty="0">
                         <a:effectLst/>
@@ -21128,6 +21337,15 @@
                           <a:spcPts val="0"/>
                         </a:spcAft>
                       </a:pPr>
+                      <a:r>
+                        <a:rPr lang="zh-Hans" altLang="en-US" sz="2400" kern="100" dirty="0">
+                          <a:effectLst/>
+                          <a:latin typeface="Calibri" panose="020F0502020204030204" pitchFamily="34" charset="0"/>
+                          <a:ea typeface="宋体" panose="02010600030101010101" pitchFamily="2" charset="-122"/>
+                          <a:cs typeface="Times New Roman" panose="02020603050405020304" pitchFamily="18" charset="0"/>
+                        </a:rPr>
+                        <a:t>历史记录</a:t>
+                      </a:r>
                       <a:endParaRPr lang="zh-CN" sz="2400" kern="100" dirty="0">
                         <a:effectLst/>
                         <a:latin typeface="Calibri" panose="020F0502020204030204" pitchFamily="34" charset="0"/>
@@ -21149,13 +21367,13 @@
                         </a:spcAft>
                       </a:pPr>
                       <a:r>
-                        <a:rPr lang="zh-Hans" altLang="en-US" sz="2400" kern="0" dirty="0">
+                        <a:rPr lang="zh-Hans" altLang="en-US" sz="2400" kern="100" dirty="0">
                           <a:effectLst/>
                           <a:latin typeface="Calibri" panose="020F0502020204030204" pitchFamily="34" charset="0"/>
                           <a:ea typeface="宋体" panose="02010600030101010101" pitchFamily="2" charset="-122"/>
                           <a:cs typeface="Times New Roman" panose="02020603050405020304" pitchFamily="18" charset="0"/>
                         </a:rPr>
-                        <a:t>    </a:t>
+                        <a:t>点击标记按钮以表示正确识别</a:t>
                       </a:r>
                       <a:endParaRPr lang="zh-CN" sz="2400" kern="100" dirty="0">
                         <a:effectLst/>
@@ -21169,7 +21387,7 @@
                 </a:tc>
                 <a:extLst>
                   <a:ext uri="{0D108BD9-81ED-4DB2-BD59-A6C34878D82A}">
-                    <a16:rowId xmlns:a16="http://schemas.microsoft.com/office/drawing/2014/main" val="1320514310"/>
+                    <a16:rowId xmlns:a16="http://schemas.microsoft.com/office/drawing/2014/main" val="3700117422"/>
                   </a:ext>
                 </a:extLst>
               </a:tr>

--- a/SE2018春-G17-实现阶段PPT.pptx
+++ b/SE2018春-G17-实现阶段PPT.pptx
@@ -5,7 +5,7 @@
     <p:sldMasterId id="2147483648" r:id="rId1"/>
   </p:sldMasterIdLst>
   <p:notesMasterIdLst>
-    <p:notesMasterId r:id="rId23"/>
+    <p:notesMasterId r:id="rId24"/>
   </p:notesMasterIdLst>
   <p:sldIdLst>
     <p:sldId id="256" r:id="rId2"/>
@@ -25,10 +25,11 @@
     <p:sldId id="420" r:id="rId16"/>
     <p:sldId id="412" r:id="rId17"/>
     <p:sldId id="413" r:id="rId18"/>
-    <p:sldId id="411" r:id="rId19"/>
-    <p:sldId id="414" r:id="rId20"/>
-    <p:sldId id="415" r:id="rId21"/>
-    <p:sldId id="417" r:id="rId22"/>
+    <p:sldId id="423" r:id="rId19"/>
+    <p:sldId id="411" r:id="rId20"/>
+    <p:sldId id="414" r:id="rId21"/>
+    <p:sldId id="415" r:id="rId22"/>
+    <p:sldId id="417" r:id="rId23"/>
   </p:sldIdLst>
   <p:sldSz cx="12192000" cy="6858000"/>
   <p:notesSz cx="6858000" cy="9144000"/>
@@ -7387,6 +7388,26 @@
               </a:rPr>
               <a:t>用户手册</a:t>
             </a:r>
+            <a:r>
+              <a:rPr lang="en-US" altLang="zh-Hans" sz="2665" dirty="0">
+                <a:solidFill>
+                  <a:srgbClr val="183A5D"/>
+                </a:solidFill>
+                <a:latin typeface="微软雅黑" panose="020B0503020204020204" pitchFamily="34" charset="-122"/>
+                <a:ea typeface="微软雅黑" panose="020B0503020204020204" pitchFamily="34" charset="-122"/>
+              </a:rPr>
+              <a:t>——</a:t>
+            </a:r>
+            <a:r>
+              <a:rPr lang="zh-Hans" altLang="en-US" sz="2665" dirty="0">
+                <a:solidFill>
+                  <a:srgbClr val="183A5D"/>
+                </a:solidFill>
+                <a:latin typeface="微软雅黑" panose="020B0503020204020204" pitchFamily="34" charset="-122"/>
+                <a:ea typeface="微软雅黑" panose="020B0503020204020204" pitchFamily="34" charset="-122"/>
+              </a:rPr>
+              <a:t>酒界面</a:t>
+            </a:r>
             <a:endParaRPr lang="zh-CN" sz="2665" dirty="0">
               <a:solidFill>
                 <a:srgbClr val="183A5D"/>
@@ -7397,10 +7418,70 @@
           </a:p>
         </p:txBody>
       </p:sp>
+      <p:pic>
+        <p:nvPicPr>
+          <p:cNvPr id="7" name="图片 6">
+            <a:extLst>
+              <a:ext uri="{FF2B5EF4-FFF2-40B4-BE49-F238E27FC236}">
+                <a16:creationId xmlns:a16="http://schemas.microsoft.com/office/drawing/2014/main" id="{51FF2B30-C3A2-1641-B362-5702066AB486}"/>
+              </a:ext>
+            </a:extLst>
+          </p:cNvPr>
+          <p:cNvPicPr>
+            <a:picLocks noChangeAspect="1"/>
+          </p:cNvPicPr>
+          <p:nvPr/>
+        </p:nvPicPr>
+        <p:blipFill>
+          <a:blip r:embed="rId2"/>
+          <a:stretch>
+            <a:fillRect/>
+          </a:stretch>
+        </p:blipFill>
+        <p:spPr>
+          <a:xfrm>
+            <a:off x="6432015" y="410646"/>
+            <a:ext cx="4144178" cy="6216267"/>
+          </a:xfrm>
+          <a:prstGeom prst="rect">
+            <a:avLst/>
+          </a:prstGeom>
+        </p:spPr>
+      </p:pic>
+      <p:pic>
+        <p:nvPicPr>
+          <p:cNvPr id="8" name="图片 7">
+            <a:extLst>
+              <a:ext uri="{FF2B5EF4-FFF2-40B4-BE49-F238E27FC236}">
+                <a16:creationId xmlns:a16="http://schemas.microsoft.com/office/drawing/2014/main" id="{34A76083-CDDA-A045-B481-9807267F938A}"/>
+              </a:ext>
+            </a:extLst>
+          </p:cNvPr>
+          <p:cNvPicPr>
+            <a:picLocks noChangeAspect="1"/>
+          </p:cNvPicPr>
+          <p:nvPr/>
+        </p:nvPicPr>
+        <p:blipFill>
+          <a:blip r:embed="rId3"/>
+          <a:stretch>
+            <a:fillRect/>
+          </a:stretch>
+        </p:blipFill>
+        <p:spPr>
+          <a:xfrm>
+            <a:off x="-96202" y="2223963"/>
+            <a:ext cx="6838526" cy="1790700"/>
+          </a:xfrm>
+          <a:prstGeom prst="rect">
+            <a:avLst/>
+          </a:prstGeom>
+        </p:spPr>
+      </p:pic>
     </p:spTree>
     <p:extLst>
       <p:ext uri="{BB962C8B-B14F-4D97-AF65-F5344CB8AC3E}">
-        <p14:creationId xmlns:p14="http://schemas.microsoft.com/office/powerpoint/2010/main" val="4152072782"/>
+        <p14:creationId xmlns:p14="http://schemas.microsoft.com/office/powerpoint/2010/main" val="2318723825"/>
       </p:ext>
     </p:extLst>
   </p:cSld>
@@ -7520,7 +7601,7 @@
             <a:pPr algn="ctr"/>
             <a:r>
               <a:rPr lang="en-US" altLang="zh-Hans" sz="2400" dirty="0"/>
-              <a:t>7</a:t>
+              <a:t>6</a:t>
             </a:r>
             <a:endParaRPr lang="en-US" sz="2400" dirty="0"/>
           </a:p>
@@ -7556,7 +7637,7 @@
                 <a:latin typeface="微软雅黑" panose="020B0503020204020204" pitchFamily="34" charset="-122"/>
                 <a:ea typeface="微软雅黑" panose="020B0503020204020204" pitchFamily="34" charset="-122"/>
               </a:rPr>
-              <a:t>项目总结</a:t>
+              <a:t>用户手册</a:t>
             </a:r>
             <a:r>
               <a:rPr lang="en-US" altLang="zh-Hans" sz="2665" dirty="0">
@@ -7576,7 +7657,7 @@
                 <a:latin typeface="微软雅黑" panose="020B0503020204020204" pitchFamily="34" charset="-122"/>
                 <a:ea typeface="微软雅黑" panose="020B0503020204020204" pitchFamily="34" charset="-122"/>
               </a:rPr>
-              <a:t>出错原因分析</a:t>
+              <a:t>截取图片</a:t>
             </a:r>
             <a:endParaRPr lang="zh-CN" sz="2665" dirty="0">
               <a:solidFill>
@@ -7588,426 +7669,70 @@
           </a:p>
         </p:txBody>
       </p:sp>
-      <p:graphicFrame>
-        <p:nvGraphicFramePr>
-          <p:cNvPr id="8" name="表格 7">
+      <p:pic>
+        <p:nvPicPr>
+          <p:cNvPr id="9" name="图片 8">
             <a:extLst>
               <a:ext uri="{FF2B5EF4-FFF2-40B4-BE49-F238E27FC236}">
-                <a16:creationId xmlns:a16="http://schemas.microsoft.com/office/drawing/2014/main" id="{CF911E31-B8EE-B442-8EC6-AB2B9D547CDD}"/>
+                <a16:creationId xmlns:a16="http://schemas.microsoft.com/office/drawing/2014/main" id="{DB2A48D0-0C1A-2446-A099-6E4C9BA10A6E}"/>
               </a:ext>
             </a:extLst>
           </p:cNvPr>
-          <p:cNvGraphicFramePr>
-            <a:graphicFrameLocks noGrp="1"/>
-          </p:cNvGraphicFramePr>
-          <p:nvPr>
-            <p:extLst>
-              <p:ext uri="{D42A27DB-BD31-4B8C-83A1-F6EECF244321}">
-                <p14:modId xmlns:p14="http://schemas.microsoft.com/office/powerpoint/2010/main" val="1511827329"/>
-              </p:ext>
-            </p:extLst>
-          </p:nvPr>
-        </p:nvGraphicFramePr>
-        <p:xfrm>
-          <a:off x="1847184" y="779837"/>
-          <a:ext cx="9679578" cy="5268267"/>
-        </p:xfrm>
-        <a:graphic>
-          <a:graphicData uri="http://schemas.openxmlformats.org/drawingml/2006/table">
-            <a:tbl>
-              <a:tblPr firstRow="1" firstCol="1" bandRow="1">
-                <a:tableStyleId>{5C22544A-7EE6-4342-B048-85BDC9FD1C3A}</a:tableStyleId>
-              </a:tblPr>
-              <a:tblGrid>
-                <a:gridCol w="4819745">
-                  <a:extLst>
-                    <a:ext uri="{9D8B030D-6E8A-4147-A177-3AD203B41FA5}">
-                      <a16:colId xmlns:a16="http://schemas.microsoft.com/office/drawing/2014/main" val="3168544644"/>
-                    </a:ext>
-                  </a:extLst>
-                </a:gridCol>
-                <a:gridCol w="4859833">
-                  <a:extLst>
-                    <a:ext uri="{9D8B030D-6E8A-4147-A177-3AD203B41FA5}">
-                      <a16:colId xmlns:a16="http://schemas.microsoft.com/office/drawing/2014/main" val="3980843233"/>
-                    </a:ext>
-                  </a:extLst>
-                </a:gridCol>
-              </a:tblGrid>
-              <a:tr h="553616">
-                <a:tc>
-                  <a:txBody>
-                    <a:bodyPr/>
-                    <a:lstStyle/>
-                    <a:p>
-                      <a:pPr algn="ctr">
-                        <a:spcAft>
-                          <a:spcPts val="0"/>
-                        </a:spcAft>
-                      </a:pPr>
-                      <a:r>
-                        <a:rPr lang="zh-CN" sz="2400" dirty="0">
-                          <a:effectLst/>
-                        </a:rPr>
-                        <a:t>问题</a:t>
-                      </a:r>
-                      <a:endParaRPr lang="zh-CN" sz="2400" dirty="0">
-                        <a:effectLst/>
-                        <a:latin typeface="宋体" panose="02010600030101010101" pitchFamily="2" charset="-122"/>
-                        <a:ea typeface="宋体" panose="02010600030101010101" pitchFamily="2" charset="-122"/>
-                        <a:cs typeface="宋体" panose="02010600030101010101" pitchFamily="2" charset="-122"/>
-                      </a:endParaRPr>
-                    </a:p>
-                  </a:txBody>
-                  <a:tcPr marL="68580" marR="68580" marT="0" marB="0"/>
-                </a:tc>
-                <a:tc>
-                  <a:txBody>
-                    <a:bodyPr/>
-                    <a:lstStyle/>
-                    <a:p>
-                      <a:pPr algn="ctr">
-                        <a:spcAft>
-                          <a:spcPts val="0"/>
-                        </a:spcAft>
-                      </a:pPr>
-                      <a:r>
-                        <a:rPr lang="zh-CN" sz="2400">
-                          <a:effectLst/>
-                        </a:rPr>
-                        <a:t>分析</a:t>
-                      </a:r>
-                      <a:endParaRPr lang="zh-CN" sz="2400">
-                        <a:effectLst/>
-                        <a:latin typeface="宋体" panose="02010600030101010101" pitchFamily="2" charset="-122"/>
-                        <a:ea typeface="宋体" panose="02010600030101010101" pitchFamily="2" charset="-122"/>
-                        <a:cs typeface="宋体" panose="02010600030101010101" pitchFamily="2" charset="-122"/>
-                      </a:endParaRPr>
-                    </a:p>
-                  </a:txBody>
-                  <a:tcPr marL="68580" marR="68580" marT="0" marB="0"/>
-                </a:tc>
-                <a:extLst>
-                  <a:ext uri="{0D108BD9-81ED-4DB2-BD59-A6C34878D82A}">
-                    <a16:rowId xmlns:a16="http://schemas.microsoft.com/office/drawing/2014/main" val="1508160895"/>
-                  </a:ext>
-                </a:extLst>
-              </a:tr>
-              <a:tr h="839345">
-                <a:tc>
-                  <a:txBody>
-                    <a:bodyPr/>
-                    <a:lstStyle/>
-                    <a:p>
-                      <a:pPr>
-                        <a:spcAft>
-                          <a:spcPts val="0"/>
-                        </a:spcAft>
-                      </a:pPr>
-                      <a:r>
-                        <a:rPr lang="zh-CN" sz="2400" dirty="0">
-                          <a:effectLst/>
-                        </a:rPr>
-                        <a:t>实际情况与计划在时间上的偏差比较大</a:t>
-                      </a:r>
-                      <a:endParaRPr lang="zh-CN" sz="2400" dirty="0">
-                        <a:effectLst/>
-                        <a:latin typeface="宋体" panose="02010600030101010101" pitchFamily="2" charset="-122"/>
-                        <a:ea typeface="宋体" panose="02010600030101010101" pitchFamily="2" charset="-122"/>
-                        <a:cs typeface="宋体" panose="02010600030101010101" pitchFamily="2" charset="-122"/>
-                      </a:endParaRPr>
-                    </a:p>
-                  </a:txBody>
-                  <a:tcPr marL="68580" marR="68580" marT="0" marB="0"/>
-                </a:tc>
-                <a:tc>
-                  <a:txBody>
-                    <a:bodyPr/>
-                    <a:lstStyle/>
-                    <a:p>
-                      <a:pPr>
-                        <a:spcAft>
-                          <a:spcPts val="0"/>
-                        </a:spcAft>
-                      </a:pPr>
-                      <a:r>
-                        <a:rPr lang="zh-CN" sz="2400" dirty="0">
-                          <a:effectLst/>
-                        </a:rPr>
-                        <a:t>项目经验不足，关键里程碑设置不够合理</a:t>
-                      </a:r>
-                      <a:endParaRPr lang="zh-CN" sz="2400" dirty="0">
-                        <a:effectLst/>
-                        <a:latin typeface="宋体" panose="02010600030101010101" pitchFamily="2" charset="-122"/>
-                        <a:ea typeface="宋体" panose="02010600030101010101" pitchFamily="2" charset="-122"/>
-                        <a:cs typeface="宋体" panose="02010600030101010101" pitchFamily="2" charset="-122"/>
-                      </a:endParaRPr>
-                    </a:p>
-                  </a:txBody>
-                  <a:tcPr marL="68580" marR="68580" marT="0" marB="0"/>
-                </a:tc>
-                <a:extLst>
-                  <a:ext uri="{0D108BD9-81ED-4DB2-BD59-A6C34878D82A}">
-                    <a16:rowId xmlns:a16="http://schemas.microsoft.com/office/drawing/2014/main" val="323208823"/>
-                  </a:ext>
-                </a:extLst>
-              </a:tr>
-              <a:tr h="1107230">
-                <a:tc>
-                  <a:txBody>
-                    <a:bodyPr/>
-                    <a:lstStyle/>
-                    <a:p>
-                      <a:pPr>
-                        <a:spcAft>
-                          <a:spcPts val="0"/>
-                        </a:spcAft>
-                      </a:pPr>
-                      <a:r>
-                        <a:rPr lang="zh-CN" sz="2400" dirty="0">
-                          <a:effectLst/>
-                        </a:rPr>
-                        <a:t>前期找不到最新的版本</a:t>
-                      </a:r>
-                      <a:endParaRPr lang="zh-CN" sz="2400" dirty="0">
-                        <a:effectLst/>
-                        <a:latin typeface="宋体" panose="02010600030101010101" pitchFamily="2" charset="-122"/>
-                        <a:ea typeface="宋体" panose="02010600030101010101" pitchFamily="2" charset="-122"/>
-                        <a:cs typeface="宋体" panose="02010600030101010101" pitchFamily="2" charset="-122"/>
-                      </a:endParaRPr>
-                    </a:p>
-                  </a:txBody>
-                  <a:tcPr marL="68580" marR="68580" marT="0" marB="0"/>
-                </a:tc>
-                <a:tc>
-                  <a:txBody>
-                    <a:bodyPr/>
-                    <a:lstStyle/>
-                    <a:p>
-                      <a:pPr>
-                        <a:spcAft>
-                          <a:spcPts val="0"/>
-                        </a:spcAft>
-                      </a:pPr>
-                      <a:r>
-                        <a:rPr lang="zh-CN" sz="2400" dirty="0">
-                          <a:effectLst/>
-                        </a:rPr>
-                        <a:t>文件在</a:t>
-                      </a:r>
-                      <a:r>
-                        <a:rPr lang="zh-Hans" altLang="en-US" sz="2400" dirty="0">
-                          <a:effectLst/>
-                        </a:rPr>
-                        <a:t>微信</a:t>
-                      </a:r>
-                      <a:r>
-                        <a:rPr lang="zh-CN" sz="2400" dirty="0">
-                          <a:effectLst/>
-                        </a:rPr>
-                        <a:t>中随意滚动，没有完善配置管理系统</a:t>
-                      </a:r>
-                      <a:endParaRPr lang="zh-CN" sz="2400" dirty="0">
-                        <a:effectLst/>
-                        <a:latin typeface="宋体" panose="02010600030101010101" pitchFamily="2" charset="-122"/>
-                        <a:ea typeface="宋体" panose="02010600030101010101" pitchFamily="2" charset="-122"/>
-                        <a:cs typeface="宋体" panose="02010600030101010101" pitchFamily="2" charset="-122"/>
-                      </a:endParaRPr>
-                    </a:p>
-                  </a:txBody>
-                  <a:tcPr marL="68580" marR="68580" marT="0" marB="0"/>
-                </a:tc>
-                <a:extLst>
-                  <a:ext uri="{0D108BD9-81ED-4DB2-BD59-A6C34878D82A}">
-                    <a16:rowId xmlns:a16="http://schemas.microsoft.com/office/drawing/2014/main" val="528905064"/>
-                  </a:ext>
-                </a:extLst>
-              </a:tr>
-              <a:tr h="1107230">
-                <a:tc>
-                  <a:txBody>
-                    <a:bodyPr/>
-                    <a:lstStyle/>
-                    <a:p>
-                      <a:pPr>
-                        <a:spcAft>
-                          <a:spcPts val="0"/>
-                        </a:spcAft>
-                      </a:pPr>
-                      <a:r>
-                        <a:rPr lang="zh-CN" sz="2400" dirty="0">
-                          <a:effectLst/>
-                        </a:rPr>
-                        <a:t>小组熬夜</a:t>
-                      </a:r>
-                      <a:endParaRPr lang="zh-CN" sz="2400" dirty="0">
-                        <a:effectLst/>
-                        <a:latin typeface="宋体" panose="02010600030101010101" pitchFamily="2" charset="-122"/>
-                        <a:ea typeface="宋体" panose="02010600030101010101" pitchFamily="2" charset="-122"/>
-                        <a:cs typeface="宋体" panose="02010600030101010101" pitchFamily="2" charset="-122"/>
-                      </a:endParaRPr>
-                    </a:p>
-                  </a:txBody>
-                  <a:tcPr marL="68580" marR="68580" marT="0" marB="0"/>
-                </a:tc>
-                <a:tc>
-                  <a:txBody>
-                    <a:bodyPr/>
-                    <a:lstStyle/>
-                    <a:p>
-                      <a:pPr>
-                        <a:spcAft>
-                          <a:spcPts val="0"/>
-                        </a:spcAft>
-                      </a:pPr>
-                      <a:r>
-                        <a:rPr lang="zh-CN" sz="2400" dirty="0">
-                          <a:effectLst/>
-                        </a:rPr>
-                        <a:t>项目经理没有控制好组内的健康气氛，导致熬夜的连锁反应</a:t>
-                      </a:r>
-                      <a:endParaRPr lang="zh-CN" sz="2400" dirty="0">
-                        <a:effectLst/>
-                        <a:latin typeface="宋体" panose="02010600030101010101" pitchFamily="2" charset="-122"/>
-                        <a:ea typeface="宋体" panose="02010600030101010101" pitchFamily="2" charset="-122"/>
-                        <a:cs typeface="宋体" panose="02010600030101010101" pitchFamily="2" charset="-122"/>
-                      </a:endParaRPr>
-                    </a:p>
-                  </a:txBody>
-                  <a:tcPr marL="68580" marR="68580" marT="0" marB="0"/>
-                </a:tc>
-                <a:extLst>
-                  <a:ext uri="{0D108BD9-81ED-4DB2-BD59-A6C34878D82A}">
-                    <a16:rowId xmlns:a16="http://schemas.microsoft.com/office/drawing/2014/main" val="3583613820"/>
-                  </a:ext>
-                </a:extLst>
-              </a:tr>
-              <a:tr h="553616">
-                <a:tc>
-                  <a:txBody>
-                    <a:bodyPr/>
-                    <a:lstStyle/>
-                    <a:p>
-                      <a:pPr>
-                        <a:spcAft>
-                          <a:spcPts val="0"/>
-                        </a:spcAft>
-                      </a:pPr>
-                      <a:r>
-                        <a:rPr lang="zh-CN" sz="2400">
-                          <a:effectLst/>
-                        </a:rPr>
-                        <a:t>各种文档补丁较多，打的都比较晚</a:t>
-                      </a:r>
-                      <a:endParaRPr lang="zh-CN" sz="2400">
-                        <a:effectLst/>
-                        <a:latin typeface="宋体" panose="02010600030101010101" pitchFamily="2" charset="-122"/>
-                        <a:ea typeface="宋体" panose="02010600030101010101" pitchFamily="2" charset="-122"/>
-                        <a:cs typeface="宋体" panose="02010600030101010101" pitchFamily="2" charset="-122"/>
-                      </a:endParaRPr>
-                    </a:p>
-                  </a:txBody>
-                  <a:tcPr marL="68580" marR="68580" marT="0" marB="0"/>
-                </a:tc>
-                <a:tc>
-                  <a:txBody>
-                    <a:bodyPr/>
-                    <a:lstStyle/>
-                    <a:p>
-                      <a:pPr>
-                        <a:spcAft>
-                          <a:spcPts val="0"/>
-                        </a:spcAft>
-                      </a:pPr>
-                      <a:r>
-                        <a:rPr lang="zh-CN" sz="2400" dirty="0">
-                          <a:effectLst/>
-                        </a:rPr>
-                        <a:t>没有完善评审机制</a:t>
-                      </a:r>
-                      <a:endParaRPr lang="zh-CN" sz="2400" dirty="0">
-                        <a:effectLst/>
-                        <a:latin typeface="宋体" panose="02010600030101010101" pitchFamily="2" charset="-122"/>
-                        <a:ea typeface="宋体" panose="02010600030101010101" pitchFamily="2" charset="-122"/>
-                        <a:cs typeface="宋体" panose="02010600030101010101" pitchFamily="2" charset="-122"/>
-                      </a:endParaRPr>
-                    </a:p>
-                  </a:txBody>
-                  <a:tcPr marL="68580" marR="68580" marT="0" marB="0"/>
-                </a:tc>
-                <a:extLst>
-                  <a:ext uri="{0D108BD9-81ED-4DB2-BD59-A6C34878D82A}">
-                    <a16:rowId xmlns:a16="http://schemas.microsoft.com/office/drawing/2014/main" val="3701154793"/>
-                  </a:ext>
-                </a:extLst>
-              </a:tr>
-              <a:tr h="1107230">
-                <a:tc>
-                  <a:txBody>
-                    <a:bodyPr/>
-                    <a:lstStyle/>
-                    <a:p>
-                      <a:pPr>
-                        <a:spcAft>
-                          <a:spcPts val="0"/>
-                        </a:spcAft>
-                      </a:pPr>
-                      <a:r>
-                        <a:rPr lang="zh-CN" sz="2400" dirty="0">
-                          <a:effectLst/>
-                        </a:rPr>
-                        <a:t>部分会议空洞，无意义</a:t>
-                      </a:r>
-                      <a:endParaRPr lang="zh-CN" sz="2400" dirty="0">
-                        <a:effectLst/>
-                        <a:latin typeface="宋体" panose="02010600030101010101" pitchFamily="2" charset="-122"/>
-                        <a:ea typeface="宋体" panose="02010600030101010101" pitchFamily="2" charset="-122"/>
-                        <a:cs typeface="宋体" panose="02010600030101010101" pitchFamily="2" charset="-122"/>
-                      </a:endParaRPr>
-                    </a:p>
-                  </a:txBody>
-                  <a:tcPr marL="68580" marR="68580" marT="0" marB="0"/>
-                </a:tc>
-                <a:tc>
-                  <a:txBody>
-                    <a:bodyPr/>
-                    <a:lstStyle/>
-                    <a:p>
-                      <a:pPr>
-                        <a:spcAft>
-                          <a:spcPts val="0"/>
-                        </a:spcAft>
-                      </a:pPr>
-                      <a:r>
-                        <a:rPr lang="zh-CN" sz="2400" dirty="0">
-                          <a:effectLst/>
-                        </a:rPr>
-                        <a:t>一开始制定一周两次例会，频率太高，随后做了调整。</a:t>
-                      </a:r>
-                      <a:endParaRPr lang="zh-CN" sz="2400" dirty="0">
-                        <a:effectLst/>
-                        <a:latin typeface="宋体" panose="02010600030101010101" pitchFamily="2" charset="-122"/>
-                        <a:ea typeface="宋体" panose="02010600030101010101" pitchFamily="2" charset="-122"/>
-                        <a:cs typeface="宋体" panose="02010600030101010101" pitchFamily="2" charset="-122"/>
-                      </a:endParaRPr>
-                    </a:p>
-                  </a:txBody>
-                  <a:tcPr marL="68580" marR="68580" marT="0" marB="0"/>
-                </a:tc>
-                <a:extLst>
-                  <a:ext uri="{0D108BD9-81ED-4DB2-BD59-A6C34878D82A}">
-                    <a16:rowId xmlns:a16="http://schemas.microsoft.com/office/drawing/2014/main" val="1832244695"/>
-                  </a:ext>
-                </a:extLst>
-              </a:tr>
-            </a:tbl>
-          </a:graphicData>
-        </a:graphic>
-      </p:graphicFrame>
+          <p:cNvPicPr>
+            <a:picLocks noChangeAspect="1"/>
+          </p:cNvPicPr>
+          <p:nvPr/>
+        </p:nvPicPr>
+        <p:blipFill>
+          <a:blip r:embed="rId2"/>
+          <a:stretch>
+            <a:fillRect/>
+          </a:stretch>
+        </p:blipFill>
+        <p:spPr>
+          <a:xfrm>
+            <a:off x="6556741" y="0"/>
+            <a:ext cx="5351689" cy="6858000"/>
+          </a:xfrm>
+          <a:prstGeom prst="rect">
+            <a:avLst/>
+          </a:prstGeom>
+        </p:spPr>
+      </p:pic>
+      <p:pic>
+        <p:nvPicPr>
+          <p:cNvPr id="10" name="图片 9">
+            <a:extLst>
+              <a:ext uri="{FF2B5EF4-FFF2-40B4-BE49-F238E27FC236}">
+                <a16:creationId xmlns:a16="http://schemas.microsoft.com/office/drawing/2014/main" id="{46B62931-BA8F-9744-BD10-B4D87008A998}"/>
+              </a:ext>
+            </a:extLst>
+          </p:cNvPr>
+          <p:cNvPicPr>
+            <a:picLocks noChangeAspect="1"/>
+          </p:cNvPicPr>
+          <p:nvPr/>
+        </p:nvPicPr>
+        <p:blipFill>
+          <a:blip r:embed="rId3"/>
+          <a:stretch>
+            <a:fillRect/>
+          </a:stretch>
+        </p:blipFill>
+        <p:spPr>
+          <a:xfrm>
+            <a:off x="166831" y="1651000"/>
+            <a:ext cx="6389910" cy="3556000"/>
+          </a:xfrm>
+          <a:prstGeom prst="rect">
+            <a:avLst/>
+          </a:prstGeom>
+        </p:spPr>
+      </p:pic>
     </p:spTree>
     <p:extLst>
       <p:ext uri="{BB962C8B-B14F-4D97-AF65-F5344CB8AC3E}">
-        <p14:creationId xmlns:p14="http://schemas.microsoft.com/office/powerpoint/2010/main" val="55046782"/>
+        <p14:creationId xmlns:p14="http://schemas.microsoft.com/office/powerpoint/2010/main" val="4152072782"/>
       </p:ext>
     </p:extLst>
   </p:cSld>
@@ -9195,6 +8920,613 @@
                 <a:latin typeface="微软雅黑" panose="020B0503020204020204" pitchFamily="34" charset="-122"/>
                 <a:ea typeface="微软雅黑" panose="020B0503020204020204" pitchFamily="34" charset="-122"/>
               </a:rPr>
+              <a:t>出错原因分析</a:t>
+            </a:r>
+            <a:endParaRPr lang="zh-CN" sz="2665" dirty="0">
+              <a:solidFill>
+                <a:srgbClr val="183A5D"/>
+              </a:solidFill>
+              <a:latin typeface="微软雅黑" panose="020B0503020204020204" pitchFamily="34" charset="-122"/>
+              <a:ea typeface="微软雅黑" panose="020B0503020204020204" pitchFamily="34" charset="-122"/>
+            </a:endParaRPr>
+          </a:p>
+        </p:txBody>
+      </p:sp>
+      <p:graphicFrame>
+        <p:nvGraphicFramePr>
+          <p:cNvPr id="8" name="表格 7">
+            <a:extLst>
+              <a:ext uri="{FF2B5EF4-FFF2-40B4-BE49-F238E27FC236}">
+                <a16:creationId xmlns:a16="http://schemas.microsoft.com/office/drawing/2014/main" id="{CF911E31-B8EE-B442-8EC6-AB2B9D547CDD}"/>
+              </a:ext>
+            </a:extLst>
+          </p:cNvPr>
+          <p:cNvGraphicFramePr>
+            <a:graphicFrameLocks noGrp="1"/>
+          </p:cNvGraphicFramePr>
+          <p:nvPr>
+            <p:extLst>
+              <p:ext uri="{D42A27DB-BD31-4B8C-83A1-F6EECF244321}">
+                <p14:modId xmlns:p14="http://schemas.microsoft.com/office/powerpoint/2010/main" val="1511827329"/>
+              </p:ext>
+            </p:extLst>
+          </p:nvPr>
+        </p:nvGraphicFramePr>
+        <p:xfrm>
+          <a:off x="1847184" y="779837"/>
+          <a:ext cx="9679578" cy="5268267"/>
+        </p:xfrm>
+        <a:graphic>
+          <a:graphicData uri="http://schemas.openxmlformats.org/drawingml/2006/table">
+            <a:tbl>
+              <a:tblPr firstRow="1" firstCol="1" bandRow="1">
+                <a:tableStyleId>{5C22544A-7EE6-4342-B048-85BDC9FD1C3A}</a:tableStyleId>
+              </a:tblPr>
+              <a:tblGrid>
+                <a:gridCol w="4819745">
+                  <a:extLst>
+                    <a:ext uri="{9D8B030D-6E8A-4147-A177-3AD203B41FA5}">
+                      <a16:colId xmlns:a16="http://schemas.microsoft.com/office/drawing/2014/main" val="3168544644"/>
+                    </a:ext>
+                  </a:extLst>
+                </a:gridCol>
+                <a:gridCol w="4859833">
+                  <a:extLst>
+                    <a:ext uri="{9D8B030D-6E8A-4147-A177-3AD203B41FA5}">
+                      <a16:colId xmlns:a16="http://schemas.microsoft.com/office/drawing/2014/main" val="3980843233"/>
+                    </a:ext>
+                  </a:extLst>
+                </a:gridCol>
+              </a:tblGrid>
+              <a:tr h="553616">
+                <a:tc>
+                  <a:txBody>
+                    <a:bodyPr/>
+                    <a:lstStyle/>
+                    <a:p>
+                      <a:pPr algn="ctr">
+                        <a:spcAft>
+                          <a:spcPts val="0"/>
+                        </a:spcAft>
+                      </a:pPr>
+                      <a:r>
+                        <a:rPr lang="zh-CN" sz="2400" dirty="0">
+                          <a:effectLst/>
+                        </a:rPr>
+                        <a:t>问题</a:t>
+                      </a:r>
+                      <a:endParaRPr lang="zh-CN" sz="2400" dirty="0">
+                        <a:effectLst/>
+                        <a:latin typeface="宋体" panose="02010600030101010101" pitchFamily="2" charset="-122"/>
+                        <a:ea typeface="宋体" panose="02010600030101010101" pitchFamily="2" charset="-122"/>
+                        <a:cs typeface="宋体" panose="02010600030101010101" pitchFamily="2" charset="-122"/>
+                      </a:endParaRPr>
+                    </a:p>
+                  </a:txBody>
+                  <a:tcPr marL="68580" marR="68580" marT="0" marB="0"/>
+                </a:tc>
+                <a:tc>
+                  <a:txBody>
+                    <a:bodyPr/>
+                    <a:lstStyle/>
+                    <a:p>
+                      <a:pPr algn="ctr">
+                        <a:spcAft>
+                          <a:spcPts val="0"/>
+                        </a:spcAft>
+                      </a:pPr>
+                      <a:r>
+                        <a:rPr lang="zh-CN" sz="2400">
+                          <a:effectLst/>
+                        </a:rPr>
+                        <a:t>分析</a:t>
+                      </a:r>
+                      <a:endParaRPr lang="zh-CN" sz="2400">
+                        <a:effectLst/>
+                        <a:latin typeface="宋体" panose="02010600030101010101" pitchFamily="2" charset="-122"/>
+                        <a:ea typeface="宋体" panose="02010600030101010101" pitchFamily="2" charset="-122"/>
+                        <a:cs typeface="宋体" panose="02010600030101010101" pitchFamily="2" charset="-122"/>
+                      </a:endParaRPr>
+                    </a:p>
+                  </a:txBody>
+                  <a:tcPr marL="68580" marR="68580" marT="0" marB="0"/>
+                </a:tc>
+                <a:extLst>
+                  <a:ext uri="{0D108BD9-81ED-4DB2-BD59-A6C34878D82A}">
+                    <a16:rowId xmlns:a16="http://schemas.microsoft.com/office/drawing/2014/main" val="1508160895"/>
+                  </a:ext>
+                </a:extLst>
+              </a:tr>
+              <a:tr h="839345">
+                <a:tc>
+                  <a:txBody>
+                    <a:bodyPr/>
+                    <a:lstStyle/>
+                    <a:p>
+                      <a:pPr>
+                        <a:spcAft>
+                          <a:spcPts val="0"/>
+                        </a:spcAft>
+                      </a:pPr>
+                      <a:r>
+                        <a:rPr lang="zh-CN" sz="2400" dirty="0">
+                          <a:effectLst/>
+                        </a:rPr>
+                        <a:t>实际情况与计划在时间上的偏差比较大</a:t>
+                      </a:r>
+                      <a:endParaRPr lang="zh-CN" sz="2400" dirty="0">
+                        <a:effectLst/>
+                        <a:latin typeface="宋体" panose="02010600030101010101" pitchFamily="2" charset="-122"/>
+                        <a:ea typeface="宋体" panose="02010600030101010101" pitchFamily="2" charset="-122"/>
+                        <a:cs typeface="宋体" panose="02010600030101010101" pitchFamily="2" charset="-122"/>
+                      </a:endParaRPr>
+                    </a:p>
+                  </a:txBody>
+                  <a:tcPr marL="68580" marR="68580" marT="0" marB="0"/>
+                </a:tc>
+                <a:tc>
+                  <a:txBody>
+                    <a:bodyPr/>
+                    <a:lstStyle/>
+                    <a:p>
+                      <a:pPr>
+                        <a:spcAft>
+                          <a:spcPts val="0"/>
+                        </a:spcAft>
+                      </a:pPr>
+                      <a:r>
+                        <a:rPr lang="zh-CN" sz="2400" dirty="0">
+                          <a:effectLst/>
+                        </a:rPr>
+                        <a:t>项目经验不足，关键里程碑设置不够合理</a:t>
+                      </a:r>
+                      <a:endParaRPr lang="zh-CN" sz="2400" dirty="0">
+                        <a:effectLst/>
+                        <a:latin typeface="宋体" panose="02010600030101010101" pitchFamily="2" charset="-122"/>
+                        <a:ea typeface="宋体" panose="02010600030101010101" pitchFamily="2" charset="-122"/>
+                        <a:cs typeface="宋体" panose="02010600030101010101" pitchFamily="2" charset="-122"/>
+                      </a:endParaRPr>
+                    </a:p>
+                  </a:txBody>
+                  <a:tcPr marL="68580" marR="68580" marT="0" marB="0"/>
+                </a:tc>
+                <a:extLst>
+                  <a:ext uri="{0D108BD9-81ED-4DB2-BD59-A6C34878D82A}">
+                    <a16:rowId xmlns:a16="http://schemas.microsoft.com/office/drawing/2014/main" val="323208823"/>
+                  </a:ext>
+                </a:extLst>
+              </a:tr>
+              <a:tr h="1107230">
+                <a:tc>
+                  <a:txBody>
+                    <a:bodyPr/>
+                    <a:lstStyle/>
+                    <a:p>
+                      <a:pPr>
+                        <a:spcAft>
+                          <a:spcPts val="0"/>
+                        </a:spcAft>
+                      </a:pPr>
+                      <a:r>
+                        <a:rPr lang="zh-CN" sz="2400" dirty="0">
+                          <a:effectLst/>
+                        </a:rPr>
+                        <a:t>前期找不到最新的版本</a:t>
+                      </a:r>
+                      <a:endParaRPr lang="zh-CN" sz="2400" dirty="0">
+                        <a:effectLst/>
+                        <a:latin typeface="宋体" panose="02010600030101010101" pitchFamily="2" charset="-122"/>
+                        <a:ea typeface="宋体" panose="02010600030101010101" pitchFamily="2" charset="-122"/>
+                        <a:cs typeface="宋体" panose="02010600030101010101" pitchFamily="2" charset="-122"/>
+                      </a:endParaRPr>
+                    </a:p>
+                  </a:txBody>
+                  <a:tcPr marL="68580" marR="68580" marT="0" marB="0"/>
+                </a:tc>
+                <a:tc>
+                  <a:txBody>
+                    <a:bodyPr/>
+                    <a:lstStyle/>
+                    <a:p>
+                      <a:pPr>
+                        <a:spcAft>
+                          <a:spcPts val="0"/>
+                        </a:spcAft>
+                      </a:pPr>
+                      <a:r>
+                        <a:rPr lang="zh-CN" sz="2400" dirty="0">
+                          <a:effectLst/>
+                        </a:rPr>
+                        <a:t>文件在</a:t>
+                      </a:r>
+                      <a:r>
+                        <a:rPr lang="zh-Hans" altLang="en-US" sz="2400" dirty="0">
+                          <a:effectLst/>
+                        </a:rPr>
+                        <a:t>微信</a:t>
+                      </a:r>
+                      <a:r>
+                        <a:rPr lang="zh-CN" sz="2400" dirty="0">
+                          <a:effectLst/>
+                        </a:rPr>
+                        <a:t>中随意滚动，没有完善配置管理系统</a:t>
+                      </a:r>
+                      <a:endParaRPr lang="zh-CN" sz="2400" dirty="0">
+                        <a:effectLst/>
+                        <a:latin typeface="宋体" panose="02010600030101010101" pitchFamily="2" charset="-122"/>
+                        <a:ea typeface="宋体" panose="02010600030101010101" pitchFamily="2" charset="-122"/>
+                        <a:cs typeface="宋体" panose="02010600030101010101" pitchFamily="2" charset="-122"/>
+                      </a:endParaRPr>
+                    </a:p>
+                  </a:txBody>
+                  <a:tcPr marL="68580" marR="68580" marT="0" marB="0"/>
+                </a:tc>
+                <a:extLst>
+                  <a:ext uri="{0D108BD9-81ED-4DB2-BD59-A6C34878D82A}">
+                    <a16:rowId xmlns:a16="http://schemas.microsoft.com/office/drawing/2014/main" val="528905064"/>
+                  </a:ext>
+                </a:extLst>
+              </a:tr>
+              <a:tr h="1107230">
+                <a:tc>
+                  <a:txBody>
+                    <a:bodyPr/>
+                    <a:lstStyle/>
+                    <a:p>
+                      <a:pPr>
+                        <a:spcAft>
+                          <a:spcPts val="0"/>
+                        </a:spcAft>
+                      </a:pPr>
+                      <a:r>
+                        <a:rPr lang="zh-CN" sz="2400" dirty="0">
+                          <a:effectLst/>
+                        </a:rPr>
+                        <a:t>小组熬夜</a:t>
+                      </a:r>
+                      <a:endParaRPr lang="zh-CN" sz="2400" dirty="0">
+                        <a:effectLst/>
+                        <a:latin typeface="宋体" panose="02010600030101010101" pitchFamily="2" charset="-122"/>
+                        <a:ea typeface="宋体" panose="02010600030101010101" pitchFamily="2" charset="-122"/>
+                        <a:cs typeface="宋体" panose="02010600030101010101" pitchFamily="2" charset="-122"/>
+                      </a:endParaRPr>
+                    </a:p>
+                  </a:txBody>
+                  <a:tcPr marL="68580" marR="68580" marT="0" marB="0"/>
+                </a:tc>
+                <a:tc>
+                  <a:txBody>
+                    <a:bodyPr/>
+                    <a:lstStyle/>
+                    <a:p>
+                      <a:pPr>
+                        <a:spcAft>
+                          <a:spcPts val="0"/>
+                        </a:spcAft>
+                      </a:pPr>
+                      <a:r>
+                        <a:rPr lang="zh-CN" sz="2400" dirty="0">
+                          <a:effectLst/>
+                        </a:rPr>
+                        <a:t>项目经理没有控制好组内的健康气氛，导致熬夜的连锁反应</a:t>
+                      </a:r>
+                      <a:endParaRPr lang="zh-CN" sz="2400" dirty="0">
+                        <a:effectLst/>
+                        <a:latin typeface="宋体" panose="02010600030101010101" pitchFamily="2" charset="-122"/>
+                        <a:ea typeface="宋体" panose="02010600030101010101" pitchFamily="2" charset="-122"/>
+                        <a:cs typeface="宋体" panose="02010600030101010101" pitchFamily="2" charset="-122"/>
+                      </a:endParaRPr>
+                    </a:p>
+                  </a:txBody>
+                  <a:tcPr marL="68580" marR="68580" marT="0" marB="0"/>
+                </a:tc>
+                <a:extLst>
+                  <a:ext uri="{0D108BD9-81ED-4DB2-BD59-A6C34878D82A}">
+                    <a16:rowId xmlns:a16="http://schemas.microsoft.com/office/drawing/2014/main" val="3583613820"/>
+                  </a:ext>
+                </a:extLst>
+              </a:tr>
+              <a:tr h="553616">
+                <a:tc>
+                  <a:txBody>
+                    <a:bodyPr/>
+                    <a:lstStyle/>
+                    <a:p>
+                      <a:pPr>
+                        <a:spcAft>
+                          <a:spcPts val="0"/>
+                        </a:spcAft>
+                      </a:pPr>
+                      <a:r>
+                        <a:rPr lang="zh-CN" sz="2400">
+                          <a:effectLst/>
+                        </a:rPr>
+                        <a:t>各种文档补丁较多，打的都比较晚</a:t>
+                      </a:r>
+                      <a:endParaRPr lang="zh-CN" sz="2400">
+                        <a:effectLst/>
+                        <a:latin typeface="宋体" panose="02010600030101010101" pitchFamily="2" charset="-122"/>
+                        <a:ea typeface="宋体" panose="02010600030101010101" pitchFamily="2" charset="-122"/>
+                        <a:cs typeface="宋体" panose="02010600030101010101" pitchFamily="2" charset="-122"/>
+                      </a:endParaRPr>
+                    </a:p>
+                  </a:txBody>
+                  <a:tcPr marL="68580" marR="68580" marT="0" marB="0"/>
+                </a:tc>
+                <a:tc>
+                  <a:txBody>
+                    <a:bodyPr/>
+                    <a:lstStyle/>
+                    <a:p>
+                      <a:pPr>
+                        <a:spcAft>
+                          <a:spcPts val="0"/>
+                        </a:spcAft>
+                      </a:pPr>
+                      <a:r>
+                        <a:rPr lang="zh-CN" sz="2400" dirty="0">
+                          <a:effectLst/>
+                        </a:rPr>
+                        <a:t>没有完善评审机制</a:t>
+                      </a:r>
+                      <a:endParaRPr lang="zh-CN" sz="2400" dirty="0">
+                        <a:effectLst/>
+                        <a:latin typeface="宋体" panose="02010600030101010101" pitchFamily="2" charset="-122"/>
+                        <a:ea typeface="宋体" panose="02010600030101010101" pitchFamily="2" charset="-122"/>
+                        <a:cs typeface="宋体" panose="02010600030101010101" pitchFamily="2" charset="-122"/>
+                      </a:endParaRPr>
+                    </a:p>
+                  </a:txBody>
+                  <a:tcPr marL="68580" marR="68580" marT="0" marB="0"/>
+                </a:tc>
+                <a:extLst>
+                  <a:ext uri="{0D108BD9-81ED-4DB2-BD59-A6C34878D82A}">
+                    <a16:rowId xmlns:a16="http://schemas.microsoft.com/office/drawing/2014/main" val="3701154793"/>
+                  </a:ext>
+                </a:extLst>
+              </a:tr>
+              <a:tr h="1107230">
+                <a:tc>
+                  <a:txBody>
+                    <a:bodyPr/>
+                    <a:lstStyle/>
+                    <a:p>
+                      <a:pPr>
+                        <a:spcAft>
+                          <a:spcPts val="0"/>
+                        </a:spcAft>
+                      </a:pPr>
+                      <a:r>
+                        <a:rPr lang="zh-CN" sz="2400" dirty="0">
+                          <a:effectLst/>
+                        </a:rPr>
+                        <a:t>部分会议空洞，无意义</a:t>
+                      </a:r>
+                      <a:endParaRPr lang="zh-CN" sz="2400" dirty="0">
+                        <a:effectLst/>
+                        <a:latin typeface="宋体" panose="02010600030101010101" pitchFamily="2" charset="-122"/>
+                        <a:ea typeface="宋体" panose="02010600030101010101" pitchFamily="2" charset="-122"/>
+                        <a:cs typeface="宋体" panose="02010600030101010101" pitchFamily="2" charset="-122"/>
+                      </a:endParaRPr>
+                    </a:p>
+                  </a:txBody>
+                  <a:tcPr marL="68580" marR="68580" marT="0" marB="0"/>
+                </a:tc>
+                <a:tc>
+                  <a:txBody>
+                    <a:bodyPr/>
+                    <a:lstStyle/>
+                    <a:p>
+                      <a:pPr>
+                        <a:spcAft>
+                          <a:spcPts val="0"/>
+                        </a:spcAft>
+                      </a:pPr>
+                      <a:r>
+                        <a:rPr lang="zh-CN" sz="2400" dirty="0">
+                          <a:effectLst/>
+                        </a:rPr>
+                        <a:t>一开始制定一周两次例会，频率太高，随后做了调整。</a:t>
+                      </a:r>
+                      <a:endParaRPr lang="zh-CN" sz="2400" dirty="0">
+                        <a:effectLst/>
+                        <a:latin typeface="宋体" panose="02010600030101010101" pitchFamily="2" charset="-122"/>
+                        <a:ea typeface="宋体" panose="02010600030101010101" pitchFamily="2" charset="-122"/>
+                        <a:cs typeface="宋体" panose="02010600030101010101" pitchFamily="2" charset="-122"/>
+                      </a:endParaRPr>
+                    </a:p>
+                  </a:txBody>
+                  <a:tcPr marL="68580" marR="68580" marT="0" marB="0"/>
+                </a:tc>
+                <a:extLst>
+                  <a:ext uri="{0D108BD9-81ED-4DB2-BD59-A6C34878D82A}">
+                    <a16:rowId xmlns:a16="http://schemas.microsoft.com/office/drawing/2014/main" val="1832244695"/>
+                  </a:ext>
+                </a:extLst>
+              </a:tr>
+            </a:tbl>
+          </a:graphicData>
+        </a:graphic>
+      </p:graphicFrame>
+    </p:spTree>
+    <p:extLst>
+      <p:ext uri="{BB962C8B-B14F-4D97-AF65-F5344CB8AC3E}">
+        <p14:creationId xmlns:p14="http://schemas.microsoft.com/office/powerpoint/2010/main" val="55046782"/>
+      </p:ext>
+    </p:extLst>
+  </p:cSld>
+  <p:clrMapOvr>
+    <a:masterClrMapping/>
+  </p:clrMapOvr>
+  <p:transition spd="slow" advClick="0" advTm="0">
+    <p:wipe/>
+  </p:transition>
+</p:sld>
+</file>
+
+<file path=ppt/slides/slide21.xml><?xml version="1.0" encoding="utf-8"?>
+<p:sld xmlns:a="http://schemas.openxmlformats.org/drawingml/2006/main" xmlns:r="http://schemas.openxmlformats.org/officeDocument/2006/relationships" xmlns:p="http://schemas.openxmlformats.org/presentationml/2006/main">
+  <p:cSld>
+    <p:spTree>
+      <p:nvGrpSpPr>
+        <p:cNvPr id="1" name=""/>
+        <p:cNvGrpSpPr/>
+        <p:nvPr/>
+      </p:nvGrpSpPr>
+      <p:grpSpPr>
+        <a:xfrm>
+          <a:off x="0" y="0"/>
+          <a:ext cx="0" cy="0"/>
+          <a:chOff x="0" y="0"/>
+          <a:chExt cx="0" cy="0"/>
+        </a:xfrm>
+      </p:grpSpPr>
+      <p:sp>
+        <p:nvSpPr>
+          <p:cNvPr id="2" name="矩形 1"/>
+          <p:cNvSpPr/>
+          <p:nvPr/>
+        </p:nvSpPr>
+        <p:spPr>
+          <a:xfrm>
+            <a:off x="239067" y="1171"/>
+            <a:ext cx="1608117" cy="135421"/>
+          </a:xfrm>
+          <a:prstGeom prst="rect">
+            <a:avLst/>
+          </a:prstGeom>
+          <a:solidFill>
+            <a:srgbClr val="183A5D"/>
+          </a:solidFill>
+          <a:ln>
+            <a:noFill/>
+          </a:ln>
+        </p:spPr>
+        <p:style>
+          <a:lnRef idx="2">
+            <a:schemeClr val="accent1">
+              <a:shade val="50000"/>
+            </a:schemeClr>
+          </a:lnRef>
+          <a:fillRef idx="1">
+            <a:schemeClr val="accent1"/>
+          </a:fillRef>
+          <a:effectRef idx="0">
+            <a:schemeClr val="accent1"/>
+          </a:effectRef>
+          <a:fontRef idx="minor">
+            <a:schemeClr val="lt1"/>
+          </a:fontRef>
+        </p:style>
+        <p:txBody>
+          <a:bodyPr rtlCol="0" anchor="ctr"/>
+          <a:lstStyle/>
+          <a:p>
+            <a:pPr algn="ctr"/>
+            <a:endParaRPr lang="zh-CN" altLang="en-US" sz="2800"/>
+          </a:p>
+        </p:txBody>
+      </p:sp>
+      <p:sp>
+        <p:nvSpPr>
+          <p:cNvPr id="3" name="矩形 2"/>
+          <p:cNvSpPr/>
+          <p:nvPr/>
+        </p:nvSpPr>
+        <p:spPr>
+          <a:xfrm>
+            <a:off x="239067" y="255084"/>
+            <a:ext cx="1608117" cy="406261"/>
+          </a:xfrm>
+          <a:prstGeom prst="rect">
+            <a:avLst/>
+          </a:prstGeom>
+          <a:solidFill>
+            <a:srgbClr val="183A5D"/>
+          </a:solidFill>
+          <a:ln>
+            <a:noFill/>
+          </a:ln>
+        </p:spPr>
+        <p:style>
+          <a:lnRef idx="2">
+            <a:schemeClr val="accent1">
+              <a:shade val="50000"/>
+            </a:schemeClr>
+          </a:lnRef>
+          <a:fillRef idx="1">
+            <a:schemeClr val="accent1"/>
+          </a:fillRef>
+          <a:effectRef idx="0">
+            <a:schemeClr val="accent1"/>
+          </a:effectRef>
+          <a:fontRef idx="minor">
+            <a:schemeClr val="lt1"/>
+          </a:fontRef>
+        </p:style>
+        <p:txBody>
+          <a:bodyPr rtlCol="0" anchor="ctr"/>
+          <a:lstStyle/>
+          <a:p>
+            <a:pPr algn="ctr"/>
+            <a:r>
+              <a:rPr lang="en-US" altLang="zh-Hans" sz="2400" dirty="0"/>
+              <a:t>7</a:t>
+            </a:r>
+            <a:endParaRPr lang="en-US" sz="2400" dirty="0"/>
+          </a:p>
+        </p:txBody>
+      </p:sp>
+      <p:sp>
+        <p:nvSpPr>
+          <p:cNvPr id="4" name="文本框 3"/>
+          <p:cNvSpPr txBox="1"/>
+          <p:nvPr/>
+        </p:nvSpPr>
+        <p:spPr>
+          <a:xfrm>
+            <a:off x="2207741" y="159821"/>
+            <a:ext cx="6051597" cy="501650"/>
+          </a:xfrm>
+          <a:prstGeom prst="rect">
+            <a:avLst/>
+          </a:prstGeom>
+          <a:noFill/>
+        </p:spPr>
+        <p:txBody>
+          <a:bodyPr wrap="square" rtlCol="0">
+            <a:spAutoFit/>
+          </a:bodyPr>
+          <a:lstStyle/>
+          <a:p>
+            <a:r>
+              <a:rPr lang="zh-Hans" altLang="en-US" sz="2665" dirty="0">
+                <a:solidFill>
+                  <a:srgbClr val="183A5D"/>
+                </a:solidFill>
+                <a:latin typeface="微软雅黑" panose="020B0503020204020204" pitchFamily="34" charset="-122"/>
+                <a:ea typeface="微软雅黑" panose="020B0503020204020204" pitchFamily="34" charset="-122"/>
+              </a:rPr>
+              <a:t>项目总结</a:t>
+            </a:r>
+            <a:r>
+              <a:rPr lang="en-US" altLang="zh-Hans" sz="2665" dirty="0">
+                <a:solidFill>
+                  <a:srgbClr val="183A5D"/>
+                </a:solidFill>
+                <a:latin typeface="微软雅黑" panose="020B0503020204020204" pitchFamily="34" charset="-122"/>
+                <a:ea typeface="微软雅黑" panose="020B0503020204020204" pitchFamily="34" charset="-122"/>
+              </a:rPr>
+              <a:t>——</a:t>
+            </a:r>
+            <a:r>
+              <a:rPr lang="zh-Hans" altLang="en-US" sz="2665" dirty="0">
+                <a:solidFill>
+                  <a:srgbClr val="183A5D"/>
+                </a:solidFill>
+                <a:latin typeface="微软雅黑" panose="020B0503020204020204" pitchFamily="34" charset="-122"/>
+                <a:ea typeface="微软雅黑" panose="020B0503020204020204" pitchFamily="34" charset="-122"/>
+              </a:rPr>
               <a:t>成员点评</a:t>
             </a:r>
             <a:endParaRPr lang="zh-CN" sz="2665" dirty="0">
@@ -9722,7 +10054,7 @@
 </p:sld>
 </file>
 
-<file path=ppt/slides/slide21.xml><?xml version="1.0" encoding="utf-8"?>
+<file path=ppt/slides/slide22.xml><?xml version="1.0" encoding="utf-8"?>
 <p:sld xmlns:a="http://schemas.openxmlformats.org/drawingml/2006/main" xmlns:r="http://schemas.openxmlformats.org/officeDocument/2006/relationships" xmlns:p="http://schemas.openxmlformats.org/presentationml/2006/main">
   <p:cSld>
     <p:spTree>
@@ -9892,7 +10224,7 @@
           <p:nvPr>
             <p:extLst>
               <p:ext uri="{D42A27DB-BD31-4B8C-83A1-F6EECF244321}">
-                <p14:modId xmlns:p14="http://schemas.microsoft.com/office/powerpoint/2010/main" val="3184166276"/>
+                <p14:modId xmlns:p14="http://schemas.microsoft.com/office/powerpoint/2010/main" val="3815351189"/>
               </p:ext>
             </p:extLst>
           </p:nvPr>
@@ -10188,12 +10520,18 @@
                         </a:spcAft>
                       </a:pPr>
                       <a:r>
-                        <a:rPr lang="en-US" sz="2800" kern="100">
+                        <a:rPr lang="en-US" sz="2800" kern="100" dirty="0">
                           <a:effectLst/>
                         </a:rPr>
-                        <a:t>94</a:t>
+                        <a:t>9</a:t>
                       </a:r>
-                      <a:endParaRPr lang="zh-CN" sz="2800" kern="100">
+                      <a:r>
+                        <a:rPr lang="en-US" altLang="zh-Hans" sz="2800" kern="100" dirty="0">
+                          <a:effectLst/>
+                        </a:rPr>
+                        <a:t>1</a:t>
+                      </a:r>
+                      <a:endParaRPr lang="zh-CN" sz="2800" kern="100" dirty="0">
                         <a:effectLst/>
                         <a:latin typeface="宋体" panose="02010600030101010101" pitchFamily="2" charset="-122"/>
                         <a:ea typeface="宋体" panose="02010600030101010101" pitchFamily="2" charset="-122"/>
@@ -10269,35 +10607,15 @@
                         <a:rPr lang="en-US" sz="2800" kern="100" dirty="0">
                           <a:effectLst/>
                         </a:rPr>
-                        <a:t>95</a:t>
+                        <a:t>9</a:t>
+                      </a:r>
+                      <a:r>
+                        <a:rPr lang="en-US" altLang="zh-Hans" sz="2800" kern="100" dirty="0">
+                          <a:effectLst/>
+                        </a:rPr>
+                        <a:t>2</a:t>
                       </a:r>
                       <a:endParaRPr lang="zh-CN" sz="2800" kern="100" dirty="0">
-                        <a:effectLst/>
-                        <a:latin typeface="宋体" panose="02010600030101010101" pitchFamily="2" charset="-122"/>
-                        <a:ea typeface="宋体" panose="02010600030101010101" pitchFamily="2" charset="-122"/>
-                        <a:cs typeface="宋体" panose="02010600030101010101" pitchFamily="2" charset="-122"/>
-                      </a:endParaRPr>
-                    </a:p>
-                  </a:txBody>
-                  <a:tcPr marL="68580" marR="68580" marT="0" marB="0"/>
-                </a:tc>
-                <a:tc>
-                  <a:txBody>
-                    <a:bodyPr/>
-                    <a:lstStyle/>
-                    <a:p>
-                      <a:pPr>
-                        <a:spcAft>
-                          <a:spcPts val="0"/>
-                        </a:spcAft>
-                      </a:pPr>
-                      <a:r>
-                        <a:rPr lang="en-US" sz="2800" kern="100">
-                          <a:effectLst/>
-                        </a:rPr>
-                        <a:t>96</a:t>
-                      </a:r>
-                      <a:endParaRPr lang="zh-CN" sz="2800" kern="100">
                         <a:effectLst/>
                         <a:latin typeface="宋体" panose="02010600030101010101" pitchFamily="2" charset="-122"/>
                         <a:ea typeface="宋体" panose="02010600030101010101" pitchFamily="2" charset="-122"/>
@@ -10321,7 +10639,39 @@
                         <a:rPr lang="en-US" sz="2800" kern="100" dirty="0">
                           <a:effectLst/>
                         </a:rPr>
-                        <a:t>94.6</a:t>
+                        <a:t>96</a:t>
+                      </a:r>
+                      <a:endParaRPr lang="zh-CN" sz="2800" kern="100" dirty="0">
+                        <a:effectLst/>
+                        <a:latin typeface="宋体" panose="02010600030101010101" pitchFamily="2" charset="-122"/>
+                        <a:ea typeface="宋体" panose="02010600030101010101" pitchFamily="2" charset="-122"/>
+                        <a:cs typeface="宋体" panose="02010600030101010101" pitchFamily="2" charset="-122"/>
+                      </a:endParaRPr>
+                    </a:p>
+                  </a:txBody>
+                  <a:tcPr marL="68580" marR="68580" marT="0" marB="0"/>
+                </a:tc>
+                <a:tc>
+                  <a:txBody>
+                    <a:bodyPr/>
+                    <a:lstStyle/>
+                    <a:p>
+                      <a:pPr>
+                        <a:spcAft>
+                          <a:spcPts val="0"/>
+                        </a:spcAft>
+                      </a:pPr>
+                      <a:r>
+                        <a:rPr lang="en-US" sz="2800" kern="100" dirty="0">
+                          <a:effectLst/>
+                        </a:rPr>
+                        <a:t>9</a:t>
+                      </a:r>
+                      <a:r>
+                        <a:rPr lang="en-US" altLang="zh-Hans" sz="2800" kern="100" dirty="0">
+                          <a:effectLst/>
+                        </a:rPr>
+                        <a:t>3.4</a:t>
                       </a:r>
                       <a:endParaRPr lang="zh-CN" sz="2800" kern="100" dirty="0">
                         <a:effectLst/>

--- a/SE2018春-G17-实现阶段PPT.pptx
+++ b/SE2018春-G17-实现阶段PPT.pptx
@@ -5628,8 +5628,8 @@
         </p:nvSpPr>
         <p:spPr>
           <a:xfrm>
-            <a:off x="1410159" y="1211855"/>
-            <a:ext cx="10054355" cy="1477328"/>
+            <a:off x="1123720" y="1751683"/>
+            <a:ext cx="9006829" cy="3539430"/>
           </a:xfrm>
           <a:prstGeom prst="rect">
             <a:avLst/>
@@ -5637,64 +5637,64 @@
           <a:noFill/>
         </p:spPr>
         <p:txBody>
-          <a:bodyPr wrap="none" rtlCol="0">
+          <a:bodyPr wrap="square" rtlCol="0">
             <a:spAutoFit/>
           </a:bodyPr>
           <a:lstStyle/>
           <a:p>
             <a:r>
-              <a:rPr kumimoji="1" lang="en-US" altLang="zh-Hans" dirty="0"/>
+              <a:rPr kumimoji="1" lang="en-US" altLang="zh-Hans" sz="2800" dirty="0"/>
               <a:t>1.</a:t>
             </a:r>
             <a:r>
-              <a:rPr kumimoji="1" lang="zh-Hans" altLang="en-US" dirty="0"/>
+              <a:rPr kumimoji="1" lang="zh-Hans" altLang="en-US" sz="2800" dirty="0"/>
               <a:t>在问酒页面与历史界面相互切换</a:t>
             </a:r>
-            <a:endParaRPr kumimoji="1" lang="en-US" altLang="zh-Hans" dirty="0"/>
+            <a:endParaRPr kumimoji="1" lang="en-US" altLang="zh-Hans" sz="2800" dirty="0"/>
           </a:p>
           <a:p>
             <a:r>
-              <a:rPr kumimoji="1" lang="en-US" altLang="zh-Hans" dirty="0"/>
+              <a:rPr kumimoji="1" lang="en-US" altLang="zh-Hans" sz="2800" dirty="0"/>
               <a:t>2.</a:t>
             </a:r>
             <a:r>
-              <a:rPr kumimoji="1" lang="zh-Hans" altLang="en-US" dirty="0"/>
+              <a:rPr kumimoji="1" lang="zh-Hans" altLang="en-US" sz="2800" dirty="0"/>
               <a:t>调用相机并进行拍照，调用裁剪进行识别，再点击相关酒条目，调到葡萄酒信息</a:t>
             </a:r>
-            <a:endParaRPr kumimoji="1" lang="en-US" altLang="zh-Hans" dirty="0"/>
+            <a:endParaRPr kumimoji="1" lang="en-US" altLang="zh-Hans" sz="2800" dirty="0"/>
           </a:p>
           <a:p>
             <a:r>
-              <a:rPr kumimoji="1" lang="en-US" altLang="zh-Hans" dirty="0"/>
+              <a:rPr kumimoji="1" lang="en-US" altLang="zh-Hans" sz="2800" dirty="0"/>
               <a:t>3.</a:t>
             </a:r>
             <a:r>
-              <a:rPr kumimoji="1" lang="zh-Hans" altLang="en-US" dirty="0"/>
+              <a:rPr kumimoji="1" lang="zh-Hans" altLang="en-US" sz="2800" dirty="0"/>
               <a:t>调用图库，选取图片，调用裁剪进行识别，再点击相关酒条目，调到葡萄酒信息</a:t>
             </a:r>
-            <a:endParaRPr kumimoji="1" lang="en-US" altLang="zh-Hans" dirty="0"/>
+            <a:endParaRPr kumimoji="1" lang="en-US" altLang="zh-Hans" sz="2800" dirty="0"/>
           </a:p>
           <a:p>
             <a:r>
-              <a:rPr kumimoji="1" lang="en-US" altLang="zh-Hans" dirty="0"/>
+              <a:rPr kumimoji="1" lang="en-US" altLang="zh-Hans" sz="2800" dirty="0"/>
               <a:t>4.</a:t>
             </a:r>
             <a:r>
-              <a:rPr kumimoji="1" lang="zh-Hans" altLang="en-US" dirty="0"/>
+              <a:rPr kumimoji="1" lang="zh-Hans" altLang="en-US" sz="2800" dirty="0"/>
               <a:t>在葡萄酒页面点击标记按钮，进行标记，并返回主界面，切换到历史记录中发现存在标记过的酒</a:t>
             </a:r>
-            <a:endParaRPr kumimoji="1" lang="en-US" altLang="zh-Hans" dirty="0"/>
+            <a:endParaRPr kumimoji="1" lang="en-US" altLang="zh-Hans" sz="2800" dirty="0"/>
           </a:p>
           <a:p>
             <a:r>
-              <a:rPr kumimoji="1" lang="en-US" altLang="zh-Hans" dirty="0"/>
+              <a:rPr kumimoji="1" lang="en-US" altLang="zh-Hans" sz="2800" dirty="0"/>
               <a:t>5.</a:t>
             </a:r>
             <a:r>
-              <a:rPr kumimoji="1" lang="zh-Hans" altLang="en-US" dirty="0"/>
+              <a:rPr kumimoji="1" lang="zh-Hans" altLang="en-US" sz="2800" dirty="0"/>
               <a:t>通过历史记录进入到该酒相关的酒界面。</a:t>
             </a:r>
-            <a:endParaRPr kumimoji="1" lang="zh-CN" altLang="en-US" dirty="0"/>
+            <a:endParaRPr kumimoji="1" lang="zh-CN" altLang="en-US" sz="2800" dirty="0"/>
           </a:p>
         </p:txBody>
       </p:sp>
@@ -10224,7 +10224,7 @@
           <p:nvPr>
             <p:extLst>
               <p:ext uri="{D42A27DB-BD31-4B8C-83A1-F6EECF244321}">
-                <p14:modId xmlns:p14="http://schemas.microsoft.com/office/powerpoint/2010/main" val="3815351189"/>
+                <p14:modId xmlns:p14="http://schemas.microsoft.com/office/powerpoint/2010/main" val="1627283335"/>
               </p:ext>
             </p:extLst>
           </p:nvPr>
@@ -10529,7 +10529,7 @@
                         <a:rPr lang="en-US" altLang="zh-Hans" sz="2800" kern="100" dirty="0">
                           <a:effectLst/>
                         </a:rPr>
-                        <a:t>1</a:t>
+                        <a:t>3</a:t>
                       </a:r>
                       <a:endParaRPr lang="zh-CN" sz="2800" kern="100" dirty="0">
                         <a:effectLst/>
@@ -10730,12 +10730,12 @@
                         </a:spcAft>
                       </a:pPr>
                       <a:r>
-                        <a:rPr lang="en-US" sz="2800" kern="100">
+                        <a:rPr lang="en-US" sz="2800" kern="100" dirty="0">
                           <a:effectLst/>
                         </a:rPr>
                         <a:t>99</a:t>
                       </a:r>
-                      <a:endParaRPr lang="zh-CN" sz="2800" kern="100">
+                      <a:endParaRPr lang="zh-CN" sz="2800" kern="100" dirty="0">
                         <a:effectLst/>
                         <a:latin typeface="宋体" panose="02010600030101010101" pitchFamily="2" charset="-122"/>
                         <a:ea typeface="宋体" panose="02010600030101010101" pitchFamily="2" charset="-122"/>
@@ -10756,12 +10756,12 @@
                         </a:spcAft>
                       </a:pPr>
                       <a:r>
-                        <a:rPr lang="en-US" sz="2800" kern="100">
+                        <a:rPr lang="en-US" sz="2800" kern="100" dirty="0">
                           <a:effectLst/>
                         </a:rPr>
                         <a:t>95</a:t>
                       </a:r>
-                      <a:endParaRPr lang="zh-CN" sz="2800" kern="100">
+                      <a:endParaRPr lang="zh-CN" sz="2800" kern="100" dirty="0">
                         <a:effectLst/>
                         <a:latin typeface="宋体" panose="02010600030101010101" pitchFamily="2" charset="-122"/>
                         <a:ea typeface="宋体" panose="02010600030101010101" pitchFamily="2" charset="-122"/>

--- a/SE2018春-G17-实现阶段PPT.pptx
+++ b/SE2018春-G17-实现阶段PPT.pptx
@@ -5,31 +5,33 @@
     <p:sldMasterId id="2147483648" r:id="rId1"/>
   </p:sldMasterIdLst>
   <p:notesMasterIdLst>
-    <p:notesMasterId r:id="rId24"/>
+    <p:notesMasterId r:id="rId4"/>
   </p:notesMasterIdLst>
   <p:sldIdLst>
-    <p:sldId id="256" r:id="rId2"/>
-    <p:sldId id="257" r:id="rId3"/>
-    <p:sldId id="258" r:id="rId4"/>
-    <p:sldId id="259" r:id="rId5"/>
-    <p:sldId id="405" r:id="rId6"/>
-    <p:sldId id="268" r:id="rId7"/>
-    <p:sldId id="406" r:id="rId8"/>
-    <p:sldId id="408" r:id="rId9"/>
-    <p:sldId id="416" r:id="rId10"/>
-    <p:sldId id="422" r:id="rId11"/>
-    <p:sldId id="421" r:id="rId12"/>
-    <p:sldId id="269" r:id="rId13"/>
-    <p:sldId id="418" r:id="rId14"/>
-    <p:sldId id="419" r:id="rId15"/>
-    <p:sldId id="420" r:id="rId16"/>
-    <p:sldId id="412" r:id="rId17"/>
-    <p:sldId id="413" r:id="rId18"/>
-    <p:sldId id="423" r:id="rId19"/>
-    <p:sldId id="411" r:id="rId20"/>
-    <p:sldId id="414" r:id="rId21"/>
-    <p:sldId id="415" r:id="rId22"/>
-    <p:sldId id="417" r:id="rId23"/>
+    <p:sldId id="256" r:id="rId3"/>
+    <p:sldId id="257" r:id="rId5"/>
+    <p:sldId id="258" r:id="rId6"/>
+    <p:sldId id="259" r:id="rId7"/>
+    <p:sldId id="405" r:id="rId8"/>
+    <p:sldId id="268" r:id="rId9"/>
+    <p:sldId id="406" r:id="rId10"/>
+    <p:sldId id="408" r:id="rId11"/>
+    <p:sldId id="435" r:id="rId12"/>
+    <p:sldId id="436" r:id="rId13"/>
+    <p:sldId id="422" r:id="rId14"/>
+    <p:sldId id="421" r:id="rId15"/>
+    <p:sldId id="269" r:id="rId16"/>
+    <p:sldId id="418" r:id="rId17"/>
+    <p:sldId id="419" r:id="rId18"/>
+    <p:sldId id="420" r:id="rId19"/>
+    <p:sldId id="412" r:id="rId20"/>
+    <p:sldId id="413" r:id="rId21"/>
+    <p:sldId id="423" r:id="rId22"/>
+    <p:sldId id="411" r:id="rId23"/>
+    <p:sldId id="414" r:id="rId24"/>
+    <p:sldId id="415" r:id="rId25"/>
+    <p:sldId id="417" r:id="rId26"/>
+    <p:sldId id="438" r:id="rId27"/>
   </p:sldIdLst>
   <p:sldSz cx="12192000" cy="6858000"/>
   <p:notesSz cx="6858000" cy="9144000"/>
@@ -128,22 +130,6 @@
       </a:defRPr>
     </a:lvl9pPr>
   </p:defaultTextStyle>
-  <p:extLst>
-    <p:ext uri="{EFAFB233-063F-42B5-8137-9DF3F51BA10A}">
-      <p15:sldGuideLst xmlns:p15="http://schemas.microsoft.com/office/powerpoint/2012/main">
-        <p15:guide id="1" orient="horz" pos="2160">
-          <p15:clr>
-            <a:srgbClr val="A4A3A4"/>
-          </p15:clr>
-        </p15:guide>
-        <p15:guide id="2" pos="3840">
-          <p15:clr>
-            <a:srgbClr val="A4A3A4"/>
-          </p15:clr>
-        </p15:guide>
-      </p15:sldGuideLst>
-    </p:ext>
-  </p:extLst>
 </p:presentation>
 </file>
 
@@ -229,7 +215,6 @@
           <a:p>
             <a:fld id="{D2A48B96-639E-45A3-A0BA-2464DFDB1FAA}" type="datetimeFigureOut">
               <a:rPr lang="zh-CN" altLang="en-US" smtClean="0"/>
-              <a:t>2018/6/7</a:t>
             </a:fld>
             <a:endParaRPr lang="zh-CN" altLang="en-US"/>
           </a:p>
@@ -296,6 +281,7 @@
               <a:rPr lang="zh-CN" altLang="en-US"/>
               <a:t>单击此处编辑母版文本样式</a:t>
             </a:r>
+            <a:endParaRPr lang="zh-CN" altLang="en-US"/>
           </a:p>
           <a:p>
             <a:pPr lvl="1"/>
@@ -303,6 +289,7 @@
               <a:rPr lang="zh-CN" altLang="en-US"/>
               <a:t>第二级</a:t>
             </a:r>
+            <a:endParaRPr lang="zh-CN" altLang="en-US"/>
           </a:p>
           <a:p>
             <a:pPr lvl="2"/>
@@ -310,6 +297,7 @@
               <a:rPr lang="zh-CN" altLang="en-US"/>
               <a:t>第三级</a:t>
             </a:r>
+            <a:endParaRPr lang="zh-CN" altLang="en-US"/>
           </a:p>
           <a:p>
             <a:pPr lvl="3"/>
@@ -317,6 +305,7 @@
               <a:rPr lang="zh-CN" altLang="en-US"/>
               <a:t>第四级</a:t>
             </a:r>
+            <a:endParaRPr lang="zh-CN" altLang="en-US"/>
           </a:p>
           <a:p>
             <a:pPr lvl="4"/>
@@ -324,6 +313,7 @@
               <a:rPr lang="zh-CN" altLang="en-US"/>
               <a:t>第五级</a:t>
             </a:r>
+            <a:endParaRPr lang="zh-CN" altLang="en-US"/>
           </a:p>
         </p:txBody>
       </p:sp>
@@ -387,18 +377,12 @@
           <a:p>
             <a:fld id="{A6837353-30EB-4A48-80EB-173D804AEFBD}" type="slidenum">
               <a:rPr lang="zh-CN" altLang="en-US" smtClean="0"/>
-              <a:t>‹#›</a:t>
             </a:fld>
             <a:endParaRPr lang="zh-CN" altLang="en-US"/>
           </a:p>
         </p:txBody>
       </p:sp>
     </p:spTree>
-    <p:extLst>
-      <p:ext uri="{BB962C8B-B14F-4D97-AF65-F5344CB8AC3E}">
-        <p14:creationId xmlns:p14="http://schemas.microsoft.com/office/powerpoint/2010/main" val="1596729859"/>
-      </p:ext>
-    </p:extLst>
   </p:cSld>
   <p:clrMap bg1="lt1" tx1="dk1" bg2="lt2" tx2="dk2" accent1="accent1" accent2="accent2" accent3="accent3" accent4="accent4" accent5="accent5" accent6="accent6" hlink="hlink" folHlink="folHlink"/>
   <p:notesStyle>
@@ -561,7 +545,6 @@
           <a:p>
             <a:fld id="{74AC173A-3DA8-4893-B28A-1E15F55C330A}" type="slidenum">
               <a:rPr lang="zh-CN" altLang="en-US" smtClean="0"/>
-              <a:t>1</a:t>
             </a:fld>
             <a:endParaRPr lang="zh-CN" altLang="en-US"/>
           </a:p>
@@ -640,7 +623,6 @@
           <a:p>
             <a:fld id="{74AC173A-3DA8-4893-B28A-1E15F55C330A}" type="slidenum">
               <a:rPr lang="zh-CN" altLang="en-US" smtClean="0"/>
-              <a:t>2</a:t>
             </a:fld>
             <a:endParaRPr lang="zh-CN" altLang="en-US"/>
           </a:p>
@@ -719,7 +701,6 @@
           <a:p>
             <a:fld id="{74AC173A-3DA8-4893-B28A-1E15F55C330A}" type="slidenum">
               <a:rPr lang="zh-CN" altLang="en-US" smtClean="0"/>
-              <a:t>3</a:t>
             </a:fld>
             <a:endParaRPr lang="zh-CN" altLang="en-US"/>
           </a:p>
@@ -798,7 +779,6 @@
           <a:p>
             <a:fld id="{74AC173A-3DA8-4893-B28A-1E15F55C330A}" type="slidenum">
               <a:rPr lang="zh-CN" altLang="en-US" smtClean="0"/>
-              <a:t>4</a:t>
             </a:fld>
             <a:endParaRPr lang="zh-CN" altLang="en-US"/>
           </a:p>
@@ -877,18 +857,12 @@
           <a:p>
             <a:fld id="{6E611DA1-5E4C-4157-8D98-35F52756B2FB}" type="slidenum">
               <a:rPr lang="zh-CN" altLang="en-US" smtClean="0"/>
-              <a:t>5</a:t>
             </a:fld>
             <a:endParaRPr lang="zh-CN" altLang="en-US"/>
           </a:p>
         </p:txBody>
       </p:sp>
     </p:spTree>
-    <p:extLst>
-      <p:ext uri="{BB962C8B-B14F-4D97-AF65-F5344CB8AC3E}">
-        <p14:creationId xmlns:p14="http://schemas.microsoft.com/office/powerpoint/2010/main" val="3798149221"/>
-      </p:ext>
-    </p:extLst>
   </p:cSld>
   <p:clrMapOvr>
     <a:masterClrMapping/>
@@ -941,6 +915,7 @@
               <a:rPr lang="zh-CN" altLang="en-US"/>
               <a:t>单击此处编辑母版标题样式</a:t>
             </a:r>
+            <a:endParaRPr lang="zh-CN" altLang="en-US"/>
           </a:p>
         </p:txBody>
       </p:sp>
@@ -1005,6 +980,7 @@
               <a:rPr lang="zh-CN" altLang="en-US"/>
               <a:t>单击此处编辑母版副标题样式</a:t>
             </a:r>
+            <a:endParaRPr lang="zh-CN" altLang="en-US"/>
           </a:p>
         </p:txBody>
       </p:sp>
@@ -1025,7 +1001,6 @@
           <a:p>
             <a:fld id="{D997B5FA-0921-464F-AAE1-844C04324D75}" type="datetimeFigureOut">
               <a:rPr lang="zh-CN" altLang="en-US" smtClean="0"/>
-              <a:t>2018/6/7</a:t>
             </a:fld>
             <a:endParaRPr lang="zh-CN" altLang="en-US"/>
           </a:p>
@@ -1067,7 +1042,6 @@
           <a:p>
             <a:fld id="{565CE74E-AB26-4998-AD42-012C4C1AD076}" type="slidenum">
               <a:rPr lang="zh-CN" altLang="en-US" smtClean="0"/>
-              <a:t>‹#›</a:t>
             </a:fld>
             <a:endParaRPr lang="zh-CN" altLang="en-US"/>
           </a:p>
@@ -1117,6 +1091,7 @@
               <a:rPr lang="zh-CN" altLang="en-US"/>
               <a:t>单击此处编辑母版标题样式</a:t>
             </a:r>
+            <a:endParaRPr lang="zh-CN" altLang="en-US"/>
           </a:p>
         </p:txBody>
       </p:sp>
@@ -1140,6 +1115,7 @@
               <a:rPr lang="zh-CN" altLang="en-US"/>
               <a:t>单击此处编辑母版文本样式</a:t>
             </a:r>
+            <a:endParaRPr lang="zh-CN" altLang="en-US"/>
           </a:p>
           <a:p>
             <a:pPr lvl="1"/>
@@ -1147,6 +1123,7 @@
               <a:rPr lang="zh-CN" altLang="en-US"/>
               <a:t>第二级</a:t>
             </a:r>
+            <a:endParaRPr lang="zh-CN" altLang="en-US"/>
           </a:p>
           <a:p>
             <a:pPr lvl="2"/>
@@ -1154,6 +1131,7 @@
               <a:rPr lang="zh-CN" altLang="en-US"/>
               <a:t>第三级</a:t>
             </a:r>
+            <a:endParaRPr lang="zh-CN" altLang="en-US"/>
           </a:p>
           <a:p>
             <a:pPr lvl="3"/>
@@ -1161,6 +1139,7 @@
               <a:rPr lang="zh-CN" altLang="en-US"/>
               <a:t>第四级</a:t>
             </a:r>
+            <a:endParaRPr lang="zh-CN" altLang="en-US"/>
           </a:p>
           <a:p>
             <a:pPr lvl="4"/>
@@ -1168,6 +1147,7 @@
               <a:rPr lang="zh-CN" altLang="en-US"/>
               <a:t>第五级</a:t>
             </a:r>
+            <a:endParaRPr lang="zh-CN" altLang="en-US"/>
           </a:p>
         </p:txBody>
       </p:sp>
@@ -1188,7 +1168,6 @@
           <a:p>
             <a:fld id="{D997B5FA-0921-464F-AAE1-844C04324D75}" type="datetimeFigureOut">
               <a:rPr lang="zh-CN" altLang="en-US" smtClean="0"/>
-              <a:t>2018/6/7</a:t>
             </a:fld>
             <a:endParaRPr lang="zh-CN" altLang="en-US"/>
           </a:p>
@@ -1230,7 +1209,6 @@
           <a:p>
             <a:fld id="{565CE74E-AB26-4998-AD42-012C4C1AD076}" type="slidenum">
               <a:rPr lang="zh-CN" altLang="en-US" smtClean="0"/>
-              <a:t>‹#›</a:t>
             </a:fld>
             <a:endParaRPr lang="zh-CN" altLang="en-US"/>
           </a:p>
@@ -1285,6 +1263,7 @@
               <a:rPr lang="zh-CN" altLang="en-US"/>
               <a:t>单击此处编辑母版标题样式</a:t>
             </a:r>
+            <a:endParaRPr lang="zh-CN" altLang="en-US"/>
           </a:p>
         </p:txBody>
       </p:sp>
@@ -1313,6 +1292,7 @@
               <a:rPr lang="zh-CN" altLang="en-US"/>
               <a:t>单击此处编辑母版文本样式</a:t>
             </a:r>
+            <a:endParaRPr lang="zh-CN" altLang="en-US"/>
           </a:p>
           <a:p>
             <a:pPr lvl="1"/>
@@ -1320,6 +1300,7 @@
               <a:rPr lang="zh-CN" altLang="en-US"/>
               <a:t>第二级</a:t>
             </a:r>
+            <a:endParaRPr lang="zh-CN" altLang="en-US"/>
           </a:p>
           <a:p>
             <a:pPr lvl="2"/>
@@ -1327,6 +1308,7 @@
               <a:rPr lang="zh-CN" altLang="en-US"/>
               <a:t>第三级</a:t>
             </a:r>
+            <a:endParaRPr lang="zh-CN" altLang="en-US"/>
           </a:p>
           <a:p>
             <a:pPr lvl="3"/>
@@ -1334,6 +1316,7 @@
               <a:rPr lang="zh-CN" altLang="en-US"/>
               <a:t>第四级</a:t>
             </a:r>
+            <a:endParaRPr lang="zh-CN" altLang="en-US"/>
           </a:p>
           <a:p>
             <a:pPr lvl="4"/>
@@ -1341,6 +1324,7 @@
               <a:rPr lang="zh-CN" altLang="en-US"/>
               <a:t>第五级</a:t>
             </a:r>
+            <a:endParaRPr lang="zh-CN" altLang="en-US"/>
           </a:p>
         </p:txBody>
       </p:sp>
@@ -1361,7 +1345,6 @@
           <a:p>
             <a:fld id="{D997B5FA-0921-464F-AAE1-844C04324D75}" type="datetimeFigureOut">
               <a:rPr lang="zh-CN" altLang="en-US" smtClean="0"/>
-              <a:t>2018/6/7</a:t>
             </a:fld>
             <a:endParaRPr lang="zh-CN" altLang="en-US"/>
           </a:p>
@@ -1403,7 +1386,6 @@
           <a:p>
             <a:fld id="{565CE74E-AB26-4998-AD42-012C4C1AD076}" type="slidenum">
               <a:rPr lang="zh-CN" altLang="en-US" smtClean="0"/>
-              <a:t>‹#›</a:t>
             </a:fld>
             <a:endParaRPr lang="zh-CN" altLang="en-US"/>
           </a:p>
@@ -1489,6 +1471,7 @@
               <a:rPr lang="zh-CN" altLang="en-US"/>
               <a:t>单击此处编辑母版标题样式</a:t>
             </a:r>
+            <a:endParaRPr lang="zh-CN" altLang="en-US"/>
           </a:p>
         </p:txBody>
       </p:sp>
@@ -1512,6 +1495,7 @@
               <a:rPr lang="zh-CN" altLang="en-US"/>
               <a:t>单击此处编辑母版文本样式</a:t>
             </a:r>
+            <a:endParaRPr lang="zh-CN" altLang="en-US"/>
           </a:p>
           <a:p>
             <a:pPr lvl="1"/>
@@ -1519,6 +1503,7 @@
               <a:rPr lang="zh-CN" altLang="en-US"/>
               <a:t>第二级</a:t>
             </a:r>
+            <a:endParaRPr lang="zh-CN" altLang="en-US"/>
           </a:p>
           <a:p>
             <a:pPr lvl="2"/>
@@ -1526,6 +1511,7 @@
               <a:rPr lang="zh-CN" altLang="en-US"/>
               <a:t>第三级</a:t>
             </a:r>
+            <a:endParaRPr lang="zh-CN" altLang="en-US"/>
           </a:p>
           <a:p>
             <a:pPr lvl="3"/>
@@ -1533,6 +1519,7 @@
               <a:rPr lang="zh-CN" altLang="en-US"/>
               <a:t>第四级</a:t>
             </a:r>
+            <a:endParaRPr lang="zh-CN" altLang="en-US"/>
           </a:p>
           <a:p>
             <a:pPr lvl="4"/>
@@ -1540,6 +1527,7 @@
               <a:rPr lang="zh-CN" altLang="en-US"/>
               <a:t>第五级</a:t>
             </a:r>
+            <a:endParaRPr lang="zh-CN" altLang="en-US"/>
           </a:p>
         </p:txBody>
       </p:sp>
@@ -1560,7 +1548,6 @@
           <a:p>
             <a:fld id="{D997B5FA-0921-464F-AAE1-844C04324D75}" type="datetimeFigureOut">
               <a:rPr lang="zh-CN" altLang="en-US" smtClean="0"/>
-              <a:t>2018/6/7</a:t>
             </a:fld>
             <a:endParaRPr lang="zh-CN" altLang="en-US"/>
           </a:p>
@@ -1602,7 +1589,6 @@
           <a:p>
             <a:fld id="{565CE74E-AB26-4998-AD42-012C4C1AD076}" type="slidenum">
               <a:rPr lang="zh-CN" altLang="en-US" smtClean="0"/>
-              <a:t>‹#›</a:t>
             </a:fld>
             <a:endParaRPr lang="zh-CN" altLang="en-US"/>
           </a:p>
@@ -1661,6 +1647,7 @@
               <a:rPr lang="zh-CN" altLang="en-US"/>
               <a:t>单击此处编辑母版标题样式</a:t>
             </a:r>
+            <a:endParaRPr lang="zh-CN" altLang="en-US"/>
           </a:p>
         </p:txBody>
       </p:sp>
@@ -1780,6 +1767,7 @@
               <a:rPr lang="zh-CN" altLang="en-US"/>
               <a:t>单击此处编辑母版文本样式</a:t>
             </a:r>
+            <a:endParaRPr lang="zh-CN" altLang="en-US"/>
           </a:p>
         </p:txBody>
       </p:sp>
@@ -1800,7 +1788,6 @@
           <a:p>
             <a:fld id="{D997B5FA-0921-464F-AAE1-844C04324D75}" type="datetimeFigureOut">
               <a:rPr lang="zh-CN" altLang="en-US" smtClean="0"/>
-              <a:t>2018/6/7</a:t>
             </a:fld>
             <a:endParaRPr lang="zh-CN" altLang="en-US"/>
           </a:p>
@@ -1842,7 +1829,6 @@
           <a:p>
             <a:fld id="{565CE74E-AB26-4998-AD42-012C4C1AD076}" type="slidenum">
               <a:rPr lang="zh-CN" altLang="en-US" smtClean="0"/>
-              <a:t>‹#›</a:t>
             </a:fld>
             <a:endParaRPr lang="zh-CN" altLang="en-US"/>
           </a:p>
@@ -1892,6 +1878,7 @@
               <a:rPr lang="zh-CN" altLang="en-US"/>
               <a:t>单击此处编辑母版标题样式</a:t>
             </a:r>
+            <a:endParaRPr lang="zh-CN" altLang="en-US"/>
           </a:p>
         </p:txBody>
       </p:sp>
@@ -1920,6 +1907,7 @@
               <a:rPr lang="zh-CN" altLang="en-US"/>
               <a:t>单击此处编辑母版文本样式</a:t>
             </a:r>
+            <a:endParaRPr lang="zh-CN" altLang="en-US"/>
           </a:p>
           <a:p>
             <a:pPr lvl="1"/>
@@ -1927,6 +1915,7 @@
               <a:rPr lang="zh-CN" altLang="en-US"/>
               <a:t>第二级</a:t>
             </a:r>
+            <a:endParaRPr lang="zh-CN" altLang="en-US"/>
           </a:p>
           <a:p>
             <a:pPr lvl="2"/>
@@ -1934,6 +1923,7 @@
               <a:rPr lang="zh-CN" altLang="en-US"/>
               <a:t>第三级</a:t>
             </a:r>
+            <a:endParaRPr lang="zh-CN" altLang="en-US"/>
           </a:p>
           <a:p>
             <a:pPr lvl="3"/>
@@ -1941,6 +1931,7 @@
               <a:rPr lang="zh-CN" altLang="en-US"/>
               <a:t>第四级</a:t>
             </a:r>
+            <a:endParaRPr lang="zh-CN" altLang="en-US"/>
           </a:p>
           <a:p>
             <a:pPr lvl="4"/>
@@ -1948,6 +1939,7 @@
               <a:rPr lang="zh-CN" altLang="en-US"/>
               <a:t>第五级</a:t>
             </a:r>
+            <a:endParaRPr lang="zh-CN" altLang="en-US"/>
           </a:p>
         </p:txBody>
       </p:sp>
@@ -1976,6 +1968,7 @@
               <a:rPr lang="zh-CN" altLang="en-US"/>
               <a:t>单击此处编辑母版文本样式</a:t>
             </a:r>
+            <a:endParaRPr lang="zh-CN" altLang="en-US"/>
           </a:p>
           <a:p>
             <a:pPr lvl="1"/>
@@ -1983,6 +1976,7 @@
               <a:rPr lang="zh-CN" altLang="en-US"/>
               <a:t>第二级</a:t>
             </a:r>
+            <a:endParaRPr lang="zh-CN" altLang="en-US"/>
           </a:p>
           <a:p>
             <a:pPr lvl="2"/>
@@ -1990,6 +1984,7 @@
               <a:rPr lang="zh-CN" altLang="en-US"/>
               <a:t>第三级</a:t>
             </a:r>
+            <a:endParaRPr lang="zh-CN" altLang="en-US"/>
           </a:p>
           <a:p>
             <a:pPr lvl="3"/>
@@ -1997,6 +1992,7 @@
               <a:rPr lang="zh-CN" altLang="en-US"/>
               <a:t>第四级</a:t>
             </a:r>
+            <a:endParaRPr lang="zh-CN" altLang="en-US"/>
           </a:p>
           <a:p>
             <a:pPr lvl="4"/>
@@ -2004,6 +2000,7 @@
               <a:rPr lang="zh-CN" altLang="en-US"/>
               <a:t>第五级</a:t>
             </a:r>
+            <a:endParaRPr lang="zh-CN" altLang="en-US"/>
           </a:p>
         </p:txBody>
       </p:sp>
@@ -2024,7 +2021,6 @@
           <a:p>
             <a:fld id="{D997B5FA-0921-464F-AAE1-844C04324D75}" type="datetimeFigureOut">
               <a:rPr lang="zh-CN" altLang="en-US" smtClean="0"/>
-              <a:t>2018/6/7</a:t>
             </a:fld>
             <a:endParaRPr lang="zh-CN" altLang="en-US"/>
           </a:p>
@@ -2066,7 +2062,6 @@
           <a:p>
             <a:fld id="{565CE74E-AB26-4998-AD42-012C4C1AD076}" type="slidenum">
               <a:rPr lang="zh-CN" altLang="en-US" smtClean="0"/>
-              <a:t>‹#›</a:t>
             </a:fld>
             <a:endParaRPr lang="zh-CN" altLang="en-US"/>
           </a:p>
@@ -2121,6 +2116,7 @@
               <a:rPr lang="zh-CN" altLang="en-US"/>
               <a:t>单击此处编辑母版标题样式</a:t>
             </a:r>
+            <a:endParaRPr lang="zh-CN" altLang="en-US"/>
           </a:p>
         </p:txBody>
       </p:sp>
@@ -2186,6 +2182,7 @@
               <a:rPr lang="zh-CN" altLang="en-US"/>
               <a:t>单击此处编辑母版文本样式</a:t>
             </a:r>
+            <a:endParaRPr lang="zh-CN" altLang="en-US"/>
           </a:p>
         </p:txBody>
       </p:sp>
@@ -2214,6 +2211,7 @@
               <a:rPr lang="zh-CN" altLang="en-US"/>
               <a:t>单击此处编辑母版文本样式</a:t>
             </a:r>
+            <a:endParaRPr lang="zh-CN" altLang="en-US"/>
           </a:p>
           <a:p>
             <a:pPr lvl="1"/>
@@ -2221,6 +2219,7 @@
               <a:rPr lang="zh-CN" altLang="en-US"/>
               <a:t>第二级</a:t>
             </a:r>
+            <a:endParaRPr lang="zh-CN" altLang="en-US"/>
           </a:p>
           <a:p>
             <a:pPr lvl="2"/>
@@ -2228,6 +2227,7 @@
               <a:rPr lang="zh-CN" altLang="en-US"/>
               <a:t>第三级</a:t>
             </a:r>
+            <a:endParaRPr lang="zh-CN" altLang="en-US"/>
           </a:p>
           <a:p>
             <a:pPr lvl="3"/>
@@ -2235,6 +2235,7 @@
               <a:rPr lang="zh-CN" altLang="en-US"/>
               <a:t>第四级</a:t>
             </a:r>
+            <a:endParaRPr lang="zh-CN" altLang="en-US"/>
           </a:p>
           <a:p>
             <a:pPr lvl="4"/>
@@ -2242,6 +2243,7 @@
               <a:rPr lang="zh-CN" altLang="en-US"/>
               <a:t>第五级</a:t>
             </a:r>
+            <a:endParaRPr lang="zh-CN" altLang="en-US"/>
           </a:p>
         </p:txBody>
       </p:sp>
@@ -2307,6 +2309,7 @@
               <a:rPr lang="zh-CN" altLang="en-US"/>
               <a:t>单击此处编辑母版文本样式</a:t>
             </a:r>
+            <a:endParaRPr lang="zh-CN" altLang="en-US"/>
           </a:p>
         </p:txBody>
       </p:sp>
@@ -2335,6 +2338,7 @@
               <a:rPr lang="zh-CN" altLang="en-US"/>
               <a:t>单击此处编辑母版文本样式</a:t>
             </a:r>
+            <a:endParaRPr lang="zh-CN" altLang="en-US"/>
           </a:p>
           <a:p>
             <a:pPr lvl="1"/>
@@ -2342,6 +2346,7 @@
               <a:rPr lang="zh-CN" altLang="en-US"/>
               <a:t>第二级</a:t>
             </a:r>
+            <a:endParaRPr lang="zh-CN" altLang="en-US"/>
           </a:p>
           <a:p>
             <a:pPr lvl="2"/>
@@ -2349,6 +2354,7 @@
               <a:rPr lang="zh-CN" altLang="en-US"/>
               <a:t>第三级</a:t>
             </a:r>
+            <a:endParaRPr lang="zh-CN" altLang="en-US"/>
           </a:p>
           <a:p>
             <a:pPr lvl="3"/>
@@ -2356,6 +2362,7 @@
               <a:rPr lang="zh-CN" altLang="en-US"/>
               <a:t>第四级</a:t>
             </a:r>
+            <a:endParaRPr lang="zh-CN" altLang="en-US"/>
           </a:p>
           <a:p>
             <a:pPr lvl="4"/>
@@ -2363,6 +2370,7 @@
               <a:rPr lang="zh-CN" altLang="en-US"/>
               <a:t>第五级</a:t>
             </a:r>
+            <a:endParaRPr lang="zh-CN" altLang="en-US"/>
           </a:p>
         </p:txBody>
       </p:sp>
@@ -2383,7 +2391,6 @@
           <a:p>
             <a:fld id="{D997B5FA-0921-464F-AAE1-844C04324D75}" type="datetimeFigureOut">
               <a:rPr lang="zh-CN" altLang="en-US" smtClean="0"/>
-              <a:t>2018/6/7</a:t>
             </a:fld>
             <a:endParaRPr lang="zh-CN" altLang="en-US"/>
           </a:p>
@@ -2425,7 +2432,6 @@
           <a:p>
             <a:fld id="{565CE74E-AB26-4998-AD42-012C4C1AD076}" type="slidenum">
               <a:rPr lang="zh-CN" altLang="en-US" smtClean="0"/>
-              <a:t>‹#›</a:t>
             </a:fld>
             <a:endParaRPr lang="zh-CN" altLang="en-US"/>
           </a:p>
@@ -2475,6 +2481,7 @@
               <a:rPr lang="zh-CN" altLang="en-US"/>
               <a:t>单击此处编辑母版标题样式</a:t>
             </a:r>
+            <a:endParaRPr lang="zh-CN" altLang="en-US"/>
           </a:p>
         </p:txBody>
       </p:sp>
@@ -2495,7 +2502,6 @@
           <a:p>
             <a:fld id="{D997B5FA-0921-464F-AAE1-844C04324D75}" type="datetimeFigureOut">
               <a:rPr lang="zh-CN" altLang="en-US" smtClean="0"/>
-              <a:t>2018/6/7</a:t>
             </a:fld>
             <a:endParaRPr lang="zh-CN" altLang="en-US"/>
           </a:p>
@@ -2537,7 +2543,6 @@
           <a:p>
             <a:fld id="{565CE74E-AB26-4998-AD42-012C4C1AD076}" type="slidenum">
               <a:rPr lang="zh-CN" altLang="en-US" smtClean="0"/>
-              <a:t>‹#›</a:t>
             </a:fld>
             <a:endParaRPr lang="zh-CN" altLang="en-US"/>
           </a:p>
@@ -2585,7 +2590,6 @@
           <a:p>
             <a:fld id="{D997B5FA-0921-464F-AAE1-844C04324D75}" type="datetimeFigureOut">
               <a:rPr lang="zh-CN" altLang="en-US" smtClean="0"/>
-              <a:t>2018/6/7</a:t>
             </a:fld>
             <a:endParaRPr lang="zh-CN" altLang="en-US"/>
           </a:p>
@@ -2627,7 +2631,6 @@
           <a:p>
             <a:fld id="{565CE74E-AB26-4998-AD42-012C4C1AD076}" type="slidenum">
               <a:rPr lang="zh-CN" altLang="en-US" smtClean="0"/>
-              <a:t>‹#›</a:t>
             </a:fld>
             <a:endParaRPr lang="zh-CN" altLang="en-US"/>
           </a:p>
@@ -2686,6 +2689,7 @@
               <a:rPr lang="zh-CN" altLang="en-US"/>
               <a:t>单击此处编辑母版标题样式</a:t>
             </a:r>
+            <a:endParaRPr lang="zh-CN" altLang="en-US"/>
           </a:p>
         </p:txBody>
       </p:sp>
@@ -2742,6 +2746,7 @@
               <a:rPr lang="zh-CN" altLang="en-US"/>
               <a:t>单击此处编辑母版文本样式</a:t>
             </a:r>
+            <a:endParaRPr lang="zh-CN" altLang="en-US"/>
           </a:p>
           <a:p>
             <a:pPr lvl="1"/>
@@ -2749,6 +2754,7 @@
               <a:rPr lang="zh-CN" altLang="en-US"/>
               <a:t>第二级</a:t>
             </a:r>
+            <a:endParaRPr lang="zh-CN" altLang="en-US"/>
           </a:p>
           <a:p>
             <a:pPr lvl="2"/>
@@ -2756,6 +2762,7 @@
               <a:rPr lang="zh-CN" altLang="en-US"/>
               <a:t>第三级</a:t>
             </a:r>
+            <a:endParaRPr lang="zh-CN" altLang="en-US"/>
           </a:p>
           <a:p>
             <a:pPr lvl="3"/>
@@ -2763,6 +2770,7 @@
               <a:rPr lang="zh-CN" altLang="en-US"/>
               <a:t>第四级</a:t>
             </a:r>
+            <a:endParaRPr lang="zh-CN" altLang="en-US"/>
           </a:p>
           <a:p>
             <a:pPr lvl="4"/>
@@ -2770,6 +2778,7 @@
               <a:rPr lang="zh-CN" altLang="en-US"/>
               <a:t>第五级</a:t>
             </a:r>
+            <a:endParaRPr lang="zh-CN" altLang="en-US"/>
           </a:p>
         </p:txBody>
       </p:sp>
@@ -2835,6 +2844,7 @@
               <a:rPr lang="zh-CN" altLang="en-US"/>
               <a:t>单击此处编辑母版文本样式</a:t>
             </a:r>
+            <a:endParaRPr lang="zh-CN" altLang="en-US"/>
           </a:p>
         </p:txBody>
       </p:sp>
@@ -2855,7 +2865,6 @@
           <a:p>
             <a:fld id="{D997B5FA-0921-464F-AAE1-844C04324D75}" type="datetimeFigureOut">
               <a:rPr lang="zh-CN" altLang="en-US" smtClean="0"/>
-              <a:t>2018/6/7</a:t>
             </a:fld>
             <a:endParaRPr lang="zh-CN" altLang="en-US"/>
           </a:p>
@@ -2897,7 +2906,6 @@
           <a:p>
             <a:fld id="{565CE74E-AB26-4998-AD42-012C4C1AD076}" type="slidenum">
               <a:rPr lang="zh-CN" altLang="en-US" smtClean="0"/>
-              <a:t>‹#›</a:t>
             </a:fld>
             <a:endParaRPr lang="zh-CN" altLang="en-US"/>
           </a:p>
@@ -2956,6 +2964,7 @@
               <a:rPr lang="zh-CN" altLang="en-US"/>
               <a:t>单击此处编辑母版标题样式</a:t>
             </a:r>
+            <a:endParaRPr lang="zh-CN" altLang="en-US"/>
           </a:p>
         </p:txBody>
       </p:sp>
@@ -3082,6 +3091,7 @@
               <a:rPr lang="zh-CN" altLang="en-US"/>
               <a:t>单击此处编辑母版文本样式</a:t>
             </a:r>
+            <a:endParaRPr lang="zh-CN" altLang="en-US"/>
           </a:p>
         </p:txBody>
       </p:sp>
@@ -3102,7 +3112,6 @@
           <a:p>
             <a:fld id="{D997B5FA-0921-464F-AAE1-844C04324D75}" type="datetimeFigureOut">
               <a:rPr lang="zh-CN" altLang="en-US" smtClean="0"/>
-              <a:t>2018/6/7</a:t>
             </a:fld>
             <a:endParaRPr lang="zh-CN" altLang="en-US"/>
           </a:p>
@@ -3144,7 +3153,6 @@
           <a:p>
             <a:fld id="{565CE74E-AB26-4998-AD42-012C4C1AD076}" type="slidenum">
               <a:rPr lang="zh-CN" altLang="en-US" smtClean="0"/>
-              <a:t>‹#›</a:t>
             </a:fld>
             <a:endParaRPr lang="zh-CN" altLang="en-US"/>
           </a:p>
@@ -3209,6 +3217,7 @@
               <a:rPr lang="zh-CN" altLang="en-US"/>
               <a:t>单击此处编辑母版标题样式</a:t>
             </a:r>
+            <a:endParaRPr lang="zh-CN" altLang="en-US"/>
           </a:p>
         </p:txBody>
       </p:sp>
@@ -3242,6 +3251,7 @@
               <a:rPr lang="zh-CN" altLang="en-US"/>
               <a:t>单击此处编辑母版文本样式</a:t>
             </a:r>
+            <a:endParaRPr lang="zh-CN" altLang="en-US"/>
           </a:p>
           <a:p>
             <a:pPr lvl="1"/>
@@ -3249,6 +3259,7 @@
               <a:rPr lang="zh-CN" altLang="en-US"/>
               <a:t>第二级</a:t>
             </a:r>
+            <a:endParaRPr lang="zh-CN" altLang="en-US"/>
           </a:p>
           <a:p>
             <a:pPr lvl="2"/>
@@ -3256,6 +3267,7 @@
               <a:rPr lang="zh-CN" altLang="en-US"/>
               <a:t>第三级</a:t>
             </a:r>
+            <a:endParaRPr lang="zh-CN" altLang="en-US"/>
           </a:p>
           <a:p>
             <a:pPr lvl="3"/>
@@ -3263,6 +3275,7 @@
               <a:rPr lang="zh-CN" altLang="en-US"/>
               <a:t>第四级</a:t>
             </a:r>
+            <a:endParaRPr lang="zh-CN" altLang="en-US"/>
           </a:p>
           <a:p>
             <a:pPr lvl="4"/>
@@ -3270,6 +3283,7 @@
               <a:rPr lang="zh-CN" altLang="en-US"/>
               <a:t>第五级</a:t>
             </a:r>
+            <a:endParaRPr lang="zh-CN" altLang="en-US"/>
           </a:p>
         </p:txBody>
       </p:sp>
@@ -3308,7 +3322,6 @@
           <a:p>
             <a:fld id="{D997B5FA-0921-464F-AAE1-844C04324D75}" type="datetimeFigureOut">
               <a:rPr lang="zh-CN" altLang="en-US" smtClean="0"/>
-              <a:t>2018/6/7</a:t>
             </a:fld>
             <a:endParaRPr lang="zh-CN" altLang="en-US"/>
           </a:p>
@@ -3386,7 +3399,6 @@
           <a:p>
             <a:fld id="{565CE74E-AB26-4998-AD42-012C4C1AD076}" type="slidenum">
               <a:rPr lang="zh-CN" altLang="en-US" smtClean="0"/>
-              <a:t>‹#›</a:t>
             </a:fld>
             <a:endParaRPr lang="zh-CN" altLang="en-US"/>
           </a:p>
@@ -4179,6 +4191,13 @@
               </a:rPr>
               <a:t>问酒</a:t>
             </a:r>
+            <a:endParaRPr lang="zh-CN" altLang="en-US" sz="12800" dirty="0">
+              <a:solidFill>
+                <a:srgbClr val="38B1BF"/>
+              </a:solidFill>
+              <a:latin typeface="微软雅黑" panose="020B0503020204020204" pitchFamily="34" charset="-122"/>
+              <a:ea typeface="微软雅黑" panose="020B0503020204020204" pitchFamily="34" charset="-122"/>
+            </a:endParaRPr>
           </a:p>
         </p:txBody>
       </p:sp>
@@ -4270,6 +4289,16 @@
               </a:rPr>
               <a:t>小组</a:t>
             </a:r>
+            <a:endParaRPr lang="zh-CN" altLang="en-US" sz="1900" dirty="0">
+              <a:solidFill>
+                <a:schemeClr val="tx1">
+                  <a:lumMod val="85000"/>
+                  <a:lumOff val="15000"/>
+                </a:schemeClr>
+              </a:solidFill>
+              <a:latin typeface="微软雅黑" panose="020B0503020204020204" pitchFamily="34" charset="-122"/>
+              <a:ea typeface="微软雅黑" panose="020B0503020204020204" pitchFamily="34" charset="-122"/>
+            </a:endParaRPr>
           </a:p>
         </p:txBody>
       </p:sp>
@@ -4333,6 +4362,16 @@
               </a:rPr>
               <a:t>APP</a:t>
             </a:r>
+            <a:endParaRPr lang="en-US" altLang="zh-CN" sz="3600" b="1" dirty="0">
+              <a:solidFill>
+                <a:schemeClr val="tx1">
+                  <a:lumMod val="75000"/>
+                  <a:lumOff val="25000"/>
+                </a:schemeClr>
+              </a:solidFill>
+              <a:latin typeface="微软雅黑" panose="020B0503020204020204" pitchFamily="34" charset="-122"/>
+              <a:ea typeface="微软雅黑" panose="020B0503020204020204" pitchFamily="34" charset="-122"/>
+            </a:endParaRPr>
           </a:p>
         </p:txBody>
       </p:sp>
@@ -4437,6 +4476,16 @@
               </a:rPr>
               <a:t>日</a:t>
             </a:r>
+            <a:endParaRPr lang="zh-CN" altLang="en-US" sz="1900" dirty="0">
+              <a:solidFill>
+                <a:schemeClr val="tx1">
+                  <a:lumMod val="85000"/>
+                  <a:lumOff val="15000"/>
+                </a:schemeClr>
+              </a:solidFill>
+              <a:latin typeface="微软雅黑" panose="020B0503020204020204" pitchFamily="34" charset="-122"/>
+              <a:ea typeface="微软雅黑" panose="020B0503020204020204" pitchFamily="34" charset="-122"/>
+            </a:endParaRPr>
           </a:p>
         </p:txBody>
       </p:sp>
@@ -4484,16 +4533,16 @@
             <a:picLocks noChangeAspect="1"/>
           </p:cNvPicPr>
           <p:nvPr>
-            <a:audioFile r:link="rId2"/>
+            <a:audioFile r:link="rId1"/>
             <p:extLst>
               <p:ext uri="{DAA4B4D4-6D71-4841-9C94-3DE7FCFB9230}">
-                <p14:media xmlns:p14="http://schemas.microsoft.com/office/powerpoint/2010/main" r:embed="rId1"/>
+                <p14:media xmlns:p14="http://schemas.microsoft.com/office/powerpoint/2010/main" r:embed="rId2"/>
               </p:ext>
             </p:extLst>
           </p:nvPr>
         </p:nvPicPr>
         <p:blipFill>
-          <a:blip r:embed="rId5"/>
+          <a:blip r:embed="rId3"/>
           <a:stretch>
             <a:fillRect/>
           </a:stretch>
@@ -4541,6 +4590,14 @@
               </a:rPr>
               <a:t>浙江大学城市学院</a:t>
             </a:r>
+            <a:endParaRPr lang="zh-CN" altLang="en-US" kern="300" spc="2000">
+              <a:solidFill>
+                <a:schemeClr val="tx1"/>
+              </a:solidFill>
+              <a:uFillTx/>
+              <a:latin typeface="+中文标题" charset="0"/>
+              <a:ea typeface="+mj-ea"/>
+            </a:endParaRPr>
           </a:p>
         </p:txBody>
       </p:sp>
@@ -4549,13 +4606,13 @@
   <p:clrMapOvr>
     <a:masterClrMapping/>
   </p:clrMapOvr>
-  <mc:AlternateContent xmlns:mc="http://schemas.openxmlformats.org/markup-compatibility/2006" xmlns:p14="http://schemas.microsoft.com/office/powerpoint/2010/main">
-    <mc:Choice Requires="p14">
+  <mc:AlternateContent xmlns:mc="http://schemas.openxmlformats.org/markup-compatibility/2006">
+    <mc:Choice xmlns:p14="http://schemas.microsoft.com/office/powerpoint/2010/main" Requires="p14">
       <p:transition spd="slow" p14:dur="1600" advClick="0" advTm="0">
         <p:blinds dir="vert"/>
       </p:transition>
     </mc:Choice>
-    <mc:Fallback xmlns="">
+    <mc:Fallback>
       <p:transition spd="slow" advClick="0" advTm="0">
         <p:blinds dir="vert"/>
       </p:transition>
@@ -4887,7 +4944,7 @@
                         <p:par>
                           <p:cTn id="31" fill="hold">
                             <p:stCondLst>
-                              <p:cond delay="200"/>
+                              <p:cond delay="0"/>
                             </p:stCondLst>
                             <p:childTnLst>
                               <p:par>
@@ -5042,7 +5099,7 @@
                         <p:par>
                           <p:cTn id="40" fill="hold">
                             <p:stCondLst>
-                              <p:cond delay="700"/>
+                              <p:cond delay="500"/>
                             </p:stCondLst>
                             <p:childTnLst>
                               <p:par>
@@ -5159,7 +5216,7 @@
                         <p:par>
                           <p:cTn id="47" fill="hold">
                             <p:stCondLst>
-                              <p:cond delay="1400"/>
+                              <p:cond delay="1500"/>
                             </p:stCondLst>
                             <p:childTnLst>
                               <p:par>
@@ -5203,7 +5260,7 @@
                         <p:par>
                           <p:cTn id="51" fill="hold">
                             <p:stCondLst>
-                              <p:cond delay="2400"/>
+                              <p:cond delay="2500"/>
                             </p:stCondLst>
                             <p:childTnLst>
                               <p:par>
@@ -5247,7 +5304,7 @@
                         <p:par>
                           <p:cTn id="55" fill="hold">
                             <p:stCondLst>
-                              <p:cond delay="2900"/>
+                              <p:cond delay="3000"/>
                             </p:stCondLst>
                             <p:childTnLst>
                               <p:par>
@@ -5314,7 +5371,7 @@
                         <p:par>
                           <p:cTn id="60" fill="hold">
                             <p:stCondLst>
-                              <p:cond delay="3400"/>
+                              <p:cond delay="3500"/>
                             </p:stCondLst>
                             <p:childTnLst>
                               <p:par>
@@ -5545,7 +5602,7 @@
           <a:p>
             <a:pPr algn="ctr"/>
             <a:r>
-              <a:rPr lang="en-US" altLang="zh-Hans" sz="2400" dirty="0"/>
+              <a:rPr lang="en-US" altLang="en-US" sz="2400" dirty="0"/>
               <a:t>2</a:t>
             </a:r>
             <a:endParaRPr lang="en-US" sz="2400" dirty="0"/>
@@ -5575,36 +5632,16 @@
           <a:lstStyle/>
           <a:p>
             <a:r>
-              <a:rPr lang="zh-Hans" altLang="en-US" sz="2665" dirty="0">
+              <a:rPr lang="en-US" altLang="en-US" sz="2665" dirty="0">
                 <a:solidFill>
                   <a:srgbClr val="183A5D"/>
                 </a:solidFill>
                 <a:latin typeface="微软雅黑" panose="020B0503020204020204" pitchFamily="34" charset="-122"/>
                 <a:ea typeface="微软雅黑" panose="020B0503020204020204" pitchFamily="34" charset="-122"/>
               </a:rPr>
-              <a:t>测试计划</a:t>
+              <a:t>测试计划—单元测试(junit4.12)</a:t>
             </a:r>
-            <a:r>
-              <a:rPr lang="en-US" altLang="zh-Hans" sz="2665" dirty="0">
-                <a:solidFill>
-                  <a:srgbClr val="183A5D"/>
-                </a:solidFill>
-                <a:latin typeface="微软雅黑" panose="020B0503020204020204" pitchFamily="34" charset="-122"/>
-                <a:ea typeface="微软雅黑" panose="020B0503020204020204" pitchFamily="34" charset="-122"/>
-              </a:rPr>
-              <a:t>—</a:t>
-            </a:r>
-            <a:r>
-              <a:rPr lang="zh-Hans" altLang="en-US" sz="2665" dirty="0">
-                <a:solidFill>
-                  <a:srgbClr val="183A5D"/>
-                </a:solidFill>
-                <a:latin typeface="微软雅黑" panose="020B0503020204020204" pitchFamily="34" charset="-122"/>
-                <a:ea typeface="微软雅黑" panose="020B0503020204020204" pitchFamily="34" charset="-122"/>
-              </a:rPr>
-              <a:t>集成测试用例</a:t>
-            </a:r>
-            <a:endParaRPr lang="zh-CN" sz="2665" dirty="0">
+            <a:endParaRPr lang="en-US" altLang="en-US" sz="2665" dirty="0">
               <a:solidFill>
                 <a:srgbClr val="183A5D"/>
               </a:solidFill>
@@ -5616,20 +5653,14 @@
       </p:sp>
       <p:sp>
         <p:nvSpPr>
-          <p:cNvPr id="5" name="文本框 4">
-            <a:extLst>
-              <a:ext uri="{FF2B5EF4-FFF2-40B4-BE49-F238E27FC236}">
-                <a16:creationId xmlns:a16="http://schemas.microsoft.com/office/drawing/2014/main" id="{57C6A9D9-49DE-464A-85CA-542D02B35F68}"/>
-              </a:ext>
-            </a:extLst>
-          </p:cNvPr>
+          <p:cNvPr id="6" name="文本框 5"/>
           <p:cNvSpPr txBox="1"/>
           <p:nvPr/>
         </p:nvSpPr>
         <p:spPr>
           <a:xfrm>
-            <a:off x="1123720" y="1751683"/>
-            <a:ext cx="9006829" cy="3539430"/>
+            <a:off x="1397635" y="5225415"/>
+            <a:ext cx="1554480" cy="368300"/>
           </a:xfrm>
           <a:prstGeom prst="rect">
             <a:avLst/>
@@ -5637,73 +5668,116 @@
           <a:noFill/>
         </p:spPr>
         <p:txBody>
-          <a:bodyPr wrap="square" rtlCol="0">
+          <a:bodyPr wrap="none" rtlCol="0">
             <a:spAutoFit/>
           </a:bodyPr>
-          <a:lstStyle/>
           <a:p>
             <a:r>
-              <a:rPr kumimoji="1" lang="en-US" altLang="zh-Hans" sz="2800" dirty="0"/>
-              <a:t>1.</a:t>
+              <a:rPr lang="zh-CN" altLang="zh-CN"/>
+              <a:t>打开相机测试</a:t>
             </a:r>
-            <a:r>
-              <a:rPr kumimoji="1" lang="zh-Hans" altLang="en-US" sz="2800" dirty="0"/>
-              <a:t>在问酒页面与历史界面相互切换</a:t>
-            </a:r>
-            <a:endParaRPr kumimoji="1" lang="en-US" altLang="zh-Hans" sz="2800" dirty="0"/>
-          </a:p>
-          <a:p>
-            <a:r>
-              <a:rPr kumimoji="1" lang="en-US" altLang="zh-Hans" sz="2800" dirty="0"/>
-              <a:t>2.</a:t>
-            </a:r>
-            <a:r>
-              <a:rPr kumimoji="1" lang="zh-Hans" altLang="en-US" sz="2800" dirty="0"/>
-              <a:t>调用相机并进行拍照，调用裁剪进行识别，再点击相关酒条目，调到葡萄酒信息</a:t>
-            </a:r>
-            <a:endParaRPr kumimoji="1" lang="en-US" altLang="zh-Hans" sz="2800" dirty="0"/>
-          </a:p>
-          <a:p>
-            <a:r>
-              <a:rPr kumimoji="1" lang="en-US" altLang="zh-Hans" sz="2800" dirty="0"/>
-              <a:t>3.</a:t>
-            </a:r>
-            <a:r>
-              <a:rPr kumimoji="1" lang="zh-Hans" altLang="en-US" sz="2800" dirty="0"/>
-              <a:t>调用图库，选取图片，调用裁剪进行识别，再点击相关酒条目，调到葡萄酒信息</a:t>
-            </a:r>
-            <a:endParaRPr kumimoji="1" lang="en-US" altLang="zh-Hans" sz="2800" dirty="0"/>
-          </a:p>
-          <a:p>
-            <a:r>
-              <a:rPr kumimoji="1" lang="en-US" altLang="zh-Hans" sz="2800" dirty="0"/>
-              <a:t>4.</a:t>
-            </a:r>
-            <a:r>
-              <a:rPr kumimoji="1" lang="zh-Hans" altLang="en-US" sz="2800" dirty="0"/>
-              <a:t>在葡萄酒页面点击标记按钮，进行标记，并返回主界面，切换到历史记录中发现存在标记过的酒</a:t>
-            </a:r>
-            <a:endParaRPr kumimoji="1" lang="en-US" altLang="zh-Hans" sz="2800" dirty="0"/>
-          </a:p>
-          <a:p>
-            <a:r>
-              <a:rPr kumimoji="1" lang="en-US" altLang="zh-Hans" sz="2800" dirty="0"/>
-              <a:t>5.</a:t>
-            </a:r>
-            <a:r>
-              <a:rPr kumimoji="1" lang="zh-Hans" altLang="en-US" sz="2800" dirty="0"/>
-              <a:t>通过历史记录进入到该酒相关的酒界面。</a:t>
-            </a:r>
-            <a:endParaRPr kumimoji="1" lang="zh-CN" altLang="en-US" sz="2800" dirty="0"/>
+            <a:endParaRPr lang="zh-CN" altLang="zh-CN"/>
           </a:p>
         </p:txBody>
       </p:sp>
+      <p:sp>
+        <p:nvSpPr>
+          <p:cNvPr id="100" name="文本框 99"/>
+          <p:cNvSpPr txBox="1"/>
+          <p:nvPr/>
+        </p:nvSpPr>
+        <p:spPr>
+          <a:xfrm>
+            <a:off x="6614160" y="5225415"/>
+            <a:ext cx="5080000" cy="368300"/>
+          </a:xfrm>
+          <a:prstGeom prst="rect">
+            <a:avLst/>
+          </a:prstGeom>
+          <a:noFill/>
+          <a:ln w="9525">
+            <a:noFill/>
+          </a:ln>
+        </p:spPr>
+        <p:txBody>
+          <a:bodyPr>
+            <a:spAutoFit/>
+          </a:bodyPr>
+          <a:p>
+            <a:pPr indent="0"/>
+            <a:r>
+              <a:rPr b="0">
+                <a:latin typeface="宋体" panose="02010600030101010101" pitchFamily="2" charset="-122"/>
+                <a:ea typeface="宋体" panose="02010600030101010101" pitchFamily="2" charset="-122"/>
+                <a:cs typeface="宋体" panose="02010600030101010101" pitchFamily="2" charset="-122"/>
+              </a:rPr>
+              <a:t>打开图库</a:t>
+            </a:r>
+            <a:endParaRPr b="0">
+              <a:latin typeface="宋体" panose="02010600030101010101" pitchFamily="2" charset="-122"/>
+              <a:ea typeface="宋体" panose="02010600030101010101" pitchFamily="2" charset="-122"/>
+              <a:cs typeface="宋体" panose="02010600030101010101" pitchFamily="2" charset="-122"/>
+            </a:endParaRPr>
+          </a:p>
+        </p:txBody>
+      </p:sp>
+      <p:pic>
+        <p:nvPicPr>
+          <p:cNvPr id="-2147482573" name="图片 18"/>
+          <p:cNvPicPr>
+            <a:picLocks noChangeAspect="1"/>
+          </p:cNvPicPr>
+          <p:nvPr/>
+        </p:nvPicPr>
+        <p:blipFill>
+          <a:blip r:embed="rId1"/>
+          <a:stretch>
+            <a:fillRect/>
+          </a:stretch>
+        </p:blipFill>
+        <p:spPr>
+          <a:xfrm>
+            <a:off x="394335" y="1023620"/>
+            <a:ext cx="5269230" cy="3771265"/>
+          </a:xfrm>
+          <a:prstGeom prst="rect">
+            <a:avLst/>
+          </a:prstGeom>
+          <a:noFill/>
+          <a:ln w="9525">
+            <a:noFill/>
+          </a:ln>
+        </p:spPr>
+      </p:pic>
+      <p:pic>
+        <p:nvPicPr>
+          <p:cNvPr id="-2147482566" name="图片 44"/>
+          <p:cNvPicPr>
+            <a:picLocks noChangeAspect="1"/>
+          </p:cNvPicPr>
+          <p:nvPr/>
+        </p:nvPicPr>
+        <p:blipFill>
+          <a:blip r:embed="rId2"/>
+          <a:stretch>
+            <a:fillRect/>
+          </a:stretch>
+        </p:blipFill>
+        <p:spPr>
+          <a:xfrm>
+            <a:off x="6468745" y="1023620"/>
+            <a:ext cx="5125085" cy="3770630"/>
+          </a:xfrm>
+          <a:prstGeom prst="rect">
+            <a:avLst/>
+          </a:prstGeom>
+          <a:noFill/>
+          <a:ln w="9525">
+            <a:noFill/>
+          </a:ln>
+        </p:spPr>
+      </p:pic>
     </p:spTree>
-    <p:extLst>
-      <p:ext uri="{BB962C8B-B14F-4D97-AF65-F5344CB8AC3E}">
-        <p14:creationId xmlns:p14="http://schemas.microsoft.com/office/powerpoint/2010/main" val="3572369045"/>
-      </p:ext>
-    </p:extLst>
   </p:cSld>
   <p:clrMapOvr>
     <a:masterClrMapping/>
@@ -5820,7 +5894,7 @@
           <a:p>
             <a:pPr algn="ctr"/>
             <a:r>
-              <a:rPr lang="en-US" altLang="zh-Hans" sz="2400" dirty="0"/>
+              <a:rPr lang="en-US" altLang="en-US" sz="2400" dirty="0"/>
               <a:t>2</a:t>
             </a:r>
             <a:endParaRPr lang="en-US" sz="2400" dirty="0"/>
@@ -5835,8 +5909,8 @@
         </p:nvSpPr>
         <p:spPr>
           <a:xfrm>
-            <a:off x="2207741" y="159821"/>
-            <a:ext cx="6051597" cy="501650"/>
+            <a:off x="2207895" y="160020"/>
+            <a:ext cx="8104505" cy="501650"/>
           </a:xfrm>
           <a:prstGeom prst="rect">
             <a:avLst/>
@@ -5850,36 +5924,26 @@
           <a:lstStyle/>
           <a:p>
             <a:r>
-              <a:rPr lang="zh-Hans" altLang="en-US" sz="2665" dirty="0">
+              <a:rPr lang="en-US" altLang="en-US" sz="2665" dirty="0">
                 <a:solidFill>
                   <a:srgbClr val="183A5D"/>
                 </a:solidFill>
                 <a:latin typeface="微软雅黑" panose="020B0503020204020204" pitchFamily="34" charset="-122"/>
                 <a:ea typeface="微软雅黑" panose="020B0503020204020204" pitchFamily="34" charset="-122"/>
               </a:rPr>
-              <a:t>测试计划</a:t>
+              <a:t>测试计划—集成测试</a:t>
             </a:r>
             <a:r>
-              <a:rPr lang="en-US" altLang="zh-Hans" sz="2665" dirty="0">
+              <a:rPr lang="zh-CN" altLang="en-US" sz="2665" dirty="0">
                 <a:solidFill>
                   <a:srgbClr val="183A5D"/>
                 </a:solidFill>
                 <a:latin typeface="微软雅黑" panose="020B0503020204020204" pitchFamily="34" charset="-122"/>
                 <a:ea typeface="微软雅黑" panose="020B0503020204020204" pitchFamily="34" charset="-122"/>
               </a:rPr>
-              <a:t>—</a:t>
+              <a:t>（自顶向下集成测试）</a:t>
             </a:r>
-            <a:r>
-              <a:rPr lang="zh-Hans" altLang="en-US" sz="2665" dirty="0">
-                <a:solidFill>
-                  <a:srgbClr val="183A5D"/>
-                </a:solidFill>
-                <a:latin typeface="微软雅黑" panose="020B0503020204020204" pitchFamily="34" charset="-122"/>
-                <a:ea typeface="微软雅黑" panose="020B0503020204020204" pitchFamily="34" charset="-122"/>
-              </a:rPr>
-              <a:t>系统测试</a:t>
-            </a:r>
-            <a:endParaRPr lang="zh-CN" sz="2665" dirty="0">
+            <a:endParaRPr lang="zh-CN" altLang="en-US" sz="2665" dirty="0">
               <a:solidFill>
                 <a:srgbClr val="183A5D"/>
               </a:solidFill>
@@ -5889,150 +5953,62 @@
           </a:p>
         </p:txBody>
       </p:sp>
-      <p:pic>
-        <p:nvPicPr>
-          <p:cNvPr id="5" name="图片 4">
-            <a:extLst>
-              <a:ext uri="{FF2B5EF4-FFF2-40B4-BE49-F238E27FC236}">
-                <a16:creationId xmlns:a16="http://schemas.microsoft.com/office/drawing/2014/main" id="{B285DC9A-C33C-2544-95DE-4C359750F935}"/>
-              </a:ext>
-            </a:extLst>
-          </p:cNvPr>
-          <p:cNvPicPr>
-            <a:picLocks noChangeAspect="1"/>
-          </p:cNvPicPr>
+      <p:sp>
+        <p:nvSpPr>
+          <p:cNvPr id="5" name="文本框 4"/>
+          <p:cNvSpPr txBox="1"/>
           <p:nvPr/>
-        </p:nvPicPr>
-        <p:blipFill>
-          <a:blip r:embed="rId2"/>
-          <a:stretch>
-            <a:fillRect/>
-          </a:stretch>
-        </p:blipFill>
+        </p:nvSpPr>
         <p:spPr>
           <a:xfrm>
-            <a:off x="442128" y="983714"/>
-            <a:ext cx="5270500" cy="2819400"/>
+            <a:off x="1123720" y="1751683"/>
+            <a:ext cx="9006829" cy="2245360"/>
           </a:xfrm>
           <a:prstGeom prst="rect">
             <a:avLst/>
           </a:prstGeom>
+          <a:noFill/>
         </p:spPr>
-      </p:pic>
-      <p:pic>
-        <p:nvPicPr>
-          <p:cNvPr id="7" name="图片 6">
-            <a:extLst>
-              <a:ext uri="{FF2B5EF4-FFF2-40B4-BE49-F238E27FC236}">
-                <a16:creationId xmlns:a16="http://schemas.microsoft.com/office/drawing/2014/main" id="{24B94751-2D44-7E47-819A-18793DDD896A}"/>
-              </a:ext>
-            </a:extLst>
-          </p:cNvPr>
-          <p:cNvPicPr>
-            <a:picLocks noChangeAspect="1"/>
-          </p:cNvPicPr>
-          <p:nvPr/>
-        </p:nvPicPr>
-        <p:blipFill>
-          <a:blip r:embed="rId3">
-            <a:extLst>
-              <a:ext uri="{28A0092B-C50C-407E-A947-70E740481C1C}">
-                <a14:useLocalDpi xmlns:a14="http://schemas.microsoft.com/office/drawing/2010/main" val="0"/>
-              </a:ext>
-            </a:extLst>
-          </a:blip>
-          <a:stretch>
-            <a:fillRect/>
-          </a:stretch>
-        </p:blipFill>
-        <p:spPr>
-          <a:xfrm>
-            <a:off x="6270051" y="983714"/>
-            <a:ext cx="5270500" cy="2819400"/>
-          </a:xfrm>
-          <a:prstGeom prst="rect">
-            <a:avLst/>
-          </a:prstGeom>
-        </p:spPr>
-      </p:pic>
-      <p:pic>
-        <p:nvPicPr>
-          <p:cNvPr id="10" name="图片 9">
-            <a:extLst>
-              <a:ext uri="{FF2B5EF4-FFF2-40B4-BE49-F238E27FC236}">
-                <a16:creationId xmlns:a16="http://schemas.microsoft.com/office/drawing/2014/main" id="{4494453C-4D73-5644-A793-C17C17472DB3}"/>
-              </a:ext>
-            </a:extLst>
-          </p:cNvPr>
-          <p:cNvPicPr>
-            <a:picLocks noChangeAspect="1"/>
-          </p:cNvPicPr>
-          <p:nvPr/>
-        </p:nvPicPr>
-        <p:blipFill>
-          <a:blip r:embed="rId4">
-            <a:extLst>
-              <a:ext uri="{28A0092B-C50C-407E-A947-70E740481C1C}">
-                <a14:useLocalDpi xmlns:a14="http://schemas.microsoft.com/office/drawing/2010/main" val="0"/>
-              </a:ext>
-            </a:extLst>
-          </a:blip>
-          <a:stretch>
-            <a:fillRect/>
-          </a:stretch>
-        </p:blipFill>
-        <p:spPr>
-          <a:xfrm>
-            <a:off x="481069" y="3852230"/>
-            <a:ext cx="5270500" cy="2819400"/>
-          </a:xfrm>
-          <a:prstGeom prst="rect">
-            <a:avLst/>
-          </a:prstGeom>
-        </p:spPr>
-      </p:pic>
-      <p:pic>
-        <p:nvPicPr>
-          <p:cNvPr id="12" name="图片 11">
-            <a:extLst>
-              <a:ext uri="{FF2B5EF4-FFF2-40B4-BE49-F238E27FC236}">
-                <a16:creationId xmlns:a16="http://schemas.microsoft.com/office/drawing/2014/main" id="{CAF83924-241E-7E42-A285-2AF9CE1AA8DF}"/>
-              </a:ext>
-            </a:extLst>
-          </p:cNvPr>
-          <p:cNvPicPr>
-            <a:picLocks noChangeAspect="1"/>
-          </p:cNvPicPr>
-          <p:nvPr/>
-        </p:nvPicPr>
-        <p:blipFill>
-          <a:blip r:embed="rId5">
-            <a:extLst>
-              <a:ext uri="{28A0092B-C50C-407E-A947-70E740481C1C}">
-                <a14:useLocalDpi xmlns:a14="http://schemas.microsoft.com/office/drawing/2010/main" val="0"/>
-              </a:ext>
-            </a:extLst>
-          </a:blip>
-          <a:stretch>
-            <a:fillRect/>
-          </a:stretch>
-        </p:blipFill>
-        <p:spPr>
-          <a:xfrm>
-            <a:off x="6270051" y="3852230"/>
-            <a:ext cx="5270500" cy="2819400"/>
-          </a:xfrm>
-          <a:prstGeom prst="rect">
-            <a:avLst/>
-          </a:prstGeom>
-        </p:spPr>
-      </p:pic>
+        <p:txBody>
+          <a:bodyPr wrap="square" rtlCol="0">
+            <a:spAutoFit/>
+          </a:bodyPr>
+          <a:lstStyle/>
+          <a:p>
+            <a:r>
+              <a:rPr kumimoji="1" lang="en-US" altLang="en-US" sz="2800" dirty="0"/>
+              <a:t>1.系统-&gt;图像识别-&gt;调用图库图片进行识别</a:t>
+            </a:r>
+            <a:endParaRPr kumimoji="1" lang="en-US" altLang="en-US" sz="2800" dirty="0"/>
+          </a:p>
+          <a:p>
+            <a:r>
+              <a:rPr kumimoji="1" lang="en-US" altLang="en-US" sz="2800" dirty="0"/>
+              <a:t>首先将系统模块独立</a:t>
+            </a:r>
+            <a:r>
+              <a:rPr kumimoji="1" lang="zh-CN" altLang="en-US" sz="2800" dirty="0"/>
+              <a:t>，运行成功，之后选取调用摄像头图像识别，之后再加入识别API模块</a:t>
+            </a:r>
+            <a:endParaRPr kumimoji="1" lang="zh-CN" altLang="en-US" sz="2800" dirty="0"/>
+          </a:p>
+          <a:p>
+            <a:r>
+              <a:rPr kumimoji="1" lang="en-US" altLang="en-US" sz="2800" dirty="0"/>
+              <a:t>2.系统-&gt;图像识别-&gt;调用图库识别</a:t>
+            </a:r>
+            <a:endParaRPr kumimoji="1" lang="en-US" altLang="en-US" sz="2800" dirty="0"/>
+          </a:p>
+          <a:p>
+            <a:r>
+              <a:rPr kumimoji="1" lang="en-US" altLang="en-US" sz="2800" dirty="0"/>
+              <a:t>3.系统-&gt;历史记录&gt;点击进入相关酒界面</a:t>
+            </a:r>
+            <a:endParaRPr kumimoji="1" lang="zh-CN" altLang="en-US" sz="2800" dirty="0"/>
+          </a:p>
+        </p:txBody>
+      </p:sp>
     </p:spTree>
-    <p:extLst>
-      <p:ext uri="{BB962C8B-B14F-4D97-AF65-F5344CB8AC3E}">
-        <p14:creationId xmlns:p14="http://schemas.microsoft.com/office/powerpoint/2010/main" val="1042300340"/>
-      </p:ext>
-    </p:extLst>
   </p:cSld>
   <p:clrMapOvr>
     <a:masterClrMapping/>
@@ -6149,9 +6125,10 @@
           <a:p>
             <a:pPr algn="ctr"/>
             <a:r>
-              <a:rPr lang="en-US" sz="2400" dirty="0"/>
-              <a:t>3</a:t>
+              <a:rPr lang="en-US" altLang="en-US" sz="2400" dirty="0"/>
+              <a:t>2</a:t>
             </a:r>
+            <a:endParaRPr lang="en-US" sz="2400" dirty="0"/>
           </a:p>
         </p:txBody>
       </p:sp>
@@ -6178,14 +6155,14 @@
           <a:lstStyle/>
           <a:p>
             <a:r>
-              <a:rPr lang="zh-Hans" altLang="en-US" sz="2665" dirty="0">
+              <a:rPr lang="en-US" altLang="en-US" sz="2665" dirty="0">
                 <a:solidFill>
                   <a:srgbClr val="183A5D"/>
                 </a:solidFill>
                 <a:latin typeface="微软雅黑" panose="020B0503020204020204" pitchFamily="34" charset="-122"/>
                 <a:ea typeface="微软雅黑" panose="020B0503020204020204" pitchFamily="34" charset="-122"/>
               </a:rPr>
-              <a:t>详细设计说明书</a:t>
+              <a:t>测试计划—系统测试</a:t>
             </a:r>
             <a:endParaRPr lang="zh-CN" sz="2665" dirty="0">
               <a:solidFill>
@@ -6199,28 +6176,112 @@
       </p:sp>
       <p:pic>
         <p:nvPicPr>
-          <p:cNvPr id="12" name="图片 11">
-            <a:extLst>
-              <a:ext uri="{FF2B5EF4-FFF2-40B4-BE49-F238E27FC236}">
-                <a16:creationId xmlns:a16="http://schemas.microsoft.com/office/drawing/2014/main" id="{2CC784C0-1EFB-BE4C-8578-FF0C3F627222}"/>
-              </a:ext>
-            </a:extLst>
-          </p:cNvPr>
+          <p:cNvPr id="5" name="图片 4"/>
           <p:cNvPicPr>
             <a:picLocks noChangeAspect="1"/>
           </p:cNvPicPr>
           <p:nvPr/>
         </p:nvPicPr>
         <p:blipFill>
-          <a:blip r:embed="rId2"/>
+          <a:blip r:embed="rId1"/>
           <a:stretch>
             <a:fillRect/>
           </a:stretch>
         </p:blipFill>
         <p:spPr>
           <a:xfrm>
-            <a:off x="4707033" y="159821"/>
-            <a:ext cx="7484967" cy="6506474"/>
+            <a:off x="442128" y="983714"/>
+            <a:ext cx="5270500" cy="2819400"/>
+          </a:xfrm>
+          <a:prstGeom prst="rect">
+            <a:avLst/>
+          </a:prstGeom>
+        </p:spPr>
+      </p:pic>
+      <p:pic>
+        <p:nvPicPr>
+          <p:cNvPr id="7" name="图片 6"/>
+          <p:cNvPicPr>
+            <a:picLocks noChangeAspect="1"/>
+          </p:cNvPicPr>
+          <p:nvPr/>
+        </p:nvPicPr>
+        <p:blipFill>
+          <a:blip r:embed="rId2">
+            <a:extLst>
+              <a:ext uri="{28A0092B-C50C-407E-A947-70E740481C1C}">
+                <a14:useLocalDpi xmlns:a14="http://schemas.microsoft.com/office/drawing/2010/main" val="0"/>
+              </a:ext>
+            </a:extLst>
+          </a:blip>
+          <a:stretch>
+            <a:fillRect/>
+          </a:stretch>
+        </p:blipFill>
+        <p:spPr>
+          <a:xfrm>
+            <a:off x="6270051" y="983714"/>
+            <a:ext cx="5270500" cy="2819400"/>
+          </a:xfrm>
+          <a:prstGeom prst="rect">
+            <a:avLst/>
+          </a:prstGeom>
+        </p:spPr>
+      </p:pic>
+      <p:pic>
+        <p:nvPicPr>
+          <p:cNvPr id="10" name="图片 9"/>
+          <p:cNvPicPr>
+            <a:picLocks noChangeAspect="1"/>
+          </p:cNvPicPr>
+          <p:nvPr/>
+        </p:nvPicPr>
+        <p:blipFill>
+          <a:blip r:embed="rId3">
+            <a:extLst>
+              <a:ext uri="{28A0092B-C50C-407E-A947-70E740481C1C}">
+                <a14:useLocalDpi xmlns:a14="http://schemas.microsoft.com/office/drawing/2010/main" val="0"/>
+              </a:ext>
+            </a:extLst>
+          </a:blip>
+          <a:stretch>
+            <a:fillRect/>
+          </a:stretch>
+        </p:blipFill>
+        <p:spPr>
+          <a:xfrm>
+            <a:off x="481069" y="3852230"/>
+            <a:ext cx="5270500" cy="2819400"/>
+          </a:xfrm>
+          <a:prstGeom prst="rect">
+            <a:avLst/>
+          </a:prstGeom>
+        </p:spPr>
+      </p:pic>
+      <p:pic>
+        <p:nvPicPr>
+          <p:cNvPr id="12" name="图片 11"/>
+          <p:cNvPicPr>
+            <a:picLocks noChangeAspect="1"/>
+          </p:cNvPicPr>
+          <p:nvPr/>
+        </p:nvPicPr>
+        <p:blipFill>
+          <a:blip r:embed="rId4">
+            <a:extLst>
+              <a:ext uri="{28A0092B-C50C-407E-A947-70E740481C1C}">
+                <a14:useLocalDpi xmlns:a14="http://schemas.microsoft.com/office/drawing/2010/main" val="0"/>
+              </a:ext>
+            </a:extLst>
+          </a:blip>
+          <a:stretch>
+            <a:fillRect/>
+          </a:stretch>
+        </p:blipFill>
+        <p:spPr>
+          <a:xfrm>
+            <a:off x="6270051" y="3852230"/>
+            <a:ext cx="5270500" cy="2819400"/>
           </a:xfrm>
           <a:prstGeom prst="rect">
             <a:avLst/>
@@ -6344,10 +6405,10 @@
           <a:p>
             <a:pPr algn="ctr"/>
             <a:r>
-              <a:rPr lang="en-US" altLang="zh-Hans" sz="2400" dirty="0"/>
-              <a:t>4</a:t>
+              <a:rPr lang="en-US" sz="2400" dirty="0"/>
+              <a:t>3</a:t>
             </a:r>
-            <a:endParaRPr lang="en-US" altLang="zh-CN" sz="2400" dirty="0"/>
+            <a:endParaRPr lang="en-US" sz="2400" dirty="0"/>
           </a:p>
         </p:txBody>
       </p:sp>
@@ -6359,7 +6420,7 @@
         </p:nvSpPr>
         <p:spPr>
           <a:xfrm>
-            <a:off x="2228057" y="191566"/>
+            <a:off x="2207741" y="159821"/>
             <a:ext cx="6051597" cy="501650"/>
           </a:xfrm>
           <a:prstGeom prst="rect">
@@ -6374,16 +6435,16 @@
           <a:lstStyle/>
           <a:p>
             <a:r>
-              <a:rPr lang="zh-Hans" altLang="en-US" sz="2665" dirty="0">
+              <a:rPr lang="en-US" altLang="en-US" sz="2665" dirty="0">
                 <a:solidFill>
                   <a:srgbClr val="183A5D"/>
                 </a:solidFill>
                 <a:latin typeface="微软雅黑" panose="020B0503020204020204" pitchFamily="34" charset="-122"/>
                 <a:ea typeface="微软雅黑" panose="020B0503020204020204" pitchFamily="34" charset="-122"/>
               </a:rPr>
-              <a:t>测试结果</a:t>
+              <a:t>详细设计说明书</a:t>
             </a:r>
-            <a:endParaRPr lang="zh-CN" altLang="en-US" sz="2665" dirty="0">
+            <a:endParaRPr lang="zh-CN" sz="2665" dirty="0">
               <a:solidFill>
                 <a:srgbClr val="183A5D"/>
               </a:solidFill>
@@ -6395,28 +6456,22 @@
       </p:sp>
       <p:pic>
         <p:nvPicPr>
-          <p:cNvPr id="6" name="图片 5">
-            <a:extLst>
-              <a:ext uri="{FF2B5EF4-FFF2-40B4-BE49-F238E27FC236}">
-                <a16:creationId xmlns:a16="http://schemas.microsoft.com/office/drawing/2014/main" id="{007FD686-8802-4F45-9CBA-70745ECF4C96}"/>
-              </a:ext>
-            </a:extLst>
-          </p:cNvPr>
+          <p:cNvPr id="12" name="图片 11"/>
           <p:cNvPicPr>
             <a:picLocks noChangeAspect="1"/>
           </p:cNvPicPr>
           <p:nvPr/>
         </p:nvPicPr>
         <p:blipFill>
-          <a:blip r:embed="rId2"/>
+          <a:blip r:embed="rId1"/>
           <a:stretch>
             <a:fillRect/>
           </a:stretch>
         </p:blipFill>
         <p:spPr>
           <a:xfrm>
-            <a:off x="607241" y="779837"/>
-            <a:ext cx="11264900" cy="5791200"/>
+            <a:off x="4707033" y="159821"/>
+            <a:ext cx="7484967" cy="6506474"/>
           </a:xfrm>
           <a:prstGeom prst="rect">
             <a:avLst/>
@@ -6424,11 +6479,6 @@
         </p:spPr>
       </p:pic>
     </p:spTree>
-    <p:extLst>
-      <p:ext uri="{BB962C8B-B14F-4D97-AF65-F5344CB8AC3E}">
-        <p14:creationId xmlns:p14="http://schemas.microsoft.com/office/powerpoint/2010/main" val="744703584"/>
-      </p:ext>
-    </p:extLst>
   </p:cSld>
   <p:clrMapOvr>
     <a:masterClrMapping/>
@@ -6545,7 +6595,7 @@
           <a:p>
             <a:pPr algn="ctr"/>
             <a:r>
-              <a:rPr lang="en-US" altLang="zh-Hans" sz="2400" dirty="0"/>
+              <a:rPr lang="en-US" altLang="en-US" sz="2400" dirty="0"/>
               <a:t>4</a:t>
             </a:r>
             <a:endParaRPr lang="en-US" altLang="zh-CN" sz="2400" dirty="0"/>
@@ -6575,7 +6625,7 @@
           <a:lstStyle/>
           <a:p>
             <a:r>
-              <a:rPr lang="zh-Hans" altLang="en-US" sz="2665" dirty="0">
+              <a:rPr lang="en-US" altLang="en-US" sz="2665" dirty="0">
                 <a:solidFill>
                   <a:srgbClr val="183A5D"/>
                 </a:solidFill>
@@ -6596,28 +6646,22 @@
       </p:sp>
       <p:pic>
         <p:nvPicPr>
-          <p:cNvPr id="7" name="图片 6">
-            <a:extLst>
-              <a:ext uri="{FF2B5EF4-FFF2-40B4-BE49-F238E27FC236}">
-                <a16:creationId xmlns:a16="http://schemas.microsoft.com/office/drawing/2014/main" id="{623BFE94-EAB8-294F-810E-40FC069595A3}"/>
-              </a:ext>
-            </a:extLst>
-          </p:cNvPr>
+          <p:cNvPr id="6" name="图片 5"/>
           <p:cNvPicPr>
             <a:picLocks noChangeAspect="1"/>
           </p:cNvPicPr>
           <p:nvPr/>
         </p:nvPicPr>
         <p:blipFill>
-          <a:blip r:embed="rId2"/>
+          <a:blip r:embed="rId1"/>
           <a:stretch>
             <a:fillRect/>
           </a:stretch>
         </p:blipFill>
         <p:spPr>
           <a:xfrm>
-            <a:off x="1481110" y="661345"/>
-            <a:ext cx="7810936" cy="6165955"/>
+            <a:off x="607241" y="779837"/>
+            <a:ext cx="11264900" cy="5791200"/>
           </a:xfrm>
           <a:prstGeom prst="rect">
             <a:avLst/>
@@ -6625,11 +6669,6 @@
         </p:spPr>
       </p:pic>
     </p:spTree>
-    <p:extLst>
-      <p:ext uri="{BB962C8B-B14F-4D97-AF65-F5344CB8AC3E}">
-        <p14:creationId xmlns:p14="http://schemas.microsoft.com/office/powerpoint/2010/main" val="2009839356"/>
-      </p:ext>
-    </p:extLst>
   </p:cSld>
   <p:clrMapOvr>
     <a:masterClrMapping/>
@@ -6746,7 +6785,7 @@
           <a:p>
             <a:pPr algn="ctr"/>
             <a:r>
-              <a:rPr lang="en-US" altLang="zh-Hans" sz="2400" dirty="0"/>
+              <a:rPr lang="en-US" altLang="en-US" sz="2400" dirty="0"/>
               <a:t>4</a:t>
             </a:r>
             <a:endParaRPr lang="en-US" altLang="zh-CN" sz="2400" dirty="0"/>
@@ -6776,7 +6815,7 @@
           <a:lstStyle/>
           <a:p>
             <a:r>
-              <a:rPr lang="zh-Hans" altLang="en-US" sz="2665" dirty="0">
+              <a:rPr lang="en-US" altLang="en-US" sz="2665" dirty="0">
                 <a:solidFill>
                   <a:srgbClr val="183A5D"/>
                 </a:solidFill>
@@ -6797,28 +6836,22 @@
       </p:sp>
       <p:pic>
         <p:nvPicPr>
-          <p:cNvPr id="5" name="图片 4">
-            <a:extLst>
-              <a:ext uri="{FF2B5EF4-FFF2-40B4-BE49-F238E27FC236}">
-                <a16:creationId xmlns:a16="http://schemas.microsoft.com/office/drawing/2014/main" id="{BCD93534-E1F5-7048-BE6C-ADCB704E6735}"/>
-              </a:ext>
-            </a:extLst>
-          </p:cNvPr>
+          <p:cNvPr id="7" name="图片 6"/>
           <p:cNvPicPr>
             <a:picLocks noChangeAspect="1"/>
           </p:cNvPicPr>
           <p:nvPr/>
         </p:nvPicPr>
         <p:blipFill>
-          <a:blip r:embed="rId2"/>
+          <a:blip r:embed="rId1"/>
           <a:stretch>
             <a:fillRect/>
           </a:stretch>
         </p:blipFill>
         <p:spPr>
           <a:xfrm>
-            <a:off x="4453203" y="1171"/>
-            <a:ext cx="6590654" cy="6858000"/>
+            <a:off x="1481110" y="661345"/>
+            <a:ext cx="7810936" cy="6165955"/>
           </a:xfrm>
           <a:prstGeom prst="rect">
             <a:avLst/>
@@ -6826,11 +6859,6 @@
         </p:spPr>
       </p:pic>
     </p:spTree>
-    <p:extLst>
-      <p:ext uri="{BB962C8B-B14F-4D97-AF65-F5344CB8AC3E}">
-        <p14:creationId xmlns:p14="http://schemas.microsoft.com/office/powerpoint/2010/main" val="884719031"/>
-      </p:ext>
-    </p:extLst>
   </p:cSld>
   <p:clrMapOvr>
     <a:masterClrMapping/>
@@ -6947,10 +6975,10 @@
           <a:p>
             <a:pPr algn="ctr"/>
             <a:r>
-              <a:rPr lang="en-US" altLang="zh-Hans" sz="2400" dirty="0"/>
-              <a:t>5</a:t>
+              <a:rPr lang="en-US" altLang="en-US" sz="2400" dirty="0"/>
+              <a:t>4</a:t>
             </a:r>
-            <a:endParaRPr lang="en-US" sz="2400" dirty="0"/>
+            <a:endParaRPr lang="en-US" altLang="zh-CN" sz="2400" dirty="0"/>
           </a:p>
         </p:txBody>
       </p:sp>
@@ -6962,7 +6990,7 @@
         </p:nvSpPr>
         <p:spPr>
           <a:xfrm>
-            <a:off x="2207741" y="159821"/>
+            <a:off x="2228057" y="191566"/>
             <a:ext cx="6051597" cy="501650"/>
           </a:xfrm>
           <a:prstGeom prst="rect">
@@ -6977,16 +7005,16 @@
           <a:lstStyle/>
           <a:p>
             <a:r>
-              <a:rPr lang="zh-Hans" altLang="en-US" sz="2665" dirty="0">
+              <a:rPr lang="en-US" altLang="en-US" sz="2665" dirty="0">
                 <a:solidFill>
                   <a:srgbClr val="183A5D"/>
                 </a:solidFill>
                 <a:latin typeface="微软雅黑" panose="020B0503020204020204" pitchFamily="34" charset="-122"/>
                 <a:ea typeface="微软雅黑" panose="020B0503020204020204" pitchFamily="34" charset="-122"/>
               </a:rPr>
-              <a:t>项目计划</a:t>
+              <a:t>测试结果</a:t>
             </a:r>
-            <a:endParaRPr lang="zh-CN" sz="2665" dirty="0">
+            <a:endParaRPr lang="zh-CN" altLang="en-US" sz="2665" dirty="0">
               <a:solidFill>
                 <a:srgbClr val="183A5D"/>
               </a:solidFill>
@@ -6998,28 +7026,22 @@
       </p:sp>
       <p:pic>
         <p:nvPicPr>
-          <p:cNvPr id="6" name="图片 5">
-            <a:extLst>
-              <a:ext uri="{FF2B5EF4-FFF2-40B4-BE49-F238E27FC236}">
-                <a16:creationId xmlns:a16="http://schemas.microsoft.com/office/drawing/2014/main" id="{5512159A-6E41-1F4A-ABA8-BD341F7E8584}"/>
-              </a:ext>
-            </a:extLst>
-          </p:cNvPr>
+          <p:cNvPr id="5" name="图片 4"/>
           <p:cNvPicPr>
             <a:picLocks noChangeAspect="1"/>
           </p:cNvPicPr>
           <p:nvPr/>
         </p:nvPicPr>
         <p:blipFill>
-          <a:blip r:embed="rId2"/>
+          <a:blip r:embed="rId1"/>
           <a:stretch>
             <a:fillRect/>
           </a:stretch>
         </p:blipFill>
         <p:spPr>
           <a:xfrm>
-            <a:off x="4498047" y="0"/>
-            <a:ext cx="6945016" cy="6858000"/>
+            <a:off x="4453203" y="1171"/>
+            <a:ext cx="6590654" cy="6858000"/>
           </a:xfrm>
           <a:prstGeom prst="rect">
             <a:avLst/>
@@ -7027,11 +7049,6 @@
         </p:spPr>
       </p:pic>
     </p:spTree>
-    <p:extLst>
-      <p:ext uri="{BB962C8B-B14F-4D97-AF65-F5344CB8AC3E}">
-        <p14:creationId xmlns:p14="http://schemas.microsoft.com/office/powerpoint/2010/main" val="498831164"/>
-      </p:ext>
-    </p:extLst>
   </p:cSld>
   <p:clrMapOvr>
     <a:masterClrMapping/>
@@ -7113,7 +7130,7 @@
         </p:nvSpPr>
         <p:spPr>
           <a:xfrm>
-            <a:off x="252130" y="255084"/>
+            <a:off x="239067" y="255084"/>
             <a:ext cx="1608117" cy="406261"/>
           </a:xfrm>
           <a:prstGeom prst="rect">
@@ -7148,7 +7165,7 @@
           <a:p>
             <a:pPr algn="ctr"/>
             <a:r>
-              <a:rPr lang="en-US" altLang="zh-Hans" sz="2400" dirty="0"/>
+              <a:rPr lang="en-US" altLang="en-US" sz="2400" dirty="0"/>
               <a:t>5</a:t>
             </a:r>
             <a:endParaRPr lang="en-US" sz="2400" dirty="0"/>
@@ -7178,7 +7195,7 @@
           <a:lstStyle/>
           <a:p>
             <a:r>
-              <a:rPr lang="zh-Hans" altLang="en-US" sz="2665" dirty="0">
+              <a:rPr lang="en-US" altLang="en-US" sz="2665" dirty="0">
                 <a:solidFill>
                   <a:srgbClr val="183A5D"/>
                 </a:solidFill>
@@ -7199,28 +7216,22 @@
       </p:sp>
       <p:pic>
         <p:nvPicPr>
-          <p:cNvPr id="7" name="图片 6">
-            <a:extLst>
-              <a:ext uri="{FF2B5EF4-FFF2-40B4-BE49-F238E27FC236}">
-                <a16:creationId xmlns:a16="http://schemas.microsoft.com/office/drawing/2014/main" id="{F86079DB-30D1-324A-84F6-762059E1B621}"/>
-              </a:ext>
-            </a:extLst>
-          </p:cNvPr>
+          <p:cNvPr id="6" name="图片 5"/>
           <p:cNvPicPr>
             <a:picLocks noChangeAspect="1"/>
           </p:cNvPicPr>
           <p:nvPr/>
         </p:nvPicPr>
         <p:blipFill>
-          <a:blip r:embed="rId2"/>
+          <a:blip r:embed="rId1"/>
           <a:stretch>
             <a:fillRect/>
           </a:stretch>
         </p:blipFill>
         <p:spPr>
           <a:xfrm>
-            <a:off x="3993589" y="1171"/>
-            <a:ext cx="7757919" cy="6858000"/>
+            <a:off x="4498047" y="0"/>
+            <a:ext cx="6945016" cy="6858000"/>
           </a:xfrm>
           <a:prstGeom prst="rect">
             <a:avLst/>
@@ -7228,11 +7239,6 @@
         </p:spPr>
       </p:pic>
     </p:spTree>
-    <p:extLst>
-      <p:ext uri="{BB962C8B-B14F-4D97-AF65-F5344CB8AC3E}">
-        <p14:creationId xmlns:p14="http://schemas.microsoft.com/office/powerpoint/2010/main" val="469288596"/>
-      </p:ext>
-    </p:extLst>
   </p:cSld>
   <p:clrMapOvr>
     <a:masterClrMapping/>
@@ -7314,7 +7320,7 @@
         </p:nvSpPr>
         <p:spPr>
           <a:xfrm>
-            <a:off x="239067" y="255084"/>
+            <a:off x="252130" y="255084"/>
             <a:ext cx="1608117" cy="406261"/>
           </a:xfrm>
           <a:prstGeom prst="rect">
@@ -7349,8 +7355,8 @@
           <a:p>
             <a:pPr algn="ctr"/>
             <a:r>
-              <a:rPr lang="en-US" altLang="zh-Hans" sz="2400" dirty="0"/>
-              <a:t>6</a:t>
+              <a:rPr lang="en-US" altLang="en-US" sz="2400" dirty="0"/>
+              <a:t>5</a:t>
             </a:r>
             <a:endParaRPr lang="en-US" sz="2400" dirty="0"/>
           </a:p>
@@ -7379,34 +7385,14 @@
           <a:lstStyle/>
           <a:p>
             <a:r>
-              <a:rPr lang="zh-Hans" altLang="en-US" sz="2665" dirty="0">
+              <a:rPr lang="en-US" altLang="en-US" sz="2665" dirty="0">
                 <a:solidFill>
                   <a:srgbClr val="183A5D"/>
                 </a:solidFill>
                 <a:latin typeface="微软雅黑" panose="020B0503020204020204" pitchFamily="34" charset="-122"/>
                 <a:ea typeface="微软雅黑" panose="020B0503020204020204" pitchFamily="34" charset="-122"/>
               </a:rPr>
-              <a:t>用户手册</a:t>
-            </a:r>
-            <a:r>
-              <a:rPr lang="en-US" altLang="zh-Hans" sz="2665" dirty="0">
-                <a:solidFill>
-                  <a:srgbClr val="183A5D"/>
-                </a:solidFill>
-                <a:latin typeface="微软雅黑" panose="020B0503020204020204" pitchFamily="34" charset="-122"/>
-                <a:ea typeface="微软雅黑" panose="020B0503020204020204" pitchFamily="34" charset="-122"/>
-              </a:rPr>
-              <a:t>——</a:t>
-            </a:r>
-            <a:r>
-              <a:rPr lang="zh-Hans" altLang="en-US" sz="2665" dirty="0">
-                <a:solidFill>
-                  <a:srgbClr val="183A5D"/>
-                </a:solidFill>
-                <a:latin typeface="微软雅黑" panose="020B0503020204020204" pitchFamily="34" charset="-122"/>
-                <a:ea typeface="微软雅黑" panose="020B0503020204020204" pitchFamily="34" charset="-122"/>
-              </a:rPr>
-              <a:t>酒界面</a:t>
+              <a:t>项目计划</a:t>
             </a:r>
             <a:endParaRPr lang="zh-CN" sz="2665" dirty="0">
               <a:solidFill>
@@ -7420,58 +7406,22 @@
       </p:sp>
       <p:pic>
         <p:nvPicPr>
-          <p:cNvPr id="7" name="图片 6">
-            <a:extLst>
-              <a:ext uri="{FF2B5EF4-FFF2-40B4-BE49-F238E27FC236}">
-                <a16:creationId xmlns:a16="http://schemas.microsoft.com/office/drawing/2014/main" id="{51FF2B30-C3A2-1641-B362-5702066AB486}"/>
-              </a:ext>
-            </a:extLst>
-          </p:cNvPr>
+          <p:cNvPr id="7" name="图片 6"/>
           <p:cNvPicPr>
             <a:picLocks noChangeAspect="1"/>
           </p:cNvPicPr>
           <p:nvPr/>
         </p:nvPicPr>
         <p:blipFill>
-          <a:blip r:embed="rId2"/>
+          <a:blip r:embed="rId1"/>
           <a:stretch>
             <a:fillRect/>
           </a:stretch>
         </p:blipFill>
         <p:spPr>
           <a:xfrm>
-            <a:off x="6432015" y="410646"/>
-            <a:ext cx="4144178" cy="6216267"/>
-          </a:xfrm>
-          <a:prstGeom prst="rect">
-            <a:avLst/>
-          </a:prstGeom>
-        </p:spPr>
-      </p:pic>
-      <p:pic>
-        <p:nvPicPr>
-          <p:cNvPr id="8" name="图片 7">
-            <a:extLst>
-              <a:ext uri="{FF2B5EF4-FFF2-40B4-BE49-F238E27FC236}">
-                <a16:creationId xmlns:a16="http://schemas.microsoft.com/office/drawing/2014/main" id="{34A76083-CDDA-A045-B481-9807267F938A}"/>
-              </a:ext>
-            </a:extLst>
-          </p:cNvPr>
-          <p:cNvPicPr>
-            <a:picLocks noChangeAspect="1"/>
-          </p:cNvPicPr>
-          <p:nvPr/>
-        </p:nvPicPr>
-        <p:blipFill>
-          <a:blip r:embed="rId3"/>
-          <a:stretch>
-            <a:fillRect/>
-          </a:stretch>
-        </p:blipFill>
-        <p:spPr>
-          <a:xfrm>
-            <a:off x="-96202" y="2223963"/>
-            <a:ext cx="6838526" cy="1790700"/>
+            <a:off x="3993589" y="1171"/>
+            <a:ext cx="7757919" cy="6858000"/>
           </a:xfrm>
           <a:prstGeom prst="rect">
             <a:avLst/>
@@ -7479,11 +7429,6 @@
         </p:spPr>
       </p:pic>
     </p:spTree>
-    <p:extLst>
-      <p:ext uri="{BB962C8B-B14F-4D97-AF65-F5344CB8AC3E}">
-        <p14:creationId xmlns:p14="http://schemas.microsoft.com/office/powerpoint/2010/main" val="2318723825"/>
-      </p:ext>
-    </p:extLst>
   </p:cSld>
   <p:clrMapOvr>
     <a:masterClrMapping/>
@@ -7600,7 +7545,7 @@
           <a:p>
             <a:pPr algn="ctr"/>
             <a:r>
-              <a:rPr lang="en-US" altLang="zh-Hans" sz="2400" dirty="0"/>
+              <a:rPr lang="en-US" altLang="en-US" sz="2400" dirty="0"/>
               <a:t>6</a:t>
             </a:r>
             <a:endParaRPr lang="en-US" sz="2400" dirty="0"/>
@@ -7630,34 +7575,14 @@
           <a:lstStyle/>
           <a:p>
             <a:r>
-              <a:rPr lang="zh-Hans" altLang="en-US" sz="2665" dirty="0">
+              <a:rPr lang="en-US" altLang="en-US" sz="2665" dirty="0">
                 <a:solidFill>
                   <a:srgbClr val="183A5D"/>
                 </a:solidFill>
                 <a:latin typeface="微软雅黑" panose="020B0503020204020204" pitchFamily="34" charset="-122"/>
                 <a:ea typeface="微软雅黑" panose="020B0503020204020204" pitchFamily="34" charset="-122"/>
               </a:rPr>
-              <a:t>用户手册</a:t>
-            </a:r>
-            <a:r>
-              <a:rPr lang="en-US" altLang="zh-Hans" sz="2665" dirty="0">
-                <a:solidFill>
-                  <a:srgbClr val="183A5D"/>
-                </a:solidFill>
-                <a:latin typeface="微软雅黑" panose="020B0503020204020204" pitchFamily="34" charset="-122"/>
-                <a:ea typeface="微软雅黑" panose="020B0503020204020204" pitchFamily="34" charset="-122"/>
-              </a:rPr>
-              <a:t>——</a:t>
-            </a:r>
-            <a:r>
-              <a:rPr lang="zh-Hans" altLang="en-US" sz="2665" dirty="0">
-                <a:solidFill>
-                  <a:srgbClr val="183A5D"/>
-                </a:solidFill>
-                <a:latin typeface="微软雅黑" panose="020B0503020204020204" pitchFamily="34" charset="-122"/>
-                <a:ea typeface="微软雅黑" panose="020B0503020204020204" pitchFamily="34" charset="-122"/>
-              </a:rPr>
-              <a:t>截取图片</a:t>
+              <a:t>用户手册——酒界面</a:t>
             </a:r>
             <a:endParaRPr lang="zh-CN" sz="2665" dirty="0">
               <a:solidFill>
@@ -7671,13 +7596,31 @@
       </p:sp>
       <p:pic>
         <p:nvPicPr>
-          <p:cNvPr id="9" name="图片 8">
-            <a:extLst>
-              <a:ext uri="{FF2B5EF4-FFF2-40B4-BE49-F238E27FC236}">
-                <a16:creationId xmlns:a16="http://schemas.microsoft.com/office/drawing/2014/main" id="{DB2A48D0-0C1A-2446-A099-6E4C9BA10A6E}"/>
-              </a:ext>
-            </a:extLst>
-          </p:cNvPr>
+          <p:cNvPr id="7" name="图片 6"/>
+          <p:cNvPicPr>
+            <a:picLocks noChangeAspect="1"/>
+          </p:cNvPicPr>
+          <p:nvPr/>
+        </p:nvPicPr>
+        <p:blipFill>
+          <a:blip r:embed="rId1"/>
+          <a:stretch>
+            <a:fillRect/>
+          </a:stretch>
+        </p:blipFill>
+        <p:spPr>
+          <a:xfrm>
+            <a:off x="6432015" y="410646"/>
+            <a:ext cx="4144178" cy="6216267"/>
+          </a:xfrm>
+          <a:prstGeom prst="rect">
+            <a:avLst/>
+          </a:prstGeom>
+        </p:spPr>
+      </p:pic>
+      <p:pic>
+        <p:nvPicPr>
+          <p:cNvPr id="8" name="图片 7"/>
           <p:cNvPicPr>
             <a:picLocks noChangeAspect="1"/>
           </p:cNvPicPr>
@@ -7691,38 +7634,8 @@
         </p:blipFill>
         <p:spPr>
           <a:xfrm>
-            <a:off x="6556741" y="0"/>
-            <a:ext cx="5351689" cy="6858000"/>
-          </a:xfrm>
-          <a:prstGeom prst="rect">
-            <a:avLst/>
-          </a:prstGeom>
-        </p:spPr>
-      </p:pic>
-      <p:pic>
-        <p:nvPicPr>
-          <p:cNvPr id="10" name="图片 9">
-            <a:extLst>
-              <a:ext uri="{FF2B5EF4-FFF2-40B4-BE49-F238E27FC236}">
-                <a16:creationId xmlns:a16="http://schemas.microsoft.com/office/drawing/2014/main" id="{46B62931-BA8F-9744-BD10-B4D87008A998}"/>
-              </a:ext>
-            </a:extLst>
-          </p:cNvPr>
-          <p:cNvPicPr>
-            <a:picLocks noChangeAspect="1"/>
-          </p:cNvPicPr>
-          <p:nvPr/>
-        </p:nvPicPr>
-        <p:blipFill>
-          <a:blip r:embed="rId3"/>
-          <a:stretch>
-            <a:fillRect/>
-          </a:stretch>
-        </p:blipFill>
-        <p:spPr>
-          <a:xfrm>
-            <a:off x="166831" y="1651000"/>
-            <a:ext cx="6389910" cy="3556000"/>
+            <a:off x="-96202" y="2223963"/>
+            <a:ext cx="6838526" cy="1790700"/>
           </a:xfrm>
           <a:prstGeom prst="rect">
             <a:avLst/>
@@ -7730,11 +7643,6 @@
         </p:spPr>
       </p:pic>
     </p:spTree>
-    <p:extLst>
-      <p:ext uri="{BB962C8B-B14F-4D97-AF65-F5344CB8AC3E}">
-        <p14:creationId xmlns:p14="http://schemas.microsoft.com/office/powerpoint/2010/main" val="4152072782"/>
-      </p:ext>
-    </p:extLst>
   </p:cSld>
   <p:clrMapOvr>
     <a:masterClrMapping/>
@@ -8137,6 +8045,13 @@
               </a:rPr>
               <a:t>项目名称：问酒</a:t>
             </a:r>
+            <a:endParaRPr lang="zh-CN" altLang="en-US" dirty="0">
+              <a:solidFill>
+                <a:sysClr val="windowText" lastClr="000000"/>
+              </a:solidFill>
+              <a:latin typeface="微软雅黑" panose="020B0503020204020204" pitchFamily="34" charset="-122"/>
+              <a:ea typeface="微软雅黑" panose="020B0503020204020204" pitchFamily="34" charset="-122"/>
+            </a:endParaRPr>
           </a:p>
         </p:txBody>
       </p:sp>
@@ -8172,6 +8087,13 @@
               </a:rPr>
               <a:t>项目简介</a:t>
             </a:r>
+            <a:endParaRPr lang="zh-CN" altLang="en-US" sz="3200" b="1" dirty="0">
+              <a:solidFill>
+                <a:schemeClr val="bg1"/>
+              </a:solidFill>
+              <a:latin typeface="微软雅黑" panose="020B0503020204020204" pitchFamily="34" charset="-122"/>
+              <a:ea typeface="微软雅黑" panose="020B0503020204020204" pitchFamily="34" charset="-122"/>
+            </a:endParaRPr>
           </a:p>
         </p:txBody>
       </p:sp>
@@ -8215,6 +8137,14 @@
               </a:rPr>
               <a:t>供广大群众通过图像识别查询酒的基本信息。</a:t>
             </a:r>
+            <a:endParaRPr lang="zh-CN" altLang="en-US" dirty="0">
+              <a:solidFill>
+                <a:sysClr val="windowText" lastClr="000000"/>
+              </a:solidFill>
+              <a:latin typeface="微软雅黑" panose="020B0503020204020204" pitchFamily="34" charset="-122"/>
+              <a:ea typeface="微软雅黑" panose="020B0503020204020204" pitchFamily="34" charset="-122"/>
+              <a:sym typeface="+mn-ea"/>
+            </a:endParaRPr>
           </a:p>
           <a:p>
             <a:r>
@@ -8863,8 +8793,8 @@
           <a:p>
             <a:pPr algn="ctr"/>
             <a:r>
-              <a:rPr lang="en-US" altLang="zh-Hans" sz="2400" dirty="0"/>
-              <a:t>7</a:t>
+              <a:rPr lang="en-US" altLang="en-US" sz="2400" dirty="0"/>
+              <a:t>6</a:t>
             </a:r>
             <a:endParaRPr lang="en-US" sz="2400" dirty="0"/>
           </a:p>
@@ -8893,34 +8823,14 @@
           <a:lstStyle/>
           <a:p>
             <a:r>
-              <a:rPr lang="zh-Hans" altLang="en-US" sz="2665" dirty="0">
+              <a:rPr lang="en-US" altLang="en-US" sz="2665" dirty="0">
                 <a:solidFill>
                   <a:srgbClr val="183A5D"/>
                 </a:solidFill>
                 <a:latin typeface="微软雅黑" panose="020B0503020204020204" pitchFamily="34" charset="-122"/>
                 <a:ea typeface="微软雅黑" panose="020B0503020204020204" pitchFamily="34" charset="-122"/>
               </a:rPr>
-              <a:t>项目总结</a:t>
-            </a:r>
-            <a:r>
-              <a:rPr lang="en-US" altLang="zh-Hans" sz="2665" dirty="0">
-                <a:solidFill>
-                  <a:srgbClr val="183A5D"/>
-                </a:solidFill>
-                <a:latin typeface="微软雅黑" panose="020B0503020204020204" pitchFamily="34" charset="-122"/>
-                <a:ea typeface="微软雅黑" panose="020B0503020204020204" pitchFamily="34" charset="-122"/>
-              </a:rPr>
-              <a:t>——</a:t>
-            </a:r>
-            <a:r>
-              <a:rPr lang="zh-Hans" altLang="en-US" sz="2665" dirty="0">
-                <a:solidFill>
-                  <a:srgbClr val="183A5D"/>
-                </a:solidFill>
-                <a:latin typeface="微软雅黑" panose="020B0503020204020204" pitchFamily="34" charset="-122"/>
-                <a:ea typeface="微软雅黑" panose="020B0503020204020204" pitchFamily="34" charset="-122"/>
-              </a:rPr>
-              <a:t>出错原因分析</a:t>
+              <a:t>用户手册——截取图片</a:t>
             </a:r>
             <a:endParaRPr lang="zh-CN" sz="2665" dirty="0">
               <a:solidFill>
@@ -8932,428 +8842,55 @@
           </a:p>
         </p:txBody>
       </p:sp>
-      <p:graphicFrame>
-        <p:nvGraphicFramePr>
-          <p:cNvPr id="8" name="表格 7">
-            <a:extLst>
-              <a:ext uri="{FF2B5EF4-FFF2-40B4-BE49-F238E27FC236}">
-                <a16:creationId xmlns:a16="http://schemas.microsoft.com/office/drawing/2014/main" id="{CF911E31-B8EE-B442-8EC6-AB2B9D547CDD}"/>
-              </a:ext>
-            </a:extLst>
-          </p:cNvPr>
-          <p:cNvGraphicFramePr>
-            <a:graphicFrameLocks noGrp="1"/>
-          </p:cNvGraphicFramePr>
-          <p:nvPr>
-            <p:extLst>
-              <p:ext uri="{D42A27DB-BD31-4B8C-83A1-F6EECF244321}">
-                <p14:modId xmlns:p14="http://schemas.microsoft.com/office/powerpoint/2010/main" val="1511827329"/>
-              </p:ext>
-            </p:extLst>
-          </p:nvPr>
-        </p:nvGraphicFramePr>
-        <p:xfrm>
-          <a:off x="1847184" y="779837"/>
-          <a:ext cx="9679578" cy="5268267"/>
-        </p:xfrm>
-        <a:graphic>
-          <a:graphicData uri="http://schemas.openxmlformats.org/drawingml/2006/table">
-            <a:tbl>
-              <a:tblPr firstRow="1" firstCol="1" bandRow="1">
-                <a:tableStyleId>{5C22544A-7EE6-4342-B048-85BDC9FD1C3A}</a:tableStyleId>
-              </a:tblPr>
-              <a:tblGrid>
-                <a:gridCol w="4819745">
-                  <a:extLst>
-                    <a:ext uri="{9D8B030D-6E8A-4147-A177-3AD203B41FA5}">
-                      <a16:colId xmlns:a16="http://schemas.microsoft.com/office/drawing/2014/main" val="3168544644"/>
-                    </a:ext>
-                  </a:extLst>
-                </a:gridCol>
-                <a:gridCol w="4859833">
-                  <a:extLst>
-                    <a:ext uri="{9D8B030D-6E8A-4147-A177-3AD203B41FA5}">
-                      <a16:colId xmlns:a16="http://schemas.microsoft.com/office/drawing/2014/main" val="3980843233"/>
-                    </a:ext>
-                  </a:extLst>
-                </a:gridCol>
-              </a:tblGrid>
-              <a:tr h="553616">
-                <a:tc>
-                  <a:txBody>
-                    <a:bodyPr/>
-                    <a:lstStyle/>
-                    <a:p>
-                      <a:pPr algn="ctr">
-                        <a:spcAft>
-                          <a:spcPts val="0"/>
-                        </a:spcAft>
-                      </a:pPr>
-                      <a:r>
-                        <a:rPr lang="zh-CN" sz="2400" dirty="0">
-                          <a:effectLst/>
-                        </a:rPr>
-                        <a:t>问题</a:t>
-                      </a:r>
-                      <a:endParaRPr lang="zh-CN" sz="2400" dirty="0">
-                        <a:effectLst/>
-                        <a:latin typeface="宋体" panose="02010600030101010101" pitchFamily="2" charset="-122"/>
-                        <a:ea typeface="宋体" panose="02010600030101010101" pitchFamily="2" charset="-122"/>
-                        <a:cs typeface="宋体" panose="02010600030101010101" pitchFamily="2" charset="-122"/>
-                      </a:endParaRPr>
-                    </a:p>
-                  </a:txBody>
-                  <a:tcPr marL="68580" marR="68580" marT="0" marB="0"/>
-                </a:tc>
-                <a:tc>
-                  <a:txBody>
-                    <a:bodyPr/>
-                    <a:lstStyle/>
-                    <a:p>
-                      <a:pPr algn="ctr">
-                        <a:spcAft>
-                          <a:spcPts val="0"/>
-                        </a:spcAft>
-                      </a:pPr>
-                      <a:r>
-                        <a:rPr lang="zh-CN" sz="2400">
-                          <a:effectLst/>
-                        </a:rPr>
-                        <a:t>分析</a:t>
-                      </a:r>
-                      <a:endParaRPr lang="zh-CN" sz="2400">
-                        <a:effectLst/>
-                        <a:latin typeface="宋体" panose="02010600030101010101" pitchFamily="2" charset="-122"/>
-                        <a:ea typeface="宋体" panose="02010600030101010101" pitchFamily="2" charset="-122"/>
-                        <a:cs typeface="宋体" panose="02010600030101010101" pitchFamily="2" charset="-122"/>
-                      </a:endParaRPr>
-                    </a:p>
-                  </a:txBody>
-                  <a:tcPr marL="68580" marR="68580" marT="0" marB="0"/>
-                </a:tc>
-                <a:extLst>
-                  <a:ext uri="{0D108BD9-81ED-4DB2-BD59-A6C34878D82A}">
-                    <a16:rowId xmlns:a16="http://schemas.microsoft.com/office/drawing/2014/main" val="1508160895"/>
-                  </a:ext>
-                </a:extLst>
-              </a:tr>
-              <a:tr h="839345">
-                <a:tc>
-                  <a:txBody>
-                    <a:bodyPr/>
-                    <a:lstStyle/>
-                    <a:p>
-                      <a:pPr>
-                        <a:spcAft>
-                          <a:spcPts val="0"/>
-                        </a:spcAft>
-                      </a:pPr>
-                      <a:r>
-                        <a:rPr lang="zh-CN" sz="2400" dirty="0">
-                          <a:effectLst/>
-                        </a:rPr>
-                        <a:t>实际情况与计划在时间上的偏差比较大</a:t>
-                      </a:r>
-                      <a:endParaRPr lang="zh-CN" sz="2400" dirty="0">
-                        <a:effectLst/>
-                        <a:latin typeface="宋体" panose="02010600030101010101" pitchFamily="2" charset="-122"/>
-                        <a:ea typeface="宋体" panose="02010600030101010101" pitchFamily="2" charset="-122"/>
-                        <a:cs typeface="宋体" panose="02010600030101010101" pitchFamily="2" charset="-122"/>
-                      </a:endParaRPr>
-                    </a:p>
-                  </a:txBody>
-                  <a:tcPr marL="68580" marR="68580" marT="0" marB="0"/>
-                </a:tc>
-                <a:tc>
-                  <a:txBody>
-                    <a:bodyPr/>
-                    <a:lstStyle/>
-                    <a:p>
-                      <a:pPr>
-                        <a:spcAft>
-                          <a:spcPts val="0"/>
-                        </a:spcAft>
-                      </a:pPr>
-                      <a:r>
-                        <a:rPr lang="zh-CN" sz="2400" dirty="0">
-                          <a:effectLst/>
-                        </a:rPr>
-                        <a:t>项目经验不足，关键里程碑设置不够合理</a:t>
-                      </a:r>
-                      <a:endParaRPr lang="zh-CN" sz="2400" dirty="0">
-                        <a:effectLst/>
-                        <a:latin typeface="宋体" panose="02010600030101010101" pitchFamily="2" charset="-122"/>
-                        <a:ea typeface="宋体" panose="02010600030101010101" pitchFamily="2" charset="-122"/>
-                        <a:cs typeface="宋体" panose="02010600030101010101" pitchFamily="2" charset="-122"/>
-                      </a:endParaRPr>
-                    </a:p>
-                  </a:txBody>
-                  <a:tcPr marL="68580" marR="68580" marT="0" marB="0"/>
-                </a:tc>
-                <a:extLst>
-                  <a:ext uri="{0D108BD9-81ED-4DB2-BD59-A6C34878D82A}">
-                    <a16:rowId xmlns:a16="http://schemas.microsoft.com/office/drawing/2014/main" val="323208823"/>
-                  </a:ext>
-                </a:extLst>
-              </a:tr>
-              <a:tr h="1107230">
-                <a:tc>
-                  <a:txBody>
-                    <a:bodyPr/>
-                    <a:lstStyle/>
-                    <a:p>
-                      <a:pPr>
-                        <a:spcAft>
-                          <a:spcPts val="0"/>
-                        </a:spcAft>
-                      </a:pPr>
-                      <a:r>
-                        <a:rPr lang="zh-CN" sz="2400" dirty="0">
-                          <a:effectLst/>
-                        </a:rPr>
-                        <a:t>前期找不到最新的版本</a:t>
-                      </a:r>
-                      <a:endParaRPr lang="zh-CN" sz="2400" dirty="0">
-                        <a:effectLst/>
-                        <a:latin typeface="宋体" panose="02010600030101010101" pitchFamily="2" charset="-122"/>
-                        <a:ea typeface="宋体" panose="02010600030101010101" pitchFamily="2" charset="-122"/>
-                        <a:cs typeface="宋体" panose="02010600030101010101" pitchFamily="2" charset="-122"/>
-                      </a:endParaRPr>
-                    </a:p>
-                  </a:txBody>
-                  <a:tcPr marL="68580" marR="68580" marT="0" marB="0"/>
-                </a:tc>
-                <a:tc>
-                  <a:txBody>
-                    <a:bodyPr/>
-                    <a:lstStyle/>
-                    <a:p>
-                      <a:pPr>
-                        <a:spcAft>
-                          <a:spcPts val="0"/>
-                        </a:spcAft>
-                      </a:pPr>
-                      <a:r>
-                        <a:rPr lang="zh-CN" sz="2400" dirty="0">
-                          <a:effectLst/>
-                        </a:rPr>
-                        <a:t>文件在</a:t>
-                      </a:r>
-                      <a:r>
-                        <a:rPr lang="zh-Hans" altLang="en-US" sz="2400" dirty="0">
-                          <a:effectLst/>
-                        </a:rPr>
-                        <a:t>微信</a:t>
-                      </a:r>
-                      <a:r>
-                        <a:rPr lang="zh-CN" sz="2400" dirty="0">
-                          <a:effectLst/>
-                        </a:rPr>
-                        <a:t>中随意滚动，没有完善配置管理系统</a:t>
-                      </a:r>
-                      <a:endParaRPr lang="zh-CN" sz="2400" dirty="0">
-                        <a:effectLst/>
-                        <a:latin typeface="宋体" panose="02010600030101010101" pitchFamily="2" charset="-122"/>
-                        <a:ea typeface="宋体" panose="02010600030101010101" pitchFamily="2" charset="-122"/>
-                        <a:cs typeface="宋体" panose="02010600030101010101" pitchFamily="2" charset="-122"/>
-                      </a:endParaRPr>
-                    </a:p>
-                  </a:txBody>
-                  <a:tcPr marL="68580" marR="68580" marT="0" marB="0"/>
-                </a:tc>
-                <a:extLst>
-                  <a:ext uri="{0D108BD9-81ED-4DB2-BD59-A6C34878D82A}">
-                    <a16:rowId xmlns:a16="http://schemas.microsoft.com/office/drawing/2014/main" val="528905064"/>
-                  </a:ext>
-                </a:extLst>
-              </a:tr>
-              <a:tr h="1107230">
-                <a:tc>
-                  <a:txBody>
-                    <a:bodyPr/>
-                    <a:lstStyle/>
-                    <a:p>
-                      <a:pPr>
-                        <a:spcAft>
-                          <a:spcPts val="0"/>
-                        </a:spcAft>
-                      </a:pPr>
-                      <a:r>
-                        <a:rPr lang="zh-CN" sz="2400" dirty="0">
-                          <a:effectLst/>
-                        </a:rPr>
-                        <a:t>小组熬夜</a:t>
-                      </a:r>
-                      <a:endParaRPr lang="zh-CN" sz="2400" dirty="0">
-                        <a:effectLst/>
-                        <a:latin typeface="宋体" panose="02010600030101010101" pitchFamily="2" charset="-122"/>
-                        <a:ea typeface="宋体" panose="02010600030101010101" pitchFamily="2" charset="-122"/>
-                        <a:cs typeface="宋体" panose="02010600030101010101" pitchFamily="2" charset="-122"/>
-                      </a:endParaRPr>
-                    </a:p>
-                  </a:txBody>
-                  <a:tcPr marL="68580" marR="68580" marT="0" marB="0"/>
-                </a:tc>
-                <a:tc>
-                  <a:txBody>
-                    <a:bodyPr/>
-                    <a:lstStyle/>
-                    <a:p>
-                      <a:pPr>
-                        <a:spcAft>
-                          <a:spcPts val="0"/>
-                        </a:spcAft>
-                      </a:pPr>
-                      <a:r>
-                        <a:rPr lang="zh-CN" sz="2400" dirty="0">
-                          <a:effectLst/>
-                        </a:rPr>
-                        <a:t>项目经理没有控制好组内的健康气氛，导致熬夜的连锁反应</a:t>
-                      </a:r>
-                      <a:endParaRPr lang="zh-CN" sz="2400" dirty="0">
-                        <a:effectLst/>
-                        <a:latin typeface="宋体" panose="02010600030101010101" pitchFamily="2" charset="-122"/>
-                        <a:ea typeface="宋体" panose="02010600030101010101" pitchFamily="2" charset="-122"/>
-                        <a:cs typeface="宋体" panose="02010600030101010101" pitchFamily="2" charset="-122"/>
-                      </a:endParaRPr>
-                    </a:p>
-                  </a:txBody>
-                  <a:tcPr marL="68580" marR="68580" marT="0" marB="0"/>
-                </a:tc>
-                <a:extLst>
-                  <a:ext uri="{0D108BD9-81ED-4DB2-BD59-A6C34878D82A}">
-                    <a16:rowId xmlns:a16="http://schemas.microsoft.com/office/drawing/2014/main" val="3583613820"/>
-                  </a:ext>
-                </a:extLst>
-              </a:tr>
-              <a:tr h="553616">
-                <a:tc>
-                  <a:txBody>
-                    <a:bodyPr/>
-                    <a:lstStyle/>
-                    <a:p>
-                      <a:pPr>
-                        <a:spcAft>
-                          <a:spcPts val="0"/>
-                        </a:spcAft>
-                      </a:pPr>
-                      <a:r>
-                        <a:rPr lang="zh-CN" sz="2400">
-                          <a:effectLst/>
-                        </a:rPr>
-                        <a:t>各种文档补丁较多，打的都比较晚</a:t>
-                      </a:r>
-                      <a:endParaRPr lang="zh-CN" sz="2400">
-                        <a:effectLst/>
-                        <a:latin typeface="宋体" panose="02010600030101010101" pitchFamily="2" charset="-122"/>
-                        <a:ea typeface="宋体" panose="02010600030101010101" pitchFamily="2" charset="-122"/>
-                        <a:cs typeface="宋体" panose="02010600030101010101" pitchFamily="2" charset="-122"/>
-                      </a:endParaRPr>
-                    </a:p>
-                  </a:txBody>
-                  <a:tcPr marL="68580" marR="68580" marT="0" marB="0"/>
-                </a:tc>
-                <a:tc>
-                  <a:txBody>
-                    <a:bodyPr/>
-                    <a:lstStyle/>
-                    <a:p>
-                      <a:pPr>
-                        <a:spcAft>
-                          <a:spcPts val="0"/>
-                        </a:spcAft>
-                      </a:pPr>
-                      <a:r>
-                        <a:rPr lang="zh-CN" sz="2400" dirty="0">
-                          <a:effectLst/>
-                        </a:rPr>
-                        <a:t>没有完善评审机制</a:t>
-                      </a:r>
-                      <a:endParaRPr lang="zh-CN" sz="2400" dirty="0">
-                        <a:effectLst/>
-                        <a:latin typeface="宋体" panose="02010600030101010101" pitchFamily="2" charset="-122"/>
-                        <a:ea typeface="宋体" panose="02010600030101010101" pitchFamily="2" charset="-122"/>
-                        <a:cs typeface="宋体" panose="02010600030101010101" pitchFamily="2" charset="-122"/>
-                      </a:endParaRPr>
-                    </a:p>
-                  </a:txBody>
-                  <a:tcPr marL="68580" marR="68580" marT="0" marB="0"/>
-                </a:tc>
-                <a:extLst>
-                  <a:ext uri="{0D108BD9-81ED-4DB2-BD59-A6C34878D82A}">
-                    <a16:rowId xmlns:a16="http://schemas.microsoft.com/office/drawing/2014/main" val="3701154793"/>
-                  </a:ext>
-                </a:extLst>
-              </a:tr>
-              <a:tr h="1107230">
-                <a:tc>
-                  <a:txBody>
-                    <a:bodyPr/>
-                    <a:lstStyle/>
-                    <a:p>
-                      <a:pPr>
-                        <a:spcAft>
-                          <a:spcPts val="0"/>
-                        </a:spcAft>
-                      </a:pPr>
-                      <a:r>
-                        <a:rPr lang="zh-CN" sz="2400" dirty="0">
-                          <a:effectLst/>
-                        </a:rPr>
-                        <a:t>部分会议空洞，无意义</a:t>
-                      </a:r>
-                      <a:endParaRPr lang="zh-CN" sz="2400" dirty="0">
-                        <a:effectLst/>
-                        <a:latin typeface="宋体" panose="02010600030101010101" pitchFamily="2" charset="-122"/>
-                        <a:ea typeface="宋体" panose="02010600030101010101" pitchFamily="2" charset="-122"/>
-                        <a:cs typeface="宋体" panose="02010600030101010101" pitchFamily="2" charset="-122"/>
-                      </a:endParaRPr>
-                    </a:p>
-                  </a:txBody>
-                  <a:tcPr marL="68580" marR="68580" marT="0" marB="0"/>
-                </a:tc>
-                <a:tc>
-                  <a:txBody>
-                    <a:bodyPr/>
-                    <a:lstStyle/>
-                    <a:p>
-                      <a:pPr>
-                        <a:spcAft>
-                          <a:spcPts val="0"/>
-                        </a:spcAft>
-                      </a:pPr>
-                      <a:r>
-                        <a:rPr lang="zh-CN" sz="2400" dirty="0">
-                          <a:effectLst/>
-                        </a:rPr>
-                        <a:t>一开始制定一周两次例会，频率太高，随后做了调整。</a:t>
-                      </a:r>
-                      <a:endParaRPr lang="zh-CN" sz="2400" dirty="0">
-                        <a:effectLst/>
-                        <a:latin typeface="宋体" panose="02010600030101010101" pitchFamily="2" charset="-122"/>
-                        <a:ea typeface="宋体" panose="02010600030101010101" pitchFamily="2" charset="-122"/>
-                        <a:cs typeface="宋体" panose="02010600030101010101" pitchFamily="2" charset="-122"/>
-                      </a:endParaRPr>
-                    </a:p>
-                  </a:txBody>
-                  <a:tcPr marL="68580" marR="68580" marT="0" marB="0"/>
-                </a:tc>
-                <a:extLst>
-                  <a:ext uri="{0D108BD9-81ED-4DB2-BD59-A6C34878D82A}">
-                    <a16:rowId xmlns:a16="http://schemas.microsoft.com/office/drawing/2014/main" val="1832244695"/>
-                  </a:ext>
-                </a:extLst>
-              </a:tr>
-            </a:tbl>
-          </a:graphicData>
-        </a:graphic>
-      </p:graphicFrame>
+      <p:pic>
+        <p:nvPicPr>
+          <p:cNvPr id="9" name="图片 8"/>
+          <p:cNvPicPr>
+            <a:picLocks noChangeAspect="1"/>
+          </p:cNvPicPr>
+          <p:nvPr/>
+        </p:nvPicPr>
+        <p:blipFill>
+          <a:blip r:embed="rId1"/>
+          <a:stretch>
+            <a:fillRect/>
+          </a:stretch>
+        </p:blipFill>
+        <p:spPr>
+          <a:xfrm>
+            <a:off x="6556741" y="0"/>
+            <a:ext cx="5351689" cy="6858000"/>
+          </a:xfrm>
+          <a:prstGeom prst="rect">
+            <a:avLst/>
+          </a:prstGeom>
+        </p:spPr>
+      </p:pic>
+      <p:pic>
+        <p:nvPicPr>
+          <p:cNvPr id="10" name="图片 9"/>
+          <p:cNvPicPr>
+            <a:picLocks noChangeAspect="1"/>
+          </p:cNvPicPr>
+          <p:nvPr/>
+        </p:nvPicPr>
+        <p:blipFill>
+          <a:blip r:embed="rId2"/>
+          <a:stretch>
+            <a:fillRect/>
+          </a:stretch>
+        </p:blipFill>
+        <p:spPr>
+          <a:xfrm>
+            <a:off x="166831" y="1651000"/>
+            <a:ext cx="6389910" cy="3556000"/>
+          </a:xfrm>
+          <a:prstGeom prst="rect">
+            <a:avLst/>
+          </a:prstGeom>
+        </p:spPr>
+      </p:pic>
     </p:spTree>
-    <p:extLst>
-      <p:ext uri="{BB962C8B-B14F-4D97-AF65-F5344CB8AC3E}">
-        <p14:creationId xmlns:p14="http://schemas.microsoft.com/office/powerpoint/2010/main" val="55046782"/>
-      </p:ext>
-    </p:extLst>
   </p:cSld>
   <p:clrMapOvr>
     <a:masterClrMapping/>
@@ -9470,7 +9007,7 @@
           <a:p>
             <a:pPr algn="ctr"/>
             <a:r>
-              <a:rPr lang="en-US" altLang="zh-Hans" sz="2400" dirty="0"/>
+              <a:rPr lang="en-US" altLang="en-US" sz="2400" dirty="0"/>
               <a:t>7</a:t>
             </a:r>
             <a:endParaRPr lang="en-US" sz="2400" dirty="0"/>
@@ -9500,34 +9037,14 @@
           <a:lstStyle/>
           <a:p>
             <a:r>
-              <a:rPr lang="zh-Hans" altLang="en-US" sz="2665" dirty="0">
+              <a:rPr lang="en-US" altLang="en-US" sz="2665" dirty="0">
                 <a:solidFill>
                   <a:srgbClr val="183A5D"/>
                 </a:solidFill>
                 <a:latin typeface="微软雅黑" panose="020B0503020204020204" pitchFamily="34" charset="-122"/>
                 <a:ea typeface="微软雅黑" panose="020B0503020204020204" pitchFamily="34" charset="-122"/>
               </a:rPr>
-              <a:t>项目总结</a:t>
-            </a:r>
-            <a:r>
-              <a:rPr lang="en-US" altLang="zh-Hans" sz="2665" dirty="0">
-                <a:solidFill>
-                  <a:srgbClr val="183A5D"/>
-                </a:solidFill>
-                <a:latin typeface="微软雅黑" panose="020B0503020204020204" pitchFamily="34" charset="-122"/>
-                <a:ea typeface="微软雅黑" panose="020B0503020204020204" pitchFamily="34" charset="-122"/>
-              </a:rPr>
-              <a:t>——</a:t>
-            </a:r>
-            <a:r>
-              <a:rPr lang="zh-Hans" altLang="en-US" sz="2665" dirty="0">
-                <a:solidFill>
-                  <a:srgbClr val="183A5D"/>
-                </a:solidFill>
-                <a:latin typeface="微软雅黑" panose="020B0503020204020204" pitchFamily="34" charset="-122"/>
-                <a:ea typeface="微软雅黑" panose="020B0503020204020204" pitchFamily="34" charset="-122"/>
-              </a:rPr>
-              <a:t>成员点评</a:t>
+              <a:t>项目总结——出错原因分析</a:t>
             </a:r>
             <a:endParaRPr lang="zh-CN" sz="2665" dirty="0">
               <a:solidFill>
@@ -9541,15 +9058,537 @@
       </p:sp>
       <p:graphicFrame>
         <p:nvGraphicFramePr>
+          <p:cNvPr id="8" name="表格 7"/>
+          <p:cNvGraphicFramePr>
+            <a:graphicFrameLocks noGrp="1"/>
+          </p:cNvGraphicFramePr>
+          <p:nvPr/>
+        </p:nvGraphicFramePr>
+        <p:xfrm>
+          <a:off x="1847184" y="779837"/>
+          <a:ext cx="9679578" cy="5268267"/>
+        </p:xfrm>
+        <a:graphic>
+          <a:graphicData uri="http://schemas.openxmlformats.org/drawingml/2006/table">
+            <a:tbl>
+              <a:tblPr firstRow="1" firstCol="1" bandRow="1">
+                <a:tableStyleId>{5C22544A-7EE6-4342-B048-85BDC9FD1C3A}</a:tableStyleId>
+              </a:tblPr>
+              <a:tblGrid>
+                <a:gridCol w="4819745"/>
+                <a:gridCol w="4859833"/>
+              </a:tblGrid>
+              <a:tr h="553616">
+                <a:tc>
+                  <a:txBody>
+                    <a:bodyPr/>
+                    <a:lstStyle/>
+                    <a:p>
+                      <a:pPr algn="ctr">
+                        <a:spcAft>
+                          <a:spcPts val="0"/>
+                        </a:spcAft>
+                      </a:pPr>
+                      <a:r>
+                        <a:rPr lang="zh-CN" sz="2400" dirty="0">
+                          <a:effectLst/>
+                        </a:rPr>
+                        <a:t>问题</a:t>
+                      </a:r>
+                      <a:endParaRPr lang="zh-CN" sz="2400" dirty="0">
+                        <a:effectLst/>
+                        <a:latin typeface="宋体" panose="02010600030101010101" pitchFamily="2" charset="-122"/>
+                        <a:ea typeface="宋体" panose="02010600030101010101" pitchFamily="2" charset="-122"/>
+                        <a:cs typeface="宋体" panose="02010600030101010101" pitchFamily="2" charset="-122"/>
+                      </a:endParaRPr>
+                    </a:p>
+                  </a:txBody>
+                  <a:tcPr marL="68580" marR="68580" marT="0" marB="0"/>
+                </a:tc>
+                <a:tc>
+                  <a:txBody>
+                    <a:bodyPr/>
+                    <a:lstStyle/>
+                    <a:p>
+                      <a:pPr algn="ctr">
+                        <a:spcAft>
+                          <a:spcPts val="0"/>
+                        </a:spcAft>
+                      </a:pPr>
+                      <a:r>
+                        <a:rPr lang="zh-CN" sz="2400">
+                          <a:effectLst/>
+                        </a:rPr>
+                        <a:t>分析</a:t>
+                      </a:r>
+                      <a:endParaRPr lang="zh-CN" sz="2400">
+                        <a:effectLst/>
+                        <a:latin typeface="宋体" panose="02010600030101010101" pitchFamily="2" charset="-122"/>
+                        <a:ea typeface="宋体" panose="02010600030101010101" pitchFamily="2" charset="-122"/>
+                        <a:cs typeface="宋体" panose="02010600030101010101" pitchFamily="2" charset="-122"/>
+                      </a:endParaRPr>
+                    </a:p>
+                  </a:txBody>
+                  <a:tcPr marL="68580" marR="68580" marT="0" marB="0"/>
+                </a:tc>
+              </a:tr>
+              <a:tr h="839345">
+                <a:tc>
+                  <a:txBody>
+                    <a:bodyPr/>
+                    <a:lstStyle/>
+                    <a:p>
+                      <a:pPr>
+                        <a:spcAft>
+                          <a:spcPts val="0"/>
+                        </a:spcAft>
+                      </a:pPr>
+                      <a:r>
+                        <a:rPr lang="zh-CN" sz="2400" dirty="0">
+                          <a:effectLst/>
+                        </a:rPr>
+                        <a:t>实际情况与计划在时间上的偏差比较大</a:t>
+                      </a:r>
+                      <a:endParaRPr lang="zh-CN" sz="2400" dirty="0">
+                        <a:effectLst/>
+                        <a:latin typeface="宋体" panose="02010600030101010101" pitchFamily="2" charset="-122"/>
+                        <a:ea typeface="宋体" panose="02010600030101010101" pitchFamily="2" charset="-122"/>
+                        <a:cs typeface="宋体" panose="02010600030101010101" pitchFamily="2" charset="-122"/>
+                      </a:endParaRPr>
+                    </a:p>
+                  </a:txBody>
+                  <a:tcPr marL="68580" marR="68580" marT="0" marB="0"/>
+                </a:tc>
+                <a:tc>
+                  <a:txBody>
+                    <a:bodyPr/>
+                    <a:lstStyle/>
+                    <a:p>
+                      <a:pPr>
+                        <a:spcAft>
+                          <a:spcPts val="0"/>
+                        </a:spcAft>
+                      </a:pPr>
+                      <a:r>
+                        <a:rPr lang="zh-CN" sz="2400" dirty="0">
+                          <a:effectLst/>
+                        </a:rPr>
+                        <a:t>项目经验不足，关键里程碑设置不够合理</a:t>
+                      </a:r>
+                      <a:endParaRPr lang="zh-CN" sz="2400" dirty="0">
+                        <a:effectLst/>
+                        <a:latin typeface="宋体" panose="02010600030101010101" pitchFamily="2" charset="-122"/>
+                        <a:ea typeface="宋体" panose="02010600030101010101" pitchFamily="2" charset="-122"/>
+                        <a:cs typeface="宋体" panose="02010600030101010101" pitchFamily="2" charset="-122"/>
+                      </a:endParaRPr>
+                    </a:p>
+                  </a:txBody>
+                  <a:tcPr marL="68580" marR="68580" marT="0" marB="0"/>
+                </a:tc>
+              </a:tr>
+              <a:tr h="1107230">
+                <a:tc>
+                  <a:txBody>
+                    <a:bodyPr/>
+                    <a:lstStyle/>
+                    <a:p>
+                      <a:pPr>
+                        <a:spcAft>
+                          <a:spcPts val="0"/>
+                        </a:spcAft>
+                      </a:pPr>
+                      <a:r>
+                        <a:rPr lang="zh-CN" sz="2400" dirty="0">
+                          <a:effectLst/>
+                        </a:rPr>
+                        <a:t>前期找不到最新的版本</a:t>
+                      </a:r>
+                      <a:endParaRPr lang="zh-CN" sz="2400" dirty="0">
+                        <a:effectLst/>
+                        <a:latin typeface="宋体" panose="02010600030101010101" pitchFamily="2" charset="-122"/>
+                        <a:ea typeface="宋体" panose="02010600030101010101" pitchFamily="2" charset="-122"/>
+                        <a:cs typeface="宋体" panose="02010600030101010101" pitchFamily="2" charset="-122"/>
+                      </a:endParaRPr>
+                    </a:p>
+                  </a:txBody>
+                  <a:tcPr marL="68580" marR="68580" marT="0" marB="0"/>
+                </a:tc>
+                <a:tc>
+                  <a:txBody>
+                    <a:bodyPr/>
+                    <a:lstStyle/>
+                    <a:p>
+                      <a:pPr>
+                        <a:spcAft>
+                          <a:spcPts val="0"/>
+                        </a:spcAft>
+                      </a:pPr>
+                      <a:r>
+                        <a:rPr lang="zh-CN" sz="2400" dirty="0">
+                          <a:effectLst/>
+                        </a:rPr>
+                        <a:t>文件在</a:t>
+                      </a:r>
+                      <a:r>
+                        <a:rPr lang="en-US" altLang="en-US" sz="2400" dirty="0">
+                          <a:effectLst/>
+                        </a:rPr>
+                        <a:t>微信</a:t>
+                      </a:r>
+                      <a:r>
+                        <a:rPr lang="zh-CN" sz="2400" dirty="0">
+                          <a:effectLst/>
+                        </a:rPr>
+                        <a:t>中随意滚动，没有完善配置管理系统</a:t>
+                      </a:r>
+                      <a:endParaRPr lang="zh-CN" sz="2400" dirty="0">
+                        <a:effectLst/>
+                        <a:latin typeface="宋体" panose="02010600030101010101" pitchFamily="2" charset="-122"/>
+                        <a:ea typeface="宋体" panose="02010600030101010101" pitchFamily="2" charset="-122"/>
+                        <a:cs typeface="宋体" panose="02010600030101010101" pitchFamily="2" charset="-122"/>
+                      </a:endParaRPr>
+                    </a:p>
+                  </a:txBody>
+                  <a:tcPr marL="68580" marR="68580" marT="0" marB="0"/>
+                </a:tc>
+              </a:tr>
+              <a:tr h="1107230">
+                <a:tc>
+                  <a:txBody>
+                    <a:bodyPr/>
+                    <a:lstStyle/>
+                    <a:p>
+                      <a:pPr>
+                        <a:spcAft>
+                          <a:spcPts val="0"/>
+                        </a:spcAft>
+                      </a:pPr>
+                      <a:r>
+                        <a:rPr lang="zh-CN" sz="2400" dirty="0">
+                          <a:effectLst/>
+                        </a:rPr>
+                        <a:t>小组熬夜</a:t>
+                      </a:r>
+                      <a:endParaRPr lang="zh-CN" sz="2400" dirty="0">
+                        <a:effectLst/>
+                        <a:latin typeface="宋体" panose="02010600030101010101" pitchFamily="2" charset="-122"/>
+                        <a:ea typeface="宋体" panose="02010600030101010101" pitchFamily="2" charset="-122"/>
+                        <a:cs typeface="宋体" panose="02010600030101010101" pitchFamily="2" charset="-122"/>
+                      </a:endParaRPr>
+                    </a:p>
+                  </a:txBody>
+                  <a:tcPr marL="68580" marR="68580" marT="0" marB="0"/>
+                </a:tc>
+                <a:tc>
+                  <a:txBody>
+                    <a:bodyPr/>
+                    <a:lstStyle/>
+                    <a:p>
+                      <a:pPr>
+                        <a:spcAft>
+                          <a:spcPts val="0"/>
+                        </a:spcAft>
+                      </a:pPr>
+                      <a:r>
+                        <a:rPr lang="zh-CN" sz="2400" dirty="0">
+                          <a:effectLst/>
+                        </a:rPr>
+                        <a:t>项目经理没有控制好组内的健康气氛，导致熬夜的连锁反应</a:t>
+                      </a:r>
+                      <a:endParaRPr lang="zh-CN" sz="2400" dirty="0">
+                        <a:effectLst/>
+                        <a:latin typeface="宋体" panose="02010600030101010101" pitchFamily="2" charset="-122"/>
+                        <a:ea typeface="宋体" panose="02010600030101010101" pitchFamily="2" charset="-122"/>
+                        <a:cs typeface="宋体" panose="02010600030101010101" pitchFamily="2" charset="-122"/>
+                      </a:endParaRPr>
+                    </a:p>
+                  </a:txBody>
+                  <a:tcPr marL="68580" marR="68580" marT="0" marB="0"/>
+                </a:tc>
+              </a:tr>
+              <a:tr h="553616">
+                <a:tc>
+                  <a:txBody>
+                    <a:bodyPr/>
+                    <a:lstStyle/>
+                    <a:p>
+                      <a:pPr>
+                        <a:spcAft>
+                          <a:spcPts val="0"/>
+                        </a:spcAft>
+                      </a:pPr>
+                      <a:r>
+                        <a:rPr lang="zh-CN" sz="2400">
+                          <a:effectLst/>
+                        </a:rPr>
+                        <a:t>各种文档补丁较多，打的都比较晚</a:t>
+                      </a:r>
+                      <a:endParaRPr lang="zh-CN" sz="2400">
+                        <a:effectLst/>
+                        <a:latin typeface="宋体" panose="02010600030101010101" pitchFamily="2" charset="-122"/>
+                        <a:ea typeface="宋体" panose="02010600030101010101" pitchFamily="2" charset="-122"/>
+                        <a:cs typeface="宋体" panose="02010600030101010101" pitchFamily="2" charset="-122"/>
+                      </a:endParaRPr>
+                    </a:p>
+                  </a:txBody>
+                  <a:tcPr marL="68580" marR="68580" marT="0" marB="0"/>
+                </a:tc>
+                <a:tc>
+                  <a:txBody>
+                    <a:bodyPr/>
+                    <a:lstStyle/>
+                    <a:p>
+                      <a:pPr>
+                        <a:spcAft>
+                          <a:spcPts val="0"/>
+                        </a:spcAft>
+                      </a:pPr>
+                      <a:r>
+                        <a:rPr lang="zh-CN" sz="2400" dirty="0">
+                          <a:effectLst/>
+                        </a:rPr>
+                        <a:t>没有完善评审机制</a:t>
+                      </a:r>
+                      <a:endParaRPr lang="zh-CN" sz="2400" dirty="0">
+                        <a:effectLst/>
+                        <a:latin typeface="宋体" panose="02010600030101010101" pitchFamily="2" charset="-122"/>
+                        <a:ea typeface="宋体" panose="02010600030101010101" pitchFamily="2" charset="-122"/>
+                        <a:cs typeface="宋体" panose="02010600030101010101" pitchFamily="2" charset="-122"/>
+                      </a:endParaRPr>
+                    </a:p>
+                  </a:txBody>
+                  <a:tcPr marL="68580" marR="68580" marT="0" marB="0"/>
+                </a:tc>
+              </a:tr>
+              <a:tr h="1107230">
+                <a:tc>
+                  <a:txBody>
+                    <a:bodyPr/>
+                    <a:lstStyle/>
+                    <a:p>
+                      <a:pPr>
+                        <a:spcAft>
+                          <a:spcPts val="0"/>
+                        </a:spcAft>
+                      </a:pPr>
+                      <a:r>
+                        <a:rPr lang="zh-CN" sz="2400" dirty="0">
+                          <a:effectLst/>
+                        </a:rPr>
+                        <a:t>部分会议空洞，无意义</a:t>
+                      </a:r>
+                      <a:endParaRPr lang="zh-CN" sz="2400" dirty="0">
+                        <a:effectLst/>
+                        <a:latin typeface="宋体" panose="02010600030101010101" pitchFamily="2" charset="-122"/>
+                        <a:ea typeface="宋体" panose="02010600030101010101" pitchFamily="2" charset="-122"/>
+                        <a:cs typeface="宋体" panose="02010600030101010101" pitchFamily="2" charset="-122"/>
+                      </a:endParaRPr>
+                    </a:p>
+                  </a:txBody>
+                  <a:tcPr marL="68580" marR="68580" marT="0" marB="0"/>
+                </a:tc>
+                <a:tc>
+                  <a:txBody>
+                    <a:bodyPr/>
+                    <a:lstStyle/>
+                    <a:p>
+                      <a:pPr>
+                        <a:spcAft>
+                          <a:spcPts val="0"/>
+                        </a:spcAft>
+                      </a:pPr>
+                      <a:r>
+                        <a:rPr lang="zh-CN" sz="2400" dirty="0">
+                          <a:effectLst/>
+                        </a:rPr>
+                        <a:t>一开始制定一周两次例会，频率太高，随后做了调整。</a:t>
+                      </a:r>
+                      <a:endParaRPr lang="zh-CN" sz="2400" dirty="0">
+                        <a:effectLst/>
+                        <a:latin typeface="宋体" panose="02010600030101010101" pitchFamily="2" charset="-122"/>
+                        <a:ea typeface="宋体" panose="02010600030101010101" pitchFamily="2" charset="-122"/>
+                        <a:cs typeface="宋体" panose="02010600030101010101" pitchFamily="2" charset="-122"/>
+                      </a:endParaRPr>
+                    </a:p>
+                  </a:txBody>
+                  <a:tcPr marL="68580" marR="68580" marT="0" marB="0"/>
+                </a:tc>
+              </a:tr>
+            </a:tbl>
+          </a:graphicData>
+        </a:graphic>
+      </p:graphicFrame>
+    </p:spTree>
+  </p:cSld>
+  <p:clrMapOvr>
+    <a:masterClrMapping/>
+  </p:clrMapOvr>
+  <p:transition spd="slow" advClick="0" advTm="0">
+    <p:wipe/>
+  </p:transition>
+</p:sld>
+</file>
+
+<file path=ppt/slides/slide22.xml><?xml version="1.0" encoding="utf-8"?>
+<p:sld xmlns:a="http://schemas.openxmlformats.org/drawingml/2006/main" xmlns:r="http://schemas.openxmlformats.org/officeDocument/2006/relationships" xmlns:p="http://schemas.openxmlformats.org/presentationml/2006/main">
+  <p:cSld>
+    <p:spTree>
+      <p:nvGrpSpPr>
+        <p:cNvPr id="1" name=""/>
+        <p:cNvGrpSpPr/>
+        <p:nvPr/>
+      </p:nvGrpSpPr>
+      <p:grpSpPr>
+        <a:xfrm>
+          <a:off x="0" y="0"/>
+          <a:ext cx="0" cy="0"/>
+          <a:chOff x="0" y="0"/>
+          <a:chExt cx="0" cy="0"/>
+        </a:xfrm>
+      </p:grpSpPr>
+      <p:sp>
+        <p:nvSpPr>
+          <p:cNvPr id="2" name="矩形 1"/>
+          <p:cNvSpPr/>
+          <p:nvPr/>
+        </p:nvSpPr>
+        <p:spPr>
+          <a:xfrm>
+            <a:off x="239067" y="1171"/>
+            <a:ext cx="1608117" cy="135421"/>
+          </a:xfrm>
+          <a:prstGeom prst="rect">
+            <a:avLst/>
+          </a:prstGeom>
+          <a:solidFill>
+            <a:srgbClr val="183A5D"/>
+          </a:solidFill>
+          <a:ln>
+            <a:noFill/>
+          </a:ln>
+        </p:spPr>
+        <p:style>
+          <a:lnRef idx="2">
+            <a:schemeClr val="accent1">
+              <a:shade val="50000"/>
+            </a:schemeClr>
+          </a:lnRef>
+          <a:fillRef idx="1">
+            <a:schemeClr val="accent1"/>
+          </a:fillRef>
+          <a:effectRef idx="0">
+            <a:schemeClr val="accent1"/>
+          </a:effectRef>
+          <a:fontRef idx="minor">
+            <a:schemeClr val="lt1"/>
+          </a:fontRef>
+        </p:style>
+        <p:txBody>
+          <a:bodyPr rtlCol="0" anchor="ctr"/>
+          <a:lstStyle/>
+          <a:p>
+            <a:pPr algn="ctr"/>
+            <a:endParaRPr lang="zh-CN" altLang="en-US" sz="2800"/>
+          </a:p>
+        </p:txBody>
+      </p:sp>
+      <p:sp>
+        <p:nvSpPr>
+          <p:cNvPr id="3" name="矩形 2"/>
+          <p:cNvSpPr/>
+          <p:nvPr/>
+        </p:nvSpPr>
+        <p:spPr>
+          <a:xfrm>
+            <a:off x="239067" y="255084"/>
+            <a:ext cx="1608117" cy="406261"/>
+          </a:xfrm>
+          <a:prstGeom prst="rect">
+            <a:avLst/>
+          </a:prstGeom>
+          <a:solidFill>
+            <a:srgbClr val="183A5D"/>
+          </a:solidFill>
+          <a:ln>
+            <a:noFill/>
+          </a:ln>
+        </p:spPr>
+        <p:style>
+          <a:lnRef idx="2">
+            <a:schemeClr val="accent1">
+              <a:shade val="50000"/>
+            </a:schemeClr>
+          </a:lnRef>
+          <a:fillRef idx="1">
+            <a:schemeClr val="accent1"/>
+          </a:fillRef>
+          <a:effectRef idx="0">
+            <a:schemeClr val="accent1"/>
+          </a:effectRef>
+          <a:fontRef idx="minor">
+            <a:schemeClr val="lt1"/>
+          </a:fontRef>
+        </p:style>
+        <p:txBody>
+          <a:bodyPr rtlCol="0" anchor="ctr"/>
+          <a:lstStyle/>
+          <a:p>
+            <a:pPr algn="ctr"/>
+            <a:r>
+              <a:rPr lang="en-US" altLang="en-US" sz="2400" dirty="0"/>
+              <a:t>7</a:t>
+            </a:r>
+            <a:endParaRPr lang="en-US" sz="2400" dirty="0"/>
+          </a:p>
+        </p:txBody>
+      </p:sp>
+      <p:sp>
+        <p:nvSpPr>
+          <p:cNvPr id="4" name="文本框 3"/>
+          <p:cNvSpPr txBox="1"/>
+          <p:nvPr/>
+        </p:nvSpPr>
+        <p:spPr>
+          <a:xfrm>
+            <a:off x="2207741" y="159821"/>
+            <a:ext cx="6051597" cy="501650"/>
+          </a:xfrm>
+          <a:prstGeom prst="rect">
+            <a:avLst/>
+          </a:prstGeom>
+          <a:noFill/>
+        </p:spPr>
+        <p:txBody>
+          <a:bodyPr wrap="square" rtlCol="0">
+            <a:spAutoFit/>
+          </a:bodyPr>
+          <a:lstStyle/>
+          <a:p>
+            <a:r>
+              <a:rPr lang="en-US" altLang="en-US" sz="2665" dirty="0">
+                <a:solidFill>
+                  <a:srgbClr val="183A5D"/>
+                </a:solidFill>
+                <a:latin typeface="微软雅黑" panose="020B0503020204020204" pitchFamily="34" charset="-122"/>
+                <a:ea typeface="微软雅黑" panose="020B0503020204020204" pitchFamily="34" charset="-122"/>
+              </a:rPr>
+              <a:t>项目总结——成员点评</a:t>
+            </a:r>
+            <a:endParaRPr lang="zh-CN" sz="2665" dirty="0">
+              <a:solidFill>
+                <a:srgbClr val="183A5D"/>
+              </a:solidFill>
+              <a:latin typeface="微软雅黑" panose="020B0503020204020204" pitchFamily="34" charset="-122"/>
+              <a:ea typeface="微软雅黑" panose="020B0503020204020204" pitchFamily="34" charset="-122"/>
+            </a:endParaRPr>
+          </a:p>
+        </p:txBody>
+      </p:sp>
+      <p:graphicFrame>
+        <p:nvGraphicFramePr>
           <p:cNvPr id="5" name="表格 4"/>
           <p:cNvGraphicFramePr/>
-          <p:nvPr>
-            <p:extLst>
-              <p:ext uri="{D42A27DB-BD31-4B8C-83A1-F6EECF244321}">
-                <p14:modId xmlns:p14="http://schemas.microsoft.com/office/powerpoint/2010/main" val="2741945878"/>
-              </p:ext>
-            </p:extLst>
-          </p:nvPr>
+          <p:nvPr/>
         </p:nvGraphicFramePr>
         <p:xfrm>
           <a:off x="1847184" y="661345"/>
@@ -9562,20 +9601,8 @@
                 <a:tableStyleId>{5C22544A-7EE6-4342-B048-85BDC9FD1C3A}</a:tableStyleId>
               </a:tblPr>
               <a:tblGrid>
-                <a:gridCol w="2236347">
-                  <a:extLst>
-                    <a:ext uri="{9D8B030D-6E8A-4147-A177-3AD203B41FA5}">
-                      <a16:colId xmlns:a16="http://schemas.microsoft.com/office/drawing/2014/main" val="20000"/>
-                    </a:ext>
-                  </a:extLst>
-                </a:gridCol>
-                <a:gridCol w="6581083">
-                  <a:extLst>
-                    <a:ext uri="{9D8B030D-6E8A-4147-A177-3AD203B41FA5}">
-                      <a16:colId xmlns:a16="http://schemas.microsoft.com/office/drawing/2014/main" val="20001"/>
-                    </a:ext>
-                  </a:extLst>
-                </a:gridCol>
+                <a:gridCol w="2236347"/>
+                <a:gridCol w="6581083"/>
               </a:tblGrid>
               <a:tr h="956295">
                 <a:tc>
@@ -9587,7 +9614,7 @@
                         <a:buNone/>
                       </a:pPr>
                       <a:r>
-                        <a:rPr lang="zh-Hans" altLang="en-US" sz="2800" b="0" dirty="0">
+                        <a:rPr lang="en-US" altLang="en-US" sz="2800" b="0" dirty="0">
                           <a:solidFill>
                             <a:schemeClr val="tx1"/>
                           </a:solidFill>
@@ -9620,7 +9647,7 @@
                         <a:buNone/>
                       </a:pPr>
                       <a:r>
-                        <a:rPr lang="zh-Hans" altLang="en-US" sz="2400" b="0" dirty="0">
+                        <a:rPr lang="en-US" altLang="en-US" sz="2400" b="0" dirty="0">
                           <a:solidFill>
                             <a:schemeClr val="tx1"/>
                           </a:solidFill>
@@ -9630,7 +9657,7 @@
                         <a:t>          </a:t>
                       </a:r>
                       <a:r>
-                        <a:rPr lang="zh-Hans" altLang="en-US" sz="2800" b="0" dirty="0">
+                        <a:rPr lang="en-US" altLang="en-US" sz="2800" b="0" dirty="0">
                           <a:solidFill>
                             <a:schemeClr val="tx1"/>
                           </a:solidFill>
@@ -9657,11 +9684,6 @@
                     </a:solidFill>
                   </a:tcPr>
                 </a:tc>
-                <a:extLst>
-                  <a:ext uri="{0D108BD9-81ED-4DB2-BD59-A6C34878D82A}">
-                    <a16:rowId xmlns:a16="http://schemas.microsoft.com/office/drawing/2014/main" val="2068259741"/>
-                  </a:ext>
-                </a:extLst>
               </a:tr>
               <a:tr h="1758295">
                 <a:tc>
@@ -9673,7 +9695,7 @@
                         <a:buNone/>
                       </a:pPr>
                       <a:r>
-                        <a:rPr lang="zh-Hans" altLang="en-US" b="0" dirty="0">
+                        <a:rPr lang="en-US" altLang="en-US" b="0" dirty="0">
                           <a:solidFill>
                             <a:schemeClr val="tx1"/>
                           </a:solidFill>
@@ -9741,11 +9763,6 @@
                     </a:solidFill>
                   </a:tcPr>
                 </a:tc>
-                <a:extLst>
-                  <a:ext uri="{0D108BD9-81ED-4DB2-BD59-A6C34878D82A}">
-                    <a16:rowId xmlns:a16="http://schemas.microsoft.com/office/drawing/2014/main" val="10000"/>
-                  </a:ext>
-                </a:extLst>
               </a:tr>
               <a:tr h="1434242">
                 <a:tc>
@@ -9764,6 +9781,11 @@
                         </a:rPr>
                         <a:t>陈子卿</a:t>
                       </a:r>
+                      <a:endParaRPr lang="zh-CN" altLang="en-US" dirty="0">
+                        <a:solidFill>
+                          <a:schemeClr val="tx1"/>
+                        </a:solidFill>
+                      </a:endParaRPr>
                     </a:p>
                   </a:txBody>
                   <a:tcPr/>
@@ -9814,7 +9836,7 @@
                         <a:t>能用最客观的眼光看待项目，真实记录每一个会议，对于项目中的任何疑问都能直接向项目经理咨询沟通，但频率过高与问题的质量较低。会去对过去总项目做的不足的地方进行完善。总体工作效率高，</a:t>
                       </a:r>
                       <a:r>
-                        <a:rPr lang="zh-Hans" altLang="en-US" sz="1800" kern="1200" dirty="0">
+                        <a:rPr lang="en-US" altLang="en-US" sz="1800" kern="1200" dirty="0">
                           <a:solidFill>
                             <a:schemeClr val="dk1"/>
                           </a:solidFill>
@@ -9861,11 +9883,6 @@
                   </a:txBody>
                   <a:tcPr/>
                 </a:tc>
-                <a:extLst>
-                  <a:ext uri="{0D108BD9-81ED-4DB2-BD59-A6C34878D82A}">
-                    <a16:rowId xmlns:a16="http://schemas.microsoft.com/office/drawing/2014/main" val="10001"/>
-                  </a:ext>
-                </a:extLst>
               </a:tr>
               <a:tr h="1944194">
                 <a:tc>
@@ -9884,6 +9901,11 @@
                         </a:rPr>
                         <a:t>蔡峰</a:t>
                       </a:r>
+                      <a:endParaRPr lang="zh-CN" altLang="en-US" dirty="0">
+                        <a:solidFill>
+                          <a:schemeClr val="tx1"/>
+                        </a:solidFill>
+                      </a:endParaRPr>
                     </a:p>
                   </a:txBody>
                   <a:tcPr>
@@ -9941,7 +9963,7 @@
                         <a:t>同时又附有专研精神，</a:t>
                       </a:r>
                       <a:r>
-                        <a:rPr lang="zh-Hans" altLang="en-US" sz="1800" kern="1200" dirty="0">
+                        <a:rPr lang="en-US" altLang="en-US" sz="1800" kern="1200" dirty="0">
                           <a:solidFill>
                             <a:schemeClr val="dk1"/>
                           </a:solidFill>
@@ -9950,31 +9972,7 @@
                           <a:ea typeface="+mn-ea"/>
                           <a:cs typeface="+mn-cs"/>
                         </a:rPr>
-                        <a:t>在</a:t>
-                      </a:r>
-                      <a:r>
-                        <a:rPr lang="en-US" altLang="zh-Hans" sz="1800" kern="1200" dirty="0">
-                          <a:solidFill>
-                            <a:schemeClr val="dk1"/>
-                          </a:solidFill>
-                          <a:effectLst/>
-                          <a:latin typeface="+mn-lt"/>
-                          <a:ea typeface="+mn-ea"/>
-                          <a:cs typeface="+mn-cs"/>
-                        </a:rPr>
-                        <a:t>API</a:t>
-                      </a:r>
-                      <a:r>
-                        <a:rPr lang="zh-Hans" altLang="en-US" sz="1800" kern="1200" dirty="0">
-                          <a:solidFill>
-                            <a:schemeClr val="dk1"/>
-                          </a:solidFill>
-                          <a:effectLst/>
-                          <a:latin typeface="+mn-lt"/>
-                          <a:ea typeface="+mn-ea"/>
-                          <a:cs typeface="+mn-cs"/>
-                        </a:rPr>
-                        <a:t>方面与百度我知图等</a:t>
+                        <a:t>在API方面与百度我知图等</a:t>
                       </a:r>
                       <a:r>
                         <a:rPr lang="zh-CN" altLang="zh-CN" sz="1800" kern="1200" dirty="0">
@@ -9995,19 +9993,19 @@
                         <a:t>  </a:t>
                       </a:r>
                       <a:r>
-                        <a:rPr lang="zh-Hans" altLang="en-US" dirty="0">
+                        <a:rPr lang="en-US" altLang="en-US" dirty="0">
                           <a:effectLst/>
                         </a:rPr>
                         <a:t>最后成功拿下</a:t>
                       </a:r>
                       <a:r>
-                        <a:rPr lang="en-US" altLang="zh-Hans" dirty="0" err="1">
+                        <a:rPr lang="en-US" altLang="en-US" dirty="0" err="1">
                           <a:effectLst/>
                         </a:rPr>
                         <a:t>Api</a:t>
                       </a:r>
                       <a:r>
-                        <a:rPr lang="zh-Hans" altLang="en-US" dirty="0">
+                        <a:rPr lang="en-US" altLang="en-US" dirty="0">
                           <a:effectLst/>
                         </a:rPr>
                         <a:t>方面的接口</a:t>
@@ -10028,22 +10026,12 @@
                     </a:solidFill>
                   </a:tcPr>
                 </a:tc>
-                <a:extLst>
-                  <a:ext uri="{0D108BD9-81ED-4DB2-BD59-A6C34878D82A}">
-                    <a16:rowId xmlns:a16="http://schemas.microsoft.com/office/drawing/2014/main" val="10002"/>
-                  </a:ext>
-                </a:extLst>
               </a:tr>
             </a:tbl>
           </a:graphicData>
         </a:graphic>
       </p:graphicFrame>
     </p:spTree>
-    <p:extLst>
-      <p:ext uri="{BB962C8B-B14F-4D97-AF65-F5344CB8AC3E}">
-        <p14:creationId xmlns:p14="http://schemas.microsoft.com/office/powerpoint/2010/main" val="298505055"/>
-      </p:ext>
-    </p:extLst>
   </p:cSld>
   <p:clrMapOvr>
     <a:masterClrMapping/>
@@ -10054,7 +10042,7 @@
 </p:sld>
 </file>
 
-<file path=ppt/slides/slide22.xml><?xml version="1.0" encoding="utf-8"?>
+<file path=ppt/slides/slide23.xml><?xml version="1.0" encoding="utf-8"?>
 <p:sld xmlns:a="http://schemas.openxmlformats.org/drawingml/2006/main" xmlns:r="http://schemas.openxmlformats.org/officeDocument/2006/relationships" xmlns:p="http://schemas.openxmlformats.org/presentationml/2006/main">
   <p:cSld>
     <p:spTree>
@@ -10160,7 +10148,7 @@
           <a:p>
             <a:pPr algn="ctr"/>
             <a:r>
-              <a:rPr lang="en-US" altLang="zh-Hans" sz="2400" dirty="0"/>
+              <a:rPr lang="en-US" altLang="en-US" sz="2400" dirty="0"/>
               <a:t>7</a:t>
             </a:r>
             <a:endParaRPr lang="en-US" sz="2400" dirty="0"/>
@@ -10190,7 +10178,7 @@
           <a:lstStyle/>
           <a:p>
             <a:r>
-              <a:rPr lang="zh-Hans" altLang="en-US" sz="2665" dirty="0">
+              <a:rPr lang="en-US" altLang="en-US" sz="2665" dirty="0">
                 <a:solidFill>
                   <a:srgbClr val="183A5D"/>
                 </a:solidFill>
@@ -10211,23 +10199,11 @@
       </p:sp>
       <p:graphicFrame>
         <p:nvGraphicFramePr>
-          <p:cNvPr id="6" name="表格 5">
-            <a:extLst>
-              <a:ext uri="{FF2B5EF4-FFF2-40B4-BE49-F238E27FC236}">
-                <a16:creationId xmlns:a16="http://schemas.microsoft.com/office/drawing/2014/main" id="{2F0B210E-5714-1740-BCE7-FC835AE6803F}"/>
-              </a:ext>
-            </a:extLst>
-          </p:cNvPr>
+          <p:cNvPr id="6" name="表格 5"/>
           <p:cNvGraphicFramePr>
             <a:graphicFrameLocks noGrp="1"/>
           </p:cNvGraphicFramePr>
-          <p:nvPr>
-            <p:extLst>
-              <p:ext uri="{D42A27DB-BD31-4B8C-83A1-F6EECF244321}">
-                <p14:modId xmlns:p14="http://schemas.microsoft.com/office/powerpoint/2010/main" val="1627283335"/>
-              </p:ext>
-            </p:extLst>
-          </p:nvPr>
+          <p:nvPr/>
         </p:nvGraphicFramePr>
         <p:xfrm>
           <a:off x="1698170" y="779836"/>
@@ -10240,55 +10216,13 @@
                 <a:tableStyleId>{5C22544A-7EE6-4342-B048-85BDC9FD1C3A}</a:tableStyleId>
               </a:tblPr>
               <a:tblGrid>
-                <a:gridCol w="1340907">
-                  <a:extLst>
-                    <a:ext uri="{9D8B030D-6E8A-4147-A177-3AD203B41FA5}">
-                      <a16:colId xmlns:a16="http://schemas.microsoft.com/office/drawing/2014/main" val="4101684957"/>
-                    </a:ext>
-                  </a:extLst>
-                </a:gridCol>
-                <a:gridCol w="1342076">
-                  <a:extLst>
-                    <a:ext uri="{9D8B030D-6E8A-4147-A177-3AD203B41FA5}">
-                      <a16:colId xmlns:a16="http://schemas.microsoft.com/office/drawing/2014/main" val="1863068921"/>
-                    </a:ext>
-                  </a:extLst>
-                </a:gridCol>
-                <a:gridCol w="1342076">
-                  <a:extLst>
-                    <a:ext uri="{9D8B030D-6E8A-4147-A177-3AD203B41FA5}">
-                      <a16:colId xmlns:a16="http://schemas.microsoft.com/office/drawing/2014/main" val="4074523658"/>
-                    </a:ext>
-                  </a:extLst>
-                </a:gridCol>
-                <a:gridCol w="1340907">
-                  <a:extLst>
-                    <a:ext uri="{9D8B030D-6E8A-4147-A177-3AD203B41FA5}">
-                      <a16:colId xmlns:a16="http://schemas.microsoft.com/office/drawing/2014/main" val="1714807352"/>
-                    </a:ext>
-                  </a:extLst>
-                </a:gridCol>
-                <a:gridCol w="1342076">
-                  <a:extLst>
-                    <a:ext uri="{9D8B030D-6E8A-4147-A177-3AD203B41FA5}">
-                      <a16:colId xmlns:a16="http://schemas.microsoft.com/office/drawing/2014/main" val="1008250198"/>
-                    </a:ext>
-                  </a:extLst>
-                </a:gridCol>
-                <a:gridCol w="1342076">
-                  <a:extLst>
-                    <a:ext uri="{9D8B030D-6E8A-4147-A177-3AD203B41FA5}">
-                      <a16:colId xmlns:a16="http://schemas.microsoft.com/office/drawing/2014/main" val="977864646"/>
-                    </a:ext>
-                  </a:extLst>
-                </a:gridCol>
-                <a:gridCol w="1342076">
-                  <a:extLst>
-                    <a:ext uri="{9D8B030D-6E8A-4147-A177-3AD203B41FA5}">
-                      <a16:colId xmlns:a16="http://schemas.microsoft.com/office/drawing/2014/main" val="2511693466"/>
-                    </a:ext>
-                  </a:extLst>
-                </a:gridCol>
+                <a:gridCol w="1340907"/>
+                <a:gridCol w="1342076"/>
+                <a:gridCol w="1342076"/>
+                <a:gridCol w="1340907"/>
+                <a:gridCol w="1342076"/>
+                <a:gridCol w="1342076"/>
+                <a:gridCol w="1342076"/>
               </a:tblGrid>
               <a:tr h="1222361">
                 <a:tc>
@@ -10473,11 +10407,6 @@
                   </a:txBody>
                   <a:tcPr marL="68580" marR="68580" marT="0" marB="0"/>
                 </a:tc>
-                <a:extLst>
-                  <a:ext uri="{0D108BD9-81ED-4DB2-BD59-A6C34878D82A}">
-                    <a16:rowId xmlns:a16="http://schemas.microsoft.com/office/drawing/2014/main" val="3340274634"/>
-                  </a:ext>
-                </a:extLst>
               </a:tr>
               <a:tr h="1222361">
                 <a:tc>
@@ -10491,7 +10420,7 @@
                         </a:spcAft>
                       </a:pPr>
                       <a:r>
-                        <a:rPr lang="zh-Hans" altLang="en-US" sz="2800" kern="100" dirty="0">
+                        <a:rPr lang="en-US" altLang="en-US" sz="2800" kern="100" dirty="0">
                           <a:effectLst/>
                           <a:latin typeface="宋体" panose="02010600030101010101" pitchFamily="2" charset="-122"/>
                           <a:ea typeface="宋体" panose="02010600030101010101" pitchFamily="2" charset="-122"/>
@@ -10526,7 +10455,7 @@
                         <a:t>9</a:t>
                       </a:r>
                       <a:r>
-                        <a:rPr lang="en-US" altLang="zh-Hans" sz="2800" kern="100" dirty="0">
+                        <a:rPr lang="en-US" altLang="en-US" sz="2800" kern="100" dirty="0">
                           <a:effectLst/>
                         </a:rPr>
                         <a:t>3</a:t>
@@ -10610,7 +10539,7 @@
                         <a:t>9</a:t>
                       </a:r>
                       <a:r>
-                        <a:rPr lang="en-US" altLang="zh-Hans" sz="2800" kern="100" dirty="0">
+                        <a:rPr lang="en-US" altLang="en-US" sz="2800" kern="100" dirty="0">
                           <a:effectLst/>
                         </a:rPr>
                         <a:t>2</a:t>
@@ -10668,7 +10597,7 @@
                         <a:t>9</a:t>
                       </a:r>
                       <a:r>
-                        <a:rPr lang="en-US" altLang="zh-Hans" sz="2800" kern="100" dirty="0">
+                        <a:rPr lang="en-US" altLang="en-US" sz="2800" kern="100" dirty="0">
                           <a:effectLst/>
                         </a:rPr>
                         <a:t>3.4</a:t>
@@ -10683,11 +10612,6 @@
                   </a:txBody>
                   <a:tcPr marL="68580" marR="68580" marT="0" marB="0"/>
                 </a:tc>
-                <a:extLst>
-                  <a:ext uri="{0D108BD9-81ED-4DB2-BD59-A6C34878D82A}">
-                    <a16:rowId xmlns:a16="http://schemas.microsoft.com/office/drawing/2014/main" val="1642432292"/>
-                  </a:ext>
-                </a:extLst>
               </a:tr>
               <a:tr h="1222361">
                 <a:tc>
@@ -10701,7 +10625,7 @@
                         </a:spcAft>
                       </a:pPr>
                       <a:r>
-                        <a:rPr lang="zh-Hans" altLang="en-US" sz="2800" kern="100" dirty="0">
+                        <a:rPr lang="en-US" altLang="en-US" sz="2800" kern="100" dirty="0">
                           <a:effectLst/>
                           <a:latin typeface="宋体" panose="02010600030101010101" pitchFamily="2" charset="-122"/>
                           <a:ea typeface="宋体" panose="02010600030101010101" pitchFamily="2" charset="-122"/>
@@ -10875,11 +10799,6 @@
                   </a:txBody>
                   <a:tcPr marL="68580" marR="68580" marT="0" marB="0"/>
                 </a:tc>
-                <a:extLst>
-                  <a:ext uri="{0D108BD9-81ED-4DB2-BD59-A6C34878D82A}">
-                    <a16:rowId xmlns:a16="http://schemas.microsoft.com/office/drawing/2014/main" val="321660249"/>
-                  </a:ext>
-                </a:extLst>
               </a:tr>
               <a:tr h="1222361">
                 <a:tc>
@@ -10893,7 +10812,7 @@
                         </a:spcAft>
                       </a:pPr>
                       <a:r>
-                        <a:rPr lang="zh-Hans" altLang="en-US" sz="2800" kern="100" dirty="0">
+                        <a:rPr lang="en-US" altLang="en-US" sz="2800" kern="100" dirty="0">
                           <a:effectLst/>
                           <a:latin typeface="宋体" panose="02010600030101010101" pitchFamily="2" charset="-122"/>
                           <a:ea typeface="宋体" panose="02010600030101010101" pitchFamily="2" charset="-122"/>
@@ -11067,22 +10986,597 @@
                   </a:txBody>
                   <a:tcPr marL="68580" marR="68580" marT="0" marB="0"/>
                 </a:tc>
-                <a:extLst>
-                  <a:ext uri="{0D108BD9-81ED-4DB2-BD59-A6C34878D82A}">
-                    <a16:rowId xmlns:a16="http://schemas.microsoft.com/office/drawing/2014/main" val="2391645466"/>
-                  </a:ext>
-                </a:extLst>
               </a:tr>
             </a:tbl>
           </a:graphicData>
         </a:graphic>
       </p:graphicFrame>
     </p:spTree>
-    <p:extLst>
-      <p:ext uri="{BB962C8B-B14F-4D97-AF65-F5344CB8AC3E}">
-        <p14:creationId xmlns:p14="http://schemas.microsoft.com/office/powerpoint/2010/main" val="3690789486"/>
-      </p:ext>
-    </p:extLst>
+  </p:cSld>
+  <p:clrMapOvr>
+    <a:masterClrMapping/>
+  </p:clrMapOvr>
+  <p:transition spd="slow" advClick="0" advTm="0">
+    <p:wipe/>
+  </p:transition>
+</p:sld>
+</file>
+
+<file path=ppt/slides/slide24.xml><?xml version="1.0" encoding="utf-8"?>
+<p:sld xmlns:a="http://schemas.openxmlformats.org/drawingml/2006/main" xmlns:r="http://schemas.openxmlformats.org/officeDocument/2006/relationships" xmlns:p="http://schemas.openxmlformats.org/presentationml/2006/main">
+  <p:cSld>
+    <p:spTree>
+      <p:nvGrpSpPr>
+        <p:cNvPr id="1" name=""/>
+        <p:cNvGrpSpPr/>
+        <p:nvPr/>
+      </p:nvGrpSpPr>
+      <p:grpSpPr>
+        <a:xfrm>
+          <a:off x="0" y="0"/>
+          <a:ext cx="0" cy="0"/>
+          <a:chOff x="0" y="0"/>
+          <a:chExt cx="0" cy="0"/>
+        </a:xfrm>
+      </p:grpSpPr>
+      <p:sp>
+        <p:nvSpPr>
+          <p:cNvPr id="2" name="矩形 1"/>
+          <p:cNvSpPr/>
+          <p:nvPr/>
+        </p:nvSpPr>
+        <p:spPr>
+          <a:xfrm>
+            <a:off x="239067" y="1171"/>
+            <a:ext cx="1608117" cy="135421"/>
+          </a:xfrm>
+          <a:prstGeom prst="rect">
+            <a:avLst/>
+          </a:prstGeom>
+          <a:solidFill>
+            <a:srgbClr val="183A5D"/>
+          </a:solidFill>
+          <a:ln>
+            <a:noFill/>
+          </a:ln>
+        </p:spPr>
+        <p:style>
+          <a:lnRef idx="2">
+            <a:schemeClr val="accent1">
+              <a:shade val="50000"/>
+            </a:schemeClr>
+          </a:lnRef>
+          <a:fillRef idx="1">
+            <a:schemeClr val="accent1"/>
+          </a:fillRef>
+          <a:effectRef idx="0">
+            <a:schemeClr val="accent1"/>
+          </a:effectRef>
+          <a:fontRef idx="minor">
+            <a:schemeClr val="lt1"/>
+          </a:fontRef>
+        </p:style>
+        <p:txBody>
+          <a:bodyPr rtlCol="0" anchor="ctr"/>
+          <a:lstStyle/>
+          <a:p>
+            <a:pPr algn="ctr"/>
+            <a:endParaRPr lang="zh-CN" altLang="en-US" sz="2800"/>
+          </a:p>
+        </p:txBody>
+      </p:sp>
+      <p:sp>
+        <p:nvSpPr>
+          <p:cNvPr id="3" name="矩形 2"/>
+          <p:cNvSpPr/>
+          <p:nvPr/>
+        </p:nvSpPr>
+        <p:spPr>
+          <a:xfrm>
+            <a:off x="239067" y="255084"/>
+            <a:ext cx="1608117" cy="406261"/>
+          </a:xfrm>
+          <a:prstGeom prst="rect">
+            <a:avLst/>
+          </a:prstGeom>
+          <a:solidFill>
+            <a:srgbClr val="183A5D"/>
+          </a:solidFill>
+          <a:ln>
+            <a:noFill/>
+          </a:ln>
+        </p:spPr>
+        <p:style>
+          <a:lnRef idx="2">
+            <a:schemeClr val="accent1">
+              <a:shade val="50000"/>
+            </a:schemeClr>
+          </a:lnRef>
+          <a:fillRef idx="1">
+            <a:schemeClr val="accent1"/>
+          </a:fillRef>
+          <a:effectRef idx="0">
+            <a:schemeClr val="accent1"/>
+          </a:effectRef>
+          <a:fontRef idx="minor">
+            <a:schemeClr val="lt1"/>
+          </a:fontRef>
+        </p:style>
+        <p:txBody>
+          <a:bodyPr rtlCol="0" anchor="ctr"/>
+          <a:lstStyle/>
+          <a:p>
+            <a:pPr algn="ctr"/>
+            <a:r>
+              <a:rPr lang="en-US" altLang="en-US" sz="2400" dirty="0"/>
+              <a:t>7</a:t>
+            </a:r>
+            <a:endParaRPr lang="en-US" sz="2400" dirty="0"/>
+          </a:p>
+        </p:txBody>
+      </p:sp>
+      <p:sp>
+        <p:nvSpPr>
+          <p:cNvPr id="4" name="文本框 3"/>
+          <p:cNvSpPr txBox="1"/>
+          <p:nvPr/>
+        </p:nvSpPr>
+        <p:spPr>
+          <a:xfrm>
+            <a:off x="2207741" y="159821"/>
+            <a:ext cx="6051597" cy="501650"/>
+          </a:xfrm>
+          <a:prstGeom prst="rect">
+            <a:avLst/>
+          </a:prstGeom>
+          <a:noFill/>
+        </p:spPr>
+        <p:txBody>
+          <a:bodyPr wrap="square" rtlCol="0">
+            <a:spAutoFit/>
+          </a:bodyPr>
+          <a:lstStyle/>
+          <a:p>
+            <a:r>
+              <a:rPr lang="zh-CN" sz="2665" dirty="0">
+                <a:solidFill>
+                  <a:srgbClr val="183A5D"/>
+                </a:solidFill>
+                <a:latin typeface="微软雅黑" panose="020B0503020204020204" pitchFamily="34" charset="-122"/>
+                <a:ea typeface="微软雅黑" panose="020B0503020204020204" pitchFamily="34" charset="-122"/>
+              </a:rPr>
+              <a:t>参考文献</a:t>
+            </a:r>
+            <a:endParaRPr lang="zh-CN" sz="2665" dirty="0">
+              <a:solidFill>
+                <a:srgbClr val="183A5D"/>
+              </a:solidFill>
+              <a:latin typeface="微软雅黑" panose="020B0503020204020204" pitchFamily="34" charset="-122"/>
+              <a:ea typeface="微软雅黑" panose="020B0503020204020204" pitchFamily="34" charset="-122"/>
+            </a:endParaRPr>
+          </a:p>
+        </p:txBody>
+      </p:sp>
+      <p:sp>
+        <p:nvSpPr>
+          <p:cNvPr id="5" name="文本框 4"/>
+          <p:cNvSpPr txBox="1"/>
+          <p:nvPr/>
+        </p:nvSpPr>
+        <p:spPr>
+          <a:xfrm>
+            <a:off x="4203700" y="160020"/>
+            <a:ext cx="6968490" cy="6123940"/>
+          </a:xfrm>
+          <a:prstGeom prst="rect">
+            <a:avLst/>
+          </a:prstGeom>
+          <a:noFill/>
+        </p:spPr>
+        <p:txBody>
+          <a:bodyPr wrap="square" rtlCol="0" anchor="t">
+            <a:spAutoFit/>
+          </a:bodyPr>
+          <a:p>
+            <a:pPr indent="266700"/>
+            <a:r>
+              <a:rPr lang="en-US" altLang="zh-CN" sz="2800" kern="100" dirty="0">
+                <a:latin typeface="Calibri" panose="020F0502020204030204" pitchFamily="34" charset="0"/>
+                <a:cs typeface="Times New Roman" panose="02020603050405020304" pitchFamily="18" charset="0"/>
+                <a:sym typeface="+mn-ea"/>
+              </a:rPr>
+              <a:t>[1] </a:t>
+            </a:r>
+            <a:r>
+              <a:rPr lang="zh-CN" altLang="zh-CN" sz="2800" kern="100" dirty="0">
+                <a:latin typeface="Calibri" panose="020F0502020204030204" pitchFamily="34" charset="0"/>
+                <a:cs typeface="Times New Roman" panose="02020603050405020304" pitchFamily="18" charset="0"/>
+                <a:sym typeface="+mn-ea"/>
+              </a:rPr>
+              <a:t>项目管理知识体系指南（</a:t>
+            </a:r>
+            <a:r>
+              <a:rPr lang="en-US" altLang="zh-CN" sz="2800" kern="100" dirty="0">
+                <a:latin typeface="Calibri" panose="020F0502020204030204" pitchFamily="34" charset="0"/>
+                <a:cs typeface="Times New Roman" panose="02020603050405020304" pitchFamily="18" charset="0"/>
+                <a:sym typeface="+mn-ea"/>
+              </a:rPr>
+              <a:t>PMBOK </a:t>
+            </a:r>
+            <a:r>
+              <a:rPr lang="zh-CN" altLang="zh-CN" sz="2800" kern="100" dirty="0">
+                <a:latin typeface="Calibri" panose="020F0502020204030204" pitchFamily="34" charset="0"/>
+                <a:cs typeface="Times New Roman" panose="02020603050405020304" pitchFamily="18" charset="0"/>
+                <a:sym typeface="+mn-ea"/>
+              </a:rPr>
+              <a:t>指南</a:t>
+            </a:r>
+            <a:r>
+              <a:rPr lang="en-US" altLang="zh-CN" sz="2800" kern="100" dirty="0">
+                <a:latin typeface="Calibri" panose="020F0502020204030204" pitchFamily="34" charset="0"/>
+                <a:cs typeface="Times New Roman" panose="02020603050405020304" pitchFamily="18" charset="0"/>
+                <a:sym typeface="+mn-ea"/>
+              </a:rPr>
+              <a:t>)/</a:t>
+            </a:r>
+            <a:r>
+              <a:rPr lang="zh-CN" altLang="zh-CN" sz="2800" kern="100" dirty="0">
+                <a:latin typeface="Calibri" panose="020F0502020204030204" pitchFamily="34" charset="0"/>
+                <a:cs typeface="Times New Roman" panose="02020603050405020304" pitchFamily="18" charset="0"/>
+                <a:sym typeface="+mn-ea"/>
+              </a:rPr>
+              <a:t>项目管理协会</a:t>
+            </a:r>
+            <a:endParaRPr lang="zh-CN" altLang="zh-CN" sz="2800" kern="100" dirty="0">
+              <a:latin typeface="Calibri" panose="020F0502020204030204" pitchFamily="34" charset="0"/>
+              <a:cs typeface="Times New Roman" panose="02020603050405020304" pitchFamily="18" charset="0"/>
+            </a:endParaRPr>
+          </a:p>
+          <a:p>
+            <a:pPr indent="266700"/>
+            <a:r>
+              <a:rPr lang="en-US" altLang="zh-CN" sz="2800" kern="100" dirty="0">
+                <a:latin typeface="Calibri" panose="020F0502020204030204" pitchFamily="34" charset="0"/>
+                <a:cs typeface="Times New Roman" panose="02020603050405020304" pitchFamily="18" charset="0"/>
+                <a:sym typeface="+mn-ea"/>
+              </a:rPr>
+              <a:t>[2] SE2018</a:t>
+            </a:r>
+            <a:r>
+              <a:rPr lang="zh-CN" altLang="zh-CN" sz="2800" kern="100" dirty="0">
+                <a:latin typeface="Calibri" panose="020F0502020204030204" pitchFamily="34" charset="0"/>
+                <a:cs typeface="Times New Roman" panose="02020603050405020304" pitchFamily="18" charset="0"/>
+                <a:sym typeface="+mn-ea"/>
+              </a:rPr>
+              <a:t>春</a:t>
+            </a:r>
+            <a:r>
+              <a:rPr lang="en-US" altLang="zh-CN" sz="2800" kern="100" dirty="0">
+                <a:latin typeface="Calibri" panose="020F0502020204030204" pitchFamily="34" charset="0"/>
+                <a:cs typeface="Times New Roman" panose="02020603050405020304" pitchFamily="18" charset="0"/>
+                <a:sym typeface="+mn-ea"/>
+              </a:rPr>
+              <a:t>-G17-</a:t>
+            </a:r>
+            <a:r>
+              <a:rPr lang="zh-CN" altLang="zh-CN" sz="2800" kern="100" dirty="0">
+                <a:latin typeface="Calibri" panose="020F0502020204030204" pitchFamily="34" charset="0"/>
+                <a:cs typeface="Times New Roman" panose="02020603050405020304" pitchFamily="18" charset="0"/>
+                <a:sym typeface="+mn-ea"/>
+              </a:rPr>
+              <a:t>项目计划甘特图</a:t>
+            </a:r>
+            <a:r>
+              <a:rPr lang="en-US" altLang="zh-CN" sz="2800" kern="100" dirty="0">
+                <a:latin typeface="Calibri" panose="020F0502020204030204" pitchFamily="34" charset="0"/>
+                <a:cs typeface="Times New Roman" panose="02020603050405020304" pitchFamily="18" charset="0"/>
+                <a:sym typeface="+mn-ea"/>
+              </a:rPr>
+              <a:t> SE2018</a:t>
+            </a:r>
+            <a:r>
+              <a:rPr lang="zh-CN" altLang="zh-CN" sz="2800" kern="100" dirty="0">
+                <a:latin typeface="Calibri" panose="020F0502020204030204" pitchFamily="34" charset="0"/>
+                <a:cs typeface="Times New Roman" panose="02020603050405020304" pitchFamily="18" charset="0"/>
+                <a:sym typeface="+mn-ea"/>
+              </a:rPr>
+              <a:t>春</a:t>
+            </a:r>
+            <a:r>
+              <a:rPr lang="en-US" altLang="zh-CN" sz="2800" kern="100" dirty="0">
+                <a:latin typeface="Calibri" panose="020F0502020204030204" pitchFamily="34" charset="0"/>
+                <a:cs typeface="Times New Roman" panose="02020603050405020304" pitchFamily="18" charset="0"/>
+                <a:sym typeface="+mn-ea"/>
+              </a:rPr>
+              <a:t>-G17 </a:t>
+            </a:r>
+            <a:endParaRPr lang="zh-CN" altLang="zh-CN" sz="2800" kern="100" dirty="0">
+              <a:latin typeface="Calibri" panose="020F0502020204030204" pitchFamily="34" charset="0"/>
+              <a:cs typeface="Times New Roman" panose="02020603050405020304" pitchFamily="18" charset="0"/>
+            </a:endParaRPr>
+          </a:p>
+          <a:p>
+            <a:pPr indent="266700"/>
+            <a:r>
+              <a:rPr lang="en-US" altLang="zh-CN" sz="2800" kern="100" dirty="0">
+                <a:latin typeface="Calibri" panose="020F0502020204030204" pitchFamily="34" charset="0"/>
+                <a:cs typeface="Times New Roman" panose="02020603050405020304" pitchFamily="18" charset="0"/>
+                <a:sym typeface="+mn-ea"/>
+              </a:rPr>
+              <a:t>[3] </a:t>
+            </a:r>
+            <a:r>
+              <a:rPr lang="zh-CN" altLang="zh-CN" sz="2800" kern="100" dirty="0">
+                <a:latin typeface="Calibri" panose="020F0502020204030204" pitchFamily="34" charset="0"/>
+                <a:cs typeface="Times New Roman" panose="02020603050405020304" pitchFamily="18" charset="0"/>
+                <a:sym typeface="+mn-ea"/>
+              </a:rPr>
+              <a:t>张海藩</a:t>
+            </a:r>
+            <a:r>
+              <a:rPr lang="en-US" altLang="zh-CN" sz="2800" kern="100" dirty="0">
+                <a:latin typeface="Calibri" panose="020F0502020204030204" pitchFamily="34" charset="0"/>
+                <a:cs typeface="Times New Roman" panose="02020603050405020304" pitchFamily="18" charset="0"/>
+                <a:sym typeface="+mn-ea"/>
+              </a:rPr>
+              <a:t>,</a:t>
+            </a:r>
+            <a:r>
+              <a:rPr lang="zh-CN" altLang="zh-CN" sz="2800" kern="100" dirty="0">
+                <a:latin typeface="Calibri" panose="020F0502020204030204" pitchFamily="34" charset="0"/>
+                <a:cs typeface="Times New Roman" panose="02020603050405020304" pitchFamily="18" charset="0"/>
+                <a:sym typeface="+mn-ea"/>
+              </a:rPr>
+              <a:t>牟永敏</a:t>
+            </a:r>
+            <a:r>
+              <a:rPr lang="en-US" altLang="zh-CN" sz="2800" kern="100" dirty="0">
+                <a:latin typeface="Calibri" panose="020F0502020204030204" pitchFamily="34" charset="0"/>
+                <a:cs typeface="Times New Roman" panose="02020603050405020304" pitchFamily="18" charset="0"/>
+                <a:sym typeface="+mn-ea"/>
+              </a:rPr>
+              <a:t>.</a:t>
+            </a:r>
+            <a:r>
+              <a:rPr lang="zh-CN" altLang="zh-CN" sz="2800" kern="100" dirty="0">
+                <a:latin typeface="Calibri" panose="020F0502020204030204" pitchFamily="34" charset="0"/>
+                <a:cs typeface="Times New Roman" panose="02020603050405020304" pitchFamily="18" charset="0"/>
+                <a:sym typeface="+mn-ea"/>
+              </a:rPr>
+              <a:t>软件工程导论（第六版） </a:t>
+            </a:r>
+            <a:endParaRPr lang="zh-CN" altLang="zh-CN" sz="2800" kern="100" dirty="0">
+              <a:latin typeface="Calibri" panose="020F0502020204030204" pitchFamily="34" charset="0"/>
+              <a:cs typeface="Times New Roman" panose="02020603050405020304" pitchFamily="18" charset="0"/>
+            </a:endParaRPr>
+          </a:p>
+          <a:p>
+            <a:pPr indent="266700"/>
+            <a:r>
+              <a:rPr lang="en-US" altLang="zh-CN" sz="2800" kern="100" dirty="0">
+                <a:latin typeface="Calibri" panose="020F0502020204030204" pitchFamily="34" charset="0"/>
+                <a:cs typeface="Times New Roman" panose="02020603050405020304" pitchFamily="18" charset="0"/>
+                <a:sym typeface="+mn-ea"/>
+              </a:rPr>
+              <a:t>[4] </a:t>
+            </a:r>
+            <a:r>
+              <a:rPr lang="zh-CN" altLang="zh-CN" sz="2800" kern="100" dirty="0">
+                <a:latin typeface="Calibri" panose="020F0502020204030204" pitchFamily="34" charset="0"/>
+                <a:cs typeface="Times New Roman" panose="02020603050405020304" pitchFamily="18" charset="0"/>
+                <a:sym typeface="+mn-ea"/>
+              </a:rPr>
+              <a:t>《</a:t>
+            </a:r>
+            <a:r>
+              <a:rPr lang="en-US" altLang="zh-CN" sz="2800" kern="100" dirty="0">
+                <a:latin typeface="Calibri" panose="020F0502020204030204" pitchFamily="34" charset="0"/>
+                <a:cs typeface="Times New Roman" panose="02020603050405020304" pitchFamily="18" charset="0"/>
+                <a:sym typeface="+mn-ea"/>
+              </a:rPr>
+              <a:t>GB8567</a:t>
+            </a:r>
+            <a:r>
+              <a:rPr lang="zh-CN" altLang="zh-CN" sz="2800" kern="100" dirty="0">
+                <a:latin typeface="Calibri" panose="020F0502020204030204" pitchFamily="34" charset="0"/>
+                <a:cs typeface="Times New Roman" panose="02020603050405020304" pitchFamily="18" charset="0"/>
+                <a:sym typeface="+mn-ea"/>
+              </a:rPr>
+              <a:t>－</a:t>
+            </a:r>
+            <a:r>
+              <a:rPr lang="en-US" altLang="zh-CN" sz="2800" kern="100" dirty="0">
+                <a:latin typeface="Calibri" panose="020F0502020204030204" pitchFamily="34" charset="0"/>
+                <a:cs typeface="Times New Roman" panose="02020603050405020304" pitchFamily="18" charset="0"/>
+                <a:sym typeface="+mn-ea"/>
+              </a:rPr>
+              <a:t>88</a:t>
+            </a:r>
+            <a:r>
+              <a:rPr lang="zh-CN" altLang="zh-CN" sz="2800" kern="100" dirty="0">
+                <a:latin typeface="Calibri" panose="020F0502020204030204" pitchFamily="34" charset="0"/>
+                <a:cs typeface="Times New Roman" panose="02020603050405020304" pitchFamily="18" charset="0"/>
+                <a:sym typeface="+mn-ea"/>
+              </a:rPr>
+              <a:t>计算机软件产品开发文件编制指南》</a:t>
+            </a:r>
+            <a:endParaRPr lang="zh-CN" altLang="zh-CN" sz="2800" kern="100" dirty="0">
+              <a:latin typeface="Calibri" panose="020F0502020204030204" pitchFamily="34" charset="0"/>
+              <a:cs typeface="Times New Roman" panose="02020603050405020304" pitchFamily="18" charset="0"/>
+            </a:endParaRPr>
+          </a:p>
+          <a:p>
+            <a:pPr indent="266700"/>
+            <a:r>
+              <a:rPr lang="en-US" altLang="zh-CN" sz="2800" kern="100" dirty="0">
+                <a:latin typeface="Calibri" panose="020F0502020204030204" pitchFamily="34" charset="0"/>
+                <a:cs typeface="Times New Roman" panose="02020603050405020304" pitchFamily="18" charset="0"/>
+                <a:sym typeface="+mn-ea"/>
+              </a:rPr>
+              <a:t>[5]</a:t>
+            </a:r>
+            <a:r>
+              <a:rPr lang="zh-CN" altLang="zh-CN" sz="2800" kern="100" dirty="0">
+                <a:latin typeface="Calibri" panose="020F0502020204030204" pitchFamily="34" charset="0"/>
+                <a:cs typeface="Times New Roman" panose="02020603050405020304" pitchFamily="18" charset="0"/>
+                <a:sym typeface="+mn-ea"/>
+              </a:rPr>
+              <a:t>《软件工程导论学习辅导》（第六版） 张海藩、牟永敏编著 清华大学出版社</a:t>
+            </a:r>
+            <a:r>
+              <a:rPr lang="en-US" altLang="zh-CN" sz="2800" kern="100" dirty="0">
+                <a:latin typeface="Calibri" panose="020F0502020204030204" pitchFamily="34" charset="0"/>
+                <a:cs typeface="Times New Roman" panose="02020603050405020304" pitchFamily="18" charset="0"/>
+                <a:sym typeface="+mn-ea"/>
+              </a:rPr>
+              <a:t>2013</a:t>
+            </a:r>
+            <a:r>
+              <a:rPr lang="zh-CN" altLang="zh-CN" sz="2800" kern="100" dirty="0">
+                <a:latin typeface="Calibri" panose="020F0502020204030204" pitchFamily="34" charset="0"/>
+                <a:cs typeface="Times New Roman" panose="02020603050405020304" pitchFamily="18" charset="0"/>
+                <a:sym typeface="+mn-ea"/>
+              </a:rPr>
+              <a:t>年</a:t>
+            </a:r>
+            <a:endParaRPr lang="zh-CN" altLang="zh-CN" sz="2800" kern="100" dirty="0">
+              <a:latin typeface="Calibri" panose="020F0502020204030204" pitchFamily="34" charset="0"/>
+              <a:cs typeface="Times New Roman" panose="02020603050405020304" pitchFamily="18" charset="0"/>
+            </a:endParaRPr>
+          </a:p>
+          <a:p>
+            <a:pPr indent="266700"/>
+            <a:r>
+              <a:rPr lang="en-US" altLang="zh-CN" sz="2800" kern="100" dirty="0">
+                <a:latin typeface="Calibri" panose="020F0502020204030204" pitchFamily="34" charset="0"/>
+                <a:cs typeface="Times New Roman" panose="02020603050405020304" pitchFamily="18" charset="0"/>
+                <a:sym typeface="+mn-ea"/>
+              </a:rPr>
+              <a:t>[6] SE2018</a:t>
+            </a:r>
+            <a:r>
+              <a:rPr lang="zh-CN" altLang="zh-CN" sz="2800" kern="100" dirty="0">
+                <a:latin typeface="Calibri" panose="020F0502020204030204" pitchFamily="34" charset="0"/>
+                <a:cs typeface="Times New Roman" panose="02020603050405020304" pitchFamily="18" charset="0"/>
+                <a:sym typeface="+mn-ea"/>
+              </a:rPr>
+              <a:t>春</a:t>
+            </a:r>
+            <a:r>
+              <a:rPr lang="en-US" altLang="zh-CN" sz="2800" kern="100" dirty="0">
+                <a:latin typeface="Calibri" panose="020F0502020204030204" pitchFamily="34" charset="0"/>
+                <a:cs typeface="Times New Roman" panose="02020603050405020304" pitchFamily="18" charset="0"/>
+                <a:sym typeface="+mn-ea"/>
+              </a:rPr>
+              <a:t>-G17-</a:t>
+            </a:r>
+            <a:r>
+              <a:rPr lang="zh-CN" altLang="zh-CN" sz="2800" kern="100" dirty="0">
+                <a:latin typeface="Calibri" panose="020F0502020204030204" pitchFamily="34" charset="0"/>
+                <a:cs typeface="Times New Roman" panose="02020603050405020304" pitchFamily="18" charset="0"/>
+                <a:sym typeface="+mn-ea"/>
+              </a:rPr>
+              <a:t>文档编写规范</a:t>
+            </a:r>
+            <a:r>
+              <a:rPr lang="en-US" altLang="zh-CN" sz="2800" kern="100" dirty="0">
+                <a:latin typeface="Calibri" panose="020F0502020204030204" pitchFamily="34" charset="0"/>
+                <a:cs typeface="Times New Roman" panose="02020603050405020304" pitchFamily="18" charset="0"/>
+                <a:sym typeface="+mn-ea"/>
+              </a:rPr>
+              <a:t>.</a:t>
+            </a:r>
+            <a:r>
+              <a:rPr lang="en-US" altLang="zh-CN" sz="2800" kern="100" dirty="0" err="1">
+                <a:latin typeface="Calibri" panose="020F0502020204030204" pitchFamily="34" charset="0"/>
+                <a:cs typeface="Times New Roman" panose="02020603050405020304" pitchFamily="18" charset="0"/>
+                <a:sym typeface="+mn-ea"/>
+              </a:rPr>
+              <a:t>docx</a:t>
+            </a:r>
+            <a:endParaRPr lang="zh-CN" altLang="zh-CN" sz="2800" kern="100" dirty="0">
+              <a:latin typeface="Calibri" panose="020F0502020204030204" pitchFamily="34" charset="0"/>
+              <a:cs typeface="Times New Roman" panose="02020603050405020304" pitchFamily="18" charset="0"/>
+            </a:endParaRPr>
+          </a:p>
+          <a:p>
+            <a:pPr indent="266700"/>
+            <a:r>
+              <a:rPr lang="en-US" altLang="zh-CN" sz="2800" kern="100" dirty="0">
+                <a:latin typeface="Calibri" panose="020F0502020204030204" pitchFamily="34" charset="0"/>
+                <a:cs typeface="Times New Roman" panose="02020603050405020304" pitchFamily="18" charset="0"/>
+                <a:sym typeface="+mn-ea"/>
+              </a:rPr>
+              <a:t>[7] </a:t>
+            </a:r>
+            <a:r>
+              <a:rPr lang="zh-CN" altLang="zh-CN" sz="2800" kern="100" dirty="0">
+                <a:latin typeface="Calibri" panose="020F0502020204030204" pitchFamily="34" charset="0"/>
+                <a:cs typeface="Times New Roman" panose="02020603050405020304" pitchFamily="18" charset="0"/>
+                <a:sym typeface="+mn-ea"/>
+              </a:rPr>
+              <a:t>软件工程基础：首页及课程介绍</a:t>
+            </a:r>
+            <a:r>
+              <a:rPr lang="en-US" altLang="zh-CN" sz="2800" kern="100" dirty="0">
+                <a:latin typeface="Calibri" panose="020F0502020204030204" pitchFamily="34" charset="0"/>
+                <a:cs typeface="Times New Roman" panose="02020603050405020304" pitchFamily="18" charset="0"/>
+                <a:sym typeface="+mn-ea"/>
+              </a:rPr>
+              <a:t>.</a:t>
+            </a:r>
+            <a:r>
+              <a:rPr lang="en-US" altLang="zh-CN" sz="2800" kern="100" dirty="0" err="1">
+                <a:latin typeface="Calibri" panose="020F0502020204030204" pitchFamily="34" charset="0"/>
+                <a:cs typeface="Times New Roman" panose="02020603050405020304" pitchFamily="18" charset="0"/>
+                <a:sym typeface="+mn-ea"/>
+              </a:rPr>
+              <a:t>ppt</a:t>
+            </a:r>
+            <a:endParaRPr lang="zh-CN" altLang="zh-CN" sz="2800" kern="100" dirty="0">
+              <a:latin typeface="Calibri" panose="020F0502020204030204" pitchFamily="34" charset="0"/>
+              <a:cs typeface="Times New Roman" panose="02020603050405020304" pitchFamily="18" charset="0"/>
+            </a:endParaRPr>
+          </a:p>
+          <a:p>
+            <a:pPr indent="266700"/>
+            <a:r>
+              <a:rPr lang="en-US" altLang="zh-CN" sz="2800" kern="100" dirty="0">
+                <a:latin typeface="Calibri" panose="020F0502020204030204" pitchFamily="34" charset="0"/>
+                <a:cs typeface="Times New Roman" panose="02020603050405020304" pitchFamily="18" charset="0"/>
+                <a:sym typeface="+mn-ea"/>
+              </a:rPr>
+              <a:t>[8]</a:t>
+            </a:r>
+            <a:r>
+              <a:rPr lang="zh-CN" altLang="zh-CN" sz="2800" kern="100" dirty="0">
+                <a:latin typeface="Calibri" panose="020F0502020204030204" pitchFamily="34" charset="0"/>
+                <a:cs typeface="Times New Roman" panose="02020603050405020304" pitchFamily="18" charset="0"/>
+                <a:sym typeface="+mn-ea"/>
+              </a:rPr>
+              <a:t>《软件开发的过程与管理》作者：张湘辉 清华大学出版社</a:t>
+            </a:r>
+            <a:r>
+              <a:rPr lang="en-US" altLang="zh-CN" sz="2800" kern="100" dirty="0">
+                <a:latin typeface="Calibri" panose="020F0502020204030204" pitchFamily="34" charset="0"/>
+                <a:cs typeface="Times New Roman" panose="02020603050405020304" pitchFamily="18" charset="0"/>
+                <a:sym typeface="+mn-ea"/>
+              </a:rPr>
+              <a:t> 2005</a:t>
+            </a:r>
+            <a:r>
+              <a:rPr lang="zh-CN" altLang="zh-CN" sz="2800" kern="100" dirty="0">
+                <a:latin typeface="Calibri" panose="020F0502020204030204" pitchFamily="34" charset="0"/>
+                <a:cs typeface="Times New Roman" panose="02020603050405020304" pitchFamily="18" charset="0"/>
+                <a:sym typeface="+mn-ea"/>
+              </a:rPr>
+              <a:t>年</a:t>
+            </a:r>
+            <a:endParaRPr lang="zh-CN" altLang="en-US" sz="2800"/>
+          </a:p>
+        </p:txBody>
+      </p:sp>
+    </p:spTree>
   </p:cSld>
   <p:clrMapOvr>
     <a:masterClrMapping/>
@@ -11195,6 +11689,13 @@
               </a:rPr>
               <a:t>项目简介</a:t>
             </a:r>
+            <a:endParaRPr lang="zh-CN" altLang="en-US" sz="3200" b="1" dirty="0">
+              <a:solidFill>
+                <a:schemeClr val="bg1"/>
+              </a:solidFill>
+              <a:latin typeface="微软雅黑" panose="020B0503020204020204" pitchFamily="34" charset="-122"/>
+              <a:ea typeface="微软雅黑" panose="020B0503020204020204" pitchFamily="34" charset="-122"/>
+            </a:endParaRPr>
           </a:p>
         </p:txBody>
       </p:sp>
@@ -11217,34 +11718,10 @@
                 <a:tableStyleId>{5FD0F851-EC5A-4D38-B0AD-8093EC10F338}</a:tableStyleId>
               </a:tblPr>
               <a:tblGrid>
-                <a:gridCol w="1250315">
-                  <a:extLst>
-                    <a:ext uri="{9D8B030D-6E8A-4147-A177-3AD203B41FA5}">
-                      <a16:colId xmlns:a16="http://schemas.microsoft.com/office/drawing/2014/main" val="20000"/>
-                    </a:ext>
-                  </a:extLst>
-                </a:gridCol>
-                <a:gridCol w="2048510">
-                  <a:extLst>
-                    <a:ext uri="{9D8B030D-6E8A-4147-A177-3AD203B41FA5}">
-                      <a16:colId xmlns:a16="http://schemas.microsoft.com/office/drawing/2014/main" val="20001"/>
-                    </a:ext>
-                  </a:extLst>
-                </a:gridCol>
-                <a:gridCol w="3167380">
-                  <a:extLst>
-                    <a:ext uri="{9D8B030D-6E8A-4147-A177-3AD203B41FA5}">
-                      <a16:colId xmlns:a16="http://schemas.microsoft.com/office/drawing/2014/main" val="20002"/>
-                    </a:ext>
-                  </a:extLst>
-                </a:gridCol>
-                <a:gridCol w="1622425">
-                  <a:extLst>
-                    <a:ext uri="{9D8B030D-6E8A-4147-A177-3AD203B41FA5}">
-                      <a16:colId xmlns:a16="http://schemas.microsoft.com/office/drawing/2014/main" val="20003"/>
-                    </a:ext>
-                  </a:extLst>
-                </a:gridCol>
+                <a:gridCol w="1250315"/>
+                <a:gridCol w="2048510"/>
+                <a:gridCol w="3167380"/>
+                <a:gridCol w="1622425"/>
               </a:tblGrid>
               <a:tr h="504825">
                 <a:tc>
@@ -11391,11 +11868,6 @@
                     </a:solidFill>
                   </a:tcPr>
                 </a:tc>
-                <a:extLst>
-                  <a:ext uri="{0D108BD9-81ED-4DB2-BD59-A6C34878D82A}">
-                    <a16:rowId xmlns:a16="http://schemas.microsoft.com/office/drawing/2014/main" val="10000"/>
-                  </a:ext>
-                </a:extLst>
               </a:tr>
               <a:tr h="662940">
                 <a:tc>
@@ -11417,6 +11889,12 @@
                         </a:rPr>
                         <a:t>杨枨</a:t>
                       </a:r>
+                      <a:endParaRPr lang="zh-CN" sz="1800" kern="100">
+                        <a:effectLst/>
+                        <a:latin typeface="+mn-ea"/>
+                        <a:ea typeface="+mn-ea"/>
+                        <a:cs typeface="Times New Roman" panose="02020603050405020304" pitchFamily="18" charset="0"/>
+                      </a:endParaRPr>
                     </a:p>
                   </a:txBody>
                   <a:tcPr marL="68567" marR="68567" marT="0" marB="0" anchor="ctr"/>
@@ -11440,6 +11918,12 @@
                         </a:rPr>
                         <a:t>13357102333</a:t>
                       </a:r>
+                      <a:endParaRPr lang="en-US" sz="1800" kern="100" dirty="0">
+                        <a:effectLst/>
+                        <a:latin typeface="+mn-ea"/>
+                        <a:ea typeface="+mn-ea"/>
+                        <a:cs typeface="Times New Roman" panose="02020603050405020304" pitchFamily="18" charset="0"/>
+                      </a:endParaRPr>
                     </a:p>
                   </a:txBody>
                   <a:tcPr marL="68567" marR="68567" marT="0" marB="0" anchor="ctr"/>
@@ -11466,6 +11950,15 @@
                         </a:rPr>
                         <a:t>yangc@zucc.edu.cn</a:t>
                       </a:r>
+                      <a:endParaRPr lang="en-US" sz="1800" u="none" strike="noStrike" kern="100" dirty="0">
+                        <a:solidFill>
+                          <a:srgbClr val="0563C1"/>
+                        </a:solidFill>
+                        <a:effectLst/>
+                        <a:latin typeface="+mn-ea"/>
+                        <a:ea typeface="+mn-ea"/>
+                        <a:cs typeface="Times New Roman" panose="02020603050405020304" pitchFamily="18" charset="0"/>
+                      </a:endParaRPr>
                     </a:p>
                   </a:txBody>
                   <a:tcPr marL="68567" marR="68567" marT="0" marB="0" anchor="ctr"/>
@@ -11489,15 +11982,16 @@
                         </a:rPr>
                         <a:t>理四504</a:t>
                       </a:r>
+                      <a:endParaRPr sz="1800" kern="100">
+                        <a:effectLst/>
+                        <a:latin typeface="+mn-ea"/>
+                        <a:ea typeface="+mn-ea"/>
+                        <a:cs typeface="Times New Roman" panose="02020603050405020304" pitchFamily="18" charset="0"/>
+                      </a:endParaRPr>
                     </a:p>
                   </a:txBody>
                   <a:tcPr marL="68567" marR="68567" marT="0" marB="0" anchor="ctr"/>
                 </a:tc>
-                <a:extLst>
-                  <a:ext uri="{0D108BD9-81ED-4DB2-BD59-A6C34878D82A}">
-                    <a16:rowId xmlns:a16="http://schemas.microsoft.com/office/drawing/2014/main" val="10001"/>
-                  </a:ext>
-                </a:extLst>
               </a:tr>
             </a:tbl>
           </a:graphicData>
@@ -11529,6 +12023,7 @@
               <a:rPr lang="zh-CN" altLang="en-US"/>
               <a:t>项目提出者：</a:t>
             </a:r>
+            <a:endParaRPr lang="zh-CN" altLang="en-US"/>
           </a:p>
         </p:txBody>
       </p:sp>
@@ -11558,6 +12053,7 @@
               <a:rPr lang="zh-CN" altLang="en-US"/>
               <a:t>项目用户：</a:t>
             </a:r>
+            <a:endParaRPr lang="zh-CN" altLang="en-US"/>
           </a:p>
         </p:txBody>
       </p:sp>
@@ -11587,6 +12083,7 @@
               <a:rPr lang="zh-CN" altLang="en-US" b="1"/>
               <a:t>喜欢喝酒以及对酒文化感兴趣的群体。</a:t>
             </a:r>
+            <a:endParaRPr lang="zh-CN" altLang="en-US" b="1"/>
           </a:p>
         </p:txBody>
       </p:sp>
@@ -11985,6 +12482,13 @@
               </a:rPr>
               <a:t>项目简介</a:t>
             </a:r>
+            <a:endParaRPr lang="zh-CN" altLang="en-US" sz="3200" b="1" dirty="0">
+              <a:solidFill>
+                <a:schemeClr val="bg1"/>
+              </a:solidFill>
+              <a:latin typeface="微软雅黑" panose="020B0503020204020204" pitchFamily="34" charset="-122"/>
+              <a:ea typeface="微软雅黑" panose="020B0503020204020204" pitchFamily="34" charset="-122"/>
+            </a:endParaRPr>
           </a:p>
         </p:txBody>
       </p:sp>
@@ -12007,48 +12511,12 @@
                 <a:tableStyleId>{5FD0F851-EC5A-4D38-B0AD-8093EC10F338}</a:tableStyleId>
               </a:tblPr>
               <a:tblGrid>
-                <a:gridCol w="1186815">
-                  <a:extLst>
-                    <a:ext uri="{9D8B030D-6E8A-4147-A177-3AD203B41FA5}">
-                      <a16:colId xmlns:a16="http://schemas.microsoft.com/office/drawing/2014/main" val="20000"/>
-                    </a:ext>
-                  </a:extLst>
-                </a:gridCol>
-                <a:gridCol w="988695">
-                  <a:extLst>
-                    <a:ext uri="{9D8B030D-6E8A-4147-A177-3AD203B41FA5}">
-                      <a16:colId xmlns:a16="http://schemas.microsoft.com/office/drawing/2014/main" val="20001"/>
-                    </a:ext>
-                  </a:extLst>
-                </a:gridCol>
-                <a:gridCol w="1724025">
-                  <a:extLst>
-                    <a:ext uri="{9D8B030D-6E8A-4147-A177-3AD203B41FA5}">
-                      <a16:colId xmlns:a16="http://schemas.microsoft.com/office/drawing/2014/main" val="20002"/>
-                    </a:ext>
-                  </a:extLst>
-                </a:gridCol>
-                <a:gridCol w="1929765">
-                  <a:extLst>
-                    <a:ext uri="{9D8B030D-6E8A-4147-A177-3AD203B41FA5}">
-                      <a16:colId xmlns:a16="http://schemas.microsoft.com/office/drawing/2014/main" val="20003"/>
-                    </a:ext>
-                  </a:extLst>
-                </a:gridCol>
-                <a:gridCol w="1381125">
-                  <a:extLst>
-                    <a:ext uri="{9D8B030D-6E8A-4147-A177-3AD203B41FA5}">
-                      <a16:colId xmlns:a16="http://schemas.microsoft.com/office/drawing/2014/main" val="20004"/>
-                    </a:ext>
-                  </a:extLst>
-                </a:gridCol>
-                <a:gridCol w="1532255">
-                  <a:extLst>
-                    <a:ext uri="{9D8B030D-6E8A-4147-A177-3AD203B41FA5}">
-                      <a16:colId xmlns:a16="http://schemas.microsoft.com/office/drawing/2014/main" val="20005"/>
-                    </a:ext>
-                  </a:extLst>
-                </a:gridCol>
+                <a:gridCol w="1186815"/>
+                <a:gridCol w="988695"/>
+                <a:gridCol w="1724025"/>
+                <a:gridCol w="1929765"/>
+                <a:gridCol w="1381125"/>
+                <a:gridCol w="1532255"/>
               </a:tblGrid>
               <a:tr h="1000760">
                 <a:tc>
@@ -12236,6 +12704,12 @@
                         </a:rPr>
                         <a:t>职务</a:t>
                       </a:r>
+                      <a:endParaRPr lang="zh-CN" altLang="en-US" sz="1800" kern="100" dirty="0">
+                        <a:effectLst/>
+                        <a:latin typeface="+mn-ea"/>
+                        <a:ea typeface="+mn-ea"/>
+                        <a:cs typeface="Times New Roman" panose="02020603050405020304" pitchFamily="18" charset="0"/>
+                      </a:endParaRPr>
                     </a:p>
                   </a:txBody>
                   <a:tcPr marL="68567" marR="68567" marT="0" marB="0" anchor="ctr">
@@ -12244,11 +12718,6 @@
                     </a:solidFill>
                   </a:tcPr>
                 </a:tc>
-                <a:extLst>
-                  <a:ext uri="{0D108BD9-81ED-4DB2-BD59-A6C34878D82A}">
-                    <a16:rowId xmlns:a16="http://schemas.microsoft.com/office/drawing/2014/main" val="10000"/>
-                  </a:ext>
-                </a:extLst>
               </a:tr>
               <a:tr h="1039495">
                 <a:tc>
@@ -12270,6 +12739,12 @@
                         </a:rPr>
                         <a:t>黄为波</a:t>
                       </a:r>
+                      <a:endParaRPr lang="zh-CN" sz="1800" kern="100">
+                        <a:effectLst/>
+                        <a:latin typeface="+mn-ea"/>
+                        <a:ea typeface="+mn-ea"/>
+                        <a:cs typeface="Times New Roman" panose="02020603050405020304" pitchFamily="18" charset="0"/>
+                      </a:endParaRPr>
                     </a:p>
                   </a:txBody>
                   <a:tcPr marL="68567" marR="68567" marT="0" marB="0" anchor="ctr"/>
@@ -12293,6 +12768,12 @@
                         </a:rPr>
                         <a:t>组长</a:t>
                       </a:r>
+                      <a:endParaRPr lang="zh-CN" sz="1800" kern="100">
+                        <a:effectLst/>
+                        <a:latin typeface="+mn-ea"/>
+                        <a:ea typeface="+mn-ea"/>
+                        <a:cs typeface="Times New Roman" panose="02020603050405020304" pitchFamily="18" charset="0"/>
+                      </a:endParaRPr>
                     </a:p>
                   </a:txBody>
                   <a:tcPr marL="68567" marR="68567" marT="0" marB="0" anchor="ctr"/>
@@ -12316,6 +12797,12 @@
                         </a:rPr>
                         <a:t>15336551730</a:t>
                       </a:r>
+                      <a:endParaRPr lang="en-US" sz="1800" kern="100">
+                        <a:effectLst/>
+                        <a:latin typeface="+mn-ea"/>
+                        <a:ea typeface="+mn-ea"/>
+                        <a:cs typeface="Times New Roman" panose="02020603050405020304" pitchFamily="18" charset="0"/>
+                      </a:endParaRPr>
                     </a:p>
                   </a:txBody>
                   <a:tcPr marL="68567" marR="68567" marT="0" marB="0" anchor="ctr"/>
@@ -12407,15 +12894,16 @@
                         </a:rPr>
                         <a:t>项目经理</a:t>
                       </a:r>
+                      <a:endParaRPr lang="zh-CN" altLang="en-US" sz="1800" kern="100">
+                        <a:effectLst/>
+                        <a:latin typeface="+mn-ea"/>
+                        <a:ea typeface="+mn-ea"/>
+                        <a:cs typeface="Times New Roman" panose="02020603050405020304" pitchFamily="18" charset="0"/>
+                      </a:endParaRPr>
                     </a:p>
                   </a:txBody>
                   <a:tcPr marL="68567" marR="68567" marT="0" marB="0" anchor="ctr"/>
                 </a:tc>
-                <a:extLst>
-                  <a:ext uri="{0D108BD9-81ED-4DB2-BD59-A6C34878D82A}">
-                    <a16:rowId xmlns:a16="http://schemas.microsoft.com/office/drawing/2014/main" val="10001"/>
-                  </a:ext>
-                </a:extLst>
               </a:tr>
               <a:tr h="1040130">
                 <a:tc>
@@ -12437,6 +12925,12 @@
                         </a:rPr>
                         <a:t>蔡峰</a:t>
                       </a:r>
+                      <a:endParaRPr lang="zh-CN" sz="1800" kern="100">
+                        <a:effectLst/>
+                        <a:latin typeface="+mn-ea"/>
+                        <a:ea typeface="+mn-ea"/>
+                        <a:cs typeface="Times New Roman" panose="02020603050405020304" pitchFamily="18" charset="0"/>
+                      </a:endParaRPr>
                     </a:p>
                   </a:txBody>
                   <a:tcPr marL="68567" marR="68567" marT="0" marB="0" anchor="ctr">
@@ -12467,6 +12961,12 @@
                         </a:rPr>
                         <a:t>组员</a:t>
                       </a:r>
+                      <a:endParaRPr lang="zh-CN" sz="1800" kern="100">
+                        <a:effectLst/>
+                        <a:latin typeface="+mn-ea"/>
+                        <a:ea typeface="+mn-ea"/>
+                        <a:cs typeface="Times New Roman" panose="02020603050405020304" pitchFamily="18" charset="0"/>
+                      </a:endParaRPr>
                     </a:p>
                   </a:txBody>
                   <a:tcPr marL="68567" marR="68567" marT="0" marB="0" anchor="ctr">
@@ -12615,6 +13115,12 @@
                         </a:rPr>
                         <a:t>配置管理员</a:t>
                       </a:r>
+                      <a:endParaRPr lang="zh-CN" altLang="en-US" sz="1800" kern="100">
+                        <a:effectLst/>
+                        <a:latin typeface="+mn-ea"/>
+                        <a:ea typeface="+mn-ea"/>
+                        <a:cs typeface="Times New Roman" panose="02020603050405020304" pitchFamily="18" charset="0"/>
+                      </a:endParaRPr>
                     </a:p>
                   </a:txBody>
                   <a:tcPr marL="68567" marR="68567" marT="0" marB="0" anchor="ctr">
@@ -12626,11 +13132,6 @@
                     </a:solidFill>
                   </a:tcPr>
                 </a:tc>
-                <a:extLst>
-                  <a:ext uri="{0D108BD9-81ED-4DB2-BD59-A6C34878D82A}">
-                    <a16:rowId xmlns:a16="http://schemas.microsoft.com/office/drawing/2014/main" val="10002"/>
-                  </a:ext>
-                </a:extLst>
               </a:tr>
               <a:tr h="1039495">
                 <a:tc>
@@ -12652,6 +13153,12 @@
                         </a:rPr>
                         <a:t>陈子卿</a:t>
                       </a:r>
+                      <a:endParaRPr lang="zh-CN" sz="1800" kern="100">
+                        <a:effectLst/>
+                        <a:latin typeface="+mn-ea"/>
+                        <a:ea typeface="+mn-ea"/>
+                        <a:cs typeface="Times New Roman" panose="02020603050405020304" pitchFamily="18" charset="0"/>
+                      </a:endParaRPr>
                     </a:p>
                   </a:txBody>
                   <a:tcPr marL="68567" marR="68567" marT="0" marB="0" anchor="ctr"/>
@@ -12675,6 +13182,12 @@
                         </a:rPr>
                         <a:t>组员</a:t>
                       </a:r>
+                      <a:endParaRPr lang="zh-CN" sz="1800" kern="100">
+                        <a:effectLst/>
+                        <a:latin typeface="+mn-ea"/>
+                        <a:ea typeface="+mn-ea"/>
+                        <a:cs typeface="Times New Roman" panose="02020603050405020304" pitchFamily="18" charset="0"/>
+                      </a:endParaRPr>
                     </a:p>
                   </a:txBody>
                   <a:tcPr marL="68567" marR="68567" marT="0" marB="0" anchor="ctr"/>
@@ -12698,6 +13211,12 @@
                         </a:rPr>
                         <a:t>15968119438</a:t>
                       </a:r>
+                      <a:endParaRPr lang="en-US" sz="1800" kern="100">
+                        <a:effectLst/>
+                        <a:latin typeface="+mn-ea"/>
+                        <a:ea typeface="+mn-ea"/>
+                        <a:cs typeface="Times New Roman" panose="02020603050405020304" pitchFamily="18" charset="0"/>
+                      </a:endParaRPr>
                     </a:p>
                   </a:txBody>
                   <a:tcPr marL="68567" marR="68567" marT="0" marB="0" anchor="ctr"/>
@@ -12789,15 +13308,16 @@
                         </a:rPr>
                         <a:t>会议记录员</a:t>
                       </a:r>
+                      <a:endParaRPr lang="zh-CN" altLang="en-US" sz="1800" kern="100">
+                        <a:effectLst/>
+                        <a:latin typeface="+mn-ea"/>
+                        <a:ea typeface="+mn-ea"/>
+                        <a:cs typeface="Times New Roman" panose="02020603050405020304" pitchFamily="18" charset="0"/>
+                      </a:endParaRPr>
                     </a:p>
                   </a:txBody>
                   <a:tcPr marL="68567" marR="68567" marT="0" marB="0" anchor="ctr"/>
                 </a:tc>
-                <a:extLst>
-                  <a:ext uri="{0D108BD9-81ED-4DB2-BD59-A6C34878D82A}">
-                    <a16:rowId xmlns:a16="http://schemas.microsoft.com/office/drawing/2014/main" val="10003"/>
-                  </a:ext>
-                </a:extLst>
               </a:tr>
             </a:tbl>
           </a:graphicData>
@@ -12840,6 +13360,18 @@
               </a:rPr>
               <a:t>开发团队：</a:t>
             </a:r>
+            <a:endParaRPr lang="zh-CN" altLang="en-US" sz="2800" b="1">
+              <a:solidFill>
+                <a:schemeClr val="tx1"/>
+              </a:solidFill>
+              <a:effectLst>
+                <a:outerShdw blurRad="38100" dist="19050" dir="2700000" algn="tl" rotWithShape="0">
+                  <a:schemeClr val="dk1">
+                    <a:alpha val="40000"/>
+                  </a:schemeClr>
+                </a:outerShdw>
+              </a:effectLst>
+            </a:endParaRPr>
           </a:p>
         </p:txBody>
       </p:sp>
@@ -13180,7 +13712,7 @@
           <a:bodyPr lIns="91392" tIns="45695" rIns="91392" bIns="45695"/>
           <a:lstStyle/>
           <a:p>
-            <a:endParaRPr lang="zh-CN" altLang="en-US" sz="2799" kern="0">
+            <a:endParaRPr lang="zh-CN" altLang="en-US" sz="2800" kern="0">
               <a:solidFill>
                 <a:sysClr val="windowText" lastClr="000000"/>
               </a:solidFill>
@@ -13393,7 +13925,7 @@
           <a:bodyPr lIns="91392" tIns="45695" rIns="91392" bIns="45695"/>
           <a:lstStyle/>
           <a:p>
-            <a:endParaRPr lang="zh-CN" altLang="en-US" sz="2799" kern="0">
+            <a:endParaRPr lang="zh-CN" altLang="en-US" sz="2800" kern="0">
               <a:solidFill>
                 <a:sysClr val="windowText" lastClr="000000"/>
               </a:solidFill>
@@ -14140,7 +14672,7 @@
           <a:bodyPr lIns="91392" tIns="45695" rIns="91392" bIns="45695"/>
           <a:lstStyle/>
           <a:p>
-            <a:endParaRPr lang="zh-CN" altLang="en-US" sz="2799" kern="0">
+            <a:endParaRPr lang="zh-CN" altLang="en-US" sz="2800" kern="0">
               <a:solidFill>
                 <a:sysClr val="windowText" lastClr="000000"/>
               </a:solidFill>
@@ -14650,7 +15182,7 @@
           <a:bodyPr lIns="91392" tIns="45695" rIns="91392" bIns="45695"/>
           <a:lstStyle/>
           <a:p>
-            <a:endParaRPr lang="zh-CN" altLang="en-US" sz="2799" kern="0">
+            <a:endParaRPr lang="zh-CN" altLang="en-US" sz="2800" kern="0">
               <a:solidFill>
                 <a:sysClr val="windowText" lastClr="000000"/>
               </a:solidFill>
@@ -14789,7 +15321,7 @@
           <a:bodyPr lIns="91392" tIns="45695" rIns="91392" bIns="45695"/>
           <a:lstStyle/>
           <a:p>
-            <a:endParaRPr lang="zh-CN" altLang="en-US" sz="2799" kern="0">
+            <a:endParaRPr lang="zh-CN" altLang="en-US" sz="2800" kern="0">
               <a:solidFill>
                 <a:sysClr val="windowText" lastClr="000000"/>
               </a:solidFill>
@@ -14924,7 +15456,7 @@
           <a:bodyPr lIns="91392" tIns="45695" rIns="91392" bIns="45695"/>
           <a:lstStyle/>
           <a:p>
-            <a:endParaRPr lang="zh-CN" altLang="en-US" sz="2799" kern="0">
+            <a:endParaRPr lang="zh-CN" altLang="en-US" sz="2800" kern="0">
               <a:solidFill>
                 <a:sysClr val="windowText" lastClr="000000"/>
               </a:solidFill>
@@ -14986,7 +15518,7 @@
             <a:bodyPr/>
             <a:lstStyle/>
             <a:p>
-              <a:endParaRPr lang="zh-CN" altLang="en-US" sz="2799" kern="0">
+              <a:endParaRPr lang="zh-CN" altLang="en-US" sz="2800" kern="0">
                 <a:solidFill>
                   <a:schemeClr val="tx2"/>
                 </a:solidFill>
@@ -15147,7 +15679,7 @@
             <a:p>
               <a:pPr eaLnBrk="1" hangingPunct="1"/>
               <a:r>
-                <a:rPr lang="en-US" altLang="zh-CN" sz="2799" b="1" kern="0" dirty="0">
+                <a:rPr lang="en-US" altLang="zh-CN" sz="2800" b="1" kern="0" dirty="0">
                   <a:solidFill>
                     <a:schemeClr val="tx2"/>
                   </a:solidFill>
@@ -15158,7 +15690,7 @@
                 </a:rPr>
                 <a:t>1</a:t>
               </a:r>
-              <a:endParaRPr lang="zh-CN" altLang="en-US" sz="2799" b="1" kern="0" dirty="0">
+              <a:endParaRPr lang="zh-CN" altLang="en-US" sz="2800" b="1" kern="0" dirty="0">
                 <a:solidFill>
                   <a:schemeClr val="tx2"/>
                 </a:solidFill>
@@ -15296,7 +15828,7 @@
           <a:bodyPr lIns="91392" tIns="45695" rIns="91392" bIns="45695"/>
           <a:lstStyle/>
           <a:p>
-            <a:endParaRPr lang="zh-CN" altLang="en-US" sz="2799" kern="0">
+            <a:endParaRPr lang="zh-CN" altLang="en-US" sz="2800" kern="0">
               <a:solidFill>
                 <a:sysClr val="windowText" lastClr="000000"/>
               </a:solidFill>
@@ -15358,7 +15890,7 @@
             <a:bodyPr/>
             <a:lstStyle/>
             <a:p>
-              <a:endParaRPr lang="zh-CN" altLang="en-US" sz="2799" kern="0">
+              <a:endParaRPr lang="zh-CN" altLang="en-US" sz="2800" kern="0">
                 <a:solidFill>
                   <a:schemeClr val="tx2"/>
                 </a:solidFill>
@@ -15519,7 +16051,7 @@
             <a:p>
               <a:pPr eaLnBrk="1" hangingPunct="1"/>
               <a:r>
-                <a:rPr lang="en-US" altLang="zh-CN" sz="2799" b="1" kern="0">
+                <a:rPr lang="en-US" altLang="zh-CN" sz="2800" b="1" kern="0">
                   <a:solidFill>
                     <a:schemeClr val="tx2"/>
                   </a:solidFill>
@@ -15530,7 +16062,7 @@
                 </a:rPr>
                 <a:t>2</a:t>
               </a:r>
-              <a:endParaRPr lang="zh-CN" altLang="en-US" sz="2799" b="1" kern="0">
+              <a:endParaRPr lang="zh-CN" altLang="en-US" sz="2800" b="1" kern="0">
                 <a:solidFill>
                   <a:schemeClr val="tx2"/>
                 </a:solidFill>
@@ -15668,7 +16200,7 @@
           <a:bodyPr lIns="91392" tIns="45695" rIns="91392" bIns="45695"/>
           <a:lstStyle/>
           <a:p>
-            <a:endParaRPr lang="zh-CN" altLang="en-US" sz="2799" kern="0">
+            <a:endParaRPr lang="zh-CN" altLang="en-US" sz="2800" kern="0">
               <a:solidFill>
                 <a:sysClr val="windowText" lastClr="000000"/>
               </a:solidFill>
@@ -15730,7 +16262,7 @@
             <a:bodyPr/>
             <a:lstStyle/>
             <a:p>
-              <a:endParaRPr lang="zh-CN" altLang="en-US" sz="2799" kern="0">
+              <a:endParaRPr lang="zh-CN" altLang="en-US" sz="2800" kern="0">
                 <a:solidFill>
                   <a:schemeClr val="tx2"/>
                 </a:solidFill>
@@ -15891,7 +16423,7 @@
             <a:p>
               <a:pPr eaLnBrk="1" hangingPunct="1"/>
               <a:r>
-                <a:rPr lang="en-US" altLang="zh-CN" sz="2799" b="1" kern="0" dirty="0">
+                <a:rPr lang="en-US" altLang="zh-CN" sz="2800" b="1" kern="0" dirty="0">
                   <a:solidFill>
                     <a:schemeClr val="tx2"/>
                   </a:solidFill>
@@ -15902,7 +16434,7 @@
                 </a:rPr>
                 <a:t>3</a:t>
               </a:r>
-              <a:endParaRPr lang="zh-CN" altLang="en-US" sz="2799" b="1" kern="0" dirty="0">
+              <a:endParaRPr lang="zh-CN" altLang="en-US" sz="2800" b="1" kern="0" dirty="0">
                 <a:solidFill>
                   <a:schemeClr val="tx2"/>
                 </a:solidFill>
@@ -16068,7 +16600,7 @@
           <a:p>
             <a:pPr eaLnBrk="1" hangingPunct="1"/>
             <a:r>
-              <a:rPr lang="zh-Hans" altLang="en-US" sz="3064" kern="0" dirty="0">
+              <a:rPr lang="en-US" altLang="en-US" sz="3065" kern="0" dirty="0">
                 <a:solidFill>
                   <a:srgbClr val="FFFFFF"/>
                 </a:solidFill>
@@ -16079,7 +16611,7 @@
               </a:rPr>
               <a:t>编码规范</a:t>
             </a:r>
-            <a:endParaRPr lang="zh-CN" altLang="en-US" sz="3064" kern="0" dirty="0">
+            <a:endParaRPr lang="zh-CN" altLang="en-US" sz="3065" kern="0" dirty="0">
               <a:solidFill>
                 <a:srgbClr val="FFFFFF"/>
               </a:solidFill>
@@ -16244,7 +16776,7 @@
           <a:p>
             <a:pPr eaLnBrk="1" hangingPunct="1"/>
             <a:r>
-              <a:rPr lang="zh-Hans" altLang="en-US" sz="3064" kern="0" dirty="0">
+              <a:rPr lang="en-US" altLang="en-US" sz="3065" kern="0" dirty="0">
                 <a:solidFill>
                   <a:srgbClr val="FFFFFF"/>
                 </a:solidFill>
@@ -16255,7 +16787,7 @@
               </a:rPr>
               <a:t>测试计划</a:t>
             </a:r>
-            <a:endParaRPr lang="zh-CN" altLang="en-US" sz="3064" kern="0" dirty="0">
+            <a:endParaRPr lang="zh-CN" altLang="en-US" sz="3065" kern="0" dirty="0">
               <a:solidFill>
                 <a:srgbClr val="FFFFFF"/>
               </a:solidFill>
@@ -16420,7 +16952,7 @@
           <a:p>
             <a:pPr eaLnBrk="1" hangingPunct="1"/>
             <a:r>
-              <a:rPr lang="zh-Hans" altLang="en-US" sz="3064" kern="0" dirty="0">
+              <a:rPr lang="en-US" altLang="en-US" sz="3065" kern="0" dirty="0">
                 <a:solidFill>
                   <a:srgbClr val="FFFFFF"/>
                 </a:solidFill>
@@ -16431,7 +16963,7 @@
               </a:rPr>
               <a:t>详细设计说明书</a:t>
             </a:r>
-            <a:endParaRPr lang="zh-CN" altLang="en-US" sz="3064" kern="0" dirty="0">
+            <a:endParaRPr lang="zh-CN" altLang="en-US" sz="3065" kern="0" dirty="0">
               <a:solidFill>
                 <a:srgbClr val="FFFFFF"/>
               </a:solidFill>
@@ -16568,7 +17100,7 @@
           <a:bodyPr lIns="91392" tIns="45695" rIns="91392" bIns="45695"/>
           <a:lstStyle/>
           <a:p>
-            <a:endParaRPr lang="zh-CN" altLang="en-US" sz="2799" kern="0">
+            <a:endParaRPr lang="zh-CN" altLang="en-US" sz="2800" kern="0">
               <a:solidFill>
                 <a:sysClr val="windowText" lastClr="000000"/>
               </a:solidFill>
@@ -16731,7 +17263,7 @@
           <a:p>
             <a:pPr eaLnBrk="1" hangingPunct="1"/>
             <a:r>
-              <a:rPr lang="zh-Hans" altLang="en-US" sz="3064" kern="0" dirty="0">
+              <a:rPr lang="en-US" altLang="en-US" sz="3065" kern="0" dirty="0">
                 <a:solidFill>
                   <a:srgbClr val="FFFFFF"/>
                 </a:solidFill>
@@ -16742,7 +17274,7 @@
               </a:rPr>
               <a:t>测试结果</a:t>
             </a:r>
-            <a:endParaRPr lang="zh-CN" altLang="en-US" sz="3064" kern="0" dirty="0">
+            <a:endParaRPr lang="zh-CN" altLang="en-US" sz="3065" kern="0" dirty="0">
               <a:solidFill>
                 <a:srgbClr val="FFFFFF"/>
               </a:solidFill>
@@ -16756,13 +17288,7 @@
       </p:sp>
       <p:sp>
         <p:nvSpPr>
-          <p:cNvPr id="30" name="Freeform 10_10">
-            <a:extLst>
-              <a:ext uri="{FF2B5EF4-FFF2-40B4-BE49-F238E27FC236}">
-                <a16:creationId xmlns:a16="http://schemas.microsoft.com/office/drawing/2014/main" id="{22D37FF8-6F7A-D341-AD42-9AB1D5F562D7}"/>
-              </a:ext>
-            </a:extLst>
-          </p:cNvPr>
+          <p:cNvPr id="30" name="Freeform 10_10"/>
           <p:cNvSpPr/>
           <p:nvPr/>
         </p:nvSpPr>
@@ -16885,7 +17411,7 @@
           <a:bodyPr lIns="91392" tIns="45695" rIns="91392" bIns="45695"/>
           <a:lstStyle/>
           <a:p>
-            <a:endParaRPr lang="zh-CN" altLang="en-US" sz="2799" kern="0" dirty="0">
+            <a:endParaRPr lang="zh-CN" altLang="en-US" sz="2800" kern="0" dirty="0">
               <a:solidFill>
                 <a:sysClr val="windowText" lastClr="000000"/>
               </a:solidFill>
@@ -16897,13 +17423,7 @@
       </p:sp>
       <p:sp>
         <p:nvSpPr>
-          <p:cNvPr id="31" name="TextBox 93">
-            <a:extLst>
-              <a:ext uri="{FF2B5EF4-FFF2-40B4-BE49-F238E27FC236}">
-                <a16:creationId xmlns:a16="http://schemas.microsoft.com/office/drawing/2014/main" id="{8517E34A-1D2E-0149-A97F-26D7E58AC4B8}"/>
-              </a:ext>
-            </a:extLst>
-          </p:cNvPr>
+          <p:cNvPr id="31" name="TextBox 93"/>
           <p:cNvSpPr txBox="1">
             <a:spLocks noChangeArrowheads="1"/>
           </p:cNvSpPr>
@@ -17054,7 +17574,7 @@
           <a:p>
             <a:pPr eaLnBrk="1" hangingPunct="1"/>
             <a:r>
-              <a:rPr lang="zh-Hans" altLang="en-US" sz="3064" kern="0" dirty="0">
+              <a:rPr lang="en-US" altLang="en-US" sz="3065" kern="0" dirty="0">
                 <a:solidFill>
                   <a:srgbClr val="FFFFFF"/>
                 </a:solidFill>
@@ -17063,7 +17583,7 @@
               </a:rPr>
               <a:t>项目计划</a:t>
             </a:r>
-            <a:endParaRPr lang="zh-CN" altLang="en-US" sz="3064" kern="0" dirty="0">
+            <a:endParaRPr lang="zh-CN" altLang="en-US" sz="3065" kern="0" dirty="0">
               <a:solidFill>
                 <a:srgbClr val="FFFFFF"/>
               </a:solidFill>
@@ -17075,13 +17595,7 @@
       </p:sp>
       <p:grpSp>
         <p:nvGrpSpPr>
-          <p:cNvPr id="33" name="组合 71">
-            <a:extLst>
-              <a:ext uri="{FF2B5EF4-FFF2-40B4-BE49-F238E27FC236}">
-                <a16:creationId xmlns:a16="http://schemas.microsoft.com/office/drawing/2014/main" id="{995277C0-FDD3-4B47-88AD-DC02EB729FD9}"/>
-              </a:ext>
-            </a:extLst>
-          </p:cNvPr>
+          <p:cNvPr id="33" name="组合 71"/>
           <p:cNvGrpSpPr/>
           <p:nvPr/>
         </p:nvGrpSpPr>
@@ -17098,13 +17612,7 @@
         </p:grpSpPr>
         <p:sp>
           <p:nvSpPr>
-            <p:cNvPr id="34" name="Oval 16">
-              <a:extLst>
-                <a:ext uri="{FF2B5EF4-FFF2-40B4-BE49-F238E27FC236}">
-                  <a16:creationId xmlns:a16="http://schemas.microsoft.com/office/drawing/2014/main" id="{7BFDA92B-C948-BB41-935D-BEE9CFB9146A}"/>
-                </a:ext>
-              </a:extLst>
-            </p:cNvPr>
+            <p:cNvPr id="34" name="Oval 16"/>
             <p:cNvSpPr>
               <a:spLocks noChangeArrowheads="1"/>
             </p:cNvSpPr>
@@ -17137,7 +17645,7 @@
             <a:bodyPr/>
             <a:lstStyle/>
             <a:p>
-              <a:endParaRPr lang="zh-CN" altLang="en-US" sz="2799" kern="0">
+              <a:endParaRPr lang="zh-CN" altLang="en-US" sz="2800" kern="0">
                 <a:solidFill>
                   <a:schemeClr val="tx2"/>
                 </a:solidFill>
@@ -17149,13 +17657,7 @@
         </p:sp>
         <p:sp>
           <p:nvSpPr>
-            <p:cNvPr id="35" name="TextBox 78">
-              <a:extLst>
-                <a:ext uri="{FF2B5EF4-FFF2-40B4-BE49-F238E27FC236}">
-                  <a16:creationId xmlns:a16="http://schemas.microsoft.com/office/drawing/2014/main" id="{51ED38E0-8DCF-A74F-A598-F505E4B87329}"/>
-                </a:ext>
-              </a:extLst>
-            </p:cNvPr>
+            <p:cNvPr id="35" name="TextBox 78"/>
             <p:cNvSpPr txBox="1">
               <a:spLocks noChangeArrowheads="1"/>
             </p:cNvSpPr>
@@ -17304,7 +17806,7 @@
             <a:p>
               <a:pPr eaLnBrk="1" hangingPunct="1"/>
               <a:r>
-                <a:rPr lang="en-US" altLang="zh-CN" sz="2799" b="1" kern="0" dirty="0">
+                <a:rPr lang="en-US" altLang="zh-CN" sz="2800" b="1" kern="0" dirty="0">
                   <a:solidFill>
                     <a:schemeClr val="tx2"/>
                   </a:solidFill>
@@ -17315,19 +17817,22 @@
                 </a:rPr>
                 <a:t>4</a:t>
               </a:r>
+              <a:endParaRPr lang="en-US" altLang="zh-CN" sz="2800" b="1" kern="0" dirty="0">
+                <a:solidFill>
+                  <a:schemeClr val="tx2"/>
+                </a:solidFill>
+                <a:latin typeface="+mn-lt"/>
+                <a:ea typeface="+mn-ea"/>
+                <a:cs typeface="+mn-ea"/>
+                <a:sym typeface="+mn-lt"/>
+              </a:endParaRPr>
             </a:p>
           </p:txBody>
         </p:sp>
       </p:grpSp>
       <p:sp>
         <p:nvSpPr>
-          <p:cNvPr id="36" name="Freeform 10_10">
-            <a:extLst>
-              <a:ext uri="{FF2B5EF4-FFF2-40B4-BE49-F238E27FC236}">
-                <a16:creationId xmlns:a16="http://schemas.microsoft.com/office/drawing/2014/main" id="{FC64FA3F-733B-9348-A0A4-222EE60A8EE8}"/>
-              </a:ext>
-            </a:extLst>
-          </p:cNvPr>
+          <p:cNvPr id="36" name="Freeform 10_10"/>
           <p:cNvSpPr/>
           <p:nvPr/>
         </p:nvSpPr>
@@ -17450,7 +17955,7 @@
           <a:bodyPr lIns="91392" tIns="45695" rIns="91392" bIns="45695"/>
           <a:lstStyle/>
           <a:p>
-            <a:endParaRPr lang="zh-CN" altLang="en-US" sz="2799" kern="0" dirty="0">
+            <a:endParaRPr lang="zh-CN" altLang="en-US" sz="2800" kern="0" dirty="0">
               <a:solidFill>
                 <a:sysClr val="windowText" lastClr="000000"/>
               </a:solidFill>
@@ -17512,7 +18017,7 @@
             <a:bodyPr/>
             <a:lstStyle/>
             <a:p>
-              <a:endParaRPr lang="zh-CN" altLang="en-US" sz="2799" kern="0">
+              <a:endParaRPr lang="zh-CN" altLang="en-US" sz="2800" kern="0">
                 <a:solidFill>
                   <a:schemeClr val="tx2"/>
                 </a:solidFill>
@@ -17673,7 +18178,7 @@
             <a:p>
               <a:pPr eaLnBrk="1" hangingPunct="1"/>
               <a:r>
-                <a:rPr lang="en-US" altLang="zh-Hans" sz="2799" b="1" kern="0" dirty="0">
+                <a:rPr lang="en-US" altLang="en-US" sz="2800" b="1" kern="0" dirty="0">
                   <a:solidFill>
                     <a:schemeClr val="tx2"/>
                   </a:solidFill>
@@ -17684,7 +18189,7 @@
                 </a:rPr>
                 <a:t>5</a:t>
               </a:r>
-              <a:endParaRPr lang="en-US" altLang="zh-CN" sz="2799" b="1" kern="0" dirty="0">
+              <a:endParaRPr lang="en-US" altLang="zh-CN" sz="2800" b="1" kern="0" dirty="0">
                 <a:solidFill>
                   <a:schemeClr val="tx2"/>
                 </a:solidFill>
@@ -17699,13 +18204,7 @@
       </p:grpSp>
       <p:grpSp>
         <p:nvGrpSpPr>
-          <p:cNvPr id="37" name="组合 71">
-            <a:extLst>
-              <a:ext uri="{FF2B5EF4-FFF2-40B4-BE49-F238E27FC236}">
-                <a16:creationId xmlns:a16="http://schemas.microsoft.com/office/drawing/2014/main" id="{3B8553EE-B873-704E-B8DD-6829B4403FBB}"/>
-              </a:ext>
-            </a:extLst>
-          </p:cNvPr>
+          <p:cNvPr id="37" name="组合 71"/>
           <p:cNvGrpSpPr/>
           <p:nvPr/>
         </p:nvGrpSpPr>
@@ -17722,13 +18221,7 @@
         </p:grpSpPr>
         <p:sp>
           <p:nvSpPr>
-            <p:cNvPr id="38" name="Oval 16">
-              <a:extLst>
-                <a:ext uri="{FF2B5EF4-FFF2-40B4-BE49-F238E27FC236}">
-                  <a16:creationId xmlns:a16="http://schemas.microsoft.com/office/drawing/2014/main" id="{B955C321-12FD-5946-9109-28C80C96F121}"/>
-                </a:ext>
-              </a:extLst>
-            </p:cNvPr>
+            <p:cNvPr id="38" name="Oval 16"/>
             <p:cNvSpPr>
               <a:spLocks noChangeArrowheads="1"/>
             </p:cNvSpPr>
@@ -17761,7 +18254,7 @@
             <a:bodyPr/>
             <a:lstStyle/>
             <a:p>
-              <a:endParaRPr lang="zh-CN" altLang="en-US" sz="2799" kern="0">
+              <a:endParaRPr lang="zh-CN" altLang="en-US" sz="2800" kern="0">
                 <a:solidFill>
                   <a:schemeClr val="tx2"/>
                 </a:solidFill>
@@ -17773,13 +18266,7 @@
         </p:sp>
         <p:sp>
           <p:nvSpPr>
-            <p:cNvPr id="39" name="TextBox 78">
-              <a:extLst>
-                <a:ext uri="{FF2B5EF4-FFF2-40B4-BE49-F238E27FC236}">
-                  <a16:creationId xmlns:a16="http://schemas.microsoft.com/office/drawing/2014/main" id="{33F9CFE0-D6AF-B948-85B0-B98A560DD2B4}"/>
-                </a:ext>
-              </a:extLst>
-            </p:cNvPr>
+            <p:cNvPr id="39" name="TextBox 78"/>
             <p:cNvSpPr txBox="1">
               <a:spLocks noChangeArrowheads="1"/>
             </p:cNvSpPr>
@@ -17928,7 +18415,7 @@
             <a:p>
               <a:pPr eaLnBrk="1" hangingPunct="1"/>
               <a:r>
-                <a:rPr lang="en-US" altLang="zh-Hans" sz="2799" b="1" kern="0" dirty="0">
+                <a:rPr lang="en-US" altLang="en-US" sz="2800" b="1" kern="0" dirty="0">
                   <a:solidFill>
                     <a:schemeClr val="tx2"/>
                   </a:solidFill>
@@ -17939,7 +18426,7 @@
                 </a:rPr>
                 <a:t>6</a:t>
               </a:r>
-              <a:endParaRPr lang="en-US" altLang="zh-CN" sz="2799" b="1" kern="0" dirty="0">
+              <a:endParaRPr lang="en-US" altLang="zh-CN" sz="2800" b="1" kern="0" dirty="0">
                 <a:solidFill>
                   <a:schemeClr val="tx2"/>
                 </a:solidFill>
@@ -17954,13 +18441,7 @@
       </p:grpSp>
       <p:sp>
         <p:nvSpPr>
-          <p:cNvPr id="40" name="TextBox 93">
-            <a:extLst>
-              <a:ext uri="{FF2B5EF4-FFF2-40B4-BE49-F238E27FC236}">
-                <a16:creationId xmlns:a16="http://schemas.microsoft.com/office/drawing/2014/main" id="{8AA8FF74-272B-B841-A7F8-DB6D4B012306}"/>
-              </a:ext>
-            </a:extLst>
-          </p:cNvPr>
+          <p:cNvPr id="40" name="TextBox 93"/>
           <p:cNvSpPr txBox="1">
             <a:spLocks noChangeArrowheads="1"/>
           </p:cNvSpPr>
@@ -18111,7 +18592,7 @@
           <a:p>
             <a:pPr eaLnBrk="1" hangingPunct="1"/>
             <a:r>
-              <a:rPr lang="zh-Hans" altLang="en-US" sz="3064" kern="0" dirty="0">
+              <a:rPr lang="en-US" altLang="en-US" sz="3065" kern="0" dirty="0">
                 <a:solidFill>
                   <a:srgbClr val="FFFFFF"/>
                 </a:solidFill>
@@ -18122,7 +18603,7 @@
               </a:rPr>
               <a:t>用户手册</a:t>
             </a:r>
-            <a:endParaRPr lang="zh-CN" altLang="en-US" sz="3064" kern="0" dirty="0">
+            <a:endParaRPr lang="zh-CN" altLang="en-US" sz="3065" kern="0" dirty="0">
               <a:solidFill>
                 <a:srgbClr val="FFFFFF"/>
               </a:solidFill>
@@ -18136,13 +18617,7 @@
       </p:sp>
       <p:sp>
         <p:nvSpPr>
-          <p:cNvPr id="41" name="Freeform 10_10">
-            <a:extLst>
-              <a:ext uri="{FF2B5EF4-FFF2-40B4-BE49-F238E27FC236}">
-                <a16:creationId xmlns:a16="http://schemas.microsoft.com/office/drawing/2014/main" id="{F093838E-054C-5844-8AB6-7D084B36846A}"/>
-              </a:ext>
-            </a:extLst>
-          </p:cNvPr>
+          <p:cNvPr id="41" name="Freeform 10_10"/>
           <p:cNvSpPr/>
           <p:nvPr/>
         </p:nvSpPr>
@@ -18265,7 +18740,7 @@
           <a:bodyPr lIns="91392" tIns="45695" rIns="91392" bIns="45695"/>
           <a:lstStyle/>
           <a:p>
-            <a:endParaRPr lang="zh-CN" altLang="en-US" sz="2799" kern="0" dirty="0">
+            <a:endParaRPr lang="zh-CN" altLang="en-US" sz="2800" kern="0" dirty="0">
               <a:solidFill>
                 <a:sysClr val="windowText" lastClr="000000"/>
               </a:solidFill>
@@ -18277,13 +18752,7 @@
       </p:sp>
       <p:sp>
         <p:nvSpPr>
-          <p:cNvPr id="42" name="TextBox 93">
-            <a:extLst>
-              <a:ext uri="{FF2B5EF4-FFF2-40B4-BE49-F238E27FC236}">
-                <a16:creationId xmlns:a16="http://schemas.microsoft.com/office/drawing/2014/main" id="{B7278D77-A5A3-DD4D-98EE-8AB93AC2B6A5}"/>
-              </a:ext>
-            </a:extLst>
-          </p:cNvPr>
+          <p:cNvPr id="42" name="TextBox 93"/>
           <p:cNvSpPr txBox="1">
             <a:spLocks noChangeArrowheads="1"/>
           </p:cNvSpPr>
@@ -18434,7 +18903,7 @@
           <a:p>
             <a:pPr eaLnBrk="1" hangingPunct="1"/>
             <a:r>
-              <a:rPr lang="zh-Hans" altLang="en-US" sz="3064" kern="0" dirty="0">
+              <a:rPr lang="en-US" altLang="en-US" sz="3065" kern="0" dirty="0">
                 <a:solidFill>
                   <a:srgbClr val="FFFFFF"/>
                 </a:solidFill>
@@ -18445,7 +18914,7 @@
               </a:rPr>
               <a:t>项目总结</a:t>
             </a:r>
-            <a:endParaRPr lang="zh-CN" altLang="en-US" sz="3064" kern="0" dirty="0">
+            <a:endParaRPr lang="zh-CN" altLang="en-US" sz="3065" kern="0" dirty="0">
               <a:solidFill>
                 <a:srgbClr val="FFFFFF"/>
               </a:solidFill>
@@ -18459,13 +18928,7 @@
       </p:sp>
       <p:grpSp>
         <p:nvGrpSpPr>
-          <p:cNvPr id="43" name="组合 71">
-            <a:extLst>
-              <a:ext uri="{FF2B5EF4-FFF2-40B4-BE49-F238E27FC236}">
-                <a16:creationId xmlns:a16="http://schemas.microsoft.com/office/drawing/2014/main" id="{F63DFCD8-5F90-9749-9948-E386B434F191}"/>
-              </a:ext>
-            </a:extLst>
-          </p:cNvPr>
+          <p:cNvPr id="43" name="组合 71"/>
           <p:cNvGrpSpPr/>
           <p:nvPr/>
         </p:nvGrpSpPr>
@@ -18482,13 +18945,7 @@
         </p:grpSpPr>
         <p:sp>
           <p:nvSpPr>
-            <p:cNvPr id="44" name="Oval 16">
-              <a:extLst>
-                <a:ext uri="{FF2B5EF4-FFF2-40B4-BE49-F238E27FC236}">
-                  <a16:creationId xmlns:a16="http://schemas.microsoft.com/office/drawing/2014/main" id="{01C402EA-1104-B847-A65F-660DB042B499}"/>
-                </a:ext>
-              </a:extLst>
-            </p:cNvPr>
+            <p:cNvPr id="44" name="Oval 16"/>
             <p:cNvSpPr>
               <a:spLocks noChangeArrowheads="1"/>
             </p:cNvSpPr>
@@ -18521,7 +18978,7 @@
             <a:bodyPr/>
             <a:lstStyle/>
             <a:p>
-              <a:endParaRPr lang="zh-CN" altLang="en-US" sz="2799" kern="0">
+              <a:endParaRPr lang="zh-CN" altLang="en-US" sz="2800" kern="0">
                 <a:solidFill>
                   <a:schemeClr val="tx2"/>
                 </a:solidFill>
@@ -18533,13 +18990,7 @@
         </p:sp>
         <p:sp>
           <p:nvSpPr>
-            <p:cNvPr id="45" name="TextBox 78">
-              <a:extLst>
-                <a:ext uri="{FF2B5EF4-FFF2-40B4-BE49-F238E27FC236}">
-                  <a16:creationId xmlns:a16="http://schemas.microsoft.com/office/drawing/2014/main" id="{296204D2-3243-534B-967B-6BB6ACD8BBEE}"/>
-                </a:ext>
-              </a:extLst>
-            </p:cNvPr>
+            <p:cNvPr id="45" name="TextBox 78"/>
             <p:cNvSpPr txBox="1">
               <a:spLocks noChangeArrowheads="1"/>
             </p:cNvSpPr>
@@ -18688,7 +19139,7 @@
             <a:p>
               <a:pPr eaLnBrk="1" hangingPunct="1"/>
               <a:r>
-                <a:rPr lang="en-US" altLang="zh-Hans" sz="2799" b="1" kern="0" dirty="0">
+                <a:rPr lang="en-US" altLang="en-US" sz="2800" b="1" kern="0" dirty="0">
                   <a:solidFill>
                     <a:schemeClr val="tx2"/>
                   </a:solidFill>
@@ -18699,7 +19150,7 @@
                 </a:rPr>
                 <a:t>7</a:t>
               </a:r>
-              <a:endParaRPr lang="en-US" altLang="zh-CN" sz="2799" b="1" kern="0" dirty="0">
+              <a:endParaRPr lang="en-US" altLang="zh-CN" sz="2800" b="1" kern="0" dirty="0">
                 <a:solidFill>
                   <a:schemeClr val="tx2"/>
                 </a:solidFill>
@@ -18713,20 +19164,15 @@
         </p:sp>
       </p:grpSp>
     </p:spTree>
-    <p:extLst>
-      <p:ext uri="{BB962C8B-B14F-4D97-AF65-F5344CB8AC3E}">
-        <p14:creationId xmlns:p14="http://schemas.microsoft.com/office/powerpoint/2010/main" val="2894755766"/>
-      </p:ext>
-    </p:extLst>
   </p:cSld>
   <p:clrMapOvr>
     <a:masterClrMapping/>
   </p:clrMapOvr>
-  <mc:AlternateContent xmlns:mc="http://schemas.openxmlformats.org/markup-compatibility/2006" xmlns:p14="http://schemas.microsoft.com/office/powerpoint/2010/main">
-    <mc:Choice Requires="p14">
+  <mc:AlternateContent xmlns:mc="http://schemas.openxmlformats.org/markup-compatibility/2006">
+    <mc:Choice xmlns:p14="http://schemas.microsoft.com/office/powerpoint/2010/main" Requires="p14">
       <p:transition spd="slow" p14:dur="2000" advClick="0" advTm="0"/>
     </mc:Choice>
-    <mc:Fallback xmlns="">
+    <mc:Fallback>
       <p:transition spd="slow" advClick="0" advTm="0"/>
     </mc:Fallback>
   </mc:AlternateContent>
@@ -19190,7 +19636,7 @@
                         <p:par>
                           <p:cTn id="38" fill="hold">
                             <p:stCondLst>
-                              <p:cond delay="2700"/>
+                              <p:cond delay="2500"/>
                             </p:stCondLst>
                             <p:childTnLst>
                               <p:par>
@@ -19397,7 +19843,7 @@
                         <p:par>
                           <p:cTn id="54" fill="hold">
                             <p:stCondLst>
-                              <p:cond delay="3900"/>
+                              <p:cond delay="3500"/>
                             </p:stCondLst>
                             <p:childTnLst>
                               <p:par>
@@ -20369,7 +20815,7 @@
           <a:p>
             <a:pPr algn="ctr"/>
             <a:r>
-              <a:rPr lang="en-US" altLang="zh-Hans" sz="2400" dirty="0"/>
+              <a:rPr lang="en-US" altLang="en-US" sz="2400" dirty="0"/>
               <a:t>1</a:t>
             </a:r>
             <a:endParaRPr lang="en-US" sz="2400" dirty="0"/>
@@ -20399,7 +20845,7 @@
           <a:lstStyle/>
           <a:p>
             <a:r>
-              <a:rPr lang="zh-Hans" altLang="en-US" sz="2665" dirty="0">
+              <a:rPr lang="en-US" altLang="en-US" sz="2665" dirty="0">
                 <a:solidFill>
                   <a:srgbClr val="183A5D"/>
                 </a:solidFill>
@@ -20420,20 +20866,14 @@
       </p:sp>
       <p:pic>
         <p:nvPicPr>
-          <p:cNvPr id="8" name="图片 7">
-            <a:extLst>
-              <a:ext uri="{FF2B5EF4-FFF2-40B4-BE49-F238E27FC236}">
-                <a16:creationId xmlns:a16="http://schemas.microsoft.com/office/drawing/2014/main" id="{40D17F42-5EC7-EB45-820A-DBDB15A3F141}"/>
-              </a:ext>
-            </a:extLst>
-          </p:cNvPr>
+          <p:cNvPr id="8" name="图片 7"/>
           <p:cNvPicPr>
             <a:picLocks noChangeAspect="1"/>
           </p:cNvPicPr>
           <p:nvPr/>
         </p:nvPicPr>
         <p:blipFill>
-          <a:blip r:embed="rId2"/>
+          <a:blip r:embed="rId1"/>
           <a:stretch>
             <a:fillRect/>
           </a:stretch>
@@ -20565,7 +21005,7 @@
           <a:p>
             <a:pPr algn="ctr"/>
             <a:r>
-              <a:rPr lang="en-US" altLang="zh-Hans" sz="2400" dirty="0"/>
+              <a:rPr lang="en-US" altLang="en-US" sz="2400" dirty="0"/>
               <a:t>1</a:t>
             </a:r>
             <a:endParaRPr lang="en-US" sz="2400" dirty="0"/>
@@ -20595,7 +21035,7 @@
           <a:lstStyle/>
           <a:p>
             <a:r>
-              <a:rPr lang="zh-Hans" altLang="en-US" sz="2665" dirty="0">
+              <a:rPr lang="en-US" altLang="en-US" sz="2665" dirty="0">
                 <a:solidFill>
                   <a:srgbClr val="183A5D"/>
                 </a:solidFill>
@@ -20616,20 +21056,14 @@
       </p:sp>
       <p:pic>
         <p:nvPicPr>
-          <p:cNvPr id="7" name="图片 6">
-            <a:extLst>
-              <a:ext uri="{FF2B5EF4-FFF2-40B4-BE49-F238E27FC236}">
-                <a16:creationId xmlns:a16="http://schemas.microsoft.com/office/drawing/2014/main" id="{1E7FC9F9-EE60-4A44-A8A7-1E36906C3750}"/>
-              </a:ext>
-            </a:extLst>
-          </p:cNvPr>
+          <p:cNvPr id="7" name="图片 6"/>
           <p:cNvPicPr>
             <a:picLocks noChangeAspect="1"/>
           </p:cNvPicPr>
           <p:nvPr/>
         </p:nvPicPr>
         <p:blipFill>
-          <a:blip r:embed="rId2"/>
+          <a:blip r:embed="rId1"/>
           <a:stretch>
             <a:fillRect/>
           </a:stretch>
@@ -20645,11 +21079,6 @@
         </p:spPr>
       </p:pic>
     </p:spTree>
-    <p:extLst>
-      <p:ext uri="{BB962C8B-B14F-4D97-AF65-F5344CB8AC3E}">
-        <p14:creationId xmlns:p14="http://schemas.microsoft.com/office/powerpoint/2010/main" val="3995810334"/>
-      </p:ext>
-    </p:extLst>
   </p:cSld>
   <p:clrMapOvr>
     <a:masterClrMapping/>
@@ -20766,7 +21195,7 @@
           <a:p>
             <a:pPr algn="ctr"/>
             <a:r>
-              <a:rPr lang="en-US" altLang="zh-Hans" sz="2400" dirty="0"/>
+              <a:rPr lang="en-US" altLang="en-US" sz="2400" dirty="0"/>
               <a:t>2</a:t>
             </a:r>
             <a:endParaRPr lang="en-US" sz="2400" dirty="0"/>
@@ -20796,36 +21225,16 @@
           <a:lstStyle/>
           <a:p>
             <a:r>
-              <a:rPr lang="zh-Hans" altLang="en-US" sz="2665" dirty="0">
+              <a:rPr lang="en-US" altLang="en-US" sz="2665" dirty="0">
                 <a:solidFill>
                   <a:srgbClr val="183A5D"/>
                 </a:solidFill>
                 <a:latin typeface="微软雅黑" panose="020B0503020204020204" pitchFamily="34" charset="-122"/>
                 <a:ea typeface="微软雅黑" panose="020B0503020204020204" pitchFamily="34" charset="-122"/>
               </a:rPr>
-              <a:t>测试计划</a:t>
+              <a:t>测试计划—单元测试(junit4.12)</a:t>
             </a:r>
-            <a:r>
-              <a:rPr lang="en-US" altLang="zh-Hans" sz="2665" dirty="0">
-                <a:solidFill>
-                  <a:srgbClr val="183A5D"/>
-                </a:solidFill>
-                <a:latin typeface="微软雅黑" panose="020B0503020204020204" pitchFamily="34" charset="-122"/>
-                <a:ea typeface="微软雅黑" panose="020B0503020204020204" pitchFamily="34" charset="-122"/>
-              </a:rPr>
-              <a:t>—</a:t>
-            </a:r>
-            <a:r>
-              <a:rPr lang="zh-Hans" altLang="en-US" sz="2665" dirty="0">
-                <a:solidFill>
-                  <a:srgbClr val="183A5D"/>
-                </a:solidFill>
-                <a:latin typeface="微软雅黑" panose="020B0503020204020204" pitchFamily="34" charset="-122"/>
-                <a:ea typeface="微软雅黑" panose="020B0503020204020204" pitchFamily="34" charset="-122"/>
-              </a:rPr>
-              <a:t>单元测试用例</a:t>
-            </a:r>
-            <a:endParaRPr lang="zh-CN" sz="2665" dirty="0">
+            <a:endParaRPr lang="en-US" altLang="en-US" sz="2665" dirty="0">
               <a:solidFill>
                 <a:srgbClr val="183A5D"/>
               </a:solidFill>
@@ -20835,385 +21244,145 @@
           </a:p>
         </p:txBody>
       </p:sp>
-      <p:graphicFrame>
-        <p:nvGraphicFramePr>
-          <p:cNvPr id="8" name="表格 7">
-            <a:extLst>
-              <a:ext uri="{FF2B5EF4-FFF2-40B4-BE49-F238E27FC236}">
-                <a16:creationId xmlns:a16="http://schemas.microsoft.com/office/drawing/2014/main" id="{A6369F71-757A-0444-BA07-38A6638B09C1}"/>
-              </a:ext>
-            </a:extLst>
-          </p:cNvPr>
-          <p:cNvGraphicFramePr>
-            <a:graphicFrameLocks noGrp="1"/>
-          </p:cNvGraphicFramePr>
-          <p:nvPr>
-            <p:extLst>
-              <p:ext uri="{D42A27DB-BD31-4B8C-83A1-F6EECF244321}">
-                <p14:modId xmlns:p14="http://schemas.microsoft.com/office/powerpoint/2010/main" val="2257125765"/>
-              </p:ext>
-            </p:extLst>
-          </p:nvPr>
-        </p:nvGraphicFramePr>
-        <p:xfrm>
-          <a:off x="1358537" y="779837"/>
-          <a:ext cx="9222377" cy="5620964"/>
-        </p:xfrm>
-        <a:graphic>
-          <a:graphicData uri="http://schemas.openxmlformats.org/drawingml/2006/table">
-            <a:tbl>
-              <a:tblPr firstRow="1" firstCol="1" bandRow="1">
-                <a:tableStyleId>{5C22544A-7EE6-4342-B048-85BDC9FD1C3A}</a:tableStyleId>
-              </a:tblPr>
-              <a:tblGrid>
-                <a:gridCol w="3705716">
-                  <a:extLst>
-                    <a:ext uri="{9D8B030D-6E8A-4147-A177-3AD203B41FA5}">
-                      <a16:colId xmlns:a16="http://schemas.microsoft.com/office/drawing/2014/main" val="1718962802"/>
-                    </a:ext>
-                  </a:extLst>
-                </a:gridCol>
-                <a:gridCol w="5516661">
-                  <a:extLst>
-                    <a:ext uri="{9D8B030D-6E8A-4147-A177-3AD203B41FA5}">
-                      <a16:colId xmlns:a16="http://schemas.microsoft.com/office/drawing/2014/main" val="1760855077"/>
-                    </a:ext>
-                  </a:extLst>
-                </a:gridCol>
-              </a:tblGrid>
-              <a:tr h="1331409">
-                <a:tc>
-                  <a:txBody>
-                    <a:bodyPr/>
-                    <a:lstStyle/>
-                    <a:p>
-                      <a:pPr indent="267970" algn="just">
-                        <a:spcAft>
-                          <a:spcPts val="0"/>
-                        </a:spcAft>
-                      </a:pPr>
-                      <a:r>
-                        <a:rPr lang="zh-Hans" altLang="en-US" sz="2400" kern="100" dirty="0">
-                          <a:effectLst/>
-                          <a:latin typeface="Calibri" panose="020F0502020204030204" pitchFamily="34" charset="0"/>
-                          <a:ea typeface="宋体" panose="02010600030101010101" pitchFamily="2" charset="-122"/>
-                          <a:cs typeface="Times New Roman" panose="02020603050405020304" pitchFamily="18" charset="0"/>
-                        </a:rPr>
-                        <a:t>模块</a:t>
-                      </a:r>
-                      <a:endParaRPr lang="zh-CN" sz="2400" kern="100" dirty="0">
-                        <a:effectLst/>
-                        <a:latin typeface="Calibri" panose="020F0502020204030204" pitchFamily="34" charset="0"/>
-                        <a:ea typeface="宋体" panose="02010600030101010101" pitchFamily="2" charset="-122"/>
-                        <a:cs typeface="Times New Roman" panose="02020603050405020304" pitchFamily="18" charset="0"/>
-                      </a:endParaRPr>
-                    </a:p>
-                  </a:txBody>
-                  <a:tcPr marL="68580" marR="68580" marT="0" marB="0"/>
-                </a:tc>
-                <a:tc>
-                  <a:txBody>
-                    <a:bodyPr/>
-                    <a:lstStyle/>
-                    <a:p>
-                      <a:pPr indent="267970" algn="just">
-                        <a:spcAft>
-                          <a:spcPts val="0"/>
-                        </a:spcAft>
-                      </a:pPr>
-                      <a:r>
-                        <a:rPr lang="zh-Hans" altLang="en-US" sz="2400" kern="100" dirty="0">
-                          <a:effectLst/>
-                          <a:latin typeface="Calibri" panose="020F0502020204030204" pitchFamily="34" charset="0"/>
-                          <a:ea typeface="宋体" panose="02010600030101010101" pitchFamily="2" charset="-122"/>
-                          <a:cs typeface="Times New Roman" panose="02020603050405020304" pitchFamily="18" charset="0"/>
-                        </a:rPr>
-                        <a:t>测试用例</a:t>
-                      </a:r>
-                      <a:endParaRPr lang="zh-CN" sz="2400" kern="100" dirty="0">
-                        <a:effectLst/>
-                        <a:latin typeface="Calibri" panose="020F0502020204030204" pitchFamily="34" charset="0"/>
-                        <a:ea typeface="宋体" panose="02010600030101010101" pitchFamily="2" charset="-122"/>
-                        <a:cs typeface="Times New Roman" panose="02020603050405020304" pitchFamily="18" charset="0"/>
-                      </a:endParaRPr>
-                    </a:p>
-                  </a:txBody>
-                  <a:tcPr marL="68580" marR="68580" marT="0" marB="0"/>
-                </a:tc>
-                <a:extLst>
-                  <a:ext uri="{0D108BD9-81ED-4DB2-BD59-A6C34878D82A}">
-                    <a16:rowId xmlns:a16="http://schemas.microsoft.com/office/drawing/2014/main" val="2677502148"/>
-                  </a:ext>
-                </a:extLst>
-              </a:tr>
-              <a:tr h="1626737">
-                <a:tc>
-                  <a:txBody>
-                    <a:bodyPr/>
-                    <a:lstStyle/>
-                    <a:p>
-                      <a:pPr algn="just">
-                        <a:spcAft>
-                          <a:spcPts val="0"/>
-                        </a:spcAft>
-                      </a:pPr>
-                      <a:r>
-                        <a:rPr lang="zh-Hans" altLang="en-US" sz="2400" kern="100" dirty="0">
-                          <a:effectLst/>
-                          <a:latin typeface="Calibri" panose="020F0502020204030204" pitchFamily="34" charset="0"/>
-                          <a:ea typeface="宋体" panose="02010600030101010101" pitchFamily="2" charset="-122"/>
-                          <a:cs typeface="Times New Roman" panose="02020603050405020304" pitchFamily="18" charset="0"/>
-                        </a:rPr>
-                        <a:t>数据库入库</a:t>
-                      </a:r>
-                      <a:endParaRPr lang="zh-CN" sz="2400" kern="100" dirty="0">
-                        <a:effectLst/>
-                        <a:latin typeface="Calibri" panose="020F0502020204030204" pitchFamily="34" charset="0"/>
-                        <a:ea typeface="宋体" panose="02010600030101010101" pitchFamily="2" charset="-122"/>
-                        <a:cs typeface="Times New Roman" panose="02020603050405020304" pitchFamily="18" charset="0"/>
-                      </a:endParaRPr>
-                    </a:p>
-                  </a:txBody>
-                  <a:tcPr marL="68580" marR="68580" marT="0" marB="0"/>
-                </a:tc>
-                <a:tc>
-                  <a:txBody>
-                    <a:bodyPr/>
-                    <a:lstStyle/>
-                    <a:p>
-                      <a:pPr algn="just">
-                        <a:spcAft>
-                          <a:spcPts val="0"/>
-                        </a:spcAft>
-                      </a:pPr>
-                      <a:r>
-                        <a:rPr lang="zh-Hans" altLang="en-US" sz="2400" kern="0" dirty="0">
-                          <a:effectLst/>
-                          <a:latin typeface="Calibri" panose="020F0502020204030204" pitchFamily="34" charset="0"/>
-                          <a:ea typeface="宋体" panose="02010600030101010101" pitchFamily="2" charset="-122"/>
-                          <a:cs typeface="Times New Roman" panose="02020603050405020304" pitchFamily="18" charset="0"/>
-                        </a:rPr>
-                        <a:t>     不同格式图片，以及酒信息中的长数据与短数据</a:t>
-                      </a:r>
-                      <a:endParaRPr lang="zh-CN" sz="2400" kern="100" dirty="0">
-                        <a:effectLst/>
-                        <a:latin typeface="Calibri" panose="020F0502020204030204" pitchFamily="34" charset="0"/>
-                        <a:ea typeface="宋体" panose="02010600030101010101" pitchFamily="2" charset="-122"/>
-                        <a:cs typeface="Times New Roman" panose="02020603050405020304" pitchFamily="18" charset="0"/>
-                      </a:endParaRPr>
-                    </a:p>
-                  </a:txBody>
-                  <a:tcPr marL="68580" marR="68580" marT="0" marB="0"/>
-                </a:tc>
-                <a:extLst>
-                  <a:ext uri="{0D108BD9-81ED-4DB2-BD59-A6C34878D82A}">
-                    <a16:rowId xmlns:a16="http://schemas.microsoft.com/office/drawing/2014/main" val="1756121574"/>
-                  </a:ext>
-                </a:extLst>
-              </a:tr>
-              <a:tr h="1331409">
-                <a:tc>
-                  <a:txBody>
-                    <a:bodyPr/>
-                    <a:lstStyle/>
-                    <a:p>
-                      <a:pPr algn="just">
-                        <a:spcAft>
-                          <a:spcPts val="0"/>
-                        </a:spcAft>
-                      </a:pPr>
-                      <a:r>
-                        <a:rPr lang="zh-Hans" altLang="en-US" sz="2400" kern="100" dirty="0">
-                          <a:effectLst/>
-                          <a:latin typeface="Calibri" panose="020F0502020204030204" pitchFamily="34" charset="0"/>
-                          <a:ea typeface="宋体" panose="02010600030101010101" pitchFamily="2" charset="-122"/>
-                          <a:cs typeface="Times New Roman" panose="02020603050405020304" pitchFamily="18" charset="0"/>
-                        </a:rPr>
-                        <a:t>图库入库</a:t>
-                      </a:r>
-                      <a:endParaRPr lang="zh-CN" sz="2400" kern="100" dirty="0">
-                        <a:effectLst/>
-                        <a:latin typeface="Calibri" panose="020F0502020204030204" pitchFamily="34" charset="0"/>
-                        <a:ea typeface="宋体" panose="02010600030101010101" pitchFamily="2" charset="-122"/>
-                        <a:cs typeface="Times New Roman" panose="02020603050405020304" pitchFamily="18" charset="0"/>
-                      </a:endParaRPr>
-                    </a:p>
-                  </a:txBody>
-                  <a:tcPr marL="68580" marR="68580" marT="0" marB="0"/>
-                </a:tc>
-                <a:tc>
-                  <a:txBody>
-                    <a:bodyPr/>
-                    <a:lstStyle/>
-                    <a:p>
-                      <a:pPr algn="just">
-                        <a:spcAft>
-                          <a:spcPts val="0"/>
-                        </a:spcAft>
-                      </a:pPr>
-                      <a:r>
-                        <a:rPr lang="zh-CN" altLang="en-US" sz="2400" kern="100" dirty="0">
-                          <a:effectLst/>
-                          <a:latin typeface="Calibri" panose="020F0502020204030204" pitchFamily="34" charset="0"/>
-                          <a:ea typeface="宋体" panose="02010600030101010101" pitchFamily="2" charset="-122"/>
-                          <a:cs typeface="Times New Roman" panose="02020603050405020304" pitchFamily="18" charset="0"/>
-                        </a:rPr>
-                        <a:t> </a:t>
-                      </a:r>
-                      <a:r>
-                        <a:rPr lang="zh-Hans" altLang="en-US" sz="2400" kern="100" dirty="0">
-                          <a:effectLst/>
-                          <a:latin typeface="Calibri" panose="020F0502020204030204" pitchFamily="34" charset="0"/>
-                          <a:ea typeface="宋体" panose="02010600030101010101" pitchFamily="2" charset="-122"/>
-                          <a:cs typeface="Times New Roman" panose="02020603050405020304" pitchFamily="18" charset="0"/>
-                        </a:rPr>
-                        <a:t>   不同格式的图片以及图片信息的大小</a:t>
-                      </a:r>
-                      <a:endParaRPr lang="zh-CN" sz="2400" kern="100" dirty="0">
-                        <a:effectLst/>
-                        <a:latin typeface="Calibri" panose="020F0502020204030204" pitchFamily="34" charset="0"/>
-                        <a:ea typeface="宋体" panose="02010600030101010101" pitchFamily="2" charset="-122"/>
-                        <a:cs typeface="Times New Roman" panose="02020603050405020304" pitchFamily="18" charset="0"/>
-                      </a:endParaRPr>
-                    </a:p>
-                  </a:txBody>
-                  <a:tcPr marL="68580" marR="68580" marT="0" marB="0"/>
-                </a:tc>
-                <a:extLst>
-                  <a:ext uri="{0D108BD9-81ED-4DB2-BD59-A6C34878D82A}">
-                    <a16:rowId xmlns:a16="http://schemas.microsoft.com/office/drawing/2014/main" val="2182444427"/>
-                  </a:ext>
-                </a:extLst>
-              </a:tr>
-              <a:tr h="1331409">
-                <a:tc>
-                  <a:txBody>
-                    <a:bodyPr/>
-                    <a:lstStyle/>
-                    <a:p>
-                      <a:pPr algn="just">
-                        <a:spcAft>
-                          <a:spcPts val="0"/>
-                        </a:spcAft>
-                      </a:pPr>
-                      <a:r>
-                        <a:rPr lang="zh-Hans" altLang="en-US" sz="2400" kern="100" dirty="0">
-                          <a:effectLst/>
-                          <a:latin typeface="Calibri" panose="020F0502020204030204" pitchFamily="34" charset="0"/>
-                          <a:ea typeface="宋体" panose="02010600030101010101" pitchFamily="2" charset="-122"/>
-                          <a:cs typeface="Times New Roman" panose="02020603050405020304" pitchFamily="18" charset="0"/>
-                        </a:rPr>
-                        <a:t>摄像机调用，相册调用</a:t>
-                      </a:r>
-                      <a:endParaRPr lang="zh-CN" sz="2400" kern="100" dirty="0">
-                        <a:effectLst/>
-                        <a:latin typeface="Calibri" panose="020F0502020204030204" pitchFamily="34" charset="0"/>
-                        <a:ea typeface="宋体" panose="02010600030101010101" pitchFamily="2" charset="-122"/>
-                        <a:cs typeface="Times New Roman" panose="02020603050405020304" pitchFamily="18" charset="0"/>
-                      </a:endParaRPr>
-                    </a:p>
-                  </a:txBody>
-                  <a:tcPr marL="68580" marR="68580" marT="0" marB="0"/>
-                </a:tc>
-                <a:tc>
-                  <a:txBody>
-                    <a:bodyPr/>
-                    <a:lstStyle/>
-                    <a:p>
-                      <a:pPr algn="just">
-                        <a:spcAft>
-                          <a:spcPts val="0"/>
-                        </a:spcAft>
-                      </a:pPr>
-                      <a:r>
-                        <a:rPr lang="zh-Hans" altLang="en-US" sz="2400" kern="0" dirty="0">
-                          <a:effectLst/>
-                          <a:latin typeface="Calibri" panose="020F0502020204030204" pitchFamily="34" charset="0"/>
-                          <a:ea typeface="宋体" panose="02010600030101010101" pitchFamily="2" charset="-122"/>
-                          <a:cs typeface="Times New Roman" panose="02020603050405020304" pitchFamily="18" charset="0"/>
-                        </a:rPr>
-                        <a:t>    安卓</a:t>
-                      </a:r>
-                      <a:r>
-                        <a:rPr lang="en-US" altLang="zh-Hans" sz="2400" kern="0" dirty="0">
-                          <a:effectLst/>
-                          <a:latin typeface="Calibri" panose="020F0502020204030204" pitchFamily="34" charset="0"/>
-                          <a:ea typeface="宋体" panose="02010600030101010101" pitchFamily="2" charset="-122"/>
-                          <a:cs typeface="Times New Roman" panose="02020603050405020304" pitchFamily="18" charset="0"/>
-                        </a:rPr>
-                        <a:t>4.4</a:t>
-                      </a:r>
-                      <a:r>
-                        <a:rPr lang="zh-Hans" altLang="en-US" sz="2400" kern="0" dirty="0">
-                          <a:effectLst/>
-                          <a:latin typeface="Calibri" panose="020F0502020204030204" pitchFamily="34" charset="0"/>
-                          <a:ea typeface="宋体" panose="02010600030101010101" pitchFamily="2" charset="-122"/>
-                          <a:cs typeface="Times New Roman" panose="02020603050405020304" pitchFamily="18" charset="0"/>
-                        </a:rPr>
-                        <a:t>以下的版本手机，安卓</a:t>
-                      </a:r>
-                      <a:r>
-                        <a:rPr lang="en-US" altLang="zh-Hans" sz="2400" kern="0" dirty="0">
-                          <a:effectLst/>
-                          <a:latin typeface="Calibri" panose="020F0502020204030204" pitchFamily="34" charset="0"/>
-                          <a:ea typeface="宋体" panose="02010600030101010101" pitchFamily="2" charset="-122"/>
-                          <a:cs typeface="Times New Roman" panose="02020603050405020304" pitchFamily="18" charset="0"/>
-                        </a:rPr>
-                        <a:t>4.4-7.0</a:t>
-                      </a:r>
-                      <a:r>
-                        <a:rPr lang="zh-Hans" altLang="en-US" sz="2400" kern="0" dirty="0">
-                          <a:effectLst/>
-                          <a:latin typeface="Calibri" panose="020F0502020204030204" pitchFamily="34" charset="0"/>
-                          <a:ea typeface="宋体" panose="02010600030101010101" pitchFamily="2" charset="-122"/>
-                          <a:cs typeface="Times New Roman" panose="02020603050405020304" pitchFamily="18" charset="0"/>
-                        </a:rPr>
-                        <a:t>版本的手机，安卓</a:t>
-                      </a:r>
-                      <a:r>
-                        <a:rPr lang="en-US" altLang="zh-Hans" sz="2400" kern="0" dirty="0">
-                          <a:effectLst/>
-                          <a:latin typeface="Calibri" panose="020F0502020204030204" pitchFamily="34" charset="0"/>
-                          <a:ea typeface="宋体" panose="02010600030101010101" pitchFamily="2" charset="-122"/>
-                          <a:cs typeface="Times New Roman" panose="02020603050405020304" pitchFamily="18" charset="0"/>
-                        </a:rPr>
-                        <a:t>7.0</a:t>
-                      </a:r>
-                      <a:r>
-                        <a:rPr lang="zh-Hans" altLang="en-US" sz="2400" kern="0" dirty="0">
-                          <a:effectLst/>
-                          <a:latin typeface="Calibri" panose="020F0502020204030204" pitchFamily="34" charset="0"/>
-                          <a:ea typeface="宋体" panose="02010600030101010101" pitchFamily="2" charset="-122"/>
-                          <a:cs typeface="Times New Roman" panose="02020603050405020304" pitchFamily="18" charset="0"/>
-                        </a:rPr>
-                        <a:t>以上的手机</a:t>
-                      </a:r>
-                      <a:endParaRPr lang="zh-CN" sz="2400" kern="100" dirty="0">
-                        <a:effectLst/>
-                        <a:latin typeface="Calibri" panose="020F0502020204030204" pitchFamily="34" charset="0"/>
-                        <a:ea typeface="宋体" panose="02010600030101010101" pitchFamily="2" charset="-122"/>
-                        <a:cs typeface="Times New Roman" panose="02020603050405020304" pitchFamily="18" charset="0"/>
-                      </a:endParaRPr>
-                    </a:p>
-                  </a:txBody>
-                  <a:tcPr marL="68580" marR="68580" marT="0" marB="0"/>
-                </a:tc>
-                <a:extLst>
-                  <a:ext uri="{0D108BD9-81ED-4DB2-BD59-A6C34878D82A}">
-                    <a16:rowId xmlns:a16="http://schemas.microsoft.com/office/drawing/2014/main" val="1320514310"/>
-                  </a:ext>
-                </a:extLst>
-              </a:tr>
-            </a:tbl>
-          </a:graphicData>
-        </a:graphic>
-      </p:graphicFrame>
+      <p:pic>
+        <p:nvPicPr>
+          <p:cNvPr id="-2147482576" name="图片 8"/>
+          <p:cNvPicPr>
+            <a:picLocks noChangeAspect="1"/>
+          </p:cNvPicPr>
+          <p:nvPr/>
+        </p:nvPicPr>
+        <p:blipFill>
+          <a:blip r:embed="rId1"/>
+          <a:stretch>
+            <a:fillRect/>
+          </a:stretch>
+        </p:blipFill>
+        <p:spPr>
+          <a:xfrm>
+            <a:off x="112395" y="1044575"/>
+            <a:ext cx="5582920" cy="4000500"/>
+          </a:xfrm>
+          <a:prstGeom prst="rect">
+            <a:avLst/>
+          </a:prstGeom>
+          <a:noFill/>
+          <a:ln w="9525">
+            <a:noFill/>
+          </a:ln>
+        </p:spPr>
+      </p:pic>
+      <p:sp>
+        <p:nvSpPr>
+          <p:cNvPr id="5" name="文本框 4"/>
+          <p:cNvSpPr txBox="1"/>
+          <p:nvPr/>
+        </p:nvSpPr>
+        <p:spPr>
+          <a:xfrm>
+            <a:off x="1397635" y="5225415"/>
+            <a:ext cx="868680" cy="368300"/>
+          </a:xfrm>
+          <a:prstGeom prst="rect">
+            <a:avLst/>
+          </a:prstGeom>
+          <a:noFill/>
+        </p:spPr>
+        <p:txBody>
+          <a:bodyPr wrap="none" rtlCol="0">
+            <a:spAutoFit/>
+          </a:bodyPr>
+          <a:p>
+            <a:r>
+              <a:rPr lang="zh-CN" altLang="zh-CN"/>
+              <a:t>测试类</a:t>
+            </a:r>
+            <a:endParaRPr lang="zh-CN" altLang="zh-CN"/>
+          </a:p>
+        </p:txBody>
+      </p:sp>
+      <p:pic>
+        <p:nvPicPr>
+          <p:cNvPr id="-2147482577" name="图片 3"/>
+          <p:cNvPicPr>
+            <a:picLocks noChangeAspect="1"/>
+          </p:cNvPicPr>
+          <p:nvPr/>
+        </p:nvPicPr>
+        <p:blipFill>
+          <a:blip r:embed="rId2"/>
+          <a:stretch>
+            <a:fillRect/>
+          </a:stretch>
+        </p:blipFill>
+        <p:spPr>
+          <a:xfrm>
+            <a:off x="6333173" y="954405"/>
+            <a:ext cx="5267325" cy="4180840"/>
+          </a:xfrm>
+          <a:prstGeom prst="rect">
+            <a:avLst/>
+          </a:prstGeom>
+          <a:noFill/>
+          <a:ln w="9525">
+            <a:noFill/>
+          </a:ln>
+        </p:spPr>
+      </p:pic>
+      <p:sp>
+        <p:nvSpPr>
+          <p:cNvPr id="100" name="文本框 99"/>
+          <p:cNvSpPr txBox="1"/>
+          <p:nvPr/>
+        </p:nvSpPr>
+        <p:spPr>
+          <a:xfrm>
+            <a:off x="6639560" y="5271770"/>
+            <a:ext cx="5080000" cy="368300"/>
+          </a:xfrm>
+          <a:prstGeom prst="rect">
+            <a:avLst/>
+          </a:prstGeom>
+          <a:noFill/>
+          <a:ln w="9525">
+            <a:noFill/>
+          </a:ln>
+        </p:spPr>
+        <p:txBody>
+          <a:bodyPr>
+            <a:spAutoFit/>
+          </a:bodyPr>
+          <a:p>
+            <a:pPr indent="0"/>
+            <a:r>
+              <a:rPr lang="zh-CN" altLang="en-US" b="0">
+                <a:latin typeface="宋体" panose="02010600030101010101" pitchFamily="2" charset="-122"/>
+                <a:ea typeface="宋体" panose="02010600030101010101" pitchFamily="2" charset="-122"/>
+                <a:cs typeface="宋体" panose="02010600030101010101" pitchFamily="2" charset="-122"/>
+              </a:rPr>
+              <a:t>测试调用</a:t>
+            </a:r>
+            <a:r>
+              <a:rPr lang="en-US" altLang="zh-CN" b="0">
+                <a:latin typeface="宋体" panose="02010600030101010101" pitchFamily="2" charset="-122"/>
+                <a:ea typeface="宋体" panose="02010600030101010101" pitchFamily="2" charset="-122"/>
+                <a:cs typeface="宋体" panose="02010600030101010101" pitchFamily="2" charset="-122"/>
+              </a:rPr>
+              <a:t>SDK</a:t>
+            </a:r>
+            <a:r>
+              <a:rPr lang="zh-CN" altLang="en-US" b="0">
+                <a:latin typeface="宋体" panose="02010600030101010101" pitchFamily="2" charset="-122"/>
+                <a:ea typeface="宋体" panose="02010600030101010101" pitchFamily="2" charset="-122"/>
+                <a:cs typeface="宋体" panose="02010600030101010101" pitchFamily="2" charset="-122"/>
+              </a:rPr>
+              <a:t>方法</a:t>
+            </a:r>
+            <a:endParaRPr lang="zh-CN" altLang="en-US"/>
+          </a:p>
+        </p:txBody>
+      </p:sp>
     </p:spTree>
-    <p:extLst>
-      <p:ext uri="{BB962C8B-B14F-4D97-AF65-F5344CB8AC3E}">
-        <p14:creationId xmlns:p14="http://schemas.microsoft.com/office/powerpoint/2010/main" val="1122055206"/>
-      </p:ext>
-    </p:extLst>
   </p:cSld>
   <p:clrMapOvr>
     <a:masterClrMapping/>
@@ -21330,7 +21499,7 @@
           <a:p>
             <a:pPr algn="ctr"/>
             <a:r>
-              <a:rPr lang="en-US" altLang="zh-Hans" sz="2400" dirty="0"/>
+              <a:rPr lang="en-US" altLang="en-US" sz="2400" dirty="0"/>
               <a:t>2</a:t>
             </a:r>
             <a:endParaRPr lang="en-US" sz="2400" dirty="0"/>
@@ -21360,36 +21529,16 @@
           <a:lstStyle/>
           <a:p>
             <a:r>
-              <a:rPr lang="zh-Hans" altLang="en-US" sz="2665" dirty="0">
+              <a:rPr lang="en-US" altLang="en-US" sz="2665" dirty="0">
                 <a:solidFill>
                   <a:srgbClr val="183A5D"/>
                 </a:solidFill>
                 <a:latin typeface="微软雅黑" panose="020B0503020204020204" pitchFamily="34" charset="-122"/>
                 <a:ea typeface="微软雅黑" panose="020B0503020204020204" pitchFamily="34" charset="-122"/>
               </a:rPr>
-              <a:t>测试计划</a:t>
+              <a:t>测试计划—单元测试(junit4.12)</a:t>
             </a:r>
-            <a:r>
-              <a:rPr lang="en-US" altLang="zh-Hans" sz="2665" dirty="0">
-                <a:solidFill>
-                  <a:srgbClr val="183A5D"/>
-                </a:solidFill>
-                <a:latin typeface="微软雅黑" panose="020B0503020204020204" pitchFamily="34" charset="-122"/>
-                <a:ea typeface="微软雅黑" panose="020B0503020204020204" pitchFamily="34" charset="-122"/>
-              </a:rPr>
-              <a:t>—</a:t>
-            </a:r>
-            <a:r>
-              <a:rPr lang="zh-Hans" altLang="en-US" sz="2665" dirty="0">
-                <a:solidFill>
-                  <a:srgbClr val="183A5D"/>
-                </a:solidFill>
-                <a:latin typeface="微软雅黑" panose="020B0503020204020204" pitchFamily="34" charset="-122"/>
-                <a:ea typeface="微软雅黑" panose="020B0503020204020204" pitchFamily="34" charset="-122"/>
-              </a:rPr>
-              <a:t>单元测试用例</a:t>
-            </a:r>
-            <a:endParaRPr lang="zh-CN" sz="2665" dirty="0">
+            <a:endParaRPr lang="en-US" altLang="en-US" sz="2665" dirty="0">
               <a:solidFill>
                 <a:srgbClr val="183A5D"/>
               </a:solidFill>
@@ -21399,358 +21548,133 @@
           </a:p>
         </p:txBody>
       </p:sp>
-      <p:graphicFrame>
-        <p:nvGraphicFramePr>
-          <p:cNvPr id="8" name="表格 7">
-            <a:extLst>
-              <a:ext uri="{FF2B5EF4-FFF2-40B4-BE49-F238E27FC236}">
-                <a16:creationId xmlns:a16="http://schemas.microsoft.com/office/drawing/2014/main" id="{A6369F71-757A-0444-BA07-38A6638B09C1}"/>
-              </a:ext>
-            </a:extLst>
-          </p:cNvPr>
-          <p:cNvGraphicFramePr>
-            <a:graphicFrameLocks noGrp="1"/>
-          </p:cNvGraphicFramePr>
-          <p:nvPr>
-            <p:extLst>
-              <p:ext uri="{D42A27DB-BD31-4B8C-83A1-F6EECF244321}">
-                <p14:modId xmlns:p14="http://schemas.microsoft.com/office/powerpoint/2010/main" val="4087081991"/>
-              </p:ext>
-            </p:extLst>
-          </p:nvPr>
-        </p:nvGraphicFramePr>
-        <p:xfrm>
-          <a:off x="1847184" y="1110342"/>
-          <a:ext cx="9222377" cy="5620964"/>
-        </p:xfrm>
-        <a:graphic>
-          <a:graphicData uri="http://schemas.openxmlformats.org/drawingml/2006/table">
-            <a:tbl>
-              <a:tblPr firstRow="1" firstCol="1" bandRow="1">
-                <a:tableStyleId>{5C22544A-7EE6-4342-B048-85BDC9FD1C3A}</a:tableStyleId>
-              </a:tblPr>
-              <a:tblGrid>
-                <a:gridCol w="3705716">
-                  <a:extLst>
-                    <a:ext uri="{9D8B030D-6E8A-4147-A177-3AD203B41FA5}">
-                      <a16:colId xmlns:a16="http://schemas.microsoft.com/office/drawing/2014/main" val="1718962802"/>
-                    </a:ext>
-                  </a:extLst>
-                </a:gridCol>
-                <a:gridCol w="5516661">
-                  <a:extLst>
-                    <a:ext uri="{9D8B030D-6E8A-4147-A177-3AD203B41FA5}">
-                      <a16:colId xmlns:a16="http://schemas.microsoft.com/office/drawing/2014/main" val="1760855077"/>
-                    </a:ext>
-                  </a:extLst>
-                </a:gridCol>
-              </a:tblGrid>
-              <a:tr h="1331409">
-                <a:tc>
-                  <a:txBody>
-                    <a:bodyPr/>
-                    <a:lstStyle/>
-                    <a:p>
-                      <a:pPr indent="267970" algn="just">
-                        <a:spcAft>
-                          <a:spcPts val="0"/>
-                        </a:spcAft>
-                      </a:pPr>
-                      <a:r>
-                        <a:rPr lang="zh-Hans" altLang="en-US" sz="2400" kern="100" dirty="0">
-                          <a:effectLst/>
-                          <a:latin typeface="Calibri" panose="020F0502020204030204" pitchFamily="34" charset="0"/>
-                          <a:ea typeface="宋体" panose="02010600030101010101" pitchFamily="2" charset="-122"/>
-                          <a:cs typeface="Times New Roman" panose="02020603050405020304" pitchFamily="18" charset="0"/>
-                        </a:rPr>
-                        <a:t>模块</a:t>
-                      </a:r>
-                      <a:endParaRPr lang="zh-CN" sz="2400" kern="100" dirty="0">
-                        <a:effectLst/>
-                        <a:latin typeface="Calibri" panose="020F0502020204030204" pitchFamily="34" charset="0"/>
-                        <a:ea typeface="宋体" panose="02010600030101010101" pitchFamily="2" charset="-122"/>
-                        <a:cs typeface="Times New Roman" panose="02020603050405020304" pitchFamily="18" charset="0"/>
-                      </a:endParaRPr>
-                    </a:p>
-                  </a:txBody>
-                  <a:tcPr marL="68580" marR="68580" marT="0" marB="0"/>
-                </a:tc>
-                <a:tc>
-                  <a:txBody>
-                    <a:bodyPr/>
-                    <a:lstStyle/>
-                    <a:p>
-                      <a:pPr indent="267970" algn="just">
-                        <a:spcAft>
-                          <a:spcPts val="0"/>
-                        </a:spcAft>
-                      </a:pPr>
-                      <a:r>
-                        <a:rPr lang="zh-Hans" altLang="en-US" sz="2400" kern="100" dirty="0">
-                          <a:effectLst/>
-                          <a:latin typeface="Calibri" panose="020F0502020204030204" pitchFamily="34" charset="0"/>
-                          <a:ea typeface="宋体" panose="02010600030101010101" pitchFamily="2" charset="-122"/>
-                          <a:cs typeface="Times New Roman" panose="02020603050405020304" pitchFamily="18" charset="0"/>
-                        </a:rPr>
-                        <a:t>测试用例</a:t>
-                      </a:r>
-                      <a:endParaRPr lang="zh-CN" sz="2400" kern="100" dirty="0">
-                        <a:effectLst/>
-                        <a:latin typeface="Calibri" panose="020F0502020204030204" pitchFamily="34" charset="0"/>
-                        <a:ea typeface="宋体" panose="02010600030101010101" pitchFamily="2" charset="-122"/>
-                        <a:cs typeface="Times New Roman" panose="02020603050405020304" pitchFamily="18" charset="0"/>
-                      </a:endParaRPr>
-                    </a:p>
-                  </a:txBody>
-                  <a:tcPr marL="68580" marR="68580" marT="0" marB="0"/>
-                </a:tc>
-                <a:extLst>
-                  <a:ext uri="{0D108BD9-81ED-4DB2-BD59-A6C34878D82A}">
-                    <a16:rowId xmlns:a16="http://schemas.microsoft.com/office/drawing/2014/main" val="2677502148"/>
-                  </a:ext>
-                </a:extLst>
-              </a:tr>
-              <a:tr h="1626737">
-                <a:tc>
-                  <a:txBody>
-                    <a:bodyPr/>
-                    <a:lstStyle/>
-                    <a:p>
-                      <a:pPr algn="just">
-                        <a:spcAft>
-                          <a:spcPts val="0"/>
-                        </a:spcAft>
-                      </a:pPr>
-                      <a:r>
-                        <a:rPr lang="en-US" altLang="zh-Hans" sz="2400" kern="100" dirty="0" err="1">
-                          <a:effectLst/>
-                          <a:latin typeface="Calibri" panose="020F0502020204030204" pitchFamily="34" charset="0"/>
-                          <a:ea typeface="宋体" panose="02010600030101010101" pitchFamily="2" charset="-122"/>
-                          <a:cs typeface="Times New Roman" panose="02020603050405020304" pitchFamily="18" charset="0"/>
-                        </a:rPr>
-                        <a:t>Api</a:t>
-                      </a:r>
-                      <a:r>
-                        <a:rPr lang="zh-Hans" altLang="en-US" sz="2400" kern="100" dirty="0">
-                          <a:effectLst/>
-                          <a:latin typeface="Calibri" panose="020F0502020204030204" pitchFamily="34" charset="0"/>
-                          <a:ea typeface="宋体" panose="02010600030101010101" pitchFamily="2" charset="-122"/>
-                          <a:cs typeface="Times New Roman" panose="02020603050405020304" pitchFamily="18" charset="0"/>
-                        </a:rPr>
-                        <a:t>请求</a:t>
-                      </a:r>
-                      <a:endParaRPr lang="zh-CN" sz="2400" kern="100" dirty="0">
-                        <a:effectLst/>
-                        <a:latin typeface="Calibri" panose="020F0502020204030204" pitchFamily="34" charset="0"/>
-                        <a:ea typeface="宋体" panose="02010600030101010101" pitchFamily="2" charset="-122"/>
-                        <a:cs typeface="Times New Roman" panose="02020603050405020304" pitchFamily="18" charset="0"/>
-                      </a:endParaRPr>
-                    </a:p>
-                  </a:txBody>
-                  <a:tcPr marL="68580" marR="68580" marT="0" marB="0"/>
-                </a:tc>
-                <a:tc>
-                  <a:txBody>
-                    <a:bodyPr/>
-                    <a:lstStyle/>
-                    <a:p>
-                      <a:pPr algn="just">
-                        <a:spcAft>
-                          <a:spcPts val="0"/>
-                        </a:spcAft>
-                      </a:pPr>
-                      <a:r>
-                        <a:rPr lang="zh-Hans" altLang="en-US" sz="2400" kern="0" dirty="0">
-                          <a:effectLst/>
-                          <a:latin typeface="Calibri" panose="020F0502020204030204" pitchFamily="34" charset="0"/>
-                          <a:ea typeface="宋体" panose="02010600030101010101" pitchFamily="2" charset="-122"/>
-                          <a:cs typeface="Times New Roman" panose="02020603050405020304" pitchFamily="18" charset="0"/>
-                        </a:rPr>
-                        <a:t>     不同网络上</a:t>
-                      </a:r>
-                      <a:r>
-                        <a:rPr lang="en-US" altLang="zh-Hans" sz="2400" kern="0" dirty="0">
-                          <a:effectLst/>
-                          <a:latin typeface="Calibri" panose="020F0502020204030204" pitchFamily="34" charset="0"/>
-                          <a:ea typeface="宋体" panose="02010600030101010101" pitchFamily="2" charset="-122"/>
-                          <a:cs typeface="Times New Roman" panose="02020603050405020304" pitchFamily="18" charset="0"/>
-                        </a:rPr>
-                        <a:t>API</a:t>
-                      </a:r>
-                      <a:r>
-                        <a:rPr lang="zh-Hans" altLang="en-US" sz="2400" kern="0" dirty="0">
-                          <a:effectLst/>
-                          <a:latin typeface="Calibri" panose="020F0502020204030204" pitchFamily="34" charset="0"/>
-                          <a:ea typeface="宋体" panose="02010600030101010101" pitchFamily="2" charset="-122"/>
-                          <a:cs typeface="Times New Roman" panose="02020603050405020304" pitchFamily="18" charset="0"/>
-                        </a:rPr>
-                        <a:t>请求是否成功</a:t>
-                      </a:r>
-                      <a:endParaRPr lang="zh-CN" sz="2400" kern="100" dirty="0">
-                        <a:effectLst/>
-                        <a:latin typeface="Calibri" panose="020F0502020204030204" pitchFamily="34" charset="0"/>
-                        <a:ea typeface="宋体" panose="02010600030101010101" pitchFamily="2" charset="-122"/>
-                        <a:cs typeface="Times New Roman" panose="02020603050405020304" pitchFamily="18" charset="0"/>
-                      </a:endParaRPr>
-                    </a:p>
-                  </a:txBody>
-                  <a:tcPr marL="68580" marR="68580" marT="0" marB="0"/>
-                </a:tc>
-                <a:extLst>
-                  <a:ext uri="{0D108BD9-81ED-4DB2-BD59-A6C34878D82A}">
-                    <a16:rowId xmlns:a16="http://schemas.microsoft.com/office/drawing/2014/main" val="1756121574"/>
-                  </a:ext>
-                </a:extLst>
-              </a:tr>
-              <a:tr h="1331409">
-                <a:tc>
-                  <a:txBody>
-                    <a:bodyPr/>
-                    <a:lstStyle/>
-                    <a:p>
-                      <a:pPr algn="just">
-                        <a:spcAft>
-                          <a:spcPts val="0"/>
-                        </a:spcAft>
-                      </a:pPr>
-                      <a:r>
-                        <a:rPr lang="zh-Hans" altLang="en-US" sz="2400" kern="100" dirty="0">
-                          <a:effectLst/>
-                          <a:latin typeface="Calibri" panose="020F0502020204030204" pitchFamily="34" charset="0"/>
-                          <a:ea typeface="宋体" panose="02010600030101010101" pitchFamily="2" charset="-122"/>
-                          <a:cs typeface="Times New Roman" panose="02020603050405020304" pitchFamily="18" charset="0"/>
-                        </a:rPr>
-                        <a:t>识别结果转详细页面</a:t>
-                      </a:r>
-                      <a:endParaRPr lang="zh-CN" sz="2400" kern="100" dirty="0">
-                        <a:effectLst/>
-                        <a:latin typeface="Calibri" panose="020F0502020204030204" pitchFamily="34" charset="0"/>
-                        <a:ea typeface="宋体" panose="02010600030101010101" pitchFamily="2" charset="-122"/>
-                        <a:cs typeface="Times New Roman" panose="02020603050405020304" pitchFamily="18" charset="0"/>
-                      </a:endParaRPr>
-                    </a:p>
-                  </a:txBody>
-                  <a:tcPr marL="68580" marR="68580" marT="0" marB="0"/>
-                </a:tc>
-                <a:tc>
-                  <a:txBody>
-                    <a:bodyPr/>
-                    <a:lstStyle/>
-                    <a:p>
-                      <a:pPr algn="just">
-                        <a:spcAft>
-                          <a:spcPts val="0"/>
-                        </a:spcAft>
-                      </a:pPr>
-                      <a:r>
-                        <a:rPr lang="zh-CN" altLang="en-US" sz="2400" kern="100" dirty="0">
-                          <a:effectLst/>
-                          <a:latin typeface="Calibri" panose="020F0502020204030204" pitchFamily="34" charset="0"/>
-                          <a:ea typeface="宋体" panose="02010600030101010101" pitchFamily="2" charset="-122"/>
-                          <a:cs typeface="Times New Roman" panose="02020603050405020304" pitchFamily="18" charset="0"/>
-                        </a:rPr>
-                        <a:t> </a:t>
-                      </a:r>
-                      <a:r>
-                        <a:rPr lang="zh-Hans" altLang="en-US" sz="2400" kern="100" dirty="0">
-                          <a:effectLst/>
-                          <a:latin typeface="Calibri" panose="020F0502020204030204" pitchFamily="34" charset="0"/>
-                          <a:ea typeface="宋体" panose="02010600030101010101" pitchFamily="2" charset="-122"/>
-                          <a:cs typeface="Times New Roman" panose="02020603050405020304" pitchFamily="18" charset="0"/>
-                        </a:rPr>
-                        <a:t>   点击不同的选项</a:t>
-                      </a:r>
-                      <a:endParaRPr lang="zh-CN" sz="2400" kern="100" dirty="0">
-                        <a:effectLst/>
-                        <a:latin typeface="Calibri" panose="020F0502020204030204" pitchFamily="34" charset="0"/>
-                        <a:ea typeface="宋体" panose="02010600030101010101" pitchFamily="2" charset="-122"/>
-                        <a:cs typeface="Times New Roman" panose="02020603050405020304" pitchFamily="18" charset="0"/>
-                      </a:endParaRPr>
-                    </a:p>
-                  </a:txBody>
-                  <a:tcPr marL="68580" marR="68580" marT="0" marB="0"/>
-                </a:tc>
-                <a:extLst>
-                  <a:ext uri="{0D108BD9-81ED-4DB2-BD59-A6C34878D82A}">
-                    <a16:rowId xmlns:a16="http://schemas.microsoft.com/office/drawing/2014/main" val="2182444427"/>
-                  </a:ext>
-                </a:extLst>
-              </a:tr>
-              <a:tr h="1331409">
-                <a:tc>
-                  <a:txBody>
-                    <a:bodyPr/>
-                    <a:lstStyle/>
-                    <a:p>
-                      <a:pPr algn="just">
-                        <a:spcAft>
-                          <a:spcPts val="0"/>
-                        </a:spcAft>
-                      </a:pPr>
-                      <a:r>
-                        <a:rPr lang="zh-Hans" altLang="en-US" sz="2400" kern="100" dirty="0">
-                          <a:effectLst/>
-                          <a:latin typeface="Calibri" panose="020F0502020204030204" pitchFamily="34" charset="0"/>
-                          <a:ea typeface="宋体" panose="02010600030101010101" pitchFamily="2" charset="-122"/>
-                          <a:cs typeface="Times New Roman" panose="02020603050405020304" pitchFamily="18" charset="0"/>
-                        </a:rPr>
-                        <a:t>历史记录</a:t>
-                      </a:r>
-                      <a:endParaRPr lang="zh-CN" sz="2400" kern="100" dirty="0">
-                        <a:effectLst/>
-                        <a:latin typeface="Calibri" panose="020F0502020204030204" pitchFamily="34" charset="0"/>
-                        <a:ea typeface="宋体" panose="02010600030101010101" pitchFamily="2" charset="-122"/>
-                        <a:cs typeface="Times New Roman" panose="02020603050405020304" pitchFamily="18" charset="0"/>
-                      </a:endParaRPr>
-                    </a:p>
-                  </a:txBody>
-                  <a:tcPr marL="68580" marR="68580" marT="0" marB="0"/>
-                </a:tc>
-                <a:tc>
-                  <a:txBody>
-                    <a:bodyPr/>
-                    <a:lstStyle/>
-                    <a:p>
-                      <a:pPr algn="just">
-                        <a:spcAft>
-                          <a:spcPts val="0"/>
-                        </a:spcAft>
-                      </a:pPr>
-                      <a:r>
-                        <a:rPr lang="zh-Hans" altLang="en-US" sz="2400" kern="100" dirty="0">
-                          <a:effectLst/>
-                          <a:latin typeface="Calibri" panose="020F0502020204030204" pitchFamily="34" charset="0"/>
-                          <a:ea typeface="宋体" panose="02010600030101010101" pitchFamily="2" charset="-122"/>
-                          <a:cs typeface="Times New Roman" panose="02020603050405020304" pitchFamily="18" charset="0"/>
-                        </a:rPr>
-                        <a:t>点击标记按钮以表示正确识别</a:t>
-                      </a:r>
-                      <a:endParaRPr lang="zh-CN" sz="2400" kern="100" dirty="0">
-                        <a:effectLst/>
-                        <a:latin typeface="Calibri" panose="020F0502020204030204" pitchFamily="34" charset="0"/>
-                        <a:ea typeface="宋体" panose="02010600030101010101" pitchFamily="2" charset="-122"/>
-                        <a:cs typeface="Times New Roman" panose="02020603050405020304" pitchFamily="18" charset="0"/>
-                      </a:endParaRPr>
-                    </a:p>
-                  </a:txBody>
-                  <a:tcPr marL="68580" marR="68580" marT="0" marB="0"/>
-                </a:tc>
-                <a:extLst>
-                  <a:ext uri="{0D108BD9-81ED-4DB2-BD59-A6C34878D82A}">
-                    <a16:rowId xmlns:a16="http://schemas.microsoft.com/office/drawing/2014/main" val="3700117422"/>
-                  </a:ext>
-                </a:extLst>
-              </a:tr>
-            </a:tbl>
-          </a:graphicData>
-        </a:graphic>
-      </p:graphicFrame>
+      <p:sp>
+        <p:nvSpPr>
+          <p:cNvPr id="6" name="文本框 5"/>
+          <p:cNvSpPr txBox="1"/>
+          <p:nvPr/>
+        </p:nvSpPr>
+        <p:spPr>
+          <a:xfrm>
+            <a:off x="1397635" y="5225415"/>
+            <a:ext cx="2240280" cy="368300"/>
+          </a:xfrm>
+          <a:prstGeom prst="rect">
+            <a:avLst/>
+          </a:prstGeom>
+          <a:noFill/>
+        </p:spPr>
+        <p:txBody>
+          <a:bodyPr wrap="none" rtlCol="0">
+            <a:spAutoFit/>
+          </a:bodyPr>
+          <a:p>
+            <a:r>
+              <a:rPr lang="zh-CN" altLang="zh-CN"/>
+              <a:t>本地数据库连接测试</a:t>
+            </a:r>
+            <a:endParaRPr lang="zh-CN" altLang="zh-CN"/>
+          </a:p>
+        </p:txBody>
+      </p:sp>
+      <p:sp>
+        <p:nvSpPr>
+          <p:cNvPr id="100" name="文本框 99"/>
+          <p:cNvSpPr txBox="1"/>
+          <p:nvPr/>
+        </p:nvSpPr>
+        <p:spPr>
+          <a:xfrm>
+            <a:off x="6639560" y="5271770"/>
+            <a:ext cx="5080000" cy="368300"/>
+          </a:xfrm>
+          <a:prstGeom prst="rect">
+            <a:avLst/>
+          </a:prstGeom>
+          <a:noFill/>
+          <a:ln w="9525">
+            <a:noFill/>
+          </a:ln>
+        </p:spPr>
+        <p:txBody>
+          <a:bodyPr>
+            <a:spAutoFit/>
+          </a:bodyPr>
+          <a:p>
+            <a:pPr indent="0"/>
+            <a:r>
+              <a:rPr b="0">
+                <a:latin typeface="宋体" panose="02010600030101010101" pitchFamily="2" charset="-122"/>
+                <a:ea typeface="宋体" panose="02010600030101010101" pitchFamily="2" charset="-122"/>
+                <a:cs typeface="宋体" panose="02010600030101010101" pitchFamily="2" charset="-122"/>
+              </a:rPr>
+              <a:t>打开相机测试</a:t>
+            </a:r>
+            <a:endParaRPr b="0">
+              <a:latin typeface="宋体" panose="02010600030101010101" pitchFamily="2" charset="-122"/>
+              <a:ea typeface="宋体" panose="02010600030101010101" pitchFamily="2" charset="-122"/>
+              <a:cs typeface="宋体" panose="02010600030101010101" pitchFamily="2" charset="-122"/>
+            </a:endParaRPr>
+          </a:p>
+        </p:txBody>
+      </p:sp>
+      <p:pic>
+        <p:nvPicPr>
+          <p:cNvPr id="-2147482574" name="图片 17"/>
+          <p:cNvPicPr>
+            <a:picLocks noChangeAspect="1"/>
+          </p:cNvPicPr>
+          <p:nvPr/>
+        </p:nvPicPr>
+        <p:blipFill>
+          <a:blip r:embed="rId1"/>
+          <a:stretch>
+            <a:fillRect/>
+          </a:stretch>
+        </p:blipFill>
+        <p:spPr>
+          <a:xfrm>
+            <a:off x="368300" y="911860"/>
+            <a:ext cx="5271135" cy="4181475"/>
+          </a:xfrm>
+          <a:prstGeom prst="rect">
+            <a:avLst/>
+          </a:prstGeom>
+          <a:noFill/>
+          <a:ln w="9525">
+            <a:noFill/>
+          </a:ln>
+        </p:spPr>
+      </p:pic>
+      <p:pic>
+        <p:nvPicPr>
+          <p:cNvPr id="-2147482573" name="图片 18"/>
+          <p:cNvPicPr>
+            <a:picLocks noChangeAspect="1"/>
+          </p:cNvPicPr>
+          <p:nvPr/>
+        </p:nvPicPr>
+        <p:blipFill>
+          <a:blip r:embed="rId2"/>
+          <a:stretch>
+            <a:fillRect/>
+          </a:stretch>
+        </p:blipFill>
+        <p:spPr>
+          <a:xfrm>
+            <a:off x="6085840" y="911860"/>
+            <a:ext cx="5269230" cy="4180840"/>
+          </a:xfrm>
+          <a:prstGeom prst="rect">
+            <a:avLst/>
+          </a:prstGeom>
+          <a:noFill/>
+          <a:ln w="9525">
+            <a:noFill/>
+          </a:ln>
+        </p:spPr>
+      </p:pic>
     </p:spTree>
-    <p:extLst>
-      <p:ext uri="{BB962C8B-B14F-4D97-AF65-F5344CB8AC3E}">
-        <p14:creationId xmlns:p14="http://schemas.microsoft.com/office/powerpoint/2010/main" val="788084038"/>
-      </p:ext>
-    </p:extLst>
   </p:cSld>
   <p:clrMapOvr>
     <a:masterClrMapping/>
@@ -22012,8 +21936,6 @@
       </a:bgFillStyleLst>
     </a:fmtScheme>
   </a:themeElements>
-  <a:objectDefaults/>
-  <a:extraClrSchemeLst/>
   <a:extLst>
     <a:ext uri="{05A4C25C-085E-4340-85A3-A5531E510DB2}">
       <thm15:themeFamily xmlns:thm15="http://schemas.microsoft.com/office/thememl/2012/main" name="Office Theme" id="{62F939B6-93AF-4DB8-9C6B-D6C7DFDC589F}" vid="{4A3C46E8-61CC-4603-A589-7422A47A8E4A}"/>
@@ -22273,8 +22195,6 @@
       </a:bgFillStyleLst>
     </a:fmtScheme>
   </a:themeElements>
-  <a:objectDefaults/>
-  <a:extraClrSchemeLst/>
   <a:extLst>
     <a:ext uri="{05A4C25C-085E-4340-85A3-A5531E510DB2}">
       <thm15:themeFamily xmlns:thm15="http://schemas.microsoft.com/office/thememl/2012/main" name="Office Theme" id="{62F939B6-93AF-4DB8-9C6B-D6C7DFDC589F}" vid="{4A3C46E8-61CC-4603-A589-7422A47A8E4A}"/>
